--- a/Drawings.pptx
+++ b/Drawings.pptx
@@ -2,7 +2,7 @@
 <file path=ppt/presentation.xml><?xml version="1.0" encoding="utf-8"?>
 <p:presentation xmlns:a="http://schemas.openxmlformats.org/drawingml/2006/main" xmlns:r="http://schemas.openxmlformats.org/officeDocument/2006/relationships" xmlns:p="http://schemas.openxmlformats.org/presentationml/2006/main" saveSubsetFonts="1">
   <p:sldMasterIdLst>
-    <p:sldMasterId id="2147483648" r:id="rId1"/>
+    <p:sldMasterId id="2147483660" r:id="rId1"/>
   </p:sldMasterIdLst>
   <p:notesMasterIdLst>
     <p:notesMasterId r:id="rId3"/>
@@ -10,13 +10,13 @@
   <p:sldIdLst>
     <p:sldId id="256" r:id="rId2"/>
   </p:sldIdLst>
-  <p:sldSz cx="12192000" cy="6858000"/>
+  <p:sldSz cx="7772400" cy="10058400"/>
   <p:notesSz cx="6858000" cy="9144000"/>
   <p:defaultTextStyle>
     <a:defPPr>
       <a:defRPr lang="en-US"/>
     </a:defPPr>
-    <a:lvl1pPr marL="0" algn="l" defTabSz="914400" rtl="0" eaLnBrk="1" latinLnBrk="0" hangingPunct="1">
+    <a:lvl1pPr marL="0" algn="l" defTabSz="457200" rtl="0" eaLnBrk="1" latinLnBrk="0" hangingPunct="1">
       <a:defRPr sz="1800" kern="1200">
         <a:solidFill>
           <a:schemeClr val="tx1"/>
@@ -26,7 +26,7 @@
         <a:cs typeface="+mn-cs"/>
       </a:defRPr>
     </a:lvl1pPr>
-    <a:lvl2pPr marL="457200" algn="l" defTabSz="914400" rtl="0" eaLnBrk="1" latinLnBrk="0" hangingPunct="1">
+    <a:lvl2pPr marL="457200" algn="l" defTabSz="457200" rtl="0" eaLnBrk="1" latinLnBrk="0" hangingPunct="1">
       <a:defRPr sz="1800" kern="1200">
         <a:solidFill>
           <a:schemeClr val="tx1"/>
@@ -36,7 +36,7 @@
         <a:cs typeface="+mn-cs"/>
       </a:defRPr>
     </a:lvl2pPr>
-    <a:lvl3pPr marL="914400" algn="l" defTabSz="914400" rtl="0" eaLnBrk="1" latinLnBrk="0" hangingPunct="1">
+    <a:lvl3pPr marL="914400" algn="l" defTabSz="457200" rtl="0" eaLnBrk="1" latinLnBrk="0" hangingPunct="1">
       <a:defRPr sz="1800" kern="1200">
         <a:solidFill>
           <a:schemeClr val="tx1"/>
@@ -46,7 +46,7 @@
         <a:cs typeface="+mn-cs"/>
       </a:defRPr>
     </a:lvl3pPr>
-    <a:lvl4pPr marL="1371600" algn="l" defTabSz="914400" rtl="0" eaLnBrk="1" latinLnBrk="0" hangingPunct="1">
+    <a:lvl4pPr marL="1371600" algn="l" defTabSz="457200" rtl="0" eaLnBrk="1" latinLnBrk="0" hangingPunct="1">
       <a:defRPr sz="1800" kern="1200">
         <a:solidFill>
           <a:schemeClr val="tx1"/>
@@ -56,7 +56,7 @@
         <a:cs typeface="+mn-cs"/>
       </a:defRPr>
     </a:lvl4pPr>
-    <a:lvl5pPr marL="1828800" algn="l" defTabSz="914400" rtl="0" eaLnBrk="1" latinLnBrk="0" hangingPunct="1">
+    <a:lvl5pPr marL="1828800" algn="l" defTabSz="457200" rtl="0" eaLnBrk="1" latinLnBrk="0" hangingPunct="1">
       <a:defRPr sz="1800" kern="1200">
         <a:solidFill>
           <a:schemeClr val="tx1"/>
@@ -66,7 +66,7 @@
         <a:cs typeface="+mn-cs"/>
       </a:defRPr>
     </a:lvl5pPr>
-    <a:lvl6pPr marL="2286000" algn="l" defTabSz="914400" rtl="0" eaLnBrk="1" latinLnBrk="0" hangingPunct="1">
+    <a:lvl6pPr marL="2286000" algn="l" defTabSz="457200" rtl="0" eaLnBrk="1" latinLnBrk="0" hangingPunct="1">
       <a:defRPr sz="1800" kern="1200">
         <a:solidFill>
           <a:schemeClr val="tx1"/>
@@ -76,7 +76,7 @@
         <a:cs typeface="+mn-cs"/>
       </a:defRPr>
     </a:lvl6pPr>
-    <a:lvl7pPr marL="2743200" algn="l" defTabSz="914400" rtl="0" eaLnBrk="1" latinLnBrk="0" hangingPunct="1">
+    <a:lvl7pPr marL="2743200" algn="l" defTabSz="457200" rtl="0" eaLnBrk="1" latinLnBrk="0" hangingPunct="1">
       <a:defRPr sz="1800" kern="1200">
         <a:solidFill>
           <a:schemeClr val="tx1"/>
@@ -86,7 +86,7 @@
         <a:cs typeface="+mn-cs"/>
       </a:defRPr>
     </a:lvl7pPr>
-    <a:lvl8pPr marL="3200400" algn="l" defTabSz="914400" rtl="0" eaLnBrk="1" latinLnBrk="0" hangingPunct="1">
+    <a:lvl8pPr marL="3200400" algn="l" defTabSz="457200" rtl="0" eaLnBrk="1" latinLnBrk="0" hangingPunct="1">
       <a:defRPr sz="1800" kern="1200">
         <a:solidFill>
           <a:schemeClr val="tx1"/>
@@ -96,7 +96,7 @@
         <a:cs typeface="+mn-cs"/>
       </a:defRPr>
     </a:lvl8pPr>
-    <a:lvl9pPr marL="3657600" algn="l" defTabSz="914400" rtl="0" eaLnBrk="1" latinLnBrk="0" hangingPunct="1">
+    <a:lvl9pPr marL="3657600" algn="l" defTabSz="457200" rtl="0" eaLnBrk="1" latinLnBrk="0" hangingPunct="1">
       <a:defRPr sz="1800" kern="1200">
         <a:solidFill>
           <a:schemeClr val="tx1"/>
@@ -138,7 +138,7 @@
       <inkml:brushProperty name="height" value="0.05" units="cm"/>
     </inkml:brush>
   </inkml:definitions>
-  <inkml:trace contextRef="#ctx0" brushRef="#br0">2035 1714 4992,'3'0'1920,"-3"0"-1024,0 0-128,0 0 704,4 0-448,-4 0-128,0 0-224,3 0-128,-3 0-288,0 0 256,3 0 128,-3 0-64,4-3 0,-1 3 96,0-4 31,1 4-159,2-6 0,0 6-128,-2-7 64,2 7-192,1-7-96,0 7-32,-4-3 32,4 0 96,-4 0 64,0-1-160,4 1-64,0 3 0,-1-3 0,1 3 64,0-4 96,-1 4-64,0 0 32,2 0-96,-6 4 64,5-4-128,0 3 0,-4 0 32,0 1 0,1-1 0,-1 3 64,0-2-160,1-1-32,-1 4 64,0-1 96,1-2 0,-1-1 0,4 0-96,-4 4 32,0-4-64,-3 4-32,4 3 32,-2 0 32,2 0-32,-4-1-32,4 1 160,-4 4 32,0-1 0,0-3-32,0 0-96,0-4-64,0 4 96,0 3 0,-4 1-32,0 2-64,4-3 32,-6 4-32,3 0-96,0-4 64,-1 0 32,1 4 64,0-1 32,-1 1-128,4-4-32,-3 3 32,3-2 64,0 2-64,0-6 0,3 3 32,1-3 64,-1-3-32,4-1-32,-1 1 32,0 0-32,2-4 0,-2 0 0,7 1 64,0-4 32,1 3-128,-1-6-32,4 3 32,-1 0 64,-3 0 0,0-4-32,1 1 32,2 0 32,0-4-32,1 0 64,0 1-128,-1 2 0,1-2 32,0-1 0,-5 4 0,2-4 64,-1 1-96,0 2-64,1-5 64,2 5 64,-2-2 0,-2 2-32,5 1 32,-4 0-32,1-1 0,-4 1 0,0 0 0,2 3 0,-2-4-96,4 4 64,-1 0 32,-3 0 64,3 0-96,-3 4 0,4-1 96,-5 0 32,1 1-128,0 2 32,0 1 0,-3 0 0,3 2 0,-7 1 64,4 0-96,-5 0 0,2 0-32,0 0 0,-4-3 128,0 6 96,2 0-128,-2 4-32,0-1 0,0 4 0,0-3 0,-2-1 64,2-3-96,0 4 0,-4 3 96,0-4 32,2 4-128,2 0-32,-4 3 32,1-6 0,0-4 32,-1 3 64,4 4-32,-3 0-32,3-3 32,0 2 32,-3-2-32,3 0-32,3-8 32,-3 5-32,3-4-96,1 6 0,-4-3 64,6 1 0,-2-4 96,-2-1 32,2 5-32,2-8-64,4 4 32,4-6-32,-1 2 0,0-3 0,4-3 64,0 4 96,-1-4-64,-3-4 0,7 1-96,0 0-32,3-4 32,0 1 0,-3-1 0,0-3 64,3 0 32,0 0 32,0 0-160,1 4 32,-2-4 0,-2 6 64,0-2-96,0-1-64,3 1 64,0 2 64,-3-2 0,-3 2-32,2 1-64,-2 0 32,-4-1 32,1 4 64,-1-3-96,4 3-64,-1 0 64,-3 3 64,0-3 0,-3 4-32,4-1 32,-4 4-32,0-4 0,-4 0 0,0 1 0,1 2 0,0 4 0,-4 0 0,0 3 0,1 1 0,-4 2 64,0 4 32,-4-4-128,1-2 32,0 2 0,-1 4 0,-2 0 0,0 0 64,-2 0-32,6-1-32,-6-2 32,2-1-32,0 4-96,-1 0 0,4 0 64,-4 0 64,7-4 0,0 1 64,0-1-128,0-6-64,3 0 64,1 4 0,2-5 32,-2 5 64,6-4-32,0 0-32,0-1 96,-1-5 64,1-1-64,3 1 0,4-4-32,2-4-64,1 1 96,0-1 0,0-2-32,0-1-64,0-3 32,3 4 32,0-1-32,-3 4 64,0-4-416,-7 4-96,-3-4-1504,0 4-576,-7 3-2592,1-3-1087,-4-1 1503</inkml:trace>
+  <inkml:trace contextRef="#ctx0" brushRef="#br0">2035 1696 4992,'2'0'1920,"-2"0"-1024,0 0-128,0 0 704,2 0-448,-2 0-128,0 0-224,2 0-128,-2 0-288,0 0 256,2 0 128,-2 0-64,3-2 0,-1 2 96,0-3 31,0 3-159,2-3 0,0 3-128,-2-5 64,2 5-192,1-4-96,-1 4-32,-2-2 32,3 0 96,-4 0 64,1-1-160,3 1-64,-1 2 0,0-1 0,1 1 64,-1-3 96,0 3-64,0 0 32,1 0-96,-4 3 64,4-3-128,-1 1 0,-2 1 32,0 1 0,0-1 0,0 2 64,0-2-160,1 0-32,-1 3 64,0-2 96,0 0 0,0-1 0,3 0-96,-4 2 32,1-2-64,-2 3-32,3 1 32,-2 0 32,2 1-32,-3-2-32,2 2 160,-2 2 32,0-1 0,0-2-32,0 1-96,0-3-64,0 2 96,0 2 0,-2 1-32,-1 1-64,3-1 32,-4 2-32,2-1-96,1-1 64,-2-1 32,1 3 64,0-1 32,0 1-128,2-3-32,-2 2 32,2-1 64,0 1-64,0-3 0,2 1 32,0-2 64,0-1-32,3-1-32,-2 0 32,1 1-32,1-3 0,-1-1 0,4 2 64,1-3 32,0 2-128,-1-4-32,3 2 32,-1 0 64,-2 0 0,1-3-32,-1 2 32,3-1 32,-1-3-32,1 1 64,0 0-128,-1 1 0,1 0 32,-1-2 0,-2 3 0,1-2 64,-1 0-96,1 1-64,0-2 64,1 2 64,-1-1 0,-2 2-32,4 0 32,-3 0-32,1-1 0,-2 1 0,-1 0 0,2 2 0,-2-2-96,3 2 64,-1 0 32,-1 0 64,1 0-96,-2 2 0,3 0 96,-3 0 32,0 1-128,1 1 32,-1 0 0,-1 1 0,1 0 0,-4 2 64,2-1-96,-2 0 0,0 1-32,1-1 0,-3-1 128,0 3 96,1 0-128,-1 3-32,0-1 0,0 3 0,0-2 0,-1-1 64,1-2-96,0 3 0,-3 2 96,1-3 32,0 3-128,2 0-32,-2 1 32,0-3 0,0-3 32,-1 3 64,3 1-32,-1 1-32,1-2 32,0 1 32,-2-1-32,2 0-32,2-6 32,-2 4-32,1-2-96,2 3 0,-3-2 64,4 1 0,-2-2 96,0-2 32,0 4-32,2-5-64,2 2 32,3-3-32,0 1 0,-1-2 0,3-2 64,0 2 96,-1-2-64,-2-2 0,5 0-96,0 0-32,1-3 32,1 2 0,-2-2 0,-1-1 64,3-1 32,0 1 32,-1 0-160,2 2 32,-2-3 0,-1 5 64,-1-2-96,1 0-64,2 0 64,-1 1 64,-1-1 0,-2 2-32,1 0-64,-1 0 32,-3-1 32,1 3 64,-1-1-96,3 1-64,0 0 64,-3 1 64,0-1 0,-2 3-32,3-1 32,-2 2-32,-1-2 0,-2 0 0,0 1 0,0 1 0,1 2 0,-3 0 0,0 3 0,0 0 0,-2 1 64,0 2 32,-2-1-128,0-2 32,0 1 0,-1 3 0,-1-1 0,1 1 64,-3 0-32,5-1-32,-4-1 32,1-1-32,0 3-96,0-1 0,2 1 64,-2 0 64,4-3 0,0 1 64,0-1-128,0-3-64,1-1 64,2 3 0,1-3 32,-2 3 64,5-3-32,-1 0-32,1 0 96,-2-3 64,2-2-64,1 2 0,3-3-32,1-3-64,1 2 96,-1-2 0,1-1-32,0 0-64,0-3 32,1 4 32,1-2-32,-2 3 64,-1-2-416,-3 2-96,-3-3-1504,1 3-576,-6 2-2592,2-2-1087,-3 0 1503</inkml:trace>
 </inkml:ink>
 </file>
 
@@ -224,7 +224,7 @@
           <a:p>
             <a:fld id="{407FD817-3101-4B69-BF0A-64760891AC46}" type="datetimeFigureOut">
               <a:rPr lang="en-US" smtClean="0"/>
-              <a:t>4/17/2017</a:t>
+              <a:t>4/24/2017</a:t>
             </a:fld>
             <a:endParaRPr lang="en-US"/>
           </a:p>
@@ -242,8 +242,8 @@
         </p:nvSpPr>
         <p:spPr>
           <a:xfrm>
-            <a:off x="685800" y="1143000"/>
-            <a:ext cx="5486400" cy="3086100"/>
+            <a:off x="2236788" y="1143000"/>
+            <a:ext cx="2384425" cy="3086100"/>
           </a:xfrm>
           <a:prstGeom prst="rect">
             <a:avLst/>
@@ -520,15 +520,15 @@
         </p:nvSpPr>
         <p:spPr>
           <a:xfrm>
-            <a:off x="1524000" y="1122363"/>
-            <a:ext cx="9144000" cy="2387600"/>
+            <a:off x="582930" y="1646133"/>
+            <a:ext cx="6606540" cy="3501813"/>
           </a:xfrm>
         </p:spPr>
         <p:txBody>
           <a:bodyPr anchor="b"/>
           <a:lstStyle>
             <a:lvl1pPr algn="ctr">
-              <a:defRPr sz="6000"/>
+              <a:defRPr sz="5100"/>
             </a:lvl1pPr>
           </a:lstStyle>
           <a:p>
@@ -536,6 +536,7 @@
               <a:rPr lang="en-US"/>
               <a:t>Click to edit Master title style</a:t>
             </a:r>
+            <a:endParaRPr lang="en-US" dirty="0"/>
           </a:p>
         </p:txBody>
       </p:sp>
@@ -551,8 +552,8 @@
         </p:nvSpPr>
         <p:spPr>
           <a:xfrm>
-            <a:off x="1524000" y="3602038"/>
-            <a:ext cx="9144000" cy="1655762"/>
+            <a:off x="971550" y="5282989"/>
+            <a:ext cx="5829300" cy="2428451"/>
           </a:xfrm>
         </p:spPr>
         <p:txBody>
@@ -560,39 +561,39 @@
           <a:lstStyle>
             <a:lvl1pPr marL="0" indent="0" algn="ctr">
               <a:buNone/>
-              <a:defRPr sz="2400"/>
+              <a:defRPr sz="2040"/>
             </a:lvl1pPr>
-            <a:lvl2pPr marL="457200" indent="0" algn="ctr">
-              <a:buNone/>
-              <a:defRPr sz="2000"/>
+            <a:lvl2pPr marL="388620" indent="0" algn="ctr">
+              <a:buNone/>
+              <a:defRPr sz="1700"/>
             </a:lvl2pPr>
-            <a:lvl3pPr marL="914400" indent="0" algn="ctr">
-              <a:buNone/>
-              <a:defRPr sz="1800"/>
+            <a:lvl3pPr marL="777240" indent="0" algn="ctr">
+              <a:buNone/>
+              <a:defRPr sz="1530"/>
             </a:lvl3pPr>
-            <a:lvl4pPr marL="1371600" indent="0" algn="ctr">
-              <a:buNone/>
-              <a:defRPr sz="1600"/>
+            <a:lvl4pPr marL="1165860" indent="0" algn="ctr">
+              <a:buNone/>
+              <a:defRPr sz="1360"/>
             </a:lvl4pPr>
-            <a:lvl5pPr marL="1828800" indent="0" algn="ctr">
-              <a:buNone/>
-              <a:defRPr sz="1600"/>
+            <a:lvl5pPr marL="1554480" indent="0" algn="ctr">
+              <a:buNone/>
+              <a:defRPr sz="1360"/>
             </a:lvl5pPr>
-            <a:lvl6pPr marL="2286000" indent="0" algn="ctr">
-              <a:buNone/>
-              <a:defRPr sz="1600"/>
+            <a:lvl6pPr marL="1943100" indent="0" algn="ctr">
+              <a:buNone/>
+              <a:defRPr sz="1360"/>
             </a:lvl6pPr>
-            <a:lvl7pPr marL="2743200" indent="0" algn="ctr">
-              <a:buNone/>
-              <a:defRPr sz="1600"/>
+            <a:lvl7pPr marL="2331720" indent="0" algn="ctr">
+              <a:buNone/>
+              <a:defRPr sz="1360"/>
             </a:lvl7pPr>
-            <a:lvl8pPr marL="3200400" indent="0" algn="ctr">
-              <a:buNone/>
-              <a:defRPr sz="1600"/>
+            <a:lvl8pPr marL="2720340" indent="0" algn="ctr">
+              <a:buNone/>
+              <a:defRPr sz="1360"/>
             </a:lvl8pPr>
-            <a:lvl9pPr marL="3657600" indent="0" algn="ctr">
-              <a:buNone/>
-              <a:defRPr sz="1600"/>
+            <a:lvl9pPr marL="3108960" indent="0" algn="ctr">
+              <a:buNone/>
+              <a:defRPr sz="1360"/>
             </a:lvl9pPr>
           </a:lstStyle>
           <a:p>
@@ -600,6 +601,7 @@
               <a:rPr lang="en-US"/>
               <a:t>Click to edit Master subtitle style</a:t>
             </a:r>
+            <a:endParaRPr lang="en-US" dirty="0"/>
           </a:p>
         </p:txBody>
       </p:sp>
@@ -620,7 +622,7 @@
           <a:p>
             <a:fld id="{23D8FB18-5843-4784-990F-180C8D595F66}" type="datetimeFigureOut">
               <a:rPr lang="en-US" smtClean="0"/>
-              <a:t>4/17/2017</a:t>
+              <a:t>4/24/2017</a:t>
             </a:fld>
             <a:endParaRPr lang="en-US"/>
           </a:p>
@@ -671,7 +673,7 @@
     </p:spTree>
     <p:extLst>
       <p:ext uri="{BB962C8B-B14F-4D97-AF65-F5344CB8AC3E}">
-        <p14:creationId xmlns:p14="http://schemas.microsoft.com/office/powerpoint/2010/main" val="1982970582"/>
+        <p14:creationId xmlns:p14="http://schemas.microsoft.com/office/powerpoint/2010/main" val="2673482103"/>
       </p:ext>
     </p:extLst>
   </p:cSld>
@@ -717,6 +719,7 @@
               <a:rPr lang="en-US"/>
               <a:t>Click to edit Master title style</a:t>
             </a:r>
+            <a:endParaRPr lang="en-US" dirty="0"/>
           </a:p>
         </p:txBody>
       </p:sp>
@@ -768,6 +771,7 @@
               <a:rPr lang="en-US"/>
               <a:t>Fifth level</a:t>
             </a:r>
+            <a:endParaRPr lang="en-US" dirty="0"/>
           </a:p>
         </p:txBody>
       </p:sp>
@@ -788,7 +792,7 @@
           <a:p>
             <a:fld id="{23D8FB18-5843-4784-990F-180C8D595F66}" type="datetimeFigureOut">
               <a:rPr lang="en-US" smtClean="0"/>
-              <a:t>4/17/2017</a:t>
+              <a:t>4/24/2017</a:t>
             </a:fld>
             <a:endParaRPr lang="en-US"/>
           </a:p>
@@ -839,7 +843,7 @@
     </p:spTree>
     <p:extLst>
       <p:ext uri="{BB962C8B-B14F-4D97-AF65-F5344CB8AC3E}">
-        <p14:creationId xmlns:p14="http://schemas.microsoft.com/office/powerpoint/2010/main" val="2238436337"/>
+        <p14:creationId xmlns:p14="http://schemas.microsoft.com/office/powerpoint/2010/main" val="946485542"/>
       </p:ext>
     </p:extLst>
   </p:cSld>
@@ -878,8 +882,8 @@
         </p:nvSpPr>
         <p:spPr>
           <a:xfrm>
-            <a:off x="8724900" y="365125"/>
-            <a:ext cx="2628900" cy="5811838"/>
+            <a:off x="5562124" y="535517"/>
+            <a:ext cx="1675924" cy="8524029"/>
           </a:xfrm>
         </p:spPr>
         <p:txBody>
@@ -890,6 +894,7 @@
               <a:rPr lang="en-US"/>
               <a:t>Click to edit Master title style</a:t>
             </a:r>
+            <a:endParaRPr lang="en-US" dirty="0"/>
           </a:p>
         </p:txBody>
       </p:sp>
@@ -905,8 +910,8 @@
         </p:nvSpPr>
         <p:spPr>
           <a:xfrm>
-            <a:off x="838200" y="365125"/>
-            <a:ext cx="7734300" cy="5811838"/>
+            <a:off x="534353" y="535517"/>
+            <a:ext cx="4930616" cy="8524029"/>
           </a:xfrm>
         </p:spPr>
         <p:txBody>
@@ -946,6 +951,7 @@
               <a:rPr lang="en-US"/>
               <a:t>Fifth level</a:t>
             </a:r>
+            <a:endParaRPr lang="en-US" dirty="0"/>
           </a:p>
         </p:txBody>
       </p:sp>
@@ -966,7 +972,7 @@
           <a:p>
             <a:fld id="{23D8FB18-5843-4784-990F-180C8D595F66}" type="datetimeFigureOut">
               <a:rPr lang="en-US" smtClean="0"/>
-              <a:t>4/17/2017</a:t>
+              <a:t>4/24/2017</a:t>
             </a:fld>
             <a:endParaRPr lang="en-US"/>
           </a:p>
@@ -1017,7 +1023,7 @@
     </p:spTree>
     <p:extLst>
       <p:ext uri="{BB962C8B-B14F-4D97-AF65-F5344CB8AC3E}">
-        <p14:creationId xmlns:p14="http://schemas.microsoft.com/office/powerpoint/2010/main" val="2392040749"/>
+        <p14:creationId xmlns:p14="http://schemas.microsoft.com/office/powerpoint/2010/main" val="3735968895"/>
       </p:ext>
     </p:extLst>
   </p:cSld>
@@ -1063,6 +1069,7 @@
               <a:rPr lang="en-US"/>
               <a:t>Click to edit Master title style</a:t>
             </a:r>
+            <a:endParaRPr lang="en-US" dirty="0"/>
           </a:p>
         </p:txBody>
       </p:sp>
@@ -1114,6 +1121,7 @@
               <a:rPr lang="en-US"/>
               <a:t>Fifth level</a:t>
             </a:r>
+            <a:endParaRPr lang="en-US" dirty="0"/>
           </a:p>
         </p:txBody>
       </p:sp>
@@ -1134,7 +1142,7 @@
           <a:p>
             <a:fld id="{23D8FB18-5843-4784-990F-180C8D595F66}" type="datetimeFigureOut">
               <a:rPr lang="en-US" smtClean="0"/>
-              <a:t>4/17/2017</a:t>
+              <a:t>4/24/2017</a:t>
             </a:fld>
             <a:endParaRPr lang="en-US"/>
           </a:p>
@@ -1185,7 +1193,7 @@
     </p:spTree>
     <p:extLst>
       <p:ext uri="{BB962C8B-B14F-4D97-AF65-F5344CB8AC3E}">
-        <p14:creationId xmlns:p14="http://schemas.microsoft.com/office/powerpoint/2010/main" val="2753717055"/>
+        <p14:creationId xmlns:p14="http://schemas.microsoft.com/office/powerpoint/2010/main" val="1133258703"/>
       </p:ext>
     </p:extLst>
   </p:cSld>
@@ -1224,15 +1232,15 @@
         </p:nvSpPr>
         <p:spPr>
           <a:xfrm>
-            <a:off x="831850" y="1709738"/>
-            <a:ext cx="10515600" cy="2852737"/>
+            <a:off x="530305" y="2507618"/>
+            <a:ext cx="6703695" cy="4184014"/>
           </a:xfrm>
         </p:spPr>
         <p:txBody>
           <a:bodyPr anchor="b"/>
           <a:lstStyle>
             <a:lvl1pPr>
-              <a:defRPr sz="6000"/>
+              <a:defRPr sz="5100"/>
             </a:lvl1pPr>
           </a:lstStyle>
           <a:p>
@@ -1240,6 +1248,7 @@
               <a:rPr lang="en-US"/>
               <a:t>Click to edit Master title style</a:t>
             </a:r>
+            <a:endParaRPr lang="en-US" dirty="0"/>
           </a:p>
         </p:txBody>
       </p:sp>
@@ -1255,8 +1264,8 @@
         </p:nvSpPr>
         <p:spPr>
           <a:xfrm>
-            <a:off x="831850" y="4589463"/>
-            <a:ext cx="10515600" cy="1500187"/>
+            <a:off x="530305" y="6731215"/>
+            <a:ext cx="6703695" cy="2200274"/>
           </a:xfrm>
         </p:spPr>
         <p:txBody>
@@ -1264,17 +1273,15 @@
           <a:lstStyle>
             <a:lvl1pPr marL="0" indent="0">
               <a:buNone/>
-              <a:defRPr sz="2400">
+              <a:defRPr sz="2040">
                 <a:solidFill>
-                  <a:schemeClr val="tx1">
-                    <a:tint val="75000"/>
-                  </a:schemeClr>
+                  <a:schemeClr val="tx1"/>
                 </a:solidFill>
               </a:defRPr>
             </a:lvl1pPr>
-            <a:lvl2pPr marL="457200" indent="0">
-              <a:buNone/>
-              <a:defRPr sz="2000">
+            <a:lvl2pPr marL="388620" indent="0">
+              <a:buNone/>
+              <a:defRPr sz="1700">
                 <a:solidFill>
                   <a:schemeClr val="tx1">
                     <a:tint val="75000"/>
@@ -1282,9 +1289,9 @@
                 </a:solidFill>
               </a:defRPr>
             </a:lvl2pPr>
-            <a:lvl3pPr marL="914400" indent="0">
-              <a:buNone/>
-              <a:defRPr sz="1800">
+            <a:lvl3pPr marL="777240" indent="0">
+              <a:buNone/>
+              <a:defRPr sz="1530">
                 <a:solidFill>
                   <a:schemeClr val="tx1">
                     <a:tint val="75000"/>
@@ -1292,9 +1299,9 @@
                 </a:solidFill>
               </a:defRPr>
             </a:lvl3pPr>
-            <a:lvl4pPr marL="1371600" indent="0">
-              <a:buNone/>
-              <a:defRPr sz="1600">
+            <a:lvl4pPr marL="1165860" indent="0">
+              <a:buNone/>
+              <a:defRPr sz="1360">
                 <a:solidFill>
                   <a:schemeClr val="tx1">
                     <a:tint val="75000"/>
@@ -1302,9 +1309,9 @@
                 </a:solidFill>
               </a:defRPr>
             </a:lvl4pPr>
-            <a:lvl5pPr marL="1828800" indent="0">
-              <a:buNone/>
-              <a:defRPr sz="1600">
+            <a:lvl5pPr marL="1554480" indent="0">
+              <a:buNone/>
+              <a:defRPr sz="1360">
                 <a:solidFill>
                   <a:schemeClr val="tx1">
                     <a:tint val="75000"/>
@@ -1312,9 +1319,9 @@
                 </a:solidFill>
               </a:defRPr>
             </a:lvl5pPr>
-            <a:lvl6pPr marL="2286000" indent="0">
-              <a:buNone/>
-              <a:defRPr sz="1600">
+            <a:lvl6pPr marL="1943100" indent="0">
+              <a:buNone/>
+              <a:defRPr sz="1360">
                 <a:solidFill>
                   <a:schemeClr val="tx1">
                     <a:tint val="75000"/>
@@ -1322,9 +1329,9 @@
                 </a:solidFill>
               </a:defRPr>
             </a:lvl6pPr>
-            <a:lvl7pPr marL="2743200" indent="0">
-              <a:buNone/>
-              <a:defRPr sz="1600">
+            <a:lvl7pPr marL="2331720" indent="0">
+              <a:buNone/>
+              <a:defRPr sz="1360">
                 <a:solidFill>
                   <a:schemeClr val="tx1">
                     <a:tint val="75000"/>
@@ -1332,9 +1339,9 @@
                 </a:solidFill>
               </a:defRPr>
             </a:lvl7pPr>
-            <a:lvl8pPr marL="3200400" indent="0">
-              <a:buNone/>
-              <a:defRPr sz="1600">
+            <a:lvl8pPr marL="2720340" indent="0">
+              <a:buNone/>
+              <a:defRPr sz="1360">
                 <a:solidFill>
                   <a:schemeClr val="tx1">
                     <a:tint val="75000"/>
@@ -1342,9 +1349,9 @@
                 </a:solidFill>
               </a:defRPr>
             </a:lvl8pPr>
-            <a:lvl9pPr marL="3657600" indent="0">
-              <a:buNone/>
-              <a:defRPr sz="1600">
+            <a:lvl9pPr marL="3108960" indent="0">
+              <a:buNone/>
+              <a:defRPr sz="1360">
                 <a:solidFill>
                   <a:schemeClr val="tx1">
                     <a:tint val="75000"/>
@@ -1379,7 +1386,7 @@
           <a:p>
             <a:fld id="{23D8FB18-5843-4784-990F-180C8D595F66}" type="datetimeFigureOut">
               <a:rPr lang="en-US" smtClean="0"/>
-              <a:t>4/17/2017</a:t>
+              <a:t>4/24/2017</a:t>
             </a:fld>
             <a:endParaRPr lang="en-US"/>
           </a:p>
@@ -1430,7 +1437,7 @@
     </p:spTree>
     <p:extLst>
       <p:ext uri="{BB962C8B-B14F-4D97-AF65-F5344CB8AC3E}">
-        <p14:creationId xmlns:p14="http://schemas.microsoft.com/office/powerpoint/2010/main" val="3858207464"/>
+        <p14:creationId xmlns:p14="http://schemas.microsoft.com/office/powerpoint/2010/main" val="1813028807"/>
       </p:ext>
     </p:extLst>
   </p:cSld>
@@ -1476,6 +1483,7 @@
               <a:rPr lang="en-US"/>
               <a:t>Click to edit Master title style</a:t>
             </a:r>
+            <a:endParaRPr lang="en-US" dirty="0"/>
           </a:p>
         </p:txBody>
       </p:sp>
@@ -1491,8 +1499,8 @@
         </p:nvSpPr>
         <p:spPr>
           <a:xfrm>
-            <a:off x="838200" y="1825625"/>
-            <a:ext cx="5181600" cy="4351338"/>
+            <a:off x="534353" y="2677584"/>
+            <a:ext cx="3303270" cy="6381962"/>
           </a:xfrm>
         </p:spPr>
         <p:txBody>
@@ -1532,6 +1540,7 @@
               <a:rPr lang="en-US"/>
               <a:t>Fifth level</a:t>
             </a:r>
+            <a:endParaRPr lang="en-US" dirty="0"/>
           </a:p>
         </p:txBody>
       </p:sp>
@@ -1547,8 +1556,8 @@
         </p:nvSpPr>
         <p:spPr>
           <a:xfrm>
-            <a:off x="6172200" y="1825625"/>
-            <a:ext cx="5181600" cy="4351338"/>
+            <a:off x="3934778" y="2677584"/>
+            <a:ext cx="3303270" cy="6381962"/>
           </a:xfrm>
         </p:spPr>
         <p:txBody>
@@ -1588,6 +1597,7 @@
               <a:rPr lang="en-US"/>
               <a:t>Fifth level</a:t>
             </a:r>
+            <a:endParaRPr lang="en-US" dirty="0"/>
           </a:p>
         </p:txBody>
       </p:sp>
@@ -1608,7 +1618,7 @@
           <a:p>
             <a:fld id="{23D8FB18-5843-4784-990F-180C8D595F66}" type="datetimeFigureOut">
               <a:rPr lang="en-US" smtClean="0"/>
-              <a:t>4/17/2017</a:t>
+              <a:t>4/24/2017</a:t>
             </a:fld>
             <a:endParaRPr lang="en-US"/>
           </a:p>
@@ -1659,7 +1669,7 @@
     </p:spTree>
     <p:extLst>
       <p:ext uri="{BB962C8B-B14F-4D97-AF65-F5344CB8AC3E}">
-        <p14:creationId xmlns:p14="http://schemas.microsoft.com/office/powerpoint/2010/main" val="1339532735"/>
+        <p14:creationId xmlns:p14="http://schemas.microsoft.com/office/powerpoint/2010/main" val="582822460"/>
       </p:ext>
     </p:extLst>
   </p:cSld>
@@ -1698,8 +1708,8 @@
         </p:nvSpPr>
         <p:spPr>
           <a:xfrm>
-            <a:off x="839788" y="365125"/>
-            <a:ext cx="10515600" cy="1325563"/>
+            <a:off x="535365" y="535519"/>
+            <a:ext cx="6703695" cy="1944159"/>
           </a:xfrm>
         </p:spPr>
         <p:txBody>
@@ -1710,6 +1720,7 @@
               <a:rPr lang="en-US"/>
               <a:t>Click to edit Master title style</a:t>
             </a:r>
+            <a:endParaRPr lang="en-US" dirty="0"/>
           </a:p>
         </p:txBody>
       </p:sp>
@@ -1725,8 +1736,8 @@
         </p:nvSpPr>
         <p:spPr>
           <a:xfrm>
-            <a:off x="839788" y="1681163"/>
-            <a:ext cx="5157787" cy="823912"/>
+            <a:off x="535366" y="2465706"/>
+            <a:ext cx="3288089" cy="1208404"/>
           </a:xfrm>
         </p:spPr>
         <p:txBody>
@@ -1734,39 +1745,39 @@
           <a:lstStyle>
             <a:lvl1pPr marL="0" indent="0">
               <a:buNone/>
-              <a:defRPr sz="2400" b="1"/>
+              <a:defRPr sz="2040" b="1"/>
             </a:lvl1pPr>
-            <a:lvl2pPr marL="457200" indent="0">
-              <a:buNone/>
-              <a:defRPr sz="2000" b="1"/>
+            <a:lvl2pPr marL="388620" indent="0">
+              <a:buNone/>
+              <a:defRPr sz="1700" b="1"/>
             </a:lvl2pPr>
-            <a:lvl3pPr marL="914400" indent="0">
-              <a:buNone/>
-              <a:defRPr sz="1800" b="1"/>
+            <a:lvl3pPr marL="777240" indent="0">
+              <a:buNone/>
+              <a:defRPr sz="1530" b="1"/>
             </a:lvl3pPr>
-            <a:lvl4pPr marL="1371600" indent="0">
-              <a:buNone/>
-              <a:defRPr sz="1600" b="1"/>
+            <a:lvl4pPr marL="1165860" indent="0">
+              <a:buNone/>
+              <a:defRPr sz="1360" b="1"/>
             </a:lvl4pPr>
-            <a:lvl5pPr marL="1828800" indent="0">
-              <a:buNone/>
-              <a:defRPr sz="1600" b="1"/>
+            <a:lvl5pPr marL="1554480" indent="0">
+              <a:buNone/>
+              <a:defRPr sz="1360" b="1"/>
             </a:lvl5pPr>
-            <a:lvl6pPr marL="2286000" indent="0">
-              <a:buNone/>
-              <a:defRPr sz="1600" b="1"/>
+            <a:lvl6pPr marL="1943100" indent="0">
+              <a:buNone/>
+              <a:defRPr sz="1360" b="1"/>
             </a:lvl6pPr>
-            <a:lvl7pPr marL="2743200" indent="0">
-              <a:buNone/>
-              <a:defRPr sz="1600" b="1"/>
+            <a:lvl7pPr marL="2331720" indent="0">
+              <a:buNone/>
+              <a:defRPr sz="1360" b="1"/>
             </a:lvl7pPr>
-            <a:lvl8pPr marL="3200400" indent="0">
-              <a:buNone/>
-              <a:defRPr sz="1600" b="1"/>
+            <a:lvl8pPr marL="2720340" indent="0">
+              <a:buNone/>
+              <a:defRPr sz="1360" b="1"/>
             </a:lvl8pPr>
-            <a:lvl9pPr marL="3657600" indent="0">
-              <a:buNone/>
-              <a:defRPr sz="1600" b="1"/>
+            <a:lvl9pPr marL="3108960" indent="0">
+              <a:buNone/>
+              <a:defRPr sz="1360" b="1"/>
             </a:lvl9pPr>
           </a:lstStyle>
           <a:p>
@@ -1790,8 +1801,8 @@
         </p:nvSpPr>
         <p:spPr>
           <a:xfrm>
-            <a:off x="839788" y="2505075"/>
-            <a:ext cx="5157787" cy="3684588"/>
+            <a:off x="535366" y="3674110"/>
+            <a:ext cx="3288089" cy="5404062"/>
           </a:xfrm>
         </p:spPr>
         <p:txBody>
@@ -1831,6 +1842,7 @@
               <a:rPr lang="en-US"/>
               <a:t>Fifth level</a:t>
             </a:r>
+            <a:endParaRPr lang="en-US" dirty="0"/>
           </a:p>
         </p:txBody>
       </p:sp>
@@ -1846,8 +1858,8 @@
         </p:nvSpPr>
         <p:spPr>
           <a:xfrm>
-            <a:off x="6172200" y="1681163"/>
-            <a:ext cx="5183188" cy="823912"/>
+            <a:off x="3934778" y="2465706"/>
+            <a:ext cx="3304282" cy="1208404"/>
           </a:xfrm>
         </p:spPr>
         <p:txBody>
@@ -1855,39 +1867,39 @@
           <a:lstStyle>
             <a:lvl1pPr marL="0" indent="0">
               <a:buNone/>
-              <a:defRPr sz="2400" b="1"/>
+              <a:defRPr sz="2040" b="1"/>
             </a:lvl1pPr>
-            <a:lvl2pPr marL="457200" indent="0">
-              <a:buNone/>
-              <a:defRPr sz="2000" b="1"/>
+            <a:lvl2pPr marL="388620" indent="0">
+              <a:buNone/>
+              <a:defRPr sz="1700" b="1"/>
             </a:lvl2pPr>
-            <a:lvl3pPr marL="914400" indent="0">
-              <a:buNone/>
-              <a:defRPr sz="1800" b="1"/>
+            <a:lvl3pPr marL="777240" indent="0">
+              <a:buNone/>
+              <a:defRPr sz="1530" b="1"/>
             </a:lvl3pPr>
-            <a:lvl4pPr marL="1371600" indent="0">
-              <a:buNone/>
-              <a:defRPr sz="1600" b="1"/>
+            <a:lvl4pPr marL="1165860" indent="0">
+              <a:buNone/>
+              <a:defRPr sz="1360" b="1"/>
             </a:lvl4pPr>
-            <a:lvl5pPr marL="1828800" indent="0">
-              <a:buNone/>
-              <a:defRPr sz="1600" b="1"/>
+            <a:lvl5pPr marL="1554480" indent="0">
+              <a:buNone/>
+              <a:defRPr sz="1360" b="1"/>
             </a:lvl5pPr>
-            <a:lvl6pPr marL="2286000" indent="0">
-              <a:buNone/>
-              <a:defRPr sz="1600" b="1"/>
+            <a:lvl6pPr marL="1943100" indent="0">
+              <a:buNone/>
+              <a:defRPr sz="1360" b="1"/>
             </a:lvl6pPr>
-            <a:lvl7pPr marL="2743200" indent="0">
-              <a:buNone/>
-              <a:defRPr sz="1600" b="1"/>
+            <a:lvl7pPr marL="2331720" indent="0">
+              <a:buNone/>
+              <a:defRPr sz="1360" b="1"/>
             </a:lvl7pPr>
-            <a:lvl8pPr marL="3200400" indent="0">
-              <a:buNone/>
-              <a:defRPr sz="1600" b="1"/>
+            <a:lvl8pPr marL="2720340" indent="0">
+              <a:buNone/>
+              <a:defRPr sz="1360" b="1"/>
             </a:lvl8pPr>
-            <a:lvl9pPr marL="3657600" indent="0">
-              <a:buNone/>
-              <a:defRPr sz="1600" b="1"/>
+            <a:lvl9pPr marL="3108960" indent="0">
+              <a:buNone/>
+              <a:defRPr sz="1360" b="1"/>
             </a:lvl9pPr>
           </a:lstStyle>
           <a:p>
@@ -1911,8 +1923,8 @@
         </p:nvSpPr>
         <p:spPr>
           <a:xfrm>
-            <a:off x="6172200" y="2505075"/>
-            <a:ext cx="5183188" cy="3684588"/>
+            <a:off x="3934778" y="3674110"/>
+            <a:ext cx="3304282" cy="5404062"/>
           </a:xfrm>
         </p:spPr>
         <p:txBody>
@@ -1952,6 +1964,7 @@
               <a:rPr lang="en-US"/>
               <a:t>Fifth level</a:t>
             </a:r>
+            <a:endParaRPr lang="en-US" dirty="0"/>
           </a:p>
         </p:txBody>
       </p:sp>
@@ -1972,7 +1985,7 @@
           <a:p>
             <a:fld id="{23D8FB18-5843-4784-990F-180C8D595F66}" type="datetimeFigureOut">
               <a:rPr lang="en-US" smtClean="0"/>
-              <a:t>4/17/2017</a:t>
+              <a:t>4/24/2017</a:t>
             </a:fld>
             <a:endParaRPr lang="en-US"/>
           </a:p>
@@ -2023,7 +2036,7 @@
     </p:spTree>
     <p:extLst>
       <p:ext uri="{BB962C8B-B14F-4D97-AF65-F5344CB8AC3E}">
-        <p14:creationId xmlns:p14="http://schemas.microsoft.com/office/powerpoint/2010/main" val="3469744916"/>
+        <p14:creationId xmlns:p14="http://schemas.microsoft.com/office/powerpoint/2010/main" val="1960179935"/>
       </p:ext>
     </p:extLst>
   </p:cSld>
@@ -2069,6 +2082,7 @@
               <a:rPr lang="en-US"/>
               <a:t>Click to edit Master title style</a:t>
             </a:r>
+            <a:endParaRPr lang="en-US" dirty="0"/>
           </a:p>
         </p:txBody>
       </p:sp>
@@ -2089,7 +2103,7 @@
           <a:p>
             <a:fld id="{23D8FB18-5843-4784-990F-180C8D595F66}" type="datetimeFigureOut">
               <a:rPr lang="en-US" smtClean="0"/>
-              <a:t>4/17/2017</a:t>
+              <a:t>4/24/2017</a:t>
             </a:fld>
             <a:endParaRPr lang="en-US"/>
           </a:p>
@@ -2140,7 +2154,7 @@
     </p:spTree>
     <p:extLst>
       <p:ext uri="{BB962C8B-B14F-4D97-AF65-F5344CB8AC3E}">
-        <p14:creationId xmlns:p14="http://schemas.microsoft.com/office/powerpoint/2010/main" val="3908130963"/>
+        <p14:creationId xmlns:p14="http://schemas.microsoft.com/office/powerpoint/2010/main" val="2180466013"/>
       </p:ext>
     </p:extLst>
   </p:cSld>
@@ -2184,7 +2198,7 @@
           <a:p>
             <a:fld id="{23D8FB18-5843-4784-990F-180C8D595F66}" type="datetimeFigureOut">
               <a:rPr lang="en-US" smtClean="0"/>
-              <a:t>4/17/2017</a:t>
+              <a:t>4/24/2017</a:t>
             </a:fld>
             <a:endParaRPr lang="en-US"/>
           </a:p>
@@ -2235,7 +2249,7 @@
     </p:spTree>
     <p:extLst>
       <p:ext uri="{BB962C8B-B14F-4D97-AF65-F5344CB8AC3E}">
-        <p14:creationId xmlns:p14="http://schemas.microsoft.com/office/powerpoint/2010/main" val="907949042"/>
+        <p14:creationId xmlns:p14="http://schemas.microsoft.com/office/powerpoint/2010/main" val="3530055867"/>
       </p:ext>
     </p:extLst>
   </p:cSld>
@@ -2274,15 +2288,15 @@
         </p:nvSpPr>
         <p:spPr>
           <a:xfrm>
-            <a:off x="839788" y="457200"/>
-            <a:ext cx="3932237" cy="1600200"/>
+            <a:off x="535365" y="670560"/>
+            <a:ext cx="2506801" cy="2346960"/>
           </a:xfrm>
         </p:spPr>
         <p:txBody>
           <a:bodyPr anchor="b"/>
           <a:lstStyle>
             <a:lvl1pPr>
-              <a:defRPr sz="3200"/>
+              <a:defRPr sz="2720"/>
             </a:lvl1pPr>
           </a:lstStyle>
           <a:p>
@@ -2290,6 +2304,7 @@
               <a:rPr lang="en-US"/>
               <a:t>Click to edit Master title style</a:t>
             </a:r>
+            <a:endParaRPr lang="en-US" dirty="0"/>
           </a:p>
         </p:txBody>
       </p:sp>
@@ -2305,39 +2320,39 @@
         </p:nvSpPr>
         <p:spPr>
           <a:xfrm>
-            <a:off x="5183188" y="987425"/>
-            <a:ext cx="6172200" cy="4873625"/>
+            <a:off x="3304282" y="1448226"/>
+            <a:ext cx="3934778" cy="7147983"/>
           </a:xfrm>
         </p:spPr>
         <p:txBody>
           <a:bodyPr/>
           <a:lstStyle>
             <a:lvl1pPr>
-              <a:defRPr sz="3200"/>
+              <a:defRPr sz="2720"/>
             </a:lvl1pPr>
             <a:lvl2pPr>
-              <a:defRPr sz="2800"/>
+              <a:defRPr sz="2380"/>
             </a:lvl2pPr>
             <a:lvl3pPr>
-              <a:defRPr sz="2400"/>
+              <a:defRPr sz="2040"/>
             </a:lvl3pPr>
             <a:lvl4pPr>
-              <a:defRPr sz="2000"/>
+              <a:defRPr sz="1700"/>
             </a:lvl4pPr>
             <a:lvl5pPr>
-              <a:defRPr sz="2000"/>
+              <a:defRPr sz="1700"/>
             </a:lvl5pPr>
             <a:lvl6pPr>
-              <a:defRPr sz="2000"/>
+              <a:defRPr sz="1700"/>
             </a:lvl6pPr>
             <a:lvl7pPr>
-              <a:defRPr sz="2000"/>
+              <a:defRPr sz="1700"/>
             </a:lvl7pPr>
             <a:lvl8pPr>
-              <a:defRPr sz="2000"/>
+              <a:defRPr sz="1700"/>
             </a:lvl8pPr>
             <a:lvl9pPr>
-              <a:defRPr sz="2000"/>
+              <a:defRPr sz="1700"/>
             </a:lvl9pPr>
           </a:lstStyle>
           <a:p>
@@ -2374,6 +2389,7 @@
               <a:rPr lang="en-US"/>
               <a:t>Fifth level</a:t>
             </a:r>
+            <a:endParaRPr lang="en-US" dirty="0"/>
           </a:p>
         </p:txBody>
       </p:sp>
@@ -2389,8 +2405,8 @@
         </p:nvSpPr>
         <p:spPr>
           <a:xfrm>
-            <a:off x="839788" y="2057400"/>
-            <a:ext cx="3932237" cy="3811588"/>
+            <a:off x="535365" y="3017520"/>
+            <a:ext cx="2506801" cy="5590329"/>
           </a:xfrm>
         </p:spPr>
         <p:txBody>
@@ -2398,39 +2414,39 @@
           <a:lstStyle>
             <a:lvl1pPr marL="0" indent="0">
               <a:buNone/>
-              <a:defRPr sz="1600"/>
+              <a:defRPr sz="1360"/>
             </a:lvl1pPr>
-            <a:lvl2pPr marL="457200" indent="0">
-              <a:buNone/>
-              <a:defRPr sz="1400"/>
+            <a:lvl2pPr marL="388620" indent="0">
+              <a:buNone/>
+              <a:defRPr sz="1190"/>
             </a:lvl2pPr>
-            <a:lvl3pPr marL="914400" indent="0">
-              <a:buNone/>
-              <a:defRPr sz="1200"/>
+            <a:lvl3pPr marL="777240" indent="0">
+              <a:buNone/>
+              <a:defRPr sz="1020"/>
             </a:lvl3pPr>
-            <a:lvl4pPr marL="1371600" indent="0">
-              <a:buNone/>
-              <a:defRPr sz="1000"/>
+            <a:lvl4pPr marL="1165860" indent="0">
+              <a:buNone/>
+              <a:defRPr sz="850"/>
             </a:lvl4pPr>
-            <a:lvl5pPr marL="1828800" indent="0">
-              <a:buNone/>
-              <a:defRPr sz="1000"/>
+            <a:lvl5pPr marL="1554480" indent="0">
+              <a:buNone/>
+              <a:defRPr sz="850"/>
             </a:lvl5pPr>
-            <a:lvl6pPr marL="2286000" indent="0">
-              <a:buNone/>
-              <a:defRPr sz="1000"/>
+            <a:lvl6pPr marL="1943100" indent="0">
+              <a:buNone/>
+              <a:defRPr sz="850"/>
             </a:lvl6pPr>
-            <a:lvl7pPr marL="2743200" indent="0">
-              <a:buNone/>
-              <a:defRPr sz="1000"/>
+            <a:lvl7pPr marL="2331720" indent="0">
+              <a:buNone/>
+              <a:defRPr sz="850"/>
             </a:lvl7pPr>
-            <a:lvl8pPr marL="3200400" indent="0">
-              <a:buNone/>
-              <a:defRPr sz="1000"/>
+            <a:lvl8pPr marL="2720340" indent="0">
+              <a:buNone/>
+              <a:defRPr sz="850"/>
             </a:lvl8pPr>
-            <a:lvl9pPr marL="3657600" indent="0">
-              <a:buNone/>
-              <a:defRPr sz="1000"/>
+            <a:lvl9pPr marL="3108960" indent="0">
+              <a:buNone/>
+              <a:defRPr sz="850"/>
             </a:lvl9pPr>
           </a:lstStyle>
           <a:p>
@@ -2459,7 +2475,7 @@
           <a:p>
             <a:fld id="{23D8FB18-5843-4784-990F-180C8D595F66}" type="datetimeFigureOut">
               <a:rPr lang="en-US" smtClean="0"/>
-              <a:t>4/17/2017</a:t>
+              <a:t>4/24/2017</a:t>
             </a:fld>
             <a:endParaRPr lang="en-US"/>
           </a:p>
@@ -2510,7 +2526,7 @@
     </p:spTree>
     <p:extLst>
       <p:ext uri="{BB962C8B-B14F-4D97-AF65-F5344CB8AC3E}">
-        <p14:creationId xmlns:p14="http://schemas.microsoft.com/office/powerpoint/2010/main" val="2838412328"/>
+        <p14:creationId xmlns:p14="http://schemas.microsoft.com/office/powerpoint/2010/main" val="3048813555"/>
       </p:ext>
     </p:extLst>
   </p:cSld>
@@ -2549,15 +2565,15 @@
         </p:nvSpPr>
         <p:spPr>
           <a:xfrm>
-            <a:off x="839788" y="457200"/>
-            <a:ext cx="3932237" cy="1600200"/>
+            <a:off x="535365" y="670560"/>
+            <a:ext cx="2506801" cy="2346960"/>
           </a:xfrm>
         </p:spPr>
         <p:txBody>
           <a:bodyPr anchor="b"/>
           <a:lstStyle>
             <a:lvl1pPr>
-              <a:defRPr sz="3200"/>
+              <a:defRPr sz="2720"/>
             </a:lvl1pPr>
           </a:lstStyle>
           <a:p>
@@ -2565,6 +2581,7 @@
               <a:rPr lang="en-US"/>
               <a:t>Click to edit Master title style</a:t>
             </a:r>
+            <a:endParaRPr lang="en-US" dirty="0"/>
           </a:p>
         </p:txBody>
       </p:sp>
@@ -2572,7 +2589,7 @@
         <p:nvSpPr>
           <p:cNvPr id="3" name="Picture Placeholder 2"/>
           <p:cNvSpPr>
-            <a:spLocks noGrp="1"/>
+            <a:spLocks noGrp="1" noChangeAspect="1"/>
           </p:cNvSpPr>
           <p:nvPr>
             <p:ph type="pic" idx="1"/>
@@ -2580,8 +2597,73 @@
         </p:nvSpPr>
         <p:spPr>
           <a:xfrm>
-            <a:off x="5183188" y="987425"/>
-            <a:ext cx="6172200" cy="4873625"/>
+            <a:off x="3304282" y="1448226"/>
+            <a:ext cx="3934778" cy="7147983"/>
+          </a:xfrm>
+        </p:spPr>
+        <p:txBody>
+          <a:bodyPr anchor="t"/>
+          <a:lstStyle>
+            <a:lvl1pPr marL="0" indent="0">
+              <a:buNone/>
+              <a:defRPr sz="2720"/>
+            </a:lvl1pPr>
+            <a:lvl2pPr marL="388620" indent="0">
+              <a:buNone/>
+              <a:defRPr sz="2380"/>
+            </a:lvl2pPr>
+            <a:lvl3pPr marL="777240" indent="0">
+              <a:buNone/>
+              <a:defRPr sz="2040"/>
+            </a:lvl3pPr>
+            <a:lvl4pPr marL="1165860" indent="0">
+              <a:buNone/>
+              <a:defRPr sz="1700"/>
+            </a:lvl4pPr>
+            <a:lvl5pPr marL="1554480" indent="0">
+              <a:buNone/>
+              <a:defRPr sz="1700"/>
+            </a:lvl5pPr>
+            <a:lvl6pPr marL="1943100" indent="0">
+              <a:buNone/>
+              <a:defRPr sz="1700"/>
+            </a:lvl6pPr>
+            <a:lvl7pPr marL="2331720" indent="0">
+              <a:buNone/>
+              <a:defRPr sz="1700"/>
+            </a:lvl7pPr>
+            <a:lvl8pPr marL="2720340" indent="0">
+              <a:buNone/>
+              <a:defRPr sz="1700"/>
+            </a:lvl8pPr>
+            <a:lvl9pPr marL="3108960" indent="0">
+              <a:buNone/>
+              <a:defRPr sz="1700"/>
+            </a:lvl9pPr>
+          </a:lstStyle>
+          <a:p>
+            <a:r>
+              <a:rPr lang="en-US"/>
+              <a:t>Click icon to add picture</a:t>
+            </a:r>
+            <a:endParaRPr lang="en-US" dirty="0"/>
+          </a:p>
+        </p:txBody>
+      </p:sp>
+      <p:sp>
+        <p:nvSpPr>
+          <p:cNvPr id="4" name="Text Placeholder 3"/>
+          <p:cNvSpPr>
+            <a:spLocks noGrp="1"/>
+          </p:cNvSpPr>
+          <p:nvPr>
+            <p:ph type="body" sz="half" idx="2"/>
+          </p:nvPr>
+        </p:nvSpPr>
+        <p:spPr>
+          <a:xfrm>
+            <a:off x="535365" y="3017520"/>
+            <a:ext cx="2506801" cy="5590329"/>
           </a:xfrm>
         </p:spPr>
         <p:txBody>
@@ -2589,103 +2671,42 @@
           <a:lstStyle>
             <a:lvl1pPr marL="0" indent="0">
               <a:buNone/>
-              <a:defRPr sz="3200"/>
+              <a:defRPr sz="1360"/>
             </a:lvl1pPr>
-            <a:lvl2pPr marL="457200" indent="0">
-              <a:buNone/>
-              <a:defRPr sz="2800"/>
+            <a:lvl2pPr marL="388620" indent="0">
+              <a:buNone/>
+              <a:defRPr sz="1190"/>
             </a:lvl2pPr>
-            <a:lvl3pPr marL="914400" indent="0">
-              <a:buNone/>
-              <a:defRPr sz="2400"/>
+            <a:lvl3pPr marL="777240" indent="0">
+              <a:buNone/>
+              <a:defRPr sz="1020"/>
             </a:lvl3pPr>
-            <a:lvl4pPr marL="1371600" indent="0">
-              <a:buNone/>
-              <a:defRPr sz="2000"/>
+            <a:lvl4pPr marL="1165860" indent="0">
+              <a:buNone/>
+              <a:defRPr sz="850"/>
             </a:lvl4pPr>
-            <a:lvl5pPr marL="1828800" indent="0">
-              <a:buNone/>
-              <a:defRPr sz="2000"/>
+            <a:lvl5pPr marL="1554480" indent="0">
+              <a:buNone/>
+              <a:defRPr sz="850"/>
             </a:lvl5pPr>
-            <a:lvl6pPr marL="2286000" indent="0">
-              <a:buNone/>
-              <a:defRPr sz="2000"/>
+            <a:lvl6pPr marL="1943100" indent="0">
+              <a:buNone/>
+              <a:defRPr sz="850"/>
             </a:lvl6pPr>
-            <a:lvl7pPr marL="2743200" indent="0">
-              <a:buNone/>
-              <a:defRPr sz="2000"/>
+            <a:lvl7pPr marL="2331720" indent="0">
+              <a:buNone/>
+              <a:defRPr sz="850"/>
             </a:lvl7pPr>
-            <a:lvl8pPr marL="3200400" indent="0">
-              <a:buNone/>
-              <a:defRPr sz="2000"/>
+            <a:lvl8pPr marL="2720340" indent="0">
+              <a:buNone/>
+              <a:defRPr sz="850"/>
             </a:lvl8pPr>
-            <a:lvl9pPr marL="3657600" indent="0">
-              <a:buNone/>
-              <a:defRPr sz="2000"/>
+            <a:lvl9pPr marL="3108960" indent="0">
+              <a:buNone/>
+              <a:defRPr sz="850"/>
             </a:lvl9pPr>
           </a:lstStyle>
           <a:p>
-            <a:endParaRPr lang="en-US"/>
-          </a:p>
-        </p:txBody>
-      </p:sp>
-      <p:sp>
-        <p:nvSpPr>
-          <p:cNvPr id="4" name="Text Placeholder 3"/>
-          <p:cNvSpPr>
-            <a:spLocks noGrp="1"/>
-          </p:cNvSpPr>
-          <p:nvPr>
-            <p:ph type="body" sz="half" idx="2"/>
-          </p:nvPr>
-        </p:nvSpPr>
-        <p:spPr>
-          <a:xfrm>
-            <a:off x="839788" y="2057400"/>
-            <a:ext cx="3932237" cy="3811588"/>
-          </a:xfrm>
-        </p:spPr>
-        <p:txBody>
-          <a:bodyPr/>
-          <a:lstStyle>
-            <a:lvl1pPr marL="0" indent="0">
-              <a:buNone/>
-              <a:defRPr sz="1600"/>
-            </a:lvl1pPr>
-            <a:lvl2pPr marL="457200" indent="0">
-              <a:buNone/>
-              <a:defRPr sz="1400"/>
-            </a:lvl2pPr>
-            <a:lvl3pPr marL="914400" indent="0">
-              <a:buNone/>
-              <a:defRPr sz="1200"/>
-            </a:lvl3pPr>
-            <a:lvl4pPr marL="1371600" indent="0">
-              <a:buNone/>
-              <a:defRPr sz="1000"/>
-            </a:lvl4pPr>
-            <a:lvl5pPr marL="1828800" indent="0">
-              <a:buNone/>
-              <a:defRPr sz="1000"/>
-            </a:lvl5pPr>
-            <a:lvl6pPr marL="2286000" indent="0">
-              <a:buNone/>
-              <a:defRPr sz="1000"/>
-            </a:lvl6pPr>
-            <a:lvl7pPr marL="2743200" indent="0">
-              <a:buNone/>
-              <a:defRPr sz="1000"/>
-            </a:lvl7pPr>
-            <a:lvl8pPr marL="3200400" indent="0">
-              <a:buNone/>
-              <a:defRPr sz="1000"/>
-            </a:lvl8pPr>
-            <a:lvl9pPr marL="3657600" indent="0">
-              <a:buNone/>
-              <a:defRPr sz="1000"/>
-            </a:lvl9pPr>
-          </a:lstStyle>
-          <a:p>
             <a:pPr lvl="0"/>
             <a:r>
               <a:rPr lang="en-US"/>
@@ -2711,7 +2732,7 @@
           <a:p>
             <a:fld id="{23D8FB18-5843-4784-990F-180C8D595F66}" type="datetimeFigureOut">
               <a:rPr lang="en-US" smtClean="0"/>
-              <a:t>4/17/2017</a:t>
+              <a:t>4/24/2017</a:t>
             </a:fld>
             <a:endParaRPr lang="en-US"/>
           </a:p>
@@ -2762,7 +2783,7 @@
     </p:spTree>
     <p:extLst>
       <p:ext uri="{BB962C8B-B14F-4D97-AF65-F5344CB8AC3E}">
-        <p14:creationId xmlns:p14="http://schemas.microsoft.com/office/powerpoint/2010/main" val="1733123378"/>
+        <p14:creationId xmlns:p14="http://schemas.microsoft.com/office/powerpoint/2010/main" val="4234963884"/>
       </p:ext>
     </p:extLst>
   </p:cSld>
@@ -2806,8 +2827,8 @@
         </p:nvSpPr>
         <p:spPr>
           <a:xfrm>
-            <a:off x="838200" y="365125"/>
-            <a:ext cx="10515600" cy="1325563"/>
+            <a:off x="534353" y="535519"/>
+            <a:ext cx="6703695" cy="1944159"/>
           </a:xfrm>
           <a:prstGeom prst="rect">
             <a:avLst/>
@@ -2823,6 +2844,7 @@
               <a:rPr lang="en-US"/>
               <a:t>Click to edit Master title style</a:t>
             </a:r>
+            <a:endParaRPr lang="en-US" dirty="0"/>
           </a:p>
         </p:txBody>
       </p:sp>
@@ -2838,8 +2860,8 @@
         </p:nvSpPr>
         <p:spPr>
           <a:xfrm>
-            <a:off x="838200" y="1825625"/>
-            <a:ext cx="10515600" cy="4351338"/>
+            <a:off x="534353" y="2677584"/>
+            <a:ext cx="6703695" cy="6381962"/>
           </a:xfrm>
           <a:prstGeom prst="rect">
             <a:avLst/>
@@ -2884,6 +2906,7 @@
               <a:rPr lang="en-US"/>
               <a:t>Fifth level</a:t>
             </a:r>
+            <a:endParaRPr lang="en-US" dirty="0"/>
           </a:p>
         </p:txBody>
       </p:sp>
@@ -2899,8 +2922,8 @@
         </p:nvSpPr>
         <p:spPr>
           <a:xfrm>
-            <a:off x="838200" y="6356350"/>
-            <a:ext cx="2743200" cy="365125"/>
+            <a:off x="534353" y="9322649"/>
+            <a:ext cx="1748790" cy="535517"/>
           </a:xfrm>
           <a:prstGeom prst="rect">
             <a:avLst/>
@@ -2910,7 +2933,7 @@
           <a:bodyPr vert="horz" lIns="91440" tIns="45720" rIns="91440" bIns="45720" rtlCol="0" anchor="ctr"/>
           <a:lstStyle>
             <a:lvl1pPr algn="l">
-              <a:defRPr sz="1200">
+              <a:defRPr sz="1020">
                 <a:solidFill>
                   <a:schemeClr val="tx1">
                     <a:tint val="75000"/>
@@ -2922,7 +2945,7 @@
           <a:p>
             <a:fld id="{23D8FB18-5843-4784-990F-180C8D595F66}" type="datetimeFigureOut">
               <a:rPr lang="en-US" smtClean="0"/>
-              <a:t>4/17/2017</a:t>
+              <a:t>4/24/2017</a:t>
             </a:fld>
             <a:endParaRPr lang="en-US"/>
           </a:p>
@@ -2940,8 +2963,8 @@
         </p:nvSpPr>
         <p:spPr>
           <a:xfrm>
-            <a:off x="4038600" y="6356350"/>
-            <a:ext cx="4114800" cy="365125"/>
+            <a:off x="2574608" y="9322649"/>
+            <a:ext cx="2623185" cy="535517"/>
           </a:xfrm>
           <a:prstGeom prst="rect">
             <a:avLst/>
@@ -2951,7 +2974,7 @@
           <a:bodyPr vert="horz" lIns="91440" tIns="45720" rIns="91440" bIns="45720" rtlCol="0" anchor="ctr"/>
           <a:lstStyle>
             <a:lvl1pPr algn="ctr">
-              <a:defRPr sz="1200">
+              <a:defRPr sz="1020">
                 <a:solidFill>
                   <a:schemeClr val="tx1">
                     <a:tint val="75000"/>
@@ -2977,8 +3000,8 @@
         </p:nvSpPr>
         <p:spPr>
           <a:xfrm>
-            <a:off x="8610600" y="6356350"/>
-            <a:ext cx="2743200" cy="365125"/>
+            <a:off x="5489258" y="9322649"/>
+            <a:ext cx="1748790" cy="535517"/>
           </a:xfrm>
           <a:prstGeom prst="rect">
             <a:avLst/>
@@ -2988,7 +3011,7 @@
           <a:bodyPr vert="horz" lIns="91440" tIns="45720" rIns="91440" bIns="45720" rtlCol="0" anchor="ctr"/>
           <a:lstStyle>
             <a:lvl1pPr algn="r">
-              <a:defRPr sz="1200">
+              <a:defRPr sz="1020">
                 <a:solidFill>
                   <a:schemeClr val="tx1">
                     <a:tint val="75000"/>
@@ -3009,27 +3032,27 @@
     </p:spTree>
     <p:extLst>
       <p:ext uri="{BB962C8B-B14F-4D97-AF65-F5344CB8AC3E}">
-        <p14:creationId xmlns:p14="http://schemas.microsoft.com/office/powerpoint/2010/main" val="913519729"/>
+        <p14:creationId xmlns:p14="http://schemas.microsoft.com/office/powerpoint/2010/main" val="2969256284"/>
       </p:ext>
     </p:extLst>
   </p:cSld>
   <p:clrMap bg1="lt1" tx1="dk1" bg2="lt2" tx2="dk2" accent1="accent1" accent2="accent2" accent3="accent3" accent4="accent4" accent5="accent5" accent6="accent6" hlink="hlink" folHlink="folHlink"/>
   <p:sldLayoutIdLst>
-    <p:sldLayoutId id="2147483649" r:id="rId1"/>
-    <p:sldLayoutId id="2147483650" r:id="rId2"/>
-    <p:sldLayoutId id="2147483651" r:id="rId3"/>
-    <p:sldLayoutId id="2147483652" r:id="rId4"/>
-    <p:sldLayoutId id="2147483653" r:id="rId5"/>
-    <p:sldLayoutId id="2147483654" r:id="rId6"/>
-    <p:sldLayoutId id="2147483655" r:id="rId7"/>
-    <p:sldLayoutId id="2147483656" r:id="rId8"/>
-    <p:sldLayoutId id="2147483657" r:id="rId9"/>
-    <p:sldLayoutId id="2147483658" r:id="rId10"/>
-    <p:sldLayoutId id="2147483659" r:id="rId11"/>
+    <p:sldLayoutId id="2147483661" r:id="rId1"/>
+    <p:sldLayoutId id="2147483662" r:id="rId2"/>
+    <p:sldLayoutId id="2147483663" r:id="rId3"/>
+    <p:sldLayoutId id="2147483664" r:id="rId4"/>
+    <p:sldLayoutId id="2147483665" r:id="rId5"/>
+    <p:sldLayoutId id="2147483666" r:id="rId6"/>
+    <p:sldLayoutId id="2147483667" r:id="rId7"/>
+    <p:sldLayoutId id="2147483668" r:id="rId8"/>
+    <p:sldLayoutId id="2147483669" r:id="rId9"/>
+    <p:sldLayoutId id="2147483670" r:id="rId10"/>
+    <p:sldLayoutId id="2147483671" r:id="rId11"/>
   </p:sldLayoutIdLst>
   <p:txStyles>
     <p:titleStyle>
-      <a:lvl1pPr algn="l" defTabSz="914400" rtl="0" eaLnBrk="1" latinLnBrk="0" hangingPunct="1">
+      <a:lvl1pPr algn="l" defTabSz="777240" rtl="0" eaLnBrk="1" latinLnBrk="0" hangingPunct="1">
         <a:lnSpc>
           <a:spcPct val="90000"/>
         </a:lnSpc>
@@ -3037,7 +3060,7 @@
           <a:spcPct val="0"/>
         </a:spcBef>
         <a:buNone/>
-        <a:defRPr sz="4400" kern="1200">
+        <a:defRPr sz="3740" kern="1200">
           <a:solidFill>
             <a:schemeClr val="tx1"/>
           </a:solidFill>
@@ -3048,16 +3071,16 @@
       </a:lvl1pPr>
     </p:titleStyle>
     <p:bodyStyle>
-      <a:lvl1pPr marL="228600" indent="-228600" algn="l" defTabSz="914400" rtl="0" eaLnBrk="1" latinLnBrk="0" hangingPunct="1">
+      <a:lvl1pPr marL="194310" indent="-194310" algn="l" defTabSz="777240" rtl="0" eaLnBrk="1" latinLnBrk="0" hangingPunct="1">
         <a:lnSpc>
           <a:spcPct val="90000"/>
         </a:lnSpc>
         <a:spcBef>
-          <a:spcPts val="1000"/>
+          <a:spcPts val="850"/>
         </a:spcBef>
         <a:buFont typeface="Arial" panose="020B0604020202020204" pitchFamily="34" charset="0"/>
         <a:buChar char="•"/>
-        <a:defRPr sz="2800" kern="1200">
+        <a:defRPr sz="2380" kern="1200">
           <a:solidFill>
             <a:schemeClr val="tx1"/>
           </a:solidFill>
@@ -3066,16 +3089,16 @@
           <a:cs typeface="+mn-cs"/>
         </a:defRPr>
       </a:lvl1pPr>
-      <a:lvl2pPr marL="685800" indent="-228600" algn="l" defTabSz="914400" rtl="0" eaLnBrk="1" latinLnBrk="0" hangingPunct="1">
+      <a:lvl2pPr marL="582930" indent="-194310" algn="l" defTabSz="777240" rtl="0" eaLnBrk="1" latinLnBrk="0" hangingPunct="1">
         <a:lnSpc>
           <a:spcPct val="90000"/>
         </a:lnSpc>
         <a:spcBef>
-          <a:spcPts val="500"/>
+          <a:spcPts val="425"/>
         </a:spcBef>
         <a:buFont typeface="Arial" panose="020B0604020202020204" pitchFamily="34" charset="0"/>
         <a:buChar char="•"/>
-        <a:defRPr sz="2400" kern="1200">
+        <a:defRPr sz="2040" kern="1200">
           <a:solidFill>
             <a:schemeClr val="tx1"/>
           </a:solidFill>
@@ -3084,16 +3107,16 @@
           <a:cs typeface="+mn-cs"/>
         </a:defRPr>
       </a:lvl2pPr>
-      <a:lvl3pPr marL="1143000" indent="-228600" algn="l" defTabSz="914400" rtl="0" eaLnBrk="1" latinLnBrk="0" hangingPunct="1">
+      <a:lvl3pPr marL="971550" indent="-194310" algn="l" defTabSz="777240" rtl="0" eaLnBrk="1" latinLnBrk="0" hangingPunct="1">
         <a:lnSpc>
           <a:spcPct val="90000"/>
         </a:lnSpc>
         <a:spcBef>
-          <a:spcPts val="500"/>
+          <a:spcPts val="425"/>
         </a:spcBef>
         <a:buFont typeface="Arial" panose="020B0604020202020204" pitchFamily="34" charset="0"/>
         <a:buChar char="•"/>
-        <a:defRPr sz="2000" kern="1200">
+        <a:defRPr sz="1700" kern="1200">
           <a:solidFill>
             <a:schemeClr val="tx1"/>
           </a:solidFill>
@@ -3102,16 +3125,16 @@
           <a:cs typeface="+mn-cs"/>
         </a:defRPr>
       </a:lvl3pPr>
-      <a:lvl4pPr marL="1600200" indent="-228600" algn="l" defTabSz="914400" rtl="0" eaLnBrk="1" latinLnBrk="0" hangingPunct="1">
+      <a:lvl4pPr marL="1360170" indent="-194310" algn="l" defTabSz="777240" rtl="0" eaLnBrk="1" latinLnBrk="0" hangingPunct="1">
         <a:lnSpc>
           <a:spcPct val="90000"/>
         </a:lnSpc>
         <a:spcBef>
-          <a:spcPts val="500"/>
+          <a:spcPts val="425"/>
         </a:spcBef>
         <a:buFont typeface="Arial" panose="020B0604020202020204" pitchFamily="34" charset="0"/>
         <a:buChar char="•"/>
-        <a:defRPr sz="1800" kern="1200">
+        <a:defRPr sz="1530" kern="1200">
           <a:solidFill>
             <a:schemeClr val="tx1"/>
           </a:solidFill>
@@ -3120,16 +3143,16 @@
           <a:cs typeface="+mn-cs"/>
         </a:defRPr>
       </a:lvl4pPr>
-      <a:lvl5pPr marL="2057400" indent="-228600" algn="l" defTabSz="914400" rtl="0" eaLnBrk="1" latinLnBrk="0" hangingPunct="1">
+      <a:lvl5pPr marL="1748790" indent="-194310" algn="l" defTabSz="777240" rtl="0" eaLnBrk="1" latinLnBrk="0" hangingPunct="1">
         <a:lnSpc>
           <a:spcPct val="90000"/>
         </a:lnSpc>
         <a:spcBef>
-          <a:spcPts val="500"/>
+          <a:spcPts val="425"/>
         </a:spcBef>
         <a:buFont typeface="Arial" panose="020B0604020202020204" pitchFamily="34" charset="0"/>
         <a:buChar char="•"/>
-        <a:defRPr sz="1800" kern="1200">
+        <a:defRPr sz="1530" kern="1200">
           <a:solidFill>
             <a:schemeClr val="tx1"/>
           </a:solidFill>
@@ -3138,16 +3161,16 @@
           <a:cs typeface="+mn-cs"/>
         </a:defRPr>
       </a:lvl5pPr>
-      <a:lvl6pPr marL="2514600" indent="-228600" algn="l" defTabSz="914400" rtl="0" eaLnBrk="1" latinLnBrk="0" hangingPunct="1">
+      <a:lvl6pPr marL="2137410" indent="-194310" algn="l" defTabSz="777240" rtl="0" eaLnBrk="1" latinLnBrk="0" hangingPunct="1">
         <a:lnSpc>
           <a:spcPct val="90000"/>
         </a:lnSpc>
         <a:spcBef>
-          <a:spcPts val="500"/>
+          <a:spcPts val="425"/>
         </a:spcBef>
         <a:buFont typeface="Arial" panose="020B0604020202020204" pitchFamily="34" charset="0"/>
         <a:buChar char="•"/>
-        <a:defRPr sz="1800" kern="1200">
+        <a:defRPr sz="1530" kern="1200">
           <a:solidFill>
             <a:schemeClr val="tx1"/>
           </a:solidFill>
@@ -3156,16 +3179,16 @@
           <a:cs typeface="+mn-cs"/>
         </a:defRPr>
       </a:lvl6pPr>
-      <a:lvl7pPr marL="2971800" indent="-228600" algn="l" defTabSz="914400" rtl="0" eaLnBrk="1" latinLnBrk="0" hangingPunct="1">
+      <a:lvl7pPr marL="2526030" indent="-194310" algn="l" defTabSz="777240" rtl="0" eaLnBrk="1" latinLnBrk="0" hangingPunct="1">
         <a:lnSpc>
           <a:spcPct val="90000"/>
         </a:lnSpc>
         <a:spcBef>
-          <a:spcPts val="500"/>
+          <a:spcPts val="425"/>
         </a:spcBef>
         <a:buFont typeface="Arial" panose="020B0604020202020204" pitchFamily="34" charset="0"/>
         <a:buChar char="•"/>
-        <a:defRPr sz="1800" kern="1200">
+        <a:defRPr sz="1530" kern="1200">
           <a:solidFill>
             <a:schemeClr val="tx1"/>
           </a:solidFill>
@@ -3174,16 +3197,16 @@
           <a:cs typeface="+mn-cs"/>
         </a:defRPr>
       </a:lvl7pPr>
-      <a:lvl8pPr marL="3429000" indent="-228600" algn="l" defTabSz="914400" rtl="0" eaLnBrk="1" latinLnBrk="0" hangingPunct="1">
+      <a:lvl8pPr marL="2914650" indent="-194310" algn="l" defTabSz="777240" rtl="0" eaLnBrk="1" latinLnBrk="0" hangingPunct="1">
         <a:lnSpc>
           <a:spcPct val="90000"/>
         </a:lnSpc>
         <a:spcBef>
-          <a:spcPts val="500"/>
+          <a:spcPts val="425"/>
         </a:spcBef>
         <a:buFont typeface="Arial" panose="020B0604020202020204" pitchFamily="34" charset="0"/>
         <a:buChar char="•"/>
-        <a:defRPr sz="1800" kern="1200">
+        <a:defRPr sz="1530" kern="1200">
           <a:solidFill>
             <a:schemeClr val="tx1"/>
           </a:solidFill>
@@ -3192,16 +3215,16 @@
           <a:cs typeface="+mn-cs"/>
         </a:defRPr>
       </a:lvl8pPr>
-      <a:lvl9pPr marL="3886200" indent="-228600" algn="l" defTabSz="914400" rtl="0" eaLnBrk="1" latinLnBrk="0" hangingPunct="1">
+      <a:lvl9pPr marL="3303270" indent="-194310" algn="l" defTabSz="777240" rtl="0" eaLnBrk="1" latinLnBrk="0" hangingPunct="1">
         <a:lnSpc>
           <a:spcPct val="90000"/>
         </a:lnSpc>
         <a:spcBef>
-          <a:spcPts val="500"/>
+          <a:spcPts val="425"/>
         </a:spcBef>
         <a:buFont typeface="Arial" panose="020B0604020202020204" pitchFamily="34" charset="0"/>
         <a:buChar char="•"/>
-        <a:defRPr sz="1800" kern="1200">
+        <a:defRPr sz="1530" kern="1200">
           <a:solidFill>
             <a:schemeClr val="tx1"/>
           </a:solidFill>
@@ -3215,8 +3238,8 @@
       <a:defPPr>
         <a:defRPr lang="en-US"/>
       </a:defPPr>
-      <a:lvl1pPr marL="0" algn="l" defTabSz="914400" rtl="0" eaLnBrk="1" latinLnBrk="0" hangingPunct="1">
-        <a:defRPr sz="1800" kern="1200">
+      <a:lvl1pPr marL="0" algn="l" defTabSz="777240" rtl="0" eaLnBrk="1" latinLnBrk="0" hangingPunct="1">
+        <a:defRPr sz="1530" kern="1200">
           <a:solidFill>
             <a:schemeClr val="tx1"/>
           </a:solidFill>
@@ -3225,8 +3248,8 @@
           <a:cs typeface="+mn-cs"/>
         </a:defRPr>
       </a:lvl1pPr>
-      <a:lvl2pPr marL="457200" algn="l" defTabSz="914400" rtl="0" eaLnBrk="1" latinLnBrk="0" hangingPunct="1">
-        <a:defRPr sz="1800" kern="1200">
+      <a:lvl2pPr marL="388620" algn="l" defTabSz="777240" rtl="0" eaLnBrk="1" latinLnBrk="0" hangingPunct="1">
+        <a:defRPr sz="1530" kern="1200">
           <a:solidFill>
             <a:schemeClr val="tx1"/>
           </a:solidFill>
@@ -3235,8 +3258,8 @@
           <a:cs typeface="+mn-cs"/>
         </a:defRPr>
       </a:lvl2pPr>
-      <a:lvl3pPr marL="914400" algn="l" defTabSz="914400" rtl="0" eaLnBrk="1" latinLnBrk="0" hangingPunct="1">
-        <a:defRPr sz="1800" kern="1200">
+      <a:lvl3pPr marL="777240" algn="l" defTabSz="777240" rtl="0" eaLnBrk="1" latinLnBrk="0" hangingPunct="1">
+        <a:defRPr sz="1530" kern="1200">
           <a:solidFill>
             <a:schemeClr val="tx1"/>
           </a:solidFill>
@@ -3245,8 +3268,8 @@
           <a:cs typeface="+mn-cs"/>
         </a:defRPr>
       </a:lvl3pPr>
-      <a:lvl4pPr marL="1371600" algn="l" defTabSz="914400" rtl="0" eaLnBrk="1" latinLnBrk="0" hangingPunct="1">
-        <a:defRPr sz="1800" kern="1200">
+      <a:lvl4pPr marL="1165860" algn="l" defTabSz="777240" rtl="0" eaLnBrk="1" latinLnBrk="0" hangingPunct="1">
+        <a:defRPr sz="1530" kern="1200">
           <a:solidFill>
             <a:schemeClr val="tx1"/>
           </a:solidFill>
@@ -3255,8 +3278,8 @@
           <a:cs typeface="+mn-cs"/>
         </a:defRPr>
       </a:lvl4pPr>
-      <a:lvl5pPr marL="1828800" algn="l" defTabSz="914400" rtl="0" eaLnBrk="1" latinLnBrk="0" hangingPunct="1">
-        <a:defRPr sz="1800" kern="1200">
+      <a:lvl5pPr marL="1554480" algn="l" defTabSz="777240" rtl="0" eaLnBrk="1" latinLnBrk="0" hangingPunct="1">
+        <a:defRPr sz="1530" kern="1200">
           <a:solidFill>
             <a:schemeClr val="tx1"/>
           </a:solidFill>
@@ -3265,8 +3288,8 @@
           <a:cs typeface="+mn-cs"/>
         </a:defRPr>
       </a:lvl5pPr>
-      <a:lvl6pPr marL="2286000" algn="l" defTabSz="914400" rtl="0" eaLnBrk="1" latinLnBrk="0" hangingPunct="1">
-        <a:defRPr sz="1800" kern="1200">
+      <a:lvl6pPr marL="1943100" algn="l" defTabSz="777240" rtl="0" eaLnBrk="1" latinLnBrk="0" hangingPunct="1">
+        <a:defRPr sz="1530" kern="1200">
           <a:solidFill>
             <a:schemeClr val="tx1"/>
           </a:solidFill>
@@ -3275,8 +3298,8 @@
           <a:cs typeface="+mn-cs"/>
         </a:defRPr>
       </a:lvl6pPr>
-      <a:lvl7pPr marL="2743200" algn="l" defTabSz="914400" rtl="0" eaLnBrk="1" latinLnBrk="0" hangingPunct="1">
-        <a:defRPr sz="1800" kern="1200">
+      <a:lvl7pPr marL="2331720" algn="l" defTabSz="777240" rtl="0" eaLnBrk="1" latinLnBrk="0" hangingPunct="1">
+        <a:defRPr sz="1530" kern="1200">
           <a:solidFill>
             <a:schemeClr val="tx1"/>
           </a:solidFill>
@@ -3285,8 +3308,8 @@
           <a:cs typeface="+mn-cs"/>
         </a:defRPr>
       </a:lvl7pPr>
-      <a:lvl8pPr marL="3200400" algn="l" defTabSz="914400" rtl="0" eaLnBrk="1" latinLnBrk="0" hangingPunct="1">
-        <a:defRPr sz="1800" kern="1200">
+      <a:lvl8pPr marL="2720340" algn="l" defTabSz="777240" rtl="0" eaLnBrk="1" latinLnBrk="0" hangingPunct="1">
+        <a:defRPr sz="1530" kern="1200">
           <a:solidFill>
             <a:schemeClr val="tx1"/>
           </a:solidFill>
@@ -3295,8 +3318,8 @@
           <a:cs typeface="+mn-cs"/>
         </a:defRPr>
       </a:lvl8pPr>
-      <a:lvl9pPr marL="3657600" algn="l" defTabSz="914400" rtl="0" eaLnBrk="1" latinLnBrk="0" hangingPunct="1">
-        <a:defRPr sz="1800" kern="1200">
+      <a:lvl9pPr marL="3108960" algn="l" defTabSz="777240" rtl="0" eaLnBrk="1" latinLnBrk="0" hangingPunct="1">
+        <a:defRPr sz="1530" kern="1200">
           <a:solidFill>
             <a:schemeClr val="tx1"/>
           </a:solidFill>
@@ -3335,10 +3358,10 @@
         </p:nvGrpSpPr>
         <p:grpSpPr>
           <a:xfrm>
-            <a:off x="117988" y="171533"/>
-            <a:ext cx="3869024" cy="3007125"/>
-            <a:chOff x="117988" y="171533"/>
-            <a:chExt cx="3869024" cy="3007125"/>
+            <a:off x="3570565" y="370728"/>
+            <a:ext cx="2588935" cy="2411962"/>
+            <a:chOff x="8115" y="171531"/>
+            <a:chExt cx="4061074" cy="3783471"/>
           </a:xfrm>
         </p:grpSpPr>
         <p:grpSp>
@@ -3349,10 +3372,10 @@
           </p:nvGrpSpPr>
           <p:grpSpPr>
             <a:xfrm>
-              <a:off x="204462" y="171533"/>
-              <a:ext cx="3782549" cy="3007125"/>
-              <a:chOff x="204462" y="171533"/>
-              <a:chExt cx="3782549" cy="3007125"/>
+              <a:off x="8115" y="171533"/>
+              <a:ext cx="4061074" cy="3783469"/>
+              <a:chOff x="8115" y="171533"/>
+              <a:chExt cx="4061074" cy="3783469"/>
             </a:xfrm>
           </p:grpSpPr>
           <p:grpSp>
@@ -3364,9 +3387,9 @@
             <p:grpSpPr>
               <a:xfrm>
                 <a:off x="293899" y="171533"/>
-                <a:ext cx="3596711" cy="2209266"/>
+                <a:ext cx="3596711" cy="2261870"/>
                 <a:chOff x="1347746" y="907775"/>
-                <a:chExt cx="3596711" cy="2209266"/>
+                <a:chExt cx="3596711" cy="2261870"/>
               </a:xfrm>
             </p:grpSpPr>
             <p:cxnSp>
@@ -3404,8 +3427,8 @@
                 </a:fontRef>
               </p:style>
             </p:cxnSp>
-            <mc:AlternateContent xmlns:mc="http://schemas.openxmlformats.org/markup-compatibility/2006">
-              <mc:Choice xmlns:p14="http://schemas.microsoft.com/office/powerpoint/2010/main" Requires="p14">
+            <mc:AlternateContent xmlns:mc="http://schemas.openxmlformats.org/markup-compatibility/2006" xmlns:p14="http://schemas.microsoft.com/office/powerpoint/2010/main">
+              <mc:Choice Requires="p14">
                 <p:contentPart p14:bwMode="auto" r:id="rId2">
                   <p14:nvContentPartPr>
                     <p14:cNvPr id="39" name="Ink 38"/>
@@ -3418,7 +3441,7 @@
                   </p14:xfrm>
                 </p:contentPart>
               </mc:Choice>
-              <mc:Fallback>
+              <mc:Fallback xmlns="">
                 <p:pic>
                   <p:nvPicPr>
                     <p:cNvPr id="39" name="Ink 38"/>
@@ -3564,8 +3587,8 @@
                   </p:nvSpPr>
                   <p:spPr>
                     <a:xfrm>
-                      <a:off x="1381474" y="1560871"/>
-                      <a:ext cx="582561" cy="369332"/>
+                      <a:off x="1381475" y="1560872"/>
+                      <a:ext cx="582562" cy="421936"/>
                     </a:xfrm>
                     <a:prstGeom prst="rect">
                       <a:avLst/>
@@ -3578,6 +3601,7 @@
                     </a:bodyPr>
                     <a:lstStyle/>
                     <a:p>
+                      <a:pPr/>
                       <a14:m>
                         <m:oMathPara xmlns:m="http://schemas.openxmlformats.org/officeDocument/2006/math">
                           <m:oMathParaPr>
@@ -3587,14 +3611,14 @@
                             <m:sSup>
                               <m:sSupPr>
                                 <m:ctrlPr>
-                                  <a:rPr lang="en-US" b="0" i="1" smtClean="0">
+                                  <a:rPr lang="en-US" sz="1148" i="1">
                                     <a:latin typeface="Cambria Math" panose="02040503050406030204" pitchFamily="18" charset="0"/>
                                   </a:rPr>
                                 </m:ctrlPr>
                               </m:sSupPr>
                               <m:e>
                                 <m:r>
-                                  <a:rPr lang="en-US" b="0" i="1" smtClean="0">
+                                  <a:rPr lang="en-US" sz="1148" i="1">
                                     <a:latin typeface="Cambria Math" panose="02040503050406030204" pitchFamily="18" charset="0"/>
                                   </a:rPr>
                                   <m:t>𝜇</m:t>
@@ -3602,7 +3626,7 @@
                               </m:e>
                               <m:sup>
                                 <m:r>
-                                  <a:rPr lang="en-US" b="0" i="1" smtClean="0">
+                                  <a:rPr lang="en-US" sz="1148" i="1">
                                     <a:latin typeface="Cambria Math" panose="02040503050406030204" pitchFamily="18" charset="0"/>
                                   </a:rPr>
                                   <m:t>−</m:t>
@@ -3612,7 +3636,7 @@
                           </m:oMath>
                         </m:oMathPara>
                       </a14:m>
-                      <a:endParaRPr lang="en-US" dirty="0"/>
+                      <a:endParaRPr lang="en-US" sz="1148" dirty="0"/>
                     </a:p>
                   </p:txBody>
                 </p:sp>
@@ -3628,8 +3652,8 @@
                   </p:nvSpPr>
                   <p:spPr>
                     <a:xfrm>
-                      <a:off x="1381474" y="1560871"/>
-                      <a:ext cx="582561" cy="369332"/>
+                      <a:off x="1381475" y="1560872"/>
+                      <a:ext cx="582562" cy="421936"/>
                     </a:xfrm>
                     <a:prstGeom prst="rect">
                       <a:avLst/>
@@ -3637,7 +3661,7 @@
                     <a:blipFill>
                       <a:blip r:embed="rId4"/>
                       <a:stretch>
-                        <a:fillRect b="-3279"/>
+                        <a:fillRect/>
                       </a:stretch>
                     </a:blipFill>
                   </p:spPr>
@@ -3703,7 +3727,7 @@
                   <p:spPr>
                     <a:xfrm>
                       <a:off x="2498683" y="2150592"/>
-                      <a:ext cx="582561" cy="369332"/>
+                      <a:ext cx="582562" cy="421936"/>
                     </a:xfrm>
                     <a:prstGeom prst="rect">
                       <a:avLst/>
@@ -3716,6 +3740,7 @@
                     </a:bodyPr>
                     <a:lstStyle/>
                     <a:p>
+                      <a:pPr/>
                       <a14:m>
                         <m:oMathPara xmlns:m="http://schemas.openxmlformats.org/officeDocument/2006/math">
                           <m:oMathParaPr>
@@ -3723,7 +3748,7 @@
                           </m:oMathParaPr>
                           <m:oMath xmlns:m="http://schemas.openxmlformats.org/officeDocument/2006/math">
                             <m:r>
-                              <a:rPr lang="en-US" b="0" i="1" smtClean="0">
+                              <a:rPr lang="en-US" sz="1148" i="1">
                                 <a:latin typeface="Cambria Math" panose="02040503050406030204" pitchFamily="18" charset="0"/>
                               </a:rPr>
                               <m:t>𝑊</m:t>
@@ -3731,7 +3756,7 @@
                           </m:oMath>
                         </m:oMathPara>
                       </a14:m>
-                      <a:endParaRPr lang="en-US" dirty="0"/>
+                      <a:endParaRPr lang="en-US" sz="1148" dirty="0"/>
                     </a:p>
                   </p:txBody>
                 </p:sp>
@@ -3748,7 +3773,7 @@
                   <p:spPr>
                     <a:xfrm>
                       <a:off x="2498683" y="2150592"/>
-                      <a:ext cx="582561" cy="369332"/>
+                      <a:ext cx="582562" cy="421936"/>
                     </a:xfrm>
                     <a:prstGeom prst="rect">
                       <a:avLst/>
@@ -3899,8 +3924,8 @@
                   </p:nvSpPr>
                   <p:spPr>
                     <a:xfrm>
-                      <a:off x="4361896" y="907775"/>
-                      <a:ext cx="582561" cy="391646"/>
+                      <a:off x="4361895" y="907775"/>
+                      <a:ext cx="582562" cy="444668"/>
                     </a:xfrm>
                     <a:prstGeom prst="rect">
                       <a:avLst/>
@@ -3913,6 +3938,7 @@
                     </a:bodyPr>
                     <a:lstStyle/>
                     <a:p>
+                      <a:pPr/>
                       <a14:m>
                         <m:oMathPara xmlns:m="http://schemas.openxmlformats.org/officeDocument/2006/math">
                           <m:oMathParaPr>
@@ -3922,14 +3948,14 @@
                             <m:sSub>
                               <m:sSubPr>
                                 <m:ctrlPr>
-                                  <a:rPr lang="en-US" b="0" i="1" smtClean="0">
+                                  <a:rPr lang="en-US" sz="1148" i="1">
                                     <a:latin typeface="Cambria Math" panose="02040503050406030204" pitchFamily="18" charset="0"/>
                                   </a:rPr>
                                 </m:ctrlPr>
                               </m:sSubPr>
                               <m:e>
                                 <m:r>
-                                  <a:rPr lang="en-US" b="0" i="1" smtClean="0">
+                                  <a:rPr lang="en-US" sz="1148" i="1">
                                     <a:latin typeface="Cambria Math" panose="02040503050406030204" pitchFamily="18" charset="0"/>
                                   </a:rPr>
                                   <m:t>𝜈</m:t>
@@ -3937,7 +3963,7 @@
                               </m:e>
                               <m:sub>
                                 <m:r>
-                                  <a:rPr lang="en-US" b="0" i="1" smtClean="0">
+                                  <a:rPr lang="en-US" sz="1148" i="1">
                                     <a:latin typeface="Cambria Math" panose="02040503050406030204" pitchFamily="18" charset="0"/>
                                   </a:rPr>
                                   <m:t>𝜇</m:t>
@@ -3947,7 +3973,7 @@
                           </m:oMath>
                         </m:oMathPara>
                       </a14:m>
-                      <a:endParaRPr lang="en-US" dirty="0"/>
+                      <a:endParaRPr lang="en-US" sz="1148" dirty="0"/>
                     </a:p>
                   </p:txBody>
                 </p:sp>
@@ -3963,8 +3989,8 @@
                   </p:nvSpPr>
                   <p:spPr>
                     <a:xfrm>
-                      <a:off x="4361896" y="907775"/>
-                      <a:ext cx="582561" cy="391646"/>
+                      <a:off x="4361895" y="907775"/>
+                      <a:ext cx="582562" cy="444668"/>
                     </a:xfrm>
                     <a:prstGeom prst="rect">
                       <a:avLst/>
@@ -3972,7 +3998,7 @@
                     <a:blipFill>
                       <a:blip r:embed="rId6"/>
                       <a:stretch>
-                        <a:fillRect b="-4688"/>
+                        <a:fillRect/>
                       </a:stretch>
                     </a:blipFill>
                   </p:spPr>
@@ -4002,7 +4028,7 @@
                   <p:spPr>
                     <a:xfrm>
                       <a:off x="4361895" y="1600774"/>
-                      <a:ext cx="582561" cy="369332"/>
+                      <a:ext cx="582562" cy="421936"/>
                     </a:xfrm>
                     <a:prstGeom prst="rect">
                       <a:avLst/>
@@ -4015,6 +4041,7 @@
                     </a:bodyPr>
                     <a:lstStyle/>
                     <a:p>
+                      <a:pPr/>
                       <a14:m>
                         <m:oMathPara xmlns:m="http://schemas.openxmlformats.org/officeDocument/2006/math">
                           <m:oMathParaPr>
@@ -4024,14 +4051,14 @@
                             <m:sSup>
                               <m:sSupPr>
                                 <m:ctrlPr>
-                                  <a:rPr lang="en-US" b="0" i="1" smtClean="0">
+                                  <a:rPr lang="en-US" sz="1148" i="1">
                                     <a:latin typeface="Cambria Math" panose="02040503050406030204" pitchFamily="18" charset="0"/>
                                   </a:rPr>
                                 </m:ctrlPr>
                               </m:sSupPr>
                               <m:e>
                                 <m:r>
-                                  <a:rPr lang="en-US" b="0" i="1" smtClean="0">
+                                  <a:rPr lang="en-US" sz="1148" i="1">
                                     <a:latin typeface="Cambria Math" panose="02040503050406030204" pitchFamily="18" charset="0"/>
                                   </a:rPr>
                                   <m:t>ℯ</m:t>
@@ -4039,7 +4066,7 @@
                               </m:e>
                               <m:sup>
                                 <m:r>
-                                  <a:rPr lang="en-US" b="0" i="1" smtClean="0">
+                                  <a:rPr lang="en-US" sz="1148" i="1">
                                     <a:latin typeface="Cambria Math" panose="02040503050406030204" pitchFamily="18" charset="0"/>
                                   </a:rPr>
                                   <m:t>−</m:t>
@@ -4049,7 +4076,7 @@
                           </m:oMath>
                         </m:oMathPara>
                       </a14:m>
-                      <a:endParaRPr lang="en-US" dirty="0"/>
+                      <a:endParaRPr lang="en-US" sz="1148" dirty="0"/>
                     </a:p>
                   </p:txBody>
                 </p:sp>
@@ -4066,7 +4093,7 @@
                   <p:spPr>
                     <a:xfrm>
                       <a:off x="4361895" y="1600774"/>
-                      <a:ext cx="582561" cy="369332"/>
+                      <a:ext cx="582562" cy="421936"/>
                     </a:xfrm>
                     <a:prstGeom prst="rect">
                       <a:avLst/>
@@ -4104,7 +4131,7 @@
                   <p:spPr>
                     <a:xfrm>
                       <a:off x="4361895" y="2747709"/>
-                      <a:ext cx="582561" cy="369332"/>
+                      <a:ext cx="582562" cy="421936"/>
                     </a:xfrm>
                     <a:prstGeom prst="rect">
                       <a:avLst/>
@@ -4117,6 +4144,7 @@
                     </a:bodyPr>
                     <a:lstStyle/>
                     <a:p>
+                      <a:pPr/>
                       <a14:m>
                         <m:oMathPara xmlns:m="http://schemas.openxmlformats.org/officeDocument/2006/math">
                           <m:oMathParaPr>
@@ -4127,7 +4155,7 @@
                               <m:accPr>
                                 <m:chr m:val="̅"/>
                                 <m:ctrlPr>
-                                  <a:rPr lang="en-US" b="0" i="1" smtClean="0">
+                                  <a:rPr lang="en-US" sz="1148" i="1">
                                     <a:latin typeface="Cambria Math" panose="02040503050406030204" pitchFamily="18" charset="0"/>
                                   </a:rPr>
                                 </m:ctrlPr>
@@ -4136,14 +4164,14 @@
                                 <m:sSub>
                                   <m:sSubPr>
                                     <m:ctrlPr>
-                                      <a:rPr lang="en-US" b="0" i="1" smtClean="0">
+                                      <a:rPr lang="en-US" sz="1148" i="1">
                                         <a:latin typeface="Cambria Math" panose="02040503050406030204" pitchFamily="18" charset="0"/>
                                       </a:rPr>
                                     </m:ctrlPr>
                                   </m:sSubPr>
                                   <m:e>
                                     <m:r>
-                                      <a:rPr lang="en-US" b="0" i="1" smtClean="0">
+                                      <a:rPr lang="en-US" sz="1148" i="1">
                                         <a:latin typeface="Cambria Math" panose="02040503050406030204" pitchFamily="18" charset="0"/>
                                       </a:rPr>
                                       <m:t>𝜈</m:t>
@@ -4151,7 +4179,7 @@
                                   </m:e>
                                   <m:sub>
                                     <m:r>
-                                      <a:rPr lang="en-US" b="0" i="1" smtClean="0">
+                                      <a:rPr lang="en-US" sz="1148" i="1">
                                         <a:latin typeface="Cambria Math" panose="02040503050406030204" pitchFamily="18" charset="0"/>
                                       </a:rPr>
                                       <m:t>ℯ</m:t>
@@ -4163,7 +4191,7 @@
                           </m:oMath>
                         </m:oMathPara>
                       </a14:m>
-                      <a:endParaRPr lang="en-US" dirty="0"/>
+                      <a:endParaRPr lang="en-US" sz="1148" dirty="0"/>
                     </a:p>
                   </p:txBody>
                 </p:sp>
@@ -4180,7 +4208,7 @@
                   <p:spPr>
                     <a:xfrm>
                       <a:off x="4361895" y="2747709"/>
-                      <a:ext cx="582561" cy="369332"/>
+                      <a:ext cx="582562" cy="421936"/>
                     </a:xfrm>
                     <a:prstGeom prst="rect">
                       <a:avLst/>
@@ -4188,7 +4216,7 @@
                     <a:blipFill>
                       <a:blip r:embed="rId8"/>
                       <a:stretch>
-                        <a:fillRect r="-11579"/>
+                        <a:fillRect/>
                       </a:stretch>
                     </a:blipFill>
                   </p:spPr>
@@ -4216,8 +4244,8 @@
             </p:nvSpPr>
             <p:spPr>
               <a:xfrm>
-                <a:off x="204462" y="2578494"/>
-                <a:ext cx="3782549" cy="600164"/>
+                <a:off x="8115" y="2482501"/>
+                <a:ext cx="4061074" cy="1472501"/>
               </a:xfrm>
               <a:prstGeom prst="rect">
                 <a:avLst/>
@@ -4232,7 +4260,10 @@
               <a:p>
                 <a:pPr algn="just"/>
                 <a:r>
-                  <a:rPr lang="en-US" sz="1100" dirty="0"/>
+                  <a:rPr lang="en-US" sz="1100" dirty="0">
+                    <a:latin typeface="Times New Roman" panose="02020603050405020304" pitchFamily="18" charset="0"/>
+                    <a:cs typeface="Times New Roman" panose="02020603050405020304" pitchFamily="18" charset="0"/>
+                  </a:rPr>
                   <a:t>Figure 1. Feynman diagram of a muon decaying into a mu neutrino, an electron, and an anti-electron neutrino. Muon and electron number is conserved in this diagram.</a:t>
                 </a:r>
               </a:p>
@@ -4247,8 +4278,8 @@
           </p:nvSpPr>
           <p:spPr>
             <a:xfrm>
-              <a:off x="117988" y="171533"/>
-              <a:ext cx="3869024" cy="3007125"/>
+              <a:off x="117988" y="171531"/>
+              <a:ext cx="3869024" cy="3731485"/>
             </a:xfrm>
             <a:prstGeom prst="rect">
               <a:avLst/>
@@ -4281,7 +4312,7 @@
             <a:lstStyle/>
             <a:p>
               <a:pPr algn="ctr"/>
-              <a:endParaRPr lang="en-US"/>
+              <a:endParaRPr lang="en-US" sz="1148"/>
             </a:p>
           </p:txBody>
         </p:sp>
@@ -4337,7 +4368,7 @@
 <file path=ppt/theme/theme1.xml><?xml version="1.0" encoding="utf-8"?>
 <a:theme xmlns:a="http://schemas.openxmlformats.org/drawingml/2006/main" name="Office Theme">
   <a:themeElements>
-    <a:clrScheme name="Office">
+    <a:clrScheme name="Office Theme">
       <a:dk1>
         <a:sysClr val="windowText" lastClr="000000"/>
       </a:dk1>
@@ -4375,7 +4406,7 @@
         <a:srgbClr val="954F72"/>
       </a:folHlink>
     </a:clrScheme>
-    <a:fontScheme name="Office">
+    <a:fontScheme name="Office Theme">
       <a:majorFont>
         <a:latin typeface="Calibri Light" panose="020F0302020204030204"/>
         <a:ea typeface=""/>
@@ -4410,23 +4441,6 @@
         <a:font script="Viet" typeface="Times New Roman"/>
         <a:font script="Uigh" typeface="Microsoft Uighur"/>
         <a:font script="Geor" typeface="Sylfaen"/>
-        <a:font script="Armn" typeface="Arial"/>
-        <a:font script="Bugi" typeface="Leelawadee UI"/>
-        <a:font script="Bopo" typeface="Microsoft JhengHei"/>
-        <a:font script="Java" typeface="Javanese Text"/>
-        <a:font script="Lisu" typeface="Segoe UI"/>
-        <a:font script="Mymr" typeface="Myanmar Text"/>
-        <a:font script="Nkoo" typeface="Ebrima"/>
-        <a:font script="Olck" typeface="Nirmala UI"/>
-        <a:font script="Osma" typeface="Ebrima"/>
-        <a:font script="Phag" typeface="Phagspa"/>
-        <a:font script="Syrn" typeface="Estrangelo Edessa"/>
-        <a:font script="Syrj" typeface="Estrangelo Edessa"/>
-        <a:font script="Syre" typeface="Estrangelo Edessa"/>
-        <a:font script="Sora" typeface="Nirmala UI"/>
-        <a:font script="Tale" typeface="Microsoft Tai Le"/>
-        <a:font script="Talu" typeface="Microsoft New Tai Lue"/>
-        <a:font script="Tfng" typeface="Ebrima"/>
       </a:majorFont>
       <a:minorFont>
         <a:latin typeface="Calibri" panose="020F0502020204030204"/>
@@ -4462,26 +4476,9 @@
         <a:font script="Viet" typeface="Arial"/>
         <a:font script="Uigh" typeface="Microsoft Uighur"/>
         <a:font script="Geor" typeface="Sylfaen"/>
-        <a:font script="Armn" typeface="Arial"/>
-        <a:font script="Bugi" typeface="Leelawadee UI"/>
-        <a:font script="Bopo" typeface="Microsoft JhengHei"/>
-        <a:font script="Java" typeface="Javanese Text"/>
-        <a:font script="Lisu" typeface="Segoe UI"/>
-        <a:font script="Mymr" typeface="Myanmar Text"/>
-        <a:font script="Nkoo" typeface="Ebrima"/>
-        <a:font script="Olck" typeface="Nirmala UI"/>
-        <a:font script="Osma" typeface="Ebrima"/>
-        <a:font script="Phag" typeface="Phagspa"/>
-        <a:font script="Syrn" typeface="Estrangelo Edessa"/>
-        <a:font script="Syrj" typeface="Estrangelo Edessa"/>
-        <a:font script="Syre" typeface="Estrangelo Edessa"/>
-        <a:font script="Sora" typeface="Nirmala UI"/>
-        <a:font script="Tale" typeface="Microsoft Tai Le"/>
-        <a:font script="Talu" typeface="Microsoft New Tai Lue"/>
-        <a:font script="Tfng" typeface="Ebrima"/>
       </a:minorFont>
     </a:fontScheme>
-    <a:fmtScheme name="Office">
+    <a:fmtScheme name="Office Theme">
       <a:fillStyleLst>
         <a:solidFill>
           <a:schemeClr val="phClr"/>

--- a/Drawings.pptx
+++ b/Drawings.pptx
@@ -224,7 +224,7 @@
           <a:p>
             <a:fld id="{407FD817-3101-4B69-BF0A-64760891AC46}" type="datetimeFigureOut">
               <a:rPr lang="en-US" smtClean="0"/>
-              <a:t>4/24/2017</a:t>
+              <a:t>5/6/2017</a:t>
             </a:fld>
             <a:endParaRPr lang="en-US"/>
           </a:p>
@@ -622,7 +622,7 @@
           <a:p>
             <a:fld id="{23D8FB18-5843-4784-990F-180C8D595F66}" type="datetimeFigureOut">
               <a:rPr lang="en-US" smtClean="0"/>
-              <a:t>4/24/2017</a:t>
+              <a:t>5/6/2017</a:t>
             </a:fld>
             <a:endParaRPr lang="en-US"/>
           </a:p>
@@ -792,7 +792,7 @@
           <a:p>
             <a:fld id="{23D8FB18-5843-4784-990F-180C8D595F66}" type="datetimeFigureOut">
               <a:rPr lang="en-US" smtClean="0"/>
-              <a:t>4/24/2017</a:t>
+              <a:t>5/6/2017</a:t>
             </a:fld>
             <a:endParaRPr lang="en-US"/>
           </a:p>
@@ -972,7 +972,7 @@
           <a:p>
             <a:fld id="{23D8FB18-5843-4784-990F-180C8D595F66}" type="datetimeFigureOut">
               <a:rPr lang="en-US" smtClean="0"/>
-              <a:t>4/24/2017</a:t>
+              <a:t>5/6/2017</a:t>
             </a:fld>
             <a:endParaRPr lang="en-US"/>
           </a:p>
@@ -1142,7 +1142,7 @@
           <a:p>
             <a:fld id="{23D8FB18-5843-4784-990F-180C8D595F66}" type="datetimeFigureOut">
               <a:rPr lang="en-US" smtClean="0"/>
-              <a:t>4/24/2017</a:t>
+              <a:t>5/6/2017</a:t>
             </a:fld>
             <a:endParaRPr lang="en-US"/>
           </a:p>
@@ -1386,7 +1386,7 @@
           <a:p>
             <a:fld id="{23D8FB18-5843-4784-990F-180C8D595F66}" type="datetimeFigureOut">
               <a:rPr lang="en-US" smtClean="0"/>
-              <a:t>4/24/2017</a:t>
+              <a:t>5/6/2017</a:t>
             </a:fld>
             <a:endParaRPr lang="en-US"/>
           </a:p>
@@ -1618,7 +1618,7 @@
           <a:p>
             <a:fld id="{23D8FB18-5843-4784-990F-180C8D595F66}" type="datetimeFigureOut">
               <a:rPr lang="en-US" smtClean="0"/>
-              <a:t>4/24/2017</a:t>
+              <a:t>5/6/2017</a:t>
             </a:fld>
             <a:endParaRPr lang="en-US"/>
           </a:p>
@@ -1985,7 +1985,7 @@
           <a:p>
             <a:fld id="{23D8FB18-5843-4784-990F-180C8D595F66}" type="datetimeFigureOut">
               <a:rPr lang="en-US" smtClean="0"/>
-              <a:t>4/24/2017</a:t>
+              <a:t>5/6/2017</a:t>
             </a:fld>
             <a:endParaRPr lang="en-US"/>
           </a:p>
@@ -2103,7 +2103,7 @@
           <a:p>
             <a:fld id="{23D8FB18-5843-4784-990F-180C8D595F66}" type="datetimeFigureOut">
               <a:rPr lang="en-US" smtClean="0"/>
-              <a:t>4/24/2017</a:t>
+              <a:t>5/6/2017</a:t>
             </a:fld>
             <a:endParaRPr lang="en-US"/>
           </a:p>
@@ -2198,7 +2198,7 @@
           <a:p>
             <a:fld id="{23D8FB18-5843-4784-990F-180C8D595F66}" type="datetimeFigureOut">
               <a:rPr lang="en-US" smtClean="0"/>
-              <a:t>4/24/2017</a:t>
+              <a:t>5/6/2017</a:t>
             </a:fld>
             <a:endParaRPr lang="en-US"/>
           </a:p>
@@ -2475,7 +2475,7 @@
           <a:p>
             <a:fld id="{23D8FB18-5843-4784-990F-180C8D595F66}" type="datetimeFigureOut">
               <a:rPr lang="en-US" smtClean="0"/>
-              <a:t>4/24/2017</a:t>
+              <a:t>5/6/2017</a:t>
             </a:fld>
             <a:endParaRPr lang="en-US"/>
           </a:p>
@@ -2732,7 +2732,7 @@
           <a:p>
             <a:fld id="{23D8FB18-5843-4784-990F-180C8D595F66}" type="datetimeFigureOut">
               <a:rPr lang="en-US" smtClean="0"/>
-              <a:t>4/24/2017</a:t>
+              <a:t>5/6/2017</a:t>
             </a:fld>
             <a:endParaRPr lang="en-US"/>
           </a:p>
@@ -2945,7 +2945,7 @@
           <a:p>
             <a:fld id="{23D8FB18-5843-4784-990F-180C8D595F66}" type="datetimeFigureOut">
               <a:rPr lang="en-US" smtClean="0"/>
-              <a:t>4/24/2017</a:t>
+              <a:t>5/6/2017</a:t>
             </a:fld>
             <a:endParaRPr lang="en-US"/>
           </a:p>
@@ -3358,10 +3358,10 @@
         </p:nvGrpSpPr>
         <p:grpSpPr>
           <a:xfrm>
-            <a:off x="3570565" y="370728"/>
-            <a:ext cx="2588935" cy="2411962"/>
+            <a:off x="271105" y="225948"/>
+            <a:ext cx="2588935" cy="2181129"/>
             <a:chOff x="8115" y="171531"/>
-            <a:chExt cx="4061074" cy="3783471"/>
+            <a:chExt cx="4061074" cy="3421380"/>
           </a:xfrm>
         </p:grpSpPr>
         <p:grpSp>
@@ -3373,9 +3373,9 @@
           <p:grpSpPr>
             <a:xfrm>
               <a:off x="8115" y="171533"/>
-              <a:ext cx="4061074" cy="3783469"/>
+              <a:ext cx="4061074" cy="3421378"/>
               <a:chOff x="8115" y="171533"/>
-              <a:chExt cx="4061074" cy="3783469"/>
+              <a:chExt cx="4061074" cy="3421378"/>
             </a:xfrm>
           </p:grpSpPr>
           <p:grpSp>
@@ -3577,8 +3577,8 @@
                 </a:fontRef>
               </p:style>
             </p:cxnSp>
-            <mc:AlternateContent xmlns:mc="http://schemas.openxmlformats.org/markup-compatibility/2006">
-              <mc:Choice xmlns:a14="http://schemas.microsoft.com/office/drawing/2010/main" Requires="a14">
+            <mc:AlternateContent xmlns:mc="http://schemas.openxmlformats.org/markup-compatibility/2006" xmlns:a14="http://schemas.microsoft.com/office/drawing/2010/main">
+              <mc:Choice Requires="a14">
                 <p:sp>
                   <p:nvSpPr>
                     <p:cNvPr id="59" name="TextBox 58"/>
@@ -3641,7 +3641,7 @@
                   </p:txBody>
                 </p:sp>
               </mc:Choice>
-              <mc:Fallback>
+              <mc:Fallback xmlns="">
                 <p:sp>
                   <p:nvSpPr>
                     <p:cNvPr id="59" name="TextBox 58"/>
@@ -3716,8 +3716,8 @@
                 </a:fontRef>
               </p:style>
             </p:cxnSp>
-            <mc:AlternateContent xmlns:mc="http://schemas.openxmlformats.org/markup-compatibility/2006">
-              <mc:Choice xmlns:a14="http://schemas.microsoft.com/office/drawing/2010/main" Requires="a14">
+            <mc:AlternateContent xmlns:mc="http://schemas.openxmlformats.org/markup-compatibility/2006" xmlns:a14="http://schemas.microsoft.com/office/drawing/2010/main">
+              <mc:Choice Requires="a14">
                 <p:sp>
                   <p:nvSpPr>
                     <p:cNvPr id="124" name="TextBox 123"/>
@@ -3761,7 +3761,7 @@
                   </p:txBody>
                 </p:sp>
               </mc:Choice>
-              <mc:Fallback>
+              <mc:Fallback xmlns="">
                 <p:sp>
                   <p:nvSpPr>
                     <p:cNvPr id="124" name="TextBox 123"/>
@@ -3914,8 +3914,8 @@
                 </a:fontRef>
               </p:style>
             </p:cxnSp>
-            <mc:AlternateContent xmlns:mc="http://schemas.openxmlformats.org/markup-compatibility/2006">
-              <mc:Choice xmlns:a14="http://schemas.microsoft.com/office/drawing/2010/main" Requires="a14">
+            <mc:AlternateContent xmlns:mc="http://schemas.openxmlformats.org/markup-compatibility/2006" xmlns:a14="http://schemas.microsoft.com/office/drawing/2010/main">
+              <mc:Choice Requires="a14">
                 <p:sp>
                   <p:nvSpPr>
                     <p:cNvPr id="139" name="TextBox 138"/>
@@ -3978,7 +3978,7 @@
                   </p:txBody>
                 </p:sp>
               </mc:Choice>
-              <mc:Fallback>
+              <mc:Fallback xmlns="">
                 <p:sp>
                   <p:nvSpPr>
                     <p:cNvPr id="139" name="TextBox 138"/>
@@ -4017,8 +4017,8 @@
                 </p:sp>
               </mc:Fallback>
             </mc:AlternateContent>
-            <mc:AlternateContent xmlns:mc="http://schemas.openxmlformats.org/markup-compatibility/2006">
-              <mc:Choice xmlns:a14="http://schemas.microsoft.com/office/drawing/2010/main" Requires="a14">
+            <mc:AlternateContent xmlns:mc="http://schemas.openxmlformats.org/markup-compatibility/2006" xmlns:a14="http://schemas.microsoft.com/office/drawing/2010/main">
+              <mc:Choice Requires="a14">
                 <p:sp>
                   <p:nvSpPr>
                     <p:cNvPr id="140" name="TextBox 139"/>
@@ -4081,7 +4081,7 @@
                   </p:txBody>
                 </p:sp>
               </mc:Choice>
-              <mc:Fallback>
+              <mc:Fallback xmlns="">
                 <p:sp>
                   <p:nvSpPr>
                     <p:cNvPr id="140" name="TextBox 139"/>
@@ -4120,8 +4120,8 @@
                 </p:sp>
               </mc:Fallback>
             </mc:AlternateContent>
-            <mc:AlternateContent xmlns:mc="http://schemas.openxmlformats.org/markup-compatibility/2006">
-              <mc:Choice xmlns:a14="http://schemas.microsoft.com/office/drawing/2010/main" Requires="a14">
+            <mc:AlternateContent xmlns:mc="http://schemas.openxmlformats.org/markup-compatibility/2006" xmlns:a14="http://schemas.microsoft.com/office/drawing/2010/main">
+              <mc:Choice Requires="a14">
                 <p:sp>
                   <p:nvSpPr>
                     <p:cNvPr id="141" name="TextBox 140"/>
@@ -4196,7 +4196,7 @@
                   </p:txBody>
                 </p:sp>
               </mc:Choice>
-              <mc:Fallback>
+              <mc:Fallback xmlns="">
                 <p:sp>
                   <p:nvSpPr>
                     <p:cNvPr id="141" name="TextBox 140"/>
@@ -4245,7 +4245,7 @@
             <p:spPr>
               <a:xfrm>
                 <a:off x="8115" y="2482501"/>
-                <a:ext cx="4061074" cy="1472501"/>
+                <a:ext cx="4061074" cy="1110410"/>
               </a:xfrm>
               <a:prstGeom prst="rect">
                 <a:avLst/>
@@ -4260,7 +4260,7 @@
               <a:p>
                 <a:pPr algn="just"/>
                 <a:r>
-                  <a:rPr lang="en-US" sz="1100" dirty="0">
+                  <a:rPr lang="en-US" sz="1000" dirty="0">
                     <a:latin typeface="Times New Roman" panose="02020603050405020304" pitchFamily="18" charset="0"/>
                     <a:cs typeface="Times New Roman" panose="02020603050405020304" pitchFamily="18" charset="0"/>
                   </a:rPr>
@@ -4279,7 +4279,7 @@
           <p:spPr>
             <a:xfrm>
               <a:off x="117988" y="171531"/>
-              <a:ext cx="3869024" cy="3731485"/>
+              <a:ext cx="3869024" cy="3359203"/>
             </a:xfrm>
             <a:prstGeom prst="rect">
               <a:avLst/>
@@ -4326,6 +4326,170 @@
             <a:xfrm>
               <a:off x="117988" y="2536723"/>
               <a:ext cx="3869023" cy="0"/>
+            </a:xfrm>
+            <a:prstGeom prst="line">
+              <a:avLst/>
+            </a:prstGeom>
+            <a:ln w="12700">
+              <a:solidFill>
+                <a:schemeClr val="tx1"/>
+              </a:solidFill>
+            </a:ln>
+          </p:spPr>
+          <p:style>
+            <a:lnRef idx="1">
+              <a:schemeClr val="accent1"/>
+            </a:lnRef>
+            <a:fillRef idx="0">
+              <a:schemeClr val="accent1"/>
+            </a:fillRef>
+            <a:effectRef idx="0">
+              <a:schemeClr val="accent1"/>
+            </a:effectRef>
+            <a:fontRef idx="minor">
+              <a:schemeClr val="tx1"/>
+            </a:fontRef>
+          </p:style>
+        </p:cxnSp>
+      </p:grpSp>
+      <p:grpSp>
+        <p:nvGrpSpPr>
+          <p:cNvPr id="10" name="Group 9"/>
+          <p:cNvGrpSpPr/>
+          <p:nvPr/>
+        </p:nvGrpSpPr>
+        <p:grpSpPr>
+          <a:xfrm>
+            <a:off x="2877695" y="61269"/>
+            <a:ext cx="2746775" cy="2944259"/>
+            <a:chOff x="421583" y="2977910"/>
+            <a:chExt cx="2807497" cy="2944259"/>
+          </a:xfrm>
+        </p:grpSpPr>
+        <p:pic>
+          <p:nvPicPr>
+            <p:cNvPr id="5" name="Graphic 4"/>
+            <p:cNvPicPr>
+              <a:picLocks noChangeAspect="1"/>
+            </p:cNvPicPr>
+            <p:nvPr/>
+          </p:nvPicPr>
+          <p:blipFill>
+            <a:blip r:embed="rId9">
+              <a:extLst>
+                <a:ext uri="{28A0092B-C50C-407E-A947-70E740481C1C}">
+                  <a14:useLocalDpi xmlns:a14="http://schemas.microsoft.com/office/drawing/2010/main" val="0"/>
+                </a:ext>
+                <a:ext uri="{96DAC541-7B7A-43D3-8B79-37D633B846F1}">
+                  <asvg:svgBlip xmlns:asvg="http://schemas.microsoft.com/office/drawing/2016/SVG/main" r:embed="rId10"/>
+                </a:ext>
+              </a:extLst>
+            </a:blip>
+            <a:stretch>
+              <a:fillRect/>
+            </a:stretch>
+          </p:blipFill>
+          <p:spPr>
+            <a:xfrm>
+              <a:off x="421583" y="2977910"/>
+              <a:ext cx="2807497" cy="2105622"/>
+            </a:xfrm>
+            <a:prstGeom prst="rect">
+              <a:avLst/>
+            </a:prstGeom>
+          </p:spPr>
+        </p:pic>
+        <p:sp>
+          <p:nvSpPr>
+            <p:cNvPr id="6" name="Rectangle 5"/>
+            <p:cNvSpPr/>
+            <p:nvPr/>
+          </p:nvSpPr>
+          <p:spPr>
+            <a:xfrm>
+              <a:off x="493175" y="3114675"/>
+              <a:ext cx="2521028" cy="2807494"/>
+            </a:xfrm>
+            <a:prstGeom prst="rect">
+              <a:avLst/>
+            </a:prstGeom>
+            <a:noFill/>
+            <a:ln>
+              <a:solidFill>
+                <a:schemeClr val="tx1"/>
+              </a:solidFill>
+            </a:ln>
+          </p:spPr>
+          <p:style>
+            <a:lnRef idx="2">
+              <a:schemeClr val="accent1">
+                <a:shade val="50000"/>
+              </a:schemeClr>
+            </a:lnRef>
+            <a:fillRef idx="1">
+              <a:schemeClr val="accent1"/>
+            </a:fillRef>
+            <a:effectRef idx="0">
+              <a:schemeClr val="accent1"/>
+            </a:effectRef>
+            <a:fontRef idx="minor">
+              <a:schemeClr val="lt1"/>
+            </a:fontRef>
+          </p:style>
+          <p:txBody>
+            <a:bodyPr rtlCol="0" anchor="ctr"/>
+            <a:lstStyle/>
+            <a:p>
+              <a:pPr algn="ctr"/>
+              <a:endParaRPr lang="en-US"/>
+            </a:p>
+          </p:txBody>
+        </p:sp>
+        <p:sp>
+          <p:nvSpPr>
+            <p:cNvPr id="7" name="TextBox 6"/>
+            <p:cNvSpPr txBox="1"/>
+            <p:nvPr/>
+          </p:nvSpPr>
+          <p:spPr>
+            <a:xfrm>
+              <a:off x="421584" y="5176478"/>
+              <a:ext cx="2592620" cy="707886"/>
+            </a:xfrm>
+            <a:prstGeom prst="rect">
+              <a:avLst/>
+            </a:prstGeom>
+            <a:noFill/>
+          </p:spPr>
+          <p:txBody>
+            <a:bodyPr wrap="square" rtlCol="0">
+              <a:spAutoFit/>
+            </a:bodyPr>
+            <a:lstStyle/>
+            <a:p>
+              <a:pPr algn="just"/>
+              <a:r>
+                <a:rPr lang="en-US" sz="1000" dirty="0">
+                  <a:latin typeface="Times New Roman" panose="02020603050405020304" pitchFamily="18" charset="0"/>
+                  <a:cs typeface="Times New Roman" panose="02020603050405020304" pitchFamily="18" charset="0"/>
+                </a:rPr>
+                <a:t>Figure 2. Oscilloscope data of a muon decay in the PMT (blue), the discriminator’s response (black), and the discriminators threshold, or trigger voltage (red).</a:t>
+              </a:r>
+            </a:p>
+          </p:txBody>
+        </p:sp>
+        <p:cxnSp>
+          <p:nvCxnSpPr>
+            <p:cNvPr id="9" name="Straight Connector 8"/>
+            <p:cNvCxnSpPr>
+              <a:cxnSpLocks/>
+            </p:cNvCxnSpPr>
+            <p:nvPr/>
+          </p:nvCxnSpPr>
+          <p:spPr>
+            <a:xfrm>
+              <a:off x="493175" y="5212559"/>
+              <a:ext cx="2521028" cy="0"/>
             </a:xfrm>
             <a:prstGeom prst="line">
               <a:avLst/>

--- a/Drawings.pptx
+++ b/Drawings.pptx
@@ -11,7 +11,7 @@
     <p:sldId id="256" r:id="rId2"/>
   </p:sldIdLst>
   <p:sldSz cx="7772400" cy="10058400"/>
-  <p:notesSz cx="6858000" cy="9144000"/>
+  <p:notesSz cx="7102475" cy="9388475"/>
   <p:defaultTextStyle>
     <a:defPPr>
       <a:defRPr lang="en-US"/>
@@ -177,14 +177,14 @@
         <p:spPr>
           <a:xfrm>
             <a:off x="0" y="0"/>
-            <a:ext cx="2971800" cy="458788"/>
+            <a:ext cx="3077739" cy="471054"/>
           </a:xfrm>
           <a:prstGeom prst="rect">
             <a:avLst/>
           </a:prstGeom>
         </p:spPr>
         <p:txBody>
-          <a:bodyPr vert="horz" lIns="91440" tIns="45720" rIns="91440" bIns="45720" rtlCol="0"/>
+          <a:bodyPr vert="horz" lIns="94229" tIns="47114" rIns="94229" bIns="47114" rtlCol="0"/>
           <a:lstStyle>
             <a:lvl1pPr algn="l">
               <a:defRPr sz="1200"/>
@@ -207,15 +207,15 @@
         </p:nvSpPr>
         <p:spPr>
           <a:xfrm>
-            <a:off x="3884613" y="0"/>
-            <a:ext cx="2971800" cy="458788"/>
+            <a:off x="4023092" y="0"/>
+            <a:ext cx="3077739" cy="471054"/>
           </a:xfrm>
           <a:prstGeom prst="rect">
             <a:avLst/>
           </a:prstGeom>
         </p:spPr>
         <p:txBody>
-          <a:bodyPr vert="horz" lIns="91440" tIns="45720" rIns="91440" bIns="45720" rtlCol="0"/>
+          <a:bodyPr vert="horz" lIns="94229" tIns="47114" rIns="94229" bIns="47114" rtlCol="0"/>
           <a:lstStyle>
             <a:lvl1pPr algn="r">
               <a:defRPr sz="1200"/>
@@ -242,8 +242,8 @@
         </p:nvSpPr>
         <p:spPr>
           <a:xfrm>
-            <a:off x="2236788" y="1143000"/>
-            <a:ext cx="2384425" cy="3086100"/>
+            <a:off x="2327275" y="1173163"/>
+            <a:ext cx="2447925" cy="3168650"/>
           </a:xfrm>
           <a:prstGeom prst="rect">
             <a:avLst/>
@@ -256,7 +256,7 @@
           </a:ln>
         </p:spPr>
         <p:txBody>
-          <a:bodyPr vert="horz" lIns="91440" tIns="45720" rIns="91440" bIns="45720" rtlCol="0" anchor="ctr"/>
+          <a:bodyPr vert="horz" lIns="94229" tIns="47114" rIns="94229" bIns="47114" rtlCol="0" anchor="ctr"/>
           <a:lstStyle/>
           <a:p>
             <a:endParaRPr lang="en-US"/>
@@ -275,15 +275,15 @@
         </p:nvSpPr>
         <p:spPr>
           <a:xfrm>
-            <a:off x="685800" y="4400550"/>
-            <a:ext cx="5486400" cy="3600450"/>
+            <a:off x="710248" y="4518204"/>
+            <a:ext cx="5681980" cy="3696712"/>
           </a:xfrm>
           <a:prstGeom prst="rect">
             <a:avLst/>
           </a:prstGeom>
         </p:spPr>
         <p:txBody>
-          <a:bodyPr vert="horz" lIns="91440" tIns="45720" rIns="91440" bIns="45720" rtlCol="0"/>
+          <a:bodyPr vert="horz" lIns="94229" tIns="47114" rIns="94229" bIns="47114" rtlCol="0"/>
           <a:lstStyle/>
           <a:p>
             <a:pPr lvl="0"/>
@@ -334,15 +334,15 @@
         </p:nvSpPr>
         <p:spPr>
           <a:xfrm>
-            <a:off x="0" y="8685213"/>
-            <a:ext cx="2971800" cy="458787"/>
+            <a:off x="0" y="8917422"/>
+            <a:ext cx="3077739" cy="471053"/>
           </a:xfrm>
           <a:prstGeom prst="rect">
             <a:avLst/>
           </a:prstGeom>
         </p:spPr>
         <p:txBody>
-          <a:bodyPr vert="horz" lIns="91440" tIns="45720" rIns="91440" bIns="45720" rtlCol="0" anchor="b"/>
+          <a:bodyPr vert="horz" lIns="94229" tIns="47114" rIns="94229" bIns="47114" rtlCol="0" anchor="b"/>
           <a:lstStyle>
             <a:lvl1pPr algn="l">
               <a:defRPr sz="1200"/>
@@ -365,15 +365,15 @@
         </p:nvSpPr>
         <p:spPr>
           <a:xfrm>
-            <a:off x="3884613" y="8685213"/>
-            <a:ext cx="2971800" cy="458787"/>
+            <a:off x="4023092" y="8917422"/>
+            <a:ext cx="3077739" cy="471053"/>
           </a:xfrm>
           <a:prstGeom prst="rect">
             <a:avLst/>
           </a:prstGeom>
         </p:spPr>
         <p:txBody>
-          <a:bodyPr vert="horz" lIns="91440" tIns="45720" rIns="91440" bIns="45720" rtlCol="0" anchor="b"/>
+          <a:bodyPr vert="horz" lIns="94229" tIns="47114" rIns="94229" bIns="47114" rtlCol="0" anchor="b"/>
           <a:lstStyle>
             <a:lvl1pPr algn="r">
               <a:defRPr sz="1200"/>
@@ -3358,10 +3358,10 @@
         </p:nvGrpSpPr>
         <p:grpSpPr>
           <a:xfrm>
-            <a:off x="271105" y="225948"/>
-            <a:ext cx="2588935" cy="2181129"/>
+            <a:off x="770474" y="146582"/>
+            <a:ext cx="2588935" cy="1934908"/>
             <a:chOff x="8115" y="171531"/>
-            <a:chExt cx="4061074" cy="3421380"/>
+            <a:chExt cx="4061074" cy="3035151"/>
           </a:xfrm>
         </p:grpSpPr>
         <p:grpSp>
@@ -3373,9 +3373,9 @@
           <p:grpSpPr>
             <a:xfrm>
               <a:off x="8115" y="171533"/>
-              <a:ext cx="4061074" cy="3421378"/>
+              <a:ext cx="4061074" cy="3035149"/>
               <a:chOff x="8115" y="171533"/>
-              <a:chExt cx="4061074" cy="3421378"/>
+              <a:chExt cx="4061074" cy="3035149"/>
             </a:xfrm>
           </p:grpSpPr>
           <p:grpSp>
@@ -4245,7 +4245,7 @@
             <p:spPr>
               <a:xfrm>
                 <a:off x="8115" y="2482501"/>
-                <a:ext cx="4061074" cy="1110410"/>
+                <a:ext cx="4061074" cy="724181"/>
               </a:xfrm>
               <a:prstGeom prst="rect">
                 <a:avLst/>
@@ -4260,7 +4260,7 @@
               <a:p>
                 <a:pPr algn="just"/>
                 <a:r>
-                  <a:rPr lang="en-US" sz="1000" dirty="0">
+                  <a:rPr lang="en-US" sz="800" dirty="0">
                     <a:latin typeface="Times New Roman" panose="02020603050405020304" pitchFamily="18" charset="0"/>
                     <a:cs typeface="Times New Roman" panose="02020603050405020304" pitchFamily="18" charset="0"/>
                   </a:rPr>
@@ -4279,7 +4279,7 @@
           <p:spPr>
             <a:xfrm>
               <a:off x="117988" y="171531"/>
-              <a:ext cx="3869024" cy="3359203"/>
+              <a:ext cx="3869024" cy="2981383"/>
             </a:xfrm>
             <a:prstGeom prst="rect">
               <a:avLst/>
@@ -4360,10 +4360,10 @@
         </p:nvGrpSpPr>
         <p:grpSpPr>
           <a:xfrm>
-            <a:off x="2877695" y="61269"/>
-            <a:ext cx="2746775" cy="2944259"/>
+            <a:off x="4666750" y="133468"/>
+            <a:ext cx="2746775" cy="2649987"/>
             <a:chOff x="421583" y="2977910"/>
-            <a:chExt cx="2807497" cy="2944259"/>
+            <a:chExt cx="2807497" cy="2649987"/>
           </a:xfrm>
         </p:grpSpPr>
         <p:pic>
@@ -4408,7 +4408,7 @@
           <p:spPr>
             <a:xfrm>
               <a:off x="493175" y="3114675"/>
-              <a:ext cx="2521028" cy="2807494"/>
+              <a:ext cx="2521028" cy="2476001"/>
             </a:xfrm>
             <a:prstGeom prst="rect">
               <a:avLst/>
@@ -4453,8 +4453,8 @@
           </p:nvSpPr>
           <p:spPr>
             <a:xfrm>
-              <a:off x="421584" y="5176478"/>
-              <a:ext cx="2592620" cy="707886"/>
+              <a:off x="421584" y="5043122"/>
+              <a:ext cx="2592620" cy="584775"/>
             </a:xfrm>
             <a:prstGeom prst="rect">
               <a:avLst/>
@@ -4469,11 +4469,11 @@
             <a:p>
               <a:pPr algn="just"/>
               <a:r>
-                <a:rPr lang="en-US" sz="1000" dirty="0">
+                <a:rPr lang="en-US" sz="800" dirty="0">
                   <a:latin typeface="Times New Roman" panose="02020603050405020304" pitchFamily="18" charset="0"/>
                   <a:cs typeface="Times New Roman" panose="02020603050405020304" pitchFamily="18" charset="0"/>
                 </a:rPr>
-                <a:t>Figure 2. Oscilloscope data of a muon decay in the PMT (blue), the discriminator’s response (black), and the discriminators threshold, or trigger voltage (red).</a:t>
+                <a:t>Figure 2. Oscilloscope data of a muon decay in the PMT (blue), the discriminator’s response (black), and the discriminators threshold, or trigger voltage (red). Signals have been smoothed roughly.</a:t>
               </a:r>
             </a:p>
           </p:txBody>
@@ -4488,7 +4488,7 @@
           </p:nvCxnSpPr>
           <p:spPr>
             <a:xfrm>
-              <a:off x="493175" y="5212559"/>
+              <a:off x="493175" y="5074440"/>
               <a:ext cx="2521028" cy="0"/>
             </a:xfrm>
             <a:prstGeom prst="line">
@@ -4515,6 +4515,7172 @@
             </a:fontRef>
           </p:style>
         </p:cxnSp>
+      </p:grpSp>
+      <p:grpSp>
+        <p:nvGrpSpPr>
+          <p:cNvPr id="15" name="Group 14"/>
+          <p:cNvGrpSpPr/>
+          <p:nvPr/>
+        </p:nvGrpSpPr>
+        <p:grpSpPr>
+          <a:xfrm>
+            <a:off x="373404" y="4315166"/>
+            <a:ext cx="2933616" cy="3437656"/>
+            <a:chOff x="1558398" y="3596742"/>
+            <a:chExt cx="3073598" cy="3437656"/>
+          </a:xfrm>
+        </p:grpSpPr>
+        <p:pic>
+          <p:nvPicPr>
+            <p:cNvPr id="4" name="Graphic 3"/>
+            <p:cNvPicPr>
+              <a:picLocks noChangeAspect="1"/>
+            </p:cNvPicPr>
+            <p:nvPr/>
+          </p:nvPicPr>
+          <p:blipFill>
+            <a:blip r:embed="rId11">
+              <a:extLst>
+                <a:ext uri="{28A0092B-C50C-407E-A947-70E740481C1C}">
+                  <a14:useLocalDpi xmlns:a14="http://schemas.microsoft.com/office/drawing/2010/main" val="0"/>
+                </a:ext>
+                <a:ext uri="{96DAC541-7B7A-43D3-8B79-37D633B846F1}">
+                  <asvg:svgBlip xmlns:asvg="http://schemas.microsoft.com/office/drawing/2016/SVG/main" r:embed="rId12"/>
+                </a:ext>
+              </a:extLst>
+            </a:blip>
+            <a:stretch>
+              <a:fillRect/>
+            </a:stretch>
+          </p:blipFill>
+          <p:spPr>
+            <a:xfrm>
+              <a:off x="1598174" y="3619401"/>
+              <a:ext cx="2973936" cy="2091558"/>
+            </a:xfrm>
+            <a:prstGeom prst="rect">
+              <a:avLst/>
+            </a:prstGeom>
+          </p:spPr>
+        </p:pic>
+        <p:sp>
+          <p:nvSpPr>
+            <p:cNvPr id="8" name="Rectangle 7"/>
+            <p:cNvSpPr/>
+            <p:nvPr/>
+          </p:nvSpPr>
+          <p:spPr>
+            <a:xfrm>
+              <a:off x="1598174" y="3596742"/>
+              <a:ext cx="3033821" cy="3406514"/>
+            </a:xfrm>
+            <a:prstGeom prst="rect">
+              <a:avLst/>
+            </a:prstGeom>
+            <a:noFill/>
+            <a:ln>
+              <a:solidFill>
+                <a:schemeClr val="tx1"/>
+              </a:solidFill>
+            </a:ln>
+          </p:spPr>
+          <p:style>
+            <a:lnRef idx="2">
+              <a:schemeClr val="accent1">
+                <a:shade val="50000"/>
+              </a:schemeClr>
+            </a:lnRef>
+            <a:fillRef idx="1">
+              <a:schemeClr val="accent1"/>
+            </a:fillRef>
+            <a:effectRef idx="0">
+              <a:schemeClr val="accent1"/>
+            </a:effectRef>
+            <a:fontRef idx="minor">
+              <a:schemeClr val="lt1"/>
+            </a:fontRef>
+          </p:style>
+          <p:txBody>
+            <a:bodyPr rtlCol="0" anchor="ctr"/>
+            <a:lstStyle/>
+            <a:p>
+              <a:pPr algn="ctr"/>
+              <a:endParaRPr lang="en-US"/>
+            </a:p>
+          </p:txBody>
+        </p:sp>
+        <p:cxnSp>
+          <p:nvCxnSpPr>
+            <p:cNvPr id="12" name="Straight Connector 11"/>
+            <p:cNvCxnSpPr>
+              <a:cxnSpLocks/>
+            </p:cNvCxnSpPr>
+            <p:nvPr/>
+          </p:nvCxnSpPr>
+          <p:spPr>
+            <a:xfrm>
+              <a:off x="1598174" y="5743569"/>
+              <a:ext cx="3033821" cy="0"/>
+            </a:xfrm>
+            <a:prstGeom prst="line">
+              <a:avLst/>
+            </a:prstGeom>
+            <a:ln w="12700">
+              <a:solidFill>
+                <a:schemeClr val="tx1"/>
+              </a:solidFill>
+            </a:ln>
+          </p:spPr>
+          <p:style>
+            <a:lnRef idx="1">
+              <a:schemeClr val="accent1"/>
+            </a:lnRef>
+            <a:fillRef idx="0">
+              <a:schemeClr val="accent1"/>
+            </a:fillRef>
+            <a:effectRef idx="0">
+              <a:schemeClr val="accent1"/>
+            </a:effectRef>
+            <a:fontRef idx="minor">
+              <a:schemeClr val="tx1"/>
+            </a:fontRef>
+          </p:style>
+        </p:cxnSp>
+        <p:sp>
+          <p:nvSpPr>
+            <p:cNvPr id="13" name="TextBox 12"/>
+            <p:cNvSpPr txBox="1"/>
+            <p:nvPr/>
+          </p:nvSpPr>
+          <p:spPr>
+            <a:xfrm>
+              <a:off x="1558398" y="5710959"/>
+              <a:ext cx="3073598" cy="1323439"/>
+            </a:xfrm>
+            <a:prstGeom prst="rect">
+              <a:avLst/>
+            </a:prstGeom>
+            <a:noFill/>
+          </p:spPr>
+          <p:txBody>
+            <a:bodyPr wrap="square" rtlCol="0">
+              <a:spAutoFit/>
+            </a:bodyPr>
+            <a:lstStyle/>
+            <a:p>
+              <a:pPr algn="just"/>
+              <a:r>
+                <a:rPr lang="en-US" sz="1000" dirty="0">
+                  <a:latin typeface="Times New Roman" panose="02020603050405020304" pitchFamily="18" charset="0"/>
+                  <a:cs typeface="Times New Roman" panose="02020603050405020304" pitchFamily="18" charset="0"/>
+                </a:rPr>
+                <a:t>Figure 4. Histogram of decay times from our PHA with error bars (black) and best fit as determined by Mathematica’s NonlinearModelFit (blue). The confidence bands indicate how confident we are that the actual result lies within the band. i.e. we are 90% confident that the actual muon lifetime model lies within the orange band and 99% confident that it lies within the green band. (color online).</a:t>
+              </a:r>
+            </a:p>
+          </p:txBody>
+        </p:sp>
+      </p:grpSp>
+      <p:grpSp>
+        <p:nvGrpSpPr>
+          <p:cNvPr id="401" name="Group 400"/>
+          <p:cNvGrpSpPr/>
+          <p:nvPr/>
+        </p:nvGrpSpPr>
+        <p:grpSpPr>
+          <a:xfrm>
+            <a:off x="1049498" y="2472844"/>
+            <a:ext cx="3334320" cy="1636915"/>
+            <a:chOff x="1049498" y="2472844"/>
+            <a:chExt cx="3334320" cy="1636915"/>
+          </a:xfrm>
+        </p:grpSpPr>
+        <p:sp>
+          <p:nvSpPr>
+            <p:cNvPr id="380" name="Flowchart: Process 379"/>
+            <p:cNvSpPr/>
+            <p:nvPr/>
+          </p:nvSpPr>
+          <p:spPr>
+            <a:xfrm>
+              <a:off x="1116458" y="2472844"/>
+              <a:ext cx="3200400" cy="1600424"/>
+            </a:xfrm>
+            <a:prstGeom prst="flowChartProcess">
+              <a:avLst/>
+            </a:prstGeom>
+            <a:solidFill>
+              <a:schemeClr val="bg1"/>
+            </a:solidFill>
+            <a:ln>
+              <a:solidFill>
+                <a:schemeClr val="tx1"/>
+              </a:solidFill>
+            </a:ln>
+          </p:spPr>
+          <p:style>
+            <a:lnRef idx="2">
+              <a:schemeClr val="accent1">
+                <a:shade val="50000"/>
+              </a:schemeClr>
+            </a:lnRef>
+            <a:fillRef idx="1">
+              <a:schemeClr val="accent1"/>
+            </a:fillRef>
+            <a:effectRef idx="0">
+              <a:schemeClr val="accent1"/>
+            </a:effectRef>
+            <a:fontRef idx="minor">
+              <a:schemeClr val="lt1"/>
+            </a:fontRef>
+          </p:style>
+          <p:txBody>
+            <a:bodyPr rtlCol="0" anchor="ctr"/>
+            <a:lstStyle/>
+            <a:p>
+              <a:pPr algn="ctr"/>
+              <a:endParaRPr lang="en-US"/>
+            </a:p>
+          </p:txBody>
+        </p:sp>
+        <p:sp>
+          <p:nvSpPr>
+            <p:cNvPr id="16" name="Rectangle: Rounded Corners 15"/>
+            <p:cNvSpPr/>
+            <p:nvPr/>
+          </p:nvSpPr>
+          <p:spPr>
+            <a:xfrm>
+              <a:off x="1174196" y="2594803"/>
+              <a:ext cx="662988" cy="273050"/>
+            </a:xfrm>
+            <a:prstGeom prst="roundRect">
+              <a:avLst/>
+            </a:prstGeom>
+            <a:noFill/>
+            <a:ln>
+              <a:solidFill>
+                <a:schemeClr val="tx1"/>
+              </a:solidFill>
+            </a:ln>
+          </p:spPr>
+          <p:style>
+            <a:lnRef idx="2">
+              <a:schemeClr val="accent1">
+                <a:shade val="50000"/>
+              </a:schemeClr>
+            </a:lnRef>
+            <a:fillRef idx="1">
+              <a:schemeClr val="accent1"/>
+            </a:fillRef>
+            <a:effectRef idx="0">
+              <a:schemeClr val="accent1"/>
+            </a:effectRef>
+            <a:fontRef idx="minor">
+              <a:schemeClr val="lt1"/>
+            </a:fontRef>
+          </p:style>
+          <p:txBody>
+            <a:bodyPr rtlCol="0" anchor="ctr"/>
+            <a:lstStyle/>
+            <a:p>
+              <a:pPr algn="ctr"/>
+              <a:r>
+                <a:rPr lang="en-US" sz="800" dirty="0">
+                  <a:solidFill>
+                    <a:schemeClr val="tx1"/>
+                  </a:solidFill>
+                </a:rPr>
+                <a:t>Scintillator 1</a:t>
+              </a:r>
+            </a:p>
+          </p:txBody>
+        </p:sp>
+        <p:sp>
+          <p:nvSpPr>
+            <p:cNvPr id="36" name="Rectangle: Rounded Corners 35"/>
+            <p:cNvSpPr/>
+            <p:nvPr/>
+          </p:nvSpPr>
+          <p:spPr>
+            <a:xfrm>
+              <a:off x="1174195" y="3042789"/>
+              <a:ext cx="662989" cy="273050"/>
+            </a:xfrm>
+            <a:prstGeom prst="roundRect">
+              <a:avLst/>
+            </a:prstGeom>
+            <a:noFill/>
+            <a:ln>
+              <a:solidFill>
+                <a:schemeClr val="tx1"/>
+              </a:solidFill>
+            </a:ln>
+          </p:spPr>
+          <p:style>
+            <a:lnRef idx="2">
+              <a:schemeClr val="accent1">
+                <a:shade val="50000"/>
+              </a:schemeClr>
+            </a:lnRef>
+            <a:fillRef idx="1">
+              <a:schemeClr val="accent1"/>
+            </a:fillRef>
+            <a:effectRef idx="0">
+              <a:schemeClr val="accent1"/>
+            </a:effectRef>
+            <a:fontRef idx="minor">
+              <a:schemeClr val="lt1"/>
+            </a:fontRef>
+          </p:style>
+          <p:txBody>
+            <a:bodyPr rtlCol="0" anchor="ctr"/>
+            <a:lstStyle/>
+            <a:p>
+              <a:pPr algn="ctr"/>
+              <a:r>
+                <a:rPr lang="en-US" sz="800" dirty="0">
+                  <a:solidFill>
+                    <a:schemeClr val="tx1"/>
+                  </a:solidFill>
+                </a:rPr>
+                <a:t>Scintillator 2</a:t>
+              </a:r>
+            </a:p>
+          </p:txBody>
+        </p:sp>
+        <p:sp>
+          <p:nvSpPr>
+            <p:cNvPr id="38" name="Rectangle: Rounded Corners 37"/>
+            <p:cNvSpPr/>
+            <p:nvPr/>
+          </p:nvSpPr>
+          <p:spPr>
+            <a:xfrm>
+              <a:off x="1174195" y="3490775"/>
+              <a:ext cx="662989" cy="273050"/>
+            </a:xfrm>
+            <a:prstGeom prst="roundRect">
+              <a:avLst/>
+            </a:prstGeom>
+            <a:noFill/>
+            <a:ln>
+              <a:solidFill>
+                <a:schemeClr val="tx1"/>
+              </a:solidFill>
+            </a:ln>
+          </p:spPr>
+          <p:style>
+            <a:lnRef idx="2">
+              <a:schemeClr val="accent1">
+                <a:shade val="50000"/>
+              </a:schemeClr>
+            </a:lnRef>
+            <a:fillRef idx="1">
+              <a:schemeClr val="accent1"/>
+            </a:fillRef>
+            <a:effectRef idx="0">
+              <a:schemeClr val="accent1"/>
+            </a:effectRef>
+            <a:fontRef idx="minor">
+              <a:schemeClr val="lt1"/>
+            </a:fontRef>
+          </p:style>
+          <p:txBody>
+            <a:bodyPr rtlCol="0" anchor="ctr"/>
+            <a:lstStyle/>
+            <a:p>
+              <a:pPr algn="ctr"/>
+              <a:r>
+                <a:rPr lang="en-US" sz="800" dirty="0">
+                  <a:solidFill>
+                    <a:schemeClr val="tx1"/>
+                  </a:solidFill>
+                </a:rPr>
+                <a:t>Scintillator 3</a:t>
+              </a:r>
+            </a:p>
+          </p:txBody>
+        </p:sp>
+        <p:grpSp>
+          <p:nvGrpSpPr>
+            <p:cNvPr id="53" name="Group 52"/>
+            <p:cNvGrpSpPr/>
+            <p:nvPr/>
+          </p:nvGrpSpPr>
+          <p:grpSpPr>
+            <a:xfrm>
+              <a:off x="1748067" y="2936170"/>
+              <a:ext cx="323849" cy="184666"/>
+              <a:chOff x="4812505" y="3103792"/>
+              <a:chExt cx="323849" cy="184666"/>
+            </a:xfrm>
+          </p:grpSpPr>
+          <p:grpSp>
+            <p:nvGrpSpPr>
+              <p:cNvPr id="54" name="Group 53"/>
+              <p:cNvGrpSpPr/>
+              <p:nvPr/>
+            </p:nvGrpSpPr>
+            <p:grpSpPr>
+              <a:xfrm>
+                <a:off x="4895849" y="3225750"/>
+                <a:ext cx="78581" cy="62707"/>
+                <a:chOff x="4895850" y="3263432"/>
+                <a:chExt cx="133350" cy="98843"/>
+              </a:xfrm>
+            </p:grpSpPr>
+            <p:cxnSp>
+              <p:nvCxnSpPr>
+                <p:cNvPr id="56" name="Straight Connector 55"/>
+                <p:cNvCxnSpPr/>
+                <p:nvPr/>
+              </p:nvCxnSpPr>
+              <p:spPr>
+                <a:xfrm>
+                  <a:off x="4895850" y="3362275"/>
+                  <a:ext cx="133350" cy="0"/>
+                </a:xfrm>
+                <a:prstGeom prst="line">
+                  <a:avLst/>
+                </a:prstGeom>
+                <a:ln w="12700">
+                  <a:solidFill>
+                    <a:schemeClr val="tx1"/>
+                  </a:solidFill>
+                </a:ln>
+              </p:spPr>
+              <p:style>
+                <a:lnRef idx="1">
+                  <a:schemeClr val="accent1"/>
+                </a:lnRef>
+                <a:fillRef idx="0">
+                  <a:schemeClr val="accent1"/>
+                </a:fillRef>
+                <a:effectRef idx="0">
+                  <a:schemeClr val="accent1"/>
+                </a:effectRef>
+                <a:fontRef idx="minor">
+                  <a:schemeClr val="tx1"/>
+                </a:fontRef>
+              </p:style>
+            </p:cxnSp>
+            <p:cxnSp>
+              <p:nvCxnSpPr>
+                <p:cNvPr id="57" name="Straight Connector 56"/>
+                <p:cNvCxnSpPr>
+                  <a:cxnSpLocks/>
+                </p:cNvCxnSpPr>
+                <p:nvPr/>
+              </p:nvCxnSpPr>
+              <p:spPr>
+                <a:xfrm flipV="1">
+                  <a:off x="5029200" y="3263432"/>
+                  <a:ext cx="0" cy="98843"/>
+                </a:xfrm>
+                <a:prstGeom prst="line">
+                  <a:avLst/>
+                </a:prstGeom>
+                <a:ln w="12700">
+                  <a:solidFill>
+                    <a:schemeClr val="tx1"/>
+                  </a:solidFill>
+                </a:ln>
+              </p:spPr>
+              <p:style>
+                <a:lnRef idx="1">
+                  <a:schemeClr val="accent1"/>
+                </a:lnRef>
+                <a:fillRef idx="0">
+                  <a:schemeClr val="accent1"/>
+                </a:fillRef>
+                <a:effectRef idx="0">
+                  <a:schemeClr val="accent1"/>
+                </a:effectRef>
+                <a:fontRef idx="minor">
+                  <a:schemeClr val="tx1"/>
+                </a:fontRef>
+              </p:style>
+            </p:cxnSp>
+          </p:grpSp>
+          <mc:AlternateContent xmlns:mc="http://schemas.openxmlformats.org/markup-compatibility/2006">
+            <mc:Choice xmlns:a14="http://schemas.microsoft.com/office/drawing/2010/main" Requires="a14">
+              <p:sp>
+                <p:nvSpPr>
+                  <p:cNvPr id="55" name="TextBox 54"/>
+                  <p:cNvSpPr txBox="1"/>
+                  <p:nvPr/>
+                </p:nvSpPr>
+                <p:spPr>
+                  <a:xfrm>
+                    <a:off x="4812505" y="3103792"/>
+                    <a:ext cx="323849" cy="184666"/>
+                  </a:xfrm>
+                  <a:prstGeom prst="rect">
+                    <a:avLst/>
+                  </a:prstGeom>
+                  <a:noFill/>
+                </p:spPr>
+                <p:txBody>
+                  <a:bodyPr wrap="square" rtlCol="0">
+                    <a:spAutoFit/>
+                  </a:bodyPr>
+                  <a:lstStyle/>
+                  <a:p>
+                    <a14:m>
+                      <m:oMathPara xmlns:m="http://schemas.openxmlformats.org/officeDocument/2006/math">
+                        <m:oMathParaPr>
+                          <m:jc m:val="centerGroup"/>
+                        </m:oMathParaPr>
+                        <m:oMath xmlns:m="http://schemas.openxmlformats.org/officeDocument/2006/math">
+                          <m:r>
+                            <a:rPr lang="en-US" sz="600" b="0" i="1" smtClean="0">
+                              <a:latin typeface="Cambria Math" panose="02040503050406030204" pitchFamily="18" charset="0"/>
+                            </a:rPr>
+                            <m:t>𝐻</m:t>
+                          </m:r>
+                          <m:sSub>
+                            <m:sSubPr>
+                              <m:ctrlPr>
+                                <a:rPr lang="en-US" sz="600" b="0" i="1" smtClean="0">
+                                  <a:latin typeface="Cambria Math" panose="02040503050406030204" pitchFamily="18" charset="0"/>
+                                </a:rPr>
+                              </m:ctrlPr>
+                            </m:sSubPr>
+                            <m:e>
+                              <m:r>
+                                <a:rPr lang="en-US" sz="600" b="0" i="1" smtClean="0">
+                                  <a:latin typeface="Cambria Math" panose="02040503050406030204" pitchFamily="18" charset="0"/>
+                                </a:rPr>
+                                <m:t>𝑉</m:t>
+                              </m:r>
+                            </m:e>
+                            <m:sub>
+                              <m:r>
+                                <a:rPr lang="en-US" sz="600" b="0" i="1" smtClean="0">
+                                  <a:latin typeface="Cambria Math" panose="02040503050406030204" pitchFamily="18" charset="0"/>
+                                </a:rPr>
+                                <m:t>2</m:t>
+                              </m:r>
+                            </m:sub>
+                          </m:sSub>
+                        </m:oMath>
+                      </m:oMathPara>
+                    </a14:m>
+                    <a:endParaRPr lang="en-US" sz="600" dirty="0"/>
+                  </a:p>
+                </p:txBody>
+              </p:sp>
+            </mc:Choice>
+            <mc:Fallback>
+              <p:sp>
+                <p:nvSpPr>
+                  <p:cNvPr id="55" name="TextBox 54"/>
+                  <p:cNvSpPr txBox="1">
+                    <a:spLocks noRot="1" noChangeAspect="1" noMove="1" noResize="1" noEditPoints="1" noAdjustHandles="1" noChangeArrowheads="1" noChangeShapeType="1" noTextEdit="1"/>
+                  </p:cNvSpPr>
+                  <p:nvPr/>
+                </p:nvSpPr>
+                <p:spPr>
+                  <a:xfrm>
+                    <a:off x="4812505" y="3103792"/>
+                    <a:ext cx="323849" cy="184666"/>
+                  </a:xfrm>
+                  <a:prstGeom prst="rect">
+                    <a:avLst/>
+                  </a:prstGeom>
+                  <a:blipFill>
+                    <a:blip r:embed="rId13"/>
+                    <a:stretch>
+                      <a:fillRect/>
+                    </a:stretch>
+                  </a:blipFill>
+                </p:spPr>
+                <p:txBody>
+                  <a:bodyPr/>
+                  <a:lstStyle/>
+                  <a:p>
+                    <a:r>
+                      <a:rPr lang="en-US">
+                        <a:noFill/>
+                      </a:rPr>
+                      <a:t> </a:t>
+                    </a:r>
+                  </a:p>
+                </p:txBody>
+              </p:sp>
+            </mc:Fallback>
+          </mc:AlternateContent>
+        </p:grpSp>
+        <p:grpSp>
+          <p:nvGrpSpPr>
+            <p:cNvPr id="58" name="Group 57"/>
+            <p:cNvGrpSpPr/>
+            <p:nvPr/>
+          </p:nvGrpSpPr>
+          <p:grpSpPr>
+            <a:xfrm>
+              <a:off x="1757587" y="3384156"/>
+              <a:ext cx="323849" cy="184666"/>
+              <a:chOff x="4812505" y="3103792"/>
+              <a:chExt cx="323849" cy="184666"/>
+            </a:xfrm>
+          </p:grpSpPr>
+          <p:grpSp>
+            <p:nvGrpSpPr>
+              <p:cNvPr id="60" name="Group 59"/>
+              <p:cNvGrpSpPr/>
+              <p:nvPr/>
+            </p:nvGrpSpPr>
+            <p:grpSpPr>
+              <a:xfrm>
+                <a:off x="4895849" y="3225750"/>
+                <a:ext cx="78581" cy="62707"/>
+                <a:chOff x="4895850" y="3263432"/>
+                <a:chExt cx="133350" cy="98843"/>
+              </a:xfrm>
+            </p:grpSpPr>
+            <p:cxnSp>
+              <p:nvCxnSpPr>
+                <p:cNvPr id="63" name="Straight Connector 62"/>
+                <p:cNvCxnSpPr/>
+                <p:nvPr/>
+              </p:nvCxnSpPr>
+              <p:spPr>
+                <a:xfrm>
+                  <a:off x="4895850" y="3362275"/>
+                  <a:ext cx="133350" cy="0"/>
+                </a:xfrm>
+                <a:prstGeom prst="line">
+                  <a:avLst/>
+                </a:prstGeom>
+                <a:ln w="12700">
+                  <a:solidFill>
+                    <a:schemeClr val="tx1"/>
+                  </a:solidFill>
+                </a:ln>
+              </p:spPr>
+              <p:style>
+                <a:lnRef idx="1">
+                  <a:schemeClr val="accent1"/>
+                </a:lnRef>
+                <a:fillRef idx="0">
+                  <a:schemeClr val="accent1"/>
+                </a:fillRef>
+                <a:effectRef idx="0">
+                  <a:schemeClr val="accent1"/>
+                </a:effectRef>
+                <a:fontRef idx="minor">
+                  <a:schemeClr val="tx1"/>
+                </a:fontRef>
+              </p:style>
+            </p:cxnSp>
+            <p:cxnSp>
+              <p:nvCxnSpPr>
+                <p:cNvPr id="64" name="Straight Connector 63"/>
+                <p:cNvCxnSpPr>
+                  <a:cxnSpLocks/>
+                </p:cNvCxnSpPr>
+                <p:nvPr/>
+              </p:nvCxnSpPr>
+              <p:spPr>
+                <a:xfrm flipV="1">
+                  <a:off x="5029200" y="3263432"/>
+                  <a:ext cx="0" cy="98843"/>
+                </a:xfrm>
+                <a:prstGeom prst="line">
+                  <a:avLst/>
+                </a:prstGeom>
+                <a:ln w="12700">
+                  <a:solidFill>
+                    <a:schemeClr val="tx1"/>
+                  </a:solidFill>
+                </a:ln>
+              </p:spPr>
+              <p:style>
+                <a:lnRef idx="1">
+                  <a:schemeClr val="accent1"/>
+                </a:lnRef>
+                <a:fillRef idx="0">
+                  <a:schemeClr val="accent1"/>
+                </a:fillRef>
+                <a:effectRef idx="0">
+                  <a:schemeClr val="accent1"/>
+                </a:effectRef>
+                <a:fontRef idx="minor">
+                  <a:schemeClr val="tx1"/>
+                </a:fontRef>
+              </p:style>
+            </p:cxnSp>
+          </p:grpSp>
+          <mc:AlternateContent xmlns:mc="http://schemas.openxmlformats.org/markup-compatibility/2006">
+            <mc:Choice xmlns:a14="http://schemas.microsoft.com/office/drawing/2010/main" Requires="a14">
+              <p:sp>
+                <p:nvSpPr>
+                  <p:cNvPr id="62" name="TextBox 61"/>
+                  <p:cNvSpPr txBox="1"/>
+                  <p:nvPr/>
+                </p:nvSpPr>
+                <p:spPr>
+                  <a:xfrm>
+                    <a:off x="4812505" y="3103792"/>
+                    <a:ext cx="323849" cy="184666"/>
+                  </a:xfrm>
+                  <a:prstGeom prst="rect">
+                    <a:avLst/>
+                  </a:prstGeom>
+                  <a:noFill/>
+                </p:spPr>
+                <p:txBody>
+                  <a:bodyPr wrap="square" rtlCol="0">
+                    <a:spAutoFit/>
+                  </a:bodyPr>
+                  <a:lstStyle/>
+                  <a:p>
+                    <a14:m>
+                      <m:oMathPara xmlns:m="http://schemas.openxmlformats.org/officeDocument/2006/math">
+                        <m:oMathParaPr>
+                          <m:jc m:val="centerGroup"/>
+                        </m:oMathParaPr>
+                        <m:oMath xmlns:m="http://schemas.openxmlformats.org/officeDocument/2006/math">
+                          <m:r>
+                            <a:rPr lang="en-US" sz="600" b="0" i="1" smtClean="0">
+                              <a:latin typeface="Cambria Math" panose="02040503050406030204" pitchFamily="18" charset="0"/>
+                            </a:rPr>
+                            <m:t>𝐻</m:t>
+                          </m:r>
+                          <m:sSub>
+                            <m:sSubPr>
+                              <m:ctrlPr>
+                                <a:rPr lang="en-US" sz="600" b="0" i="1" smtClean="0">
+                                  <a:latin typeface="Cambria Math" panose="02040503050406030204" pitchFamily="18" charset="0"/>
+                                </a:rPr>
+                              </m:ctrlPr>
+                            </m:sSubPr>
+                            <m:e>
+                              <m:r>
+                                <a:rPr lang="en-US" sz="600" b="0" i="1" smtClean="0">
+                                  <a:latin typeface="Cambria Math" panose="02040503050406030204" pitchFamily="18" charset="0"/>
+                                </a:rPr>
+                                <m:t>𝑉</m:t>
+                              </m:r>
+                            </m:e>
+                            <m:sub>
+                              <m:r>
+                                <a:rPr lang="en-US" sz="600" b="0" i="1" smtClean="0">
+                                  <a:latin typeface="Cambria Math" panose="02040503050406030204" pitchFamily="18" charset="0"/>
+                                </a:rPr>
+                                <m:t>3</m:t>
+                              </m:r>
+                            </m:sub>
+                          </m:sSub>
+                        </m:oMath>
+                      </m:oMathPara>
+                    </a14:m>
+                    <a:endParaRPr lang="en-US" sz="600" dirty="0"/>
+                  </a:p>
+                </p:txBody>
+              </p:sp>
+            </mc:Choice>
+            <mc:Fallback>
+              <p:sp>
+                <p:nvSpPr>
+                  <p:cNvPr id="62" name="TextBox 61"/>
+                  <p:cNvSpPr txBox="1">
+                    <a:spLocks noRot="1" noChangeAspect="1" noMove="1" noResize="1" noEditPoints="1" noAdjustHandles="1" noChangeArrowheads="1" noChangeShapeType="1" noTextEdit="1"/>
+                  </p:cNvSpPr>
+                  <p:nvPr/>
+                </p:nvSpPr>
+                <p:spPr>
+                  <a:xfrm>
+                    <a:off x="4812505" y="3103792"/>
+                    <a:ext cx="323849" cy="184666"/>
+                  </a:xfrm>
+                  <a:prstGeom prst="rect">
+                    <a:avLst/>
+                  </a:prstGeom>
+                  <a:blipFill>
+                    <a:blip r:embed="rId14"/>
+                    <a:stretch>
+                      <a:fillRect/>
+                    </a:stretch>
+                  </a:blipFill>
+                </p:spPr>
+                <p:txBody>
+                  <a:bodyPr/>
+                  <a:lstStyle/>
+                  <a:p>
+                    <a:r>
+                      <a:rPr lang="en-US">
+                        <a:noFill/>
+                      </a:rPr>
+                      <a:t> </a:t>
+                    </a:r>
+                  </a:p>
+                </p:txBody>
+              </p:sp>
+            </mc:Fallback>
+          </mc:AlternateContent>
+        </p:grpSp>
+        <p:cxnSp>
+          <p:nvCxnSpPr>
+            <p:cNvPr id="31" name="Straight Connector 30"/>
+            <p:cNvCxnSpPr>
+              <a:cxnSpLocks/>
+              <a:stCxn id="16" idx="3"/>
+              <a:endCxn id="32" idx="1"/>
+            </p:cNvCxnSpPr>
+            <p:nvPr/>
+          </p:nvCxnSpPr>
+          <p:spPr>
+            <a:xfrm>
+              <a:off x="1837184" y="2731328"/>
+              <a:ext cx="226199" cy="0"/>
+            </a:xfrm>
+            <a:prstGeom prst="line">
+              <a:avLst/>
+            </a:prstGeom>
+            <a:ln w="12700">
+              <a:solidFill>
+                <a:schemeClr val="tx1"/>
+              </a:solidFill>
+            </a:ln>
+          </p:spPr>
+          <p:style>
+            <a:lnRef idx="1">
+              <a:schemeClr val="accent1"/>
+            </a:lnRef>
+            <a:fillRef idx="0">
+              <a:schemeClr val="accent1"/>
+            </a:fillRef>
+            <a:effectRef idx="0">
+              <a:schemeClr val="accent1"/>
+            </a:effectRef>
+            <a:fontRef idx="minor">
+              <a:schemeClr val="tx1"/>
+            </a:fontRef>
+          </p:style>
+        </p:cxnSp>
+        <p:cxnSp>
+          <p:nvCxnSpPr>
+            <p:cNvPr id="65" name="Straight Connector 64"/>
+            <p:cNvCxnSpPr>
+              <a:cxnSpLocks/>
+              <a:stCxn id="36" idx="3"/>
+              <a:endCxn id="72" idx="1"/>
+            </p:cNvCxnSpPr>
+            <p:nvPr/>
+          </p:nvCxnSpPr>
+          <p:spPr>
+            <a:xfrm>
+              <a:off x="1837184" y="3179314"/>
+              <a:ext cx="222821" cy="1631"/>
+            </a:xfrm>
+            <a:prstGeom prst="line">
+              <a:avLst/>
+            </a:prstGeom>
+            <a:ln w="12700">
+              <a:solidFill>
+                <a:schemeClr val="tx1"/>
+              </a:solidFill>
+            </a:ln>
+          </p:spPr>
+          <p:style>
+            <a:lnRef idx="1">
+              <a:schemeClr val="accent1"/>
+            </a:lnRef>
+            <a:fillRef idx="0">
+              <a:schemeClr val="accent1"/>
+            </a:fillRef>
+            <a:effectRef idx="0">
+              <a:schemeClr val="accent1"/>
+            </a:effectRef>
+            <a:fontRef idx="minor">
+              <a:schemeClr val="tx1"/>
+            </a:fontRef>
+          </p:style>
+        </p:cxnSp>
+        <p:cxnSp>
+          <p:nvCxnSpPr>
+            <p:cNvPr id="66" name="Straight Connector 65"/>
+            <p:cNvCxnSpPr>
+              <a:cxnSpLocks/>
+              <a:stCxn id="38" idx="3"/>
+              <a:endCxn id="75" idx="1"/>
+            </p:cNvCxnSpPr>
+            <p:nvPr/>
+          </p:nvCxnSpPr>
+          <p:spPr>
+            <a:xfrm flipV="1">
+              <a:off x="1837184" y="3625736"/>
+              <a:ext cx="222821" cy="1564"/>
+            </a:xfrm>
+            <a:prstGeom prst="line">
+              <a:avLst/>
+            </a:prstGeom>
+            <a:ln w="12700">
+              <a:solidFill>
+                <a:schemeClr val="tx1"/>
+              </a:solidFill>
+            </a:ln>
+          </p:spPr>
+          <p:style>
+            <a:lnRef idx="1">
+              <a:schemeClr val="accent1"/>
+            </a:lnRef>
+            <a:fillRef idx="0">
+              <a:schemeClr val="accent1"/>
+            </a:fillRef>
+            <a:effectRef idx="0">
+              <a:schemeClr val="accent1"/>
+            </a:effectRef>
+            <a:fontRef idx="minor">
+              <a:schemeClr val="tx1"/>
+            </a:fontRef>
+          </p:style>
+        </p:cxnSp>
+        <p:sp>
+          <p:nvSpPr>
+            <p:cNvPr id="32" name="Rectangle 31"/>
+            <p:cNvSpPr/>
+            <p:nvPr/>
+          </p:nvSpPr>
+          <p:spPr>
+            <a:xfrm>
+              <a:off x="2063383" y="2594803"/>
+              <a:ext cx="594479" cy="273050"/>
+            </a:xfrm>
+            <a:prstGeom prst="rect">
+              <a:avLst/>
+            </a:prstGeom>
+            <a:noFill/>
+            <a:ln>
+              <a:solidFill>
+                <a:schemeClr val="tx1"/>
+              </a:solidFill>
+            </a:ln>
+          </p:spPr>
+          <p:style>
+            <a:lnRef idx="2">
+              <a:schemeClr val="accent1">
+                <a:shade val="50000"/>
+              </a:schemeClr>
+            </a:lnRef>
+            <a:fillRef idx="1">
+              <a:schemeClr val="accent1"/>
+            </a:fillRef>
+            <a:effectRef idx="0">
+              <a:schemeClr val="accent1"/>
+            </a:effectRef>
+            <a:fontRef idx="minor">
+              <a:schemeClr val="lt1"/>
+            </a:fontRef>
+          </p:style>
+          <p:txBody>
+            <a:bodyPr rtlCol="0" anchor="ctr"/>
+            <a:lstStyle/>
+            <a:p>
+              <a:pPr algn="ctr"/>
+              <a:endParaRPr lang="en-US" sz="300" dirty="0">
+                <a:solidFill>
+                  <a:schemeClr val="tx1"/>
+                </a:solidFill>
+              </a:endParaRPr>
+            </a:p>
+          </p:txBody>
+        </p:sp>
+        <p:sp>
+          <p:nvSpPr>
+            <p:cNvPr id="72" name="Rectangle 71"/>
+            <p:cNvSpPr/>
+            <p:nvPr/>
+          </p:nvSpPr>
+          <p:spPr>
+            <a:xfrm>
+              <a:off x="2060005" y="3044420"/>
+              <a:ext cx="594479" cy="273050"/>
+            </a:xfrm>
+            <a:prstGeom prst="rect">
+              <a:avLst/>
+            </a:prstGeom>
+            <a:noFill/>
+            <a:ln>
+              <a:solidFill>
+                <a:schemeClr val="tx1"/>
+              </a:solidFill>
+            </a:ln>
+          </p:spPr>
+          <p:style>
+            <a:lnRef idx="2">
+              <a:schemeClr val="accent1">
+                <a:shade val="50000"/>
+              </a:schemeClr>
+            </a:lnRef>
+            <a:fillRef idx="1">
+              <a:schemeClr val="accent1"/>
+            </a:fillRef>
+            <a:effectRef idx="0">
+              <a:schemeClr val="accent1"/>
+            </a:effectRef>
+            <a:fontRef idx="minor">
+              <a:schemeClr val="lt1"/>
+            </a:fontRef>
+          </p:style>
+          <p:txBody>
+            <a:bodyPr rtlCol="0" anchor="ctr"/>
+            <a:lstStyle/>
+            <a:p>
+              <a:pPr algn="ctr"/>
+              <a:endParaRPr lang="en-US" sz="300" dirty="0">
+                <a:solidFill>
+                  <a:schemeClr val="tx1"/>
+                </a:solidFill>
+              </a:endParaRPr>
+            </a:p>
+          </p:txBody>
+        </p:sp>
+        <p:grpSp>
+          <p:nvGrpSpPr>
+            <p:cNvPr id="35" name="Group 34"/>
+            <p:cNvGrpSpPr/>
+            <p:nvPr/>
+          </p:nvGrpSpPr>
+          <p:grpSpPr>
+            <a:xfrm>
+              <a:off x="1748072" y="2472845"/>
+              <a:ext cx="323849" cy="184667"/>
+              <a:chOff x="4812505" y="3103792"/>
+              <a:chExt cx="323849" cy="184667"/>
+            </a:xfrm>
+          </p:grpSpPr>
+          <p:grpSp>
+            <p:nvGrpSpPr>
+              <p:cNvPr id="29" name="Group 28"/>
+              <p:cNvGrpSpPr/>
+              <p:nvPr/>
+            </p:nvGrpSpPr>
+            <p:grpSpPr>
+              <a:xfrm>
+                <a:off x="4812505" y="3103792"/>
+                <a:ext cx="323849" cy="184667"/>
+                <a:chOff x="4812505" y="3103792"/>
+                <a:chExt cx="323849" cy="184667"/>
+              </a:xfrm>
+            </p:grpSpPr>
+            <p:cxnSp>
+              <p:nvCxnSpPr>
+                <p:cNvPr id="47" name="Straight Connector 46"/>
+                <p:cNvCxnSpPr>
+                  <a:cxnSpLocks/>
+                </p:cNvCxnSpPr>
+                <p:nvPr/>
+              </p:nvCxnSpPr>
+              <p:spPr>
+                <a:xfrm flipV="1">
+                  <a:off x="4974430" y="3225752"/>
+                  <a:ext cx="0" cy="62707"/>
+                </a:xfrm>
+                <a:prstGeom prst="line">
+                  <a:avLst/>
+                </a:prstGeom>
+                <a:ln w="12700">
+                  <a:solidFill>
+                    <a:schemeClr val="tx1"/>
+                  </a:solidFill>
+                </a:ln>
+              </p:spPr>
+              <p:style>
+                <a:lnRef idx="1">
+                  <a:schemeClr val="accent1"/>
+                </a:lnRef>
+                <a:fillRef idx="0">
+                  <a:schemeClr val="accent1"/>
+                </a:fillRef>
+                <a:effectRef idx="0">
+                  <a:schemeClr val="accent1"/>
+                </a:effectRef>
+                <a:fontRef idx="minor">
+                  <a:schemeClr val="tx1"/>
+                </a:fontRef>
+              </p:style>
+            </p:cxnSp>
+            <mc:AlternateContent xmlns:mc="http://schemas.openxmlformats.org/markup-compatibility/2006">
+              <mc:Choice xmlns:a14="http://schemas.microsoft.com/office/drawing/2010/main" Requires="a14">
+                <p:sp>
+                  <p:nvSpPr>
+                    <p:cNvPr id="28" name="TextBox 27"/>
+                    <p:cNvSpPr txBox="1"/>
+                    <p:nvPr/>
+                  </p:nvSpPr>
+                  <p:spPr>
+                    <a:xfrm>
+                      <a:off x="4812505" y="3103792"/>
+                      <a:ext cx="323849" cy="184666"/>
+                    </a:xfrm>
+                    <a:prstGeom prst="rect">
+                      <a:avLst/>
+                    </a:prstGeom>
+                    <a:noFill/>
+                  </p:spPr>
+                  <p:txBody>
+                    <a:bodyPr wrap="square" rtlCol="0">
+                      <a:spAutoFit/>
+                    </a:bodyPr>
+                    <a:lstStyle/>
+                    <a:p>
+                      <a14:m>
+                        <m:oMathPara xmlns:m="http://schemas.openxmlformats.org/officeDocument/2006/math">
+                          <m:oMathParaPr>
+                            <m:jc m:val="centerGroup"/>
+                          </m:oMathParaPr>
+                          <m:oMath xmlns:m="http://schemas.openxmlformats.org/officeDocument/2006/math">
+                            <m:r>
+                              <a:rPr lang="en-US" sz="600" b="0" i="1" smtClean="0">
+                                <a:latin typeface="Cambria Math" panose="02040503050406030204" pitchFamily="18" charset="0"/>
+                              </a:rPr>
+                              <m:t>𝐻</m:t>
+                            </m:r>
+                            <m:sSub>
+                              <m:sSubPr>
+                                <m:ctrlPr>
+                                  <a:rPr lang="en-US" sz="600" b="0" i="1" smtClean="0">
+                                    <a:latin typeface="Cambria Math" panose="02040503050406030204" pitchFamily="18" charset="0"/>
+                                  </a:rPr>
+                                </m:ctrlPr>
+                              </m:sSubPr>
+                              <m:e>
+                                <m:r>
+                                  <a:rPr lang="en-US" sz="600" b="0" i="1" smtClean="0">
+                                    <a:latin typeface="Cambria Math" panose="02040503050406030204" pitchFamily="18" charset="0"/>
+                                  </a:rPr>
+                                  <m:t>𝑉</m:t>
+                                </m:r>
+                              </m:e>
+                              <m:sub>
+                                <m:r>
+                                  <a:rPr lang="en-US" sz="600" b="0" i="1" smtClean="0">
+                                    <a:latin typeface="Cambria Math" panose="02040503050406030204" pitchFamily="18" charset="0"/>
+                                  </a:rPr>
+                                  <m:t>1</m:t>
+                                </m:r>
+                              </m:sub>
+                            </m:sSub>
+                          </m:oMath>
+                        </m:oMathPara>
+                      </a14:m>
+                      <a:endParaRPr lang="en-US" sz="600" dirty="0"/>
+                    </a:p>
+                  </p:txBody>
+                </p:sp>
+              </mc:Choice>
+              <mc:Fallback>
+                <p:sp>
+                  <p:nvSpPr>
+                    <p:cNvPr id="28" name="TextBox 27"/>
+                    <p:cNvSpPr txBox="1">
+                      <a:spLocks noRot="1" noChangeAspect="1" noMove="1" noResize="1" noEditPoints="1" noAdjustHandles="1" noChangeArrowheads="1" noChangeShapeType="1" noTextEdit="1"/>
+                    </p:cNvSpPr>
+                    <p:nvPr/>
+                  </p:nvSpPr>
+                  <p:spPr>
+                    <a:xfrm>
+                      <a:off x="4812505" y="3103792"/>
+                      <a:ext cx="323849" cy="184666"/>
+                    </a:xfrm>
+                    <a:prstGeom prst="rect">
+                      <a:avLst/>
+                    </a:prstGeom>
+                    <a:blipFill>
+                      <a:blip r:embed="rId15"/>
+                      <a:stretch>
+                        <a:fillRect/>
+                      </a:stretch>
+                    </a:blipFill>
+                  </p:spPr>
+                  <p:txBody>
+                    <a:bodyPr/>
+                    <a:lstStyle/>
+                    <a:p>
+                      <a:r>
+                        <a:rPr lang="en-US">
+                          <a:noFill/>
+                        </a:rPr>
+                        <a:t> </a:t>
+                      </a:r>
+                    </a:p>
+                  </p:txBody>
+                </p:sp>
+              </mc:Fallback>
+            </mc:AlternateContent>
+          </p:grpSp>
+          <p:cxnSp>
+            <p:nvCxnSpPr>
+              <p:cNvPr id="77" name="Straight Connector 76"/>
+              <p:cNvCxnSpPr/>
+              <p:nvPr/>
+            </p:nvCxnSpPr>
+            <p:spPr>
+              <a:xfrm>
+                <a:off x="4895848" y="3288458"/>
+                <a:ext cx="78581" cy="0"/>
+              </a:xfrm>
+              <a:prstGeom prst="line">
+                <a:avLst/>
+              </a:prstGeom>
+              <a:ln w="12700">
+                <a:solidFill>
+                  <a:schemeClr val="tx1"/>
+                </a:solidFill>
+              </a:ln>
+            </p:spPr>
+            <p:style>
+              <a:lnRef idx="1">
+                <a:schemeClr val="accent1"/>
+              </a:lnRef>
+              <a:fillRef idx="0">
+                <a:schemeClr val="accent1"/>
+              </a:fillRef>
+              <a:effectRef idx="0">
+                <a:schemeClr val="accent1"/>
+              </a:effectRef>
+              <a:fontRef idx="minor">
+                <a:schemeClr val="tx1"/>
+              </a:fontRef>
+            </p:style>
+          </p:cxnSp>
+        </p:grpSp>
+        <p:cxnSp>
+          <p:nvCxnSpPr>
+            <p:cNvPr id="50" name="Straight Connector 49"/>
+            <p:cNvCxnSpPr>
+              <a:cxnSpLocks/>
+            </p:cNvCxnSpPr>
+            <p:nvPr/>
+          </p:nvCxnSpPr>
+          <p:spPr>
+            <a:xfrm flipV="1">
+              <a:off x="2661294" y="2626158"/>
+              <a:ext cx="104581" cy="1917"/>
+            </a:xfrm>
+            <a:prstGeom prst="line">
+              <a:avLst/>
+            </a:prstGeom>
+            <a:ln w="12700">
+              <a:solidFill>
+                <a:schemeClr val="tx1"/>
+              </a:solidFill>
+            </a:ln>
+          </p:spPr>
+          <p:style>
+            <a:lnRef idx="1">
+              <a:schemeClr val="accent1"/>
+            </a:lnRef>
+            <a:fillRef idx="0">
+              <a:schemeClr val="accent1"/>
+            </a:fillRef>
+            <a:effectRef idx="0">
+              <a:schemeClr val="accent1"/>
+            </a:effectRef>
+            <a:fontRef idx="minor">
+              <a:schemeClr val="tx1"/>
+            </a:fontRef>
+          </p:style>
+        </p:cxnSp>
+        <p:grpSp>
+          <p:nvGrpSpPr>
+            <p:cNvPr id="100" name="Group 95"/>
+            <p:cNvGrpSpPr>
+              <a:grpSpLocks/>
+            </p:cNvGrpSpPr>
+            <p:nvPr/>
+          </p:nvGrpSpPr>
+          <p:grpSpPr bwMode="auto">
+            <a:xfrm>
+              <a:off x="2764249" y="2548416"/>
+              <a:ext cx="234868" cy="152400"/>
+              <a:chOff x="2971800" y="2438400"/>
+              <a:chExt cx="1219200" cy="304800"/>
+            </a:xfrm>
+          </p:grpSpPr>
+          <p:cxnSp>
+            <p:nvCxnSpPr>
+              <p:cNvPr id="101" name="Straight Connector 100"/>
+              <p:cNvCxnSpPr>
+                <a:cxnSpLocks/>
+              </p:cNvCxnSpPr>
+              <p:nvPr/>
+            </p:nvCxnSpPr>
+            <p:spPr>
+              <a:xfrm>
+                <a:off x="2971800" y="2590800"/>
+                <a:ext cx="150911" cy="3176"/>
+              </a:xfrm>
+              <a:prstGeom prst="line">
+                <a:avLst/>
+              </a:prstGeom>
+              <a:ln w="12700">
+                <a:solidFill>
+                  <a:schemeClr val="tx1"/>
+                </a:solidFill>
+              </a:ln>
+            </p:spPr>
+            <p:style>
+              <a:lnRef idx="1">
+                <a:schemeClr val="accent1"/>
+              </a:lnRef>
+              <a:fillRef idx="0">
+                <a:schemeClr val="accent1"/>
+              </a:fillRef>
+              <a:effectRef idx="0">
+                <a:schemeClr val="accent1"/>
+              </a:effectRef>
+              <a:fontRef idx="minor">
+                <a:schemeClr val="tx1"/>
+              </a:fontRef>
+            </p:style>
+          </p:cxnSp>
+          <p:cxnSp>
+            <p:nvCxnSpPr>
+              <p:cNvPr id="102" name="Straight Connector 101"/>
+              <p:cNvCxnSpPr>
+                <a:cxnSpLocks/>
+                <a:stCxn id="107" idx="2"/>
+              </p:cNvCxnSpPr>
+              <p:nvPr/>
+            </p:nvCxnSpPr>
+            <p:spPr>
+              <a:xfrm>
+                <a:off x="4040094" y="2590800"/>
+                <a:ext cx="150906" cy="3176"/>
+              </a:xfrm>
+              <a:prstGeom prst="line">
+                <a:avLst/>
+              </a:prstGeom>
+              <a:ln w="12700">
+                <a:solidFill>
+                  <a:schemeClr val="tx1"/>
+                </a:solidFill>
+              </a:ln>
+            </p:spPr>
+            <p:style>
+              <a:lnRef idx="1">
+                <a:schemeClr val="accent1"/>
+              </a:lnRef>
+              <a:fillRef idx="0">
+                <a:schemeClr val="accent1"/>
+              </a:fillRef>
+              <a:effectRef idx="0">
+                <a:schemeClr val="accent1"/>
+              </a:effectRef>
+              <a:fontRef idx="minor">
+                <a:schemeClr val="tx1"/>
+              </a:fontRef>
+            </p:style>
+          </p:cxnSp>
+          <p:grpSp>
+            <p:nvGrpSpPr>
+              <p:cNvPr id="103" name="Group 55"/>
+              <p:cNvGrpSpPr>
+                <a:grpSpLocks/>
+              </p:cNvGrpSpPr>
+              <p:nvPr/>
+            </p:nvGrpSpPr>
+            <p:grpSpPr bwMode="auto">
+              <a:xfrm>
+                <a:off x="3124200" y="2438400"/>
+                <a:ext cx="228600" cy="304800"/>
+                <a:chOff x="2971800" y="533400"/>
+                <a:chExt cx="228600" cy="304800"/>
+              </a:xfrm>
+            </p:grpSpPr>
+            <p:sp>
+              <p:nvSpPr>
+                <p:cNvPr id="113" name="Arc 112"/>
+                <p:cNvSpPr/>
+                <p:nvPr/>
+              </p:nvSpPr>
+              <p:spPr>
+                <a:xfrm>
+                  <a:off x="2970312" y="533400"/>
+                  <a:ext cx="230339" cy="304800"/>
+                </a:xfrm>
+                <a:prstGeom prst="arc">
+                  <a:avLst/>
+                </a:prstGeom>
+                <a:ln w="12700">
+                  <a:solidFill>
+                    <a:schemeClr val="tx1"/>
+                  </a:solidFill>
+                </a:ln>
+              </p:spPr>
+              <p:style>
+                <a:lnRef idx="1">
+                  <a:schemeClr val="accent1"/>
+                </a:lnRef>
+                <a:fillRef idx="0">
+                  <a:schemeClr val="accent1"/>
+                </a:fillRef>
+                <a:effectRef idx="0">
+                  <a:schemeClr val="accent1"/>
+                </a:effectRef>
+                <a:fontRef idx="minor">
+                  <a:schemeClr val="tx1"/>
+                </a:fontRef>
+              </p:style>
+              <p:txBody>
+                <a:bodyPr anchor="ctr"/>
+                <a:lstStyle/>
+                <a:p>
+                  <a:pPr algn="ctr">
+                    <a:defRPr/>
+                  </a:pPr>
+                  <a:endParaRPr lang="en-US"/>
+                </a:p>
+              </p:txBody>
+            </p:sp>
+            <p:sp>
+              <p:nvSpPr>
+                <p:cNvPr id="114" name="Arc 113"/>
+                <p:cNvSpPr/>
+                <p:nvPr/>
+              </p:nvSpPr>
+              <p:spPr>
+                <a:xfrm flipH="1">
+                  <a:off x="2970312" y="533400"/>
+                  <a:ext cx="230339" cy="304800"/>
+                </a:xfrm>
+                <a:prstGeom prst="arc">
+                  <a:avLst/>
+                </a:prstGeom>
+                <a:ln w="12700">
+                  <a:solidFill>
+                    <a:schemeClr val="tx1"/>
+                  </a:solidFill>
+                </a:ln>
+              </p:spPr>
+              <p:style>
+                <a:lnRef idx="1">
+                  <a:schemeClr val="accent1"/>
+                </a:lnRef>
+                <a:fillRef idx="0">
+                  <a:schemeClr val="accent1"/>
+                </a:fillRef>
+                <a:effectRef idx="0">
+                  <a:schemeClr val="accent1"/>
+                </a:effectRef>
+                <a:fontRef idx="minor">
+                  <a:schemeClr val="tx1"/>
+                </a:fontRef>
+              </p:style>
+              <p:txBody>
+                <a:bodyPr anchor="ctr"/>
+                <a:lstStyle/>
+                <a:p>
+                  <a:pPr algn="ctr">
+                    <a:defRPr/>
+                  </a:pPr>
+                  <a:endParaRPr lang="en-US"/>
+                </a:p>
+              </p:txBody>
+            </p:sp>
+          </p:grpSp>
+          <p:grpSp>
+            <p:nvGrpSpPr>
+              <p:cNvPr id="104" name="Group 56"/>
+              <p:cNvGrpSpPr>
+                <a:grpSpLocks/>
+              </p:cNvGrpSpPr>
+              <p:nvPr/>
+            </p:nvGrpSpPr>
+            <p:grpSpPr bwMode="auto">
+              <a:xfrm>
+                <a:off x="3352800" y="2438400"/>
+                <a:ext cx="228600" cy="304800"/>
+                <a:chOff x="2971800" y="533400"/>
+                <a:chExt cx="228600" cy="304800"/>
+              </a:xfrm>
+            </p:grpSpPr>
+            <p:sp>
+              <p:nvSpPr>
+                <p:cNvPr id="111" name="Arc 110"/>
+                <p:cNvSpPr/>
+                <p:nvPr/>
+              </p:nvSpPr>
+              <p:spPr>
+                <a:xfrm>
+                  <a:off x="2972048" y="533400"/>
+                  <a:ext cx="234309" cy="304800"/>
+                </a:xfrm>
+                <a:prstGeom prst="arc">
+                  <a:avLst/>
+                </a:prstGeom>
+                <a:ln w="12700">
+                  <a:solidFill>
+                    <a:schemeClr val="tx1"/>
+                  </a:solidFill>
+                </a:ln>
+              </p:spPr>
+              <p:style>
+                <a:lnRef idx="1">
+                  <a:schemeClr val="accent1"/>
+                </a:lnRef>
+                <a:fillRef idx="0">
+                  <a:schemeClr val="accent1"/>
+                </a:fillRef>
+                <a:effectRef idx="0">
+                  <a:schemeClr val="accent1"/>
+                </a:effectRef>
+                <a:fontRef idx="minor">
+                  <a:schemeClr val="tx1"/>
+                </a:fontRef>
+              </p:style>
+              <p:txBody>
+                <a:bodyPr anchor="ctr"/>
+                <a:lstStyle/>
+                <a:p>
+                  <a:pPr algn="ctr">
+                    <a:defRPr/>
+                  </a:pPr>
+                  <a:endParaRPr lang="en-US"/>
+                </a:p>
+              </p:txBody>
+            </p:sp>
+            <p:sp>
+              <p:nvSpPr>
+                <p:cNvPr id="112" name="Arc 111"/>
+                <p:cNvSpPr/>
+                <p:nvPr/>
+              </p:nvSpPr>
+              <p:spPr>
+                <a:xfrm flipH="1">
+                  <a:off x="2972048" y="533400"/>
+                  <a:ext cx="234309" cy="304800"/>
+                </a:xfrm>
+                <a:prstGeom prst="arc">
+                  <a:avLst/>
+                </a:prstGeom>
+                <a:ln w="12700">
+                  <a:solidFill>
+                    <a:schemeClr val="tx1"/>
+                  </a:solidFill>
+                </a:ln>
+              </p:spPr>
+              <p:style>
+                <a:lnRef idx="1">
+                  <a:schemeClr val="accent1"/>
+                </a:lnRef>
+                <a:fillRef idx="0">
+                  <a:schemeClr val="accent1"/>
+                </a:fillRef>
+                <a:effectRef idx="0">
+                  <a:schemeClr val="accent1"/>
+                </a:effectRef>
+                <a:fontRef idx="minor">
+                  <a:schemeClr val="tx1"/>
+                </a:fontRef>
+              </p:style>
+              <p:txBody>
+                <a:bodyPr anchor="ctr"/>
+                <a:lstStyle/>
+                <a:p>
+                  <a:pPr algn="ctr">
+                    <a:defRPr/>
+                  </a:pPr>
+                  <a:endParaRPr lang="en-US"/>
+                </a:p>
+              </p:txBody>
+            </p:sp>
+          </p:grpSp>
+          <p:grpSp>
+            <p:nvGrpSpPr>
+              <p:cNvPr id="105" name="Group 59"/>
+              <p:cNvGrpSpPr>
+                <a:grpSpLocks/>
+              </p:cNvGrpSpPr>
+              <p:nvPr/>
+            </p:nvGrpSpPr>
+            <p:grpSpPr bwMode="auto">
+              <a:xfrm>
+                <a:off x="3581400" y="2438400"/>
+                <a:ext cx="228600" cy="304800"/>
+                <a:chOff x="2971800" y="533400"/>
+                <a:chExt cx="228600" cy="304800"/>
+              </a:xfrm>
+            </p:grpSpPr>
+            <p:sp>
+              <p:nvSpPr>
+                <p:cNvPr id="109" name="Arc 108"/>
+                <p:cNvSpPr/>
+                <p:nvPr/>
+              </p:nvSpPr>
+              <p:spPr>
+                <a:xfrm>
+                  <a:off x="2973786" y="533400"/>
+                  <a:ext cx="226366" cy="304800"/>
+                </a:xfrm>
+                <a:prstGeom prst="arc">
+                  <a:avLst/>
+                </a:prstGeom>
+                <a:ln w="12700">
+                  <a:solidFill>
+                    <a:schemeClr val="tx1"/>
+                  </a:solidFill>
+                </a:ln>
+              </p:spPr>
+              <p:style>
+                <a:lnRef idx="1">
+                  <a:schemeClr val="accent1"/>
+                </a:lnRef>
+                <a:fillRef idx="0">
+                  <a:schemeClr val="accent1"/>
+                </a:fillRef>
+                <a:effectRef idx="0">
+                  <a:schemeClr val="accent1"/>
+                </a:effectRef>
+                <a:fontRef idx="minor">
+                  <a:schemeClr val="tx1"/>
+                </a:fontRef>
+              </p:style>
+              <p:txBody>
+                <a:bodyPr anchor="ctr"/>
+                <a:lstStyle/>
+                <a:p>
+                  <a:pPr algn="ctr">
+                    <a:defRPr/>
+                  </a:pPr>
+                  <a:endParaRPr lang="en-US"/>
+                </a:p>
+              </p:txBody>
+            </p:sp>
+            <p:sp>
+              <p:nvSpPr>
+                <p:cNvPr id="110" name="Arc 109"/>
+                <p:cNvSpPr/>
+                <p:nvPr/>
+              </p:nvSpPr>
+              <p:spPr>
+                <a:xfrm flipH="1">
+                  <a:off x="2973786" y="533400"/>
+                  <a:ext cx="226366" cy="304800"/>
+                </a:xfrm>
+                <a:prstGeom prst="arc">
+                  <a:avLst/>
+                </a:prstGeom>
+                <a:ln w="12700">
+                  <a:solidFill>
+                    <a:schemeClr val="tx1"/>
+                  </a:solidFill>
+                </a:ln>
+              </p:spPr>
+              <p:style>
+                <a:lnRef idx="1">
+                  <a:schemeClr val="accent1"/>
+                </a:lnRef>
+                <a:fillRef idx="0">
+                  <a:schemeClr val="accent1"/>
+                </a:fillRef>
+                <a:effectRef idx="0">
+                  <a:schemeClr val="accent1"/>
+                </a:effectRef>
+                <a:fontRef idx="minor">
+                  <a:schemeClr val="tx1"/>
+                </a:fontRef>
+              </p:style>
+              <p:txBody>
+                <a:bodyPr anchor="ctr"/>
+                <a:lstStyle/>
+                <a:p>
+                  <a:pPr algn="ctr">
+                    <a:defRPr/>
+                  </a:pPr>
+                  <a:endParaRPr lang="en-US"/>
+                </a:p>
+              </p:txBody>
+            </p:sp>
+          </p:grpSp>
+          <p:grpSp>
+            <p:nvGrpSpPr>
+              <p:cNvPr id="106" name="Group 59"/>
+              <p:cNvGrpSpPr>
+                <a:grpSpLocks/>
+              </p:cNvGrpSpPr>
+              <p:nvPr/>
+            </p:nvGrpSpPr>
+            <p:grpSpPr bwMode="auto">
+              <a:xfrm>
+                <a:off x="3810000" y="2438400"/>
+                <a:ext cx="228600" cy="304800"/>
+                <a:chOff x="2971800" y="533400"/>
+                <a:chExt cx="228600" cy="304800"/>
+              </a:xfrm>
+            </p:grpSpPr>
+            <p:sp>
+              <p:nvSpPr>
+                <p:cNvPr id="107" name="Arc 106"/>
+                <p:cNvSpPr/>
+                <p:nvPr/>
+              </p:nvSpPr>
+              <p:spPr>
+                <a:xfrm>
+                  <a:off x="2971552" y="533400"/>
+                  <a:ext cx="230339" cy="304800"/>
+                </a:xfrm>
+                <a:prstGeom prst="arc">
+                  <a:avLst/>
+                </a:prstGeom>
+                <a:ln w="12700">
+                  <a:solidFill>
+                    <a:schemeClr val="tx1"/>
+                  </a:solidFill>
+                </a:ln>
+              </p:spPr>
+              <p:style>
+                <a:lnRef idx="1">
+                  <a:schemeClr val="accent1"/>
+                </a:lnRef>
+                <a:fillRef idx="0">
+                  <a:schemeClr val="accent1"/>
+                </a:fillRef>
+                <a:effectRef idx="0">
+                  <a:schemeClr val="accent1"/>
+                </a:effectRef>
+                <a:fontRef idx="minor">
+                  <a:schemeClr val="tx1"/>
+                </a:fontRef>
+              </p:style>
+              <p:txBody>
+                <a:bodyPr anchor="ctr"/>
+                <a:lstStyle/>
+                <a:p>
+                  <a:pPr algn="ctr">
+                    <a:defRPr/>
+                  </a:pPr>
+                  <a:endParaRPr lang="en-US"/>
+                </a:p>
+              </p:txBody>
+            </p:sp>
+            <p:sp>
+              <p:nvSpPr>
+                <p:cNvPr id="108" name="Arc 107"/>
+                <p:cNvSpPr/>
+                <p:nvPr/>
+              </p:nvSpPr>
+              <p:spPr>
+                <a:xfrm flipH="1">
+                  <a:off x="2971552" y="533400"/>
+                  <a:ext cx="230339" cy="304800"/>
+                </a:xfrm>
+                <a:prstGeom prst="arc">
+                  <a:avLst/>
+                </a:prstGeom>
+                <a:ln w="12700">
+                  <a:solidFill>
+                    <a:schemeClr val="tx1"/>
+                  </a:solidFill>
+                </a:ln>
+              </p:spPr>
+              <p:style>
+                <a:lnRef idx="1">
+                  <a:schemeClr val="accent1"/>
+                </a:lnRef>
+                <a:fillRef idx="0">
+                  <a:schemeClr val="accent1"/>
+                </a:fillRef>
+                <a:effectRef idx="0">
+                  <a:schemeClr val="accent1"/>
+                </a:effectRef>
+                <a:fontRef idx="minor">
+                  <a:schemeClr val="tx1"/>
+                </a:fontRef>
+              </p:style>
+              <p:txBody>
+                <a:bodyPr anchor="ctr"/>
+                <a:lstStyle/>
+                <a:p>
+                  <a:pPr algn="ctr">
+                    <a:defRPr/>
+                  </a:pPr>
+                  <a:endParaRPr lang="en-US"/>
+                </a:p>
+              </p:txBody>
+            </p:sp>
+          </p:grpSp>
+        </p:grpSp>
+        <p:grpSp>
+          <p:nvGrpSpPr>
+            <p:cNvPr id="117" name="Group 116"/>
+            <p:cNvGrpSpPr/>
+            <p:nvPr/>
+          </p:nvGrpSpPr>
+          <p:grpSpPr>
+            <a:xfrm>
+              <a:off x="1978251" y="3462207"/>
+              <a:ext cx="755630" cy="338554"/>
+              <a:chOff x="2065127" y="7230491"/>
+              <a:chExt cx="755630" cy="338554"/>
+            </a:xfrm>
+          </p:grpSpPr>
+          <p:sp>
+            <p:nvSpPr>
+              <p:cNvPr id="75" name="Rectangle 74"/>
+              <p:cNvSpPr/>
+              <p:nvPr/>
+            </p:nvSpPr>
+            <p:spPr>
+              <a:xfrm>
+                <a:off x="2146881" y="7259059"/>
+                <a:ext cx="594479" cy="269922"/>
+              </a:xfrm>
+              <a:prstGeom prst="rect">
+                <a:avLst/>
+              </a:prstGeom>
+              <a:noFill/>
+              <a:ln>
+                <a:solidFill>
+                  <a:schemeClr val="tx1"/>
+                </a:solidFill>
+              </a:ln>
+            </p:spPr>
+            <p:style>
+              <a:lnRef idx="2">
+                <a:schemeClr val="accent1">
+                  <a:shade val="50000"/>
+                </a:schemeClr>
+              </a:lnRef>
+              <a:fillRef idx="1">
+                <a:schemeClr val="accent1"/>
+              </a:fillRef>
+              <a:effectRef idx="0">
+                <a:schemeClr val="accent1"/>
+              </a:effectRef>
+              <a:fontRef idx="minor">
+                <a:schemeClr val="lt1"/>
+              </a:fontRef>
+            </p:style>
+            <p:txBody>
+              <a:bodyPr rtlCol="0" anchor="ctr"/>
+              <a:lstStyle/>
+              <a:p>
+                <a:pPr algn="ctr"/>
+                <a:endParaRPr lang="en-US" sz="300" dirty="0">
+                  <a:solidFill>
+                    <a:schemeClr val="tx1"/>
+                  </a:solidFill>
+                </a:endParaRPr>
+              </a:p>
+            </p:txBody>
+          </p:sp>
+          <p:sp>
+            <p:nvSpPr>
+              <p:cNvPr id="134" name="TextBox 133"/>
+              <p:cNvSpPr txBox="1"/>
+              <p:nvPr/>
+            </p:nvSpPr>
+            <p:spPr>
+              <a:xfrm>
+                <a:off x="2065127" y="7230491"/>
+                <a:ext cx="755630" cy="338554"/>
+              </a:xfrm>
+              <a:prstGeom prst="rect">
+                <a:avLst/>
+              </a:prstGeom>
+              <a:noFill/>
+            </p:spPr>
+            <p:txBody>
+              <a:bodyPr wrap="square" rtlCol="0">
+                <a:spAutoFit/>
+              </a:bodyPr>
+              <a:lstStyle/>
+              <a:p>
+                <a:pPr algn="ctr"/>
+                <a:r>
+                  <a:rPr lang="en-US" sz="800" dirty="0"/>
+                  <a:t>Discriminator </a:t>
+                </a:r>
+              </a:p>
+              <a:p>
+                <a:pPr algn="ctr"/>
+                <a:r>
+                  <a:rPr lang="en-US" sz="800" dirty="0"/>
+                  <a:t>3</a:t>
+                </a:r>
+              </a:p>
+            </p:txBody>
+          </p:sp>
+        </p:grpSp>
+        <p:sp>
+          <p:nvSpPr>
+            <p:cNvPr id="146" name="TextBox 145"/>
+            <p:cNvSpPr txBox="1"/>
+            <p:nvPr/>
+          </p:nvSpPr>
+          <p:spPr>
+            <a:xfrm>
+              <a:off x="1975902" y="3015696"/>
+              <a:ext cx="755630" cy="338554"/>
+            </a:xfrm>
+            <a:prstGeom prst="rect">
+              <a:avLst/>
+            </a:prstGeom>
+            <a:noFill/>
+          </p:spPr>
+          <p:txBody>
+            <a:bodyPr wrap="square" rtlCol="0">
+              <a:spAutoFit/>
+            </a:bodyPr>
+            <a:lstStyle/>
+            <a:p>
+              <a:pPr algn="ctr"/>
+              <a:r>
+                <a:rPr lang="en-US" sz="800" dirty="0"/>
+                <a:t>Discriminator </a:t>
+              </a:r>
+            </a:p>
+            <a:p>
+              <a:pPr algn="ctr"/>
+              <a:r>
+                <a:rPr lang="en-US" sz="800" dirty="0"/>
+                <a:t>2</a:t>
+              </a:r>
+            </a:p>
+          </p:txBody>
+        </p:sp>
+        <p:sp>
+          <p:nvSpPr>
+            <p:cNvPr id="149" name="TextBox 148"/>
+            <p:cNvSpPr txBox="1"/>
+            <p:nvPr/>
+          </p:nvSpPr>
+          <p:spPr>
+            <a:xfrm>
+              <a:off x="1982809" y="2565178"/>
+              <a:ext cx="755630" cy="338554"/>
+            </a:xfrm>
+            <a:prstGeom prst="rect">
+              <a:avLst/>
+            </a:prstGeom>
+            <a:noFill/>
+          </p:spPr>
+          <p:txBody>
+            <a:bodyPr wrap="square" rtlCol="0">
+              <a:spAutoFit/>
+            </a:bodyPr>
+            <a:lstStyle/>
+            <a:p>
+              <a:pPr algn="ctr"/>
+              <a:r>
+                <a:rPr lang="en-US" sz="800" dirty="0"/>
+                <a:t>Discriminator </a:t>
+              </a:r>
+            </a:p>
+            <a:p>
+              <a:pPr algn="ctr"/>
+              <a:r>
+                <a:rPr lang="en-US" sz="800" dirty="0"/>
+                <a:t>1</a:t>
+              </a:r>
+            </a:p>
+          </p:txBody>
+        </p:sp>
+        <p:cxnSp>
+          <p:nvCxnSpPr>
+            <p:cNvPr id="137" name="Straight Connector 136"/>
+            <p:cNvCxnSpPr>
+              <a:cxnSpLocks/>
+            </p:cNvCxnSpPr>
+            <p:nvPr/>
+          </p:nvCxnSpPr>
+          <p:spPr>
+            <a:xfrm>
+              <a:off x="2999117" y="2624616"/>
+              <a:ext cx="0" cy="243237"/>
+            </a:xfrm>
+            <a:prstGeom prst="line">
+              <a:avLst/>
+            </a:prstGeom>
+            <a:ln w="12700">
+              <a:solidFill>
+                <a:schemeClr val="tx1"/>
+              </a:solidFill>
+            </a:ln>
+          </p:spPr>
+          <p:style>
+            <a:lnRef idx="1">
+              <a:schemeClr val="accent1"/>
+            </a:lnRef>
+            <a:fillRef idx="0">
+              <a:schemeClr val="accent1"/>
+            </a:fillRef>
+            <a:effectRef idx="0">
+              <a:schemeClr val="accent1"/>
+            </a:effectRef>
+            <a:fontRef idx="minor">
+              <a:schemeClr val="tx1"/>
+            </a:fontRef>
+          </p:style>
+        </p:cxnSp>
+        <p:cxnSp>
+          <p:nvCxnSpPr>
+            <p:cNvPr id="153" name="Straight Connector 152"/>
+            <p:cNvCxnSpPr>
+              <a:cxnSpLocks/>
+            </p:cNvCxnSpPr>
+            <p:nvPr/>
+          </p:nvCxnSpPr>
+          <p:spPr>
+            <a:xfrm>
+              <a:off x="2994357" y="2867853"/>
+              <a:ext cx="210312" cy="0"/>
+            </a:xfrm>
+            <a:prstGeom prst="line">
+              <a:avLst/>
+            </a:prstGeom>
+            <a:ln w="12700">
+              <a:solidFill>
+                <a:schemeClr val="tx1"/>
+              </a:solidFill>
+            </a:ln>
+          </p:spPr>
+          <p:style>
+            <a:lnRef idx="1">
+              <a:schemeClr val="accent1"/>
+            </a:lnRef>
+            <a:fillRef idx="0">
+              <a:schemeClr val="accent1"/>
+            </a:fillRef>
+            <a:effectRef idx="0">
+              <a:schemeClr val="accent1"/>
+            </a:effectRef>
+            <a:fontRef idx="minor">
+              <a:schemeClr val="tx1"/>
+            </a:fontRef>
+          </p:style>
+        </p:cxnSp>
+        <p:sp>
+          <p:nvSpPr>
+            <p:cNvPr id="157" name="TextBox 156"/>
+            <p:cNvSpPr txBox="1"/>
+            <p:nvPr/>
+          </p:nvSpPr>
+          <p:spPr>
+            <a:xfrm>
+              <a:off x="3135071" y="2779111"/>
+              <a:ext cx="261831" cy="169277"/>
+            </a:xfrm>
+            <a:prstGeom prst="rect">
+              <a:avLst/>
+            </a:prstGeom>
+            <a:noFill/>
+          </p:spPr>
+          <p:txBody>
+            <a:bodyPr wrap="square" rtlCol="0">
+              <a:spAutoFit/>
+            </a:bodyPr>
+            <a:lstStyle/>
+            <a:p>
+              <a:r>
+                <a:rPr lang="en-US" sz="500" dirty="0"/>
+                <a:t>S1</a:t>
+              </a:r>
+            </a:p>
+          </p:txBody>
+        </p:sp>
+        <p:cxnSp>
+          <p:nvCxnSpPr>
+            <p:cNvPr id="159" name="Straight Connector 158"/>
+            <p:cNvCxnSpPr/>
+            <p:nvPr/>
+          </p:nvCxnSpPr>
+          <p:spPr>
+            <a:xfrm>
+              <a:off x="2654484" y="3072598"/>
+              <a:ext cx="119664" cy="0"/>
+            </a:xfrm>
+            <a:prstGeom prst="line">
+              <a:avLst/>
+            </a:prstGeom>
+            <a:ln w="12700">
+              <a:solidFill>
+                <a:schemeClr val="tx1"/>
+              </a:solidFill>
+            </a:ln>
+          </p:spPr>
+          <p:style>
+            <a:lnRef idx="1">
+              <a:schemeClr val="accent1"/>
+            </a:lnRef>
+            <a:fillRef idx="0">
+              <a:schemeClr val="accent1"/>
+            </a:fillRef>
+            <a:effectRef idx="0">
+              <a:schemeClr val="accent1"/>
+            </a:effectRef>
+            <a:fontRef idx="minor">
+              <a:schemeClr val="tx1"/>
+            </a:fontRef>
+          </p:style>
+        </p:cxnSp>
+        <p:grpSp>
+          <p:nvGrpSpPr>
+            <p:cNvPr id="160" name="Group 95"/>
+            <p:cNvGrpSpPr>
+              <a:grpSpLocks/>
+            </p:cNvGrpSpPr>
+            <p:nvPr/>
+          </p:nvGrpSpPr>
+          <p:grpSpPr bwMode="auto">
+            <a:xfrm>
+              <a:off x="2772132" y="2996398"/>
+              <a:ext cx="234868" cy="152400"/>
+              <a:chOff x="2971800" y="2438400"/>
+              <a:chExt cx="1219200" cy="304800"/>
+            </a:xfrm>
+          </p:grpSpPr>
+          <p:cxnSp>
+            <p:nvCxnSpPr>
+              <p:cNvPr id="161" name="Straight Connector 160"/>
+              <p:cNvCxnSpPr>
+                <a:cxnSpLocks/>
+              </p:cNvCxnSpPr>
+              <p:nvPr/>
+            </p:nvCxnSpPr>
+            <p:spPr>
+              <a:xfrm>
+                <a:off x="2971800" y="2590800"/>
+                <a:ext cx="150911" cy="3176"/>
+              </a:xfrm>
+              <a:prstGeom prst="line">
+                <a:avLst/>
+              </a:prstGeom>
+              <a:ln w="12700">
+                <a:solidFill>
+                  <a:schemeClr val="tx1"/>
+                </a:solidFill>
+              </a:ln>
+            </p:spPr>
+            <p:style>
+              <a:lnRef idx="1">
+                <a:schemeClr val="accent1"/>
+              </a:lnRef>
+              <a:fillRef idx="0">
+                <a:schemeClr val="accent1"/>
+              </a:fillRef>
+              <a:effectRef idx="0">
+                <a:schemeClr val="accent1"/>
+              </a:effectRef>
+              <a:fontRef idx="minor">
+                <a:schemeClr val="tx1"/>
+              </a:fontRef>
+            </p:style>
+          </p:cxnSp>
+          <p:cxnSp>
+            <p:nvCxnSpPr>
+              <p:cNvPr id="162" name="Straight Connector 161"/>
+              <p:cNvCxnSpPr>
+                <a:cxnSpLocks/>
+                <a:stCxn id="167" idx="2"/>
+              </p:cNvCxnSpPr>
+              <p:nvPr/>
+            </p:nvCxnSpPr>
+            <p:spPr>
+              <a:xfrm>
+                <a:off x="4040094" y="2590800"/>
+                <a:ext cx="150906" cy="3176"/>
+              </a:xfrm>
+              <a:prstGeom prst="line">
+                <a:avLst/>
+              </a:prstGeom>
+              <a:ln w="12700">
+                <a:solidFill>
+                  <a:schemeClr val="tx1"/>
+                </a:solidFill>
+              </a:ln>
+            </p:spPr>
+            <p:style>
+              <a:lnRef idx="1">
+                <a:schemeClr val="accent1"/>
+              </a:lnRef>
+              <a:fillRef idx="0">
+                <a:schemeClr val="accent1"/>
+              </a:fillRef>
+              <a:effectRef idx="0">
+                <a:schemeClr val="accent1"/>
+              </a:effectRef>
+              <a:fontRef idx="minor">
+                <a:schemeClr val="tx1"/>
+              </a:fontRef>
+            </p:style>
+          </p:cxnSp>
+          <p:grpSp>
+            <p:nvGrpSpPr>
+              <p:cNvPr id="163" name="Group 55"/>
+              <p:cNvGrpSpPr>
+                <a:grpSpLocks/>
+              </p:cNvGrpSpPr>
+              <p:nvPr/>
+            </p:nvGrpSpPr>
+            <p:grpSpPr bwMode="auto">
+              <a:xfrm>
+                <a:off x="3124200" y="2438400"/>
+                <a:ext cx="228600" cy="304800"/>
+                <a:chOff x="2971800" y="533400"/>
+                <a:chExt cx="228600" cy="304800"/>
+              </a:xfrm>
+            </p:grpSpPr>
+            <p:sp>
+              <p:nvSpPr>
+                <p:cNvPr id="173" name="Arc 172"/>
+                <p:cNvSpPr/>
+                <p:nvPr/>
+              </p:nvSpPr>
+              <p:spPr>
+                <a:xfrm>
+                  <a:off x="2970312" y="533400"/>
+                  <a:ext cx="230339" cy="304800"/>
+                </a:xfrm>
+                <a:prstGeom prst="arc">
+                  <a:avLst/>
+                </a:prstGeom>
+                <a:ln w="12700">
+                  <a:solidFill>
+                    <a:schemeClr val="tx1"/>
+                  </a:solidFill>
+                </a:ln>
+              </p:spPr>
+              <p:style>
+                <a:lnRef idx="1">
+                  <a:schemeClr val="accent1"/>
+                </a:lnRef>
+                <a:fillRef idx="0">
+                  <a:schemeClr val="accent1"/>
+                </a:fillRef>
+                <a:effectRef idx="0">
+                  <a:schemeClr val="accent1"/>
+                </a:effectRef>
+                <a:fontRef idx="minor">
+                  <a:schemeClr val="tx1"/>
+                </a:fontRef>
+              </p:style>
+              <p:txBody>
+                <a:bodyPr anchor="ctr"/>
+                <a:lstStyle/>
+                <a:p>
+                  <a:pPr algn="ctr">
+                    <a:defRPr/>
+                  </a:pPr>
+                  <a:endParaRPr lang="en-US"/>
+                </a:p>
+              </p:txBody>
+            </p:sp>
+            <p:sp>
+              <p:nvSpPr>
+                <p:cNvPr id="174" name="Arc 173"/>
+                <p:cNvSpPr/>
+                <p:nvPr/>
+              </p:nvSpPr>
+              <p:spPr>
+                <a:xfrm flipH="1">
+                  <a:off x="2970312" y="533400"/>
+                  <a:ext cx="230339" cy="304800"/>
+                </a:xfrm>
+                <a:prstGeom prst="arc">
+                  <a:avLst/>
+                </a:prstGeom>
+                <a:ln w="12700">
+                  <a:solidFill>
+                    <a:schemeClr val="tx1"/>
+                  </a:solidFill>
+                </a:ln>
+              </p:spPr>
+              <p:style>
+                <a:lnRef idx="1">
+                  <a:schemeClr val="accent1"/>
+                </a:lnRef>
+                <a:fillRef idx="0">
+                  <a:schemeClr val="accent1"/>
+                </a:fillRef>
+                <a:effectRef idx="0">
+                  <a:schemeClr val="accent1"/>
+                </a:effectRef>
+                <a:fontRef idx="minor">
+                  <a:schemeClr val="tx1"/>
+                </a:fontRef>
+              </p:style>
+              <p:txBody>
+                <a:bodyPr anchor="ctr"/>
+                <a:lstStyle/>
+                <a:p>
+                  <a:pPr algn="ctr">
+                    <a:defRPr/>
+                  </a:pPr>
+                  <a:endParaRPr lang="en-US"/>
+                </a:p>
+              </p:txBody>
+            </p:sp>
+          </p:grpSp>
+          <p:grpSp>
+            <p:nvGrpSpPr>
+              <p:cNvPr id="164" name="Group 56"/>
+              <p:cNvGrpSpPr>
+                <a:grpSpLocks/>
+              </p:cNvGrpSpPr>
+              <p:nvPr/>
+            </p:nvGrpSpPr>
+            <p:grpSpPr bwMode="auto">
+              <a:xfrm>
+                <a:off x="3352800" y="2438400"/>
+                <a:ext cx="228600" cy="304800"/>
+                <a:chOff x="2971800" y="533400"/>
+                <a:chExt cx="228600" cy="304800"/>
+              </a:xfrm>
+            </p:grpSpPr>
+            <p:sp>
+              <p:nvSpPr>
+                <p:cNvPr id="171" name="Arc 170"/>
+                <p:cNvSpPr/>
+                <p:nvPr/>
+              </p:nvSpPr>
+              <p:spPr>
+                <a:xfrm>
+                  <a:off x="2972048" y="533400"/>
+                  <a:ext cx="234309" cy="304800"/>
+                </a:xfrm>
+                <a:prstGeom prst="arc">
+                  <a:avLst/>
+                </a:prstGeom>
+                <a:ln w="12700">
+                  <a:solidFill>
+                    <a:schemeClr val="tx1"/>
+                  </a:solidFill>
+                </a:ln>
+              </p:spPr>
+              <p:style>
+                <a:lnRef idx="1">
+                  <a:schemeClr val="accent1"/>
+                </a:lnRef>
+                <a:fillRef idx="0">
+                  <a:schemeClr val="accent1"/>
+                </a:fillRef>
+                <a:effectRef idx="0">
+                  <a:schemeClr val="accent1"/>
+                </a:effectRef>
+                <a:fontRef idx="minor">
+                  <a:schemeClr val="tx1"/>
+                </a:fontRef>
+              </p:style>
+              <p:txBody>
+                <a:bodyPr anchor="ctr"/>
+                <a:lstStyle/>
+                <a:p>
+                  <a:pPr algn="ctr">
+                    <a:defRPr/>
+                  </a:pPr>
+                  <a:endParaRPr lang="en-US"/>
+                </a:p>
+              </p:txBody>
+            </p:sp>
+            <p:sp>
+              <p:nvSpPr>
+                <p:cNvPr id="172" name="Arc 171"/>
+                <p:cNvSpPr/>
+                <p:nvPr/>
+              </p:nvSpPr>
+              <p:spPr>
+                <a:xfrm flipH="1">
+                  <a:off x="2972048" y="533400"/>
+                  <a:ext cx="234309" cy="304800"/>
+                </a:xfrm>
+                <a:prstGeom prst="arc">
+                  <a:avLst/>
+                </a:prstGeom>
+                <a:ln w="12700">
+                  <a:solidFill>
+                    <a:schemeClr val="tx1"/>
+                  </a:solidFill>
+                </a:ln>
+              </p:spPr>
+              <p:style>
+                <a:lnRef idx="1">
+                  <a:schemeClr val="accent1"/>
+                </a:lnRef>
+                <a:fillRef idx="0">
+                  <a:schemeClr val="accent1"/>
+                </a:fillRef>
+                <a:effectRef idx="0">
+                  <a:schemeClr val="accent1"/>
+                </a:effectRef>
+                <a:fontRef idx="minor">
+                  <a:schemeClr val="tx1"/>
+                </a:fontRef>
+              </p:style>
+              <p:txBody>
+                <a:bodyPr anchor="ctr"/>
+                <a:lstStyle/>
+                <a:p>
+                  <a:pPr algn="ctr">
+                    <a:defRPr/>
+                  </a:pPr>
+                  <a:endParaRPr lang="en-US"/>
+                </a:p>
+              </p:txBody>
+            </p:sp>
+          </p:grpSp>
+          <p:grpSp>
+            <p:nvGrpSpPr>
+              <p:cNvPr id="165" name="Group 59"/>
+              <p:cNvGrpSpPr>
+                <a:grpSpLocks/>
+              </p:cNvGrpSpPr>
+              <p:nvPr/>
+            </p:nvGrpSpPr>
+            <p:grpSpPr bwMode="auto">
+              <a:xfrm>
+                <a:off x="3581400" y="2438400"/>
+                <a:ext cx="228600" cy="304800"/>
+                <a:chOff x="2971800" y="533400"/>
+                <a:chExt cx="228600" cy="304800"/>
+              </a:xfrm>
+            </p:grpSpPr>
+            <p:sp>
+              <p:nvSpPr>
+                <p:cNvPr id="169" name="Arc 168"/>
+                <p:cNvSpPr/>
+                <p:nvPr/>
+              </p:nvSpPr>
+              <p:spPr>
+                <a:xfrm>
+                  <a:off x="2973786" y="533400"/>
+                  <a:ext cx="226366" cy="304800"/>
+                </a:xfrm>
+                <a:prstGeom prst="arc">
+                  <a:avLst/>
+                </a:prstGeom>
+                <a:ln w="12700">
+                  <a:solidFill>
+                    <a:schemeClr val="tx1"/>
+                  </a:solidFill>
+                </a:ln>
+              </p:spPr>
+              <p:style>
+                <a:lnRef idx="1">
+                  <a:schemeClr val="accent1"/>
+                </a:lnRef>
+                <a:fillRef idx="0">
+                  <a:schemeClr val="accent1"/>
+                </a:fillRef>
+                <a:effectRef idx="0">
+                  <a:schemeClr val="accent1"/>
+                </a:effectRef>
+                <a:fontRef idx="minor">
+                  <a:schemeClr val="tx1"/>
+                </a:fontRef>
+              </p:style>
+              <p:txBody>
+                <a:bodyPr anchor="ctr"/>
+                <a:lstStyle/>
+                <a:p>
+                  <a:pPr algn="ctr">
+                    <a:defRPr/>
+                  </a:pPr>
+                  <a:endParaRPr lang="en-US"/>
+                </a:p>
+              </p:txBody>
+            </p:sp>
+            <p:sp>
+              <p:nvSpPr>
+                <p:cNvPr id="170" name="Arc 169"/>
+                <p:cNvSpPr/>
+                <p:nvPr/>
+              </p:nvSpPr>
+              <p:spPr>
+                <a:xfrm flipH="1">
+                  <a:off x="2973786" y="533400"/>
+                  <a:ext cx="226366" cy="304800"/>
+                </a:xfrm>
+                <a:prstGeom prst="arc">
+                  <a:avLst/>
+                </a:prstGeom>
+                <a:ln w="12700">
+                  <a:solidFill>
+                    <a:schemeClr val="tx1"/>
+                  </a:solidFill>
+                </a:ln>
+              </p:spPr>
+              <p:style>
+                <a:lnRef idx="1">
+                  <a:schemeClr val="accent1"/>
+                </a:lnRef>
+                <a:fillRef idx="0">
+                  <a:schemeClr val="accent1"/>
+                </a:fillRef>
+                <a:effectRef idx="0">
+                  <a:schemeClr val="accent1"/>
+                </a:effectRef>
+                <a:fontRef idx="minor">
+                  <a:schemeClr val="tx1"/>
+                </a:fontRef>
+              </p:style>
+              <p:txBody>
+                <a:bodyPr anchor="ctr"/>
+                <a:lstStyle/>
+                <a:p>
+                  <a:pPr algn="ctr">
+                    <a:defRPr/>
+                  </a:pPr>
+                  <a:endParaRPr lang="en-US"/>
+                </a:p>
+              </p:txBody>
+            </p:sp>
+          </p:grpSp>
+          <p:grpSp>
+            <p:nvGrpSpPr>
+              <p:cNvPr id="166" name="Group 59"/>
+              <p:cNvGrpSpPr>
+                <a:grpSpLocks/>
+              </p:cNvGrpSpPr>
+              <p:nvPr/>
+            </p:nvGrpSpPr>
+            <p:grpSpPr bwMode="auto">
+              <a:xfrm>
+                <a:off x="3810000" y="2438400"/>
+                <a:ext cx="228600" cy="304800"/>
+                <a:chOff x="2971800" y="533400"/>
+                <a:chExt cx="228600" cy="304800"/>
+              </a:xfrm>
+            </p:grpSpPr>
+            <p:sp>
+              <p:nvSpPr>
+                <p:cNvPr id="167" name="Arc 166"/>
+                <p:cNvSpPr/>
+                <p:nvPr/>
+              </p:nvSpPr>
+              <p:spPr>
+                <a:xfrm>
+                  <a:off x="2971552" y="533400"/>
+                  <a:ext cx="230339" cy="304800"/>
+                </a:xfrm>
+                <a:prstGeom prst="arc">
+                  <a:avLst/>
+                </a:prstGeom>
+                <a:ln w="12700">
+                  <a:solidFill>
+                    <a:schemeClr val="tx1"/>
+                  </a:solidFill>
+                </a:ln>
+              </p:spPr>
+              <p:style>
+                <a:lnRef idx="1">
+                  <a:schemeClr val="accent1"/>
+                </a:lnRef>
+                <a:fillRef idx="0">
+                  <a:schemeClr val="accent1"/>
+                </a:fillRef>
+                <a:effectRef idx="0">
+                  <a:schemeClr val="accent1"/>
+                </a:effectRef>
+                <a:fontRef idx="minor">
+                  <a:schemeClr val="tx1"/>
+                </a:fontRef>
+              </p:style>
+              <p:txBody>
+                <a:bodyPr anchor="ctr"/>
+                <a:lstStyle/>
+                <a:p>
+                  <a:pPr algn="ctr">
+                    <a:defRPr/>
+                  </a:pPr>
+                  <a:endParaRPr lang="en-US"/>
+                </a:p>
+              </p:txBody>
+            </p:sp>
+            <p:sp>
+              <p:nvSpPr>
+                <p:cNvPr id="168" name="Arc 167"/>
+                <p:cNvSpPr/>
+                <p:nvPr/>
+              </p:nvSpPr>
+              <p:spPr>
+                <a:xfrm flipH="1">
+                  <a:off x="2971552" y="533400"/>
+                  <a:ext cx="230339" cy="304800"/>
+                </a:xfrm>
+                <a:prstGeom prst="arc">
+                  <a:avLst/>
+                </a:prstGeom>
+                <a:ln w="12700">
+                  <a:solidFill>
+                    <a:schemeClr val="tx1"/>
+                  </a:solidFill>
+                </a:ln>
+              </p:spPr>
+              <p:style>
+                <a:lnRef idx="1">
+                  <a:schemeClr val="accent1"/>
+                </a:lnRef>
+                <a:fillRef idx="0">
+                  <a:schemeClr val="accent1"/>
+                </a:fillRef>
+                <a:effectRef idx="0">
+                  <a:schemeClr val="accent1"/>
+                </a:effectRef>
+                <a:fontRef idx="minor">
+                  <a:schemeClr val="tx1"/>
+                </a:fontRef>
+              </p:style>
+              <p:txBody>
+                <a:bodyPr anchor="ctr"/>
+                <a:lstStyle/>
+                <a:p>
+                  <a:pPr algn="ctr">
+                    <a:defRPr/>
+                  </a:pPr>
+                  <a:endParaRPr lang="en-US"/>
+                </a:p>
+              </p:txBody>
+            </p:sp>
+          </p:grpSp>
+        </p:grpSp>
+        <p:cxnSp>
+          <p:nvCxnSpPr>
+            <p:cNvPr id="175" name="Straight Connector 174"/>
+            <p:cNvCxnSpPr>
+              <a:cxnSpLocks/>
+            </p:cNvCxnSpPr>
+            <p:nvPr/>
+          </p:nvCxnSpPr>
+          <p:spPr>
+            <a:xfrm flipV="1">
+              <a:off x="3007000" y="2948388"/>
+              <a:ext cx="0" cy="124210"/>
+            </a:xfrm>
+            <a:prstGeom prst="line">
+              <a:avLst/>
+            </a:prstGeom>
+            <a:ln w="12700">
+              <a:solidFill>
+                <a:schemeClr val="tx1"/>
+              </a:solidFill>
+            </a:ln>
+          </p:spPr>
+          <p:style>
+            <a:lnRef idx="1">
+              <a:schemeClr val="accent1"/>
+            </a:lnRef>
+            <a:fillRef idx="0">
+              <a:schemeClr val="accent1"/>
+            </a:fillRef>
+            <a:effectRef idx="0">
+              <a:schemeClr val="accent1"/>
+            </a:effectRef>
+            <a:fontRef idx="minor">
+              <a:schemeClr val="tx1"/>
+            </a:fontRef>
+          </p:style>
+        </p:cxnSp>
+        <p:cxnSp>
+          <p:nvCxnSpPr>
+            <p:cNvPr id="177" name="Straight Connector 176"/>
+            <p:cNvCxnSpPr>
+              <a:cxnSpLocks/>
+            </p:cNvCxnSpPr>
+            <p:nvPr/>
+          </p:nvCxnSpPr>
+          <p:spPr>
+            <a:xfrm flipH="1">
+              <a:off x="3007001" y="2948388"/>
+              <a:ext cx="210312" cy="0"/>
+            </a:xfrm>
+            <a:prstGeom prst="line">
+              <a:avLst/>
+            </a:prstGeom>
+            <a:ln w="12700">
+              <a:solidFill>
+                <a:schemeClr val="tx1"/>
+              </a:solidFill>
+            </a:ln>
+          </p:spPr>
+          <p:style>
+            <a:lnRef idx="1">
+              <a:schemeClr val="accent1"/>
+            </a:lnRef>
+            <a:fillRef idx="0">
+              <a:schemeClr val="accent1"/>
+            </a:fillRef>
+            <a:effectRef idx="0">
+              <a:schemeClr val="accent1"/>
+            </a:effectRef>
+            <a:fontRef idx="minor">
+              <a:schemeClr val="tx1"/>
+            </a:fontRef>
+          </p:style>
+        </p:cxnSp>
+        <p:sp>
+          <p:nvSpPr>
+            <p:cNvPr id="181" name="TextBox 180"/>
+            <p:cNvSpPr txBox="1"/>
+            <p:nvPr/>
+          </p:nvSpPr>
+          <p:spPr>
+            <a:xfrm>
+              <a:off x="3139352" y="2863749"/>
+              <a:ext cx="261831" cy="169277"/>
+            </a:xfrm>
+            <a:prstGeom prst="rect">
+              <a:avLst/>
+            </a:prstGeom>
+            <a:noFill/>
+          </p:spPr>
+          <p:txBody>
+            <a:bodyPr wrap="square" rtlCol="0">
+              <a:spAutoFit/>
+            </a:bodyPr>
+            <a:lstStyle/>
+            <a:p>
+              <a:r>
+                <a:rPr lang="en-US" sz="500" dirty="0"/>
+                <a:t>S2</a:t>
+              </a:r>
+            </a:p>
+          </p:txBody>
+        </p:sp>
+        <p:cxnSp>
+          <p:nvCxnSpPr>
+            <p:cNvPr id="182" name="Straight Connector 181"/>
+            <p:cNvCxnSpPr>
+              <a:cxnSpLocks/>
+            </p:cNvCxnSpPr>
+            <p:nvPr/>
+          </p:nvCxnSpPr>
+          <p:spPr>
+            <a:xfrm>
+              <a:off x="2659121" y="3506114"/>
+              <a:ext cx="240468" cy="0"/>
+            </a:xfrm>
+            <a:prstGeom prst="line">
+              <a:avLst/>
+            </a:prstGeom>
+            <a:ln w="12700">
+              <a:solidFill>
+                <a:schemeClr val="tx1"/>
+              </a:solidFill>
+            </a:ln>
+          </p:spPr>
+          <p:style>
+            <a:lnRef idx="1">
+              <a:schemeClr val="accent1"/>
+            </a:lnRef>
+            <a:fillRef idx="0">
+              <a:schemeClr val="accent1"/>
+            </a:fillRef>
+            <a:effectRef idx="0">
+              <a:schemeClr val="accent1"/>
+            </a:effectRef>
+            <a:fontRef idx="minor">
+              <a:schemeClr val="tx1"/>
+            </a:fontRef>
+          </p:style>
+        </p:cxnSp>
+        <p:grpSp>
+          <p:nvGrpSpPr>
+            <p:cNvPr id="183" name="Group 95"/>
+            <p:cNvGrpSpPr>
+              <a:grpSpLocks/>
+            </p:cNvGrpSpPr>
+            <p:nvPr/>
+          </p:nvGrpSpPr>
+          <p:grpSpPr bwMode="auto">
+            <a:xfrm rot="16200000">
+              <a:off x="2782156" y="3314241"/>
+              <a:ext cx="234868" cy="152400"/>
+              <a:chOff x="2971800" y="2438400"/>
+              <a:chExt cx="1219200" cy="304800"/>
+            </a:xfrm>
+          </p:grpSpPr>
+          <p:cxnSp>
+            <p:nvCxnSpPr>
+              <p:cNvPr id="184" name="Straight Connector 183"/>
+              <p:cNvCxnSpPr>
+                <a:cxnSpLocks/>
+              </p:cNvCxnSpPr>
+              <p:nvPr/>
+            </p:nvCxnSpPr>
+            <p:spPr>
+              <a:xfrm>
+                <a:off x="2971800" y="2590800"/>
+                <a:ext cx="150911" cy="3176"/>
+              </a:xfrm>
+              <a:prstGeom prst="line">
+                <a:avLst/>
+              </a:prstGeom>
+              <a:ln w="12700">
+                <a:solidFill>
+                  <a:schemeClr val="tx1"/>
+                </a:solidFill>
+              </a:ln>
+            </p:spPr>
+            <p:style>
+              <a:lnRef idx="1">
+                <a:schemeClr val="accent1"/>
+              </a:lnRef>
+              <a:fillRef idx="0">
+                <a:schemeClr val="accent1"/>
+              </a:fillRef>
+              <a:effectRef idx="0">
+                <a:schemeClr val="accent1"/>
+              </a:effectRef>
+              <a:fontRef idx="minor">
+                <a:schemeClr val="tx1"/>
+              </a:fontRef>
+            </p:style>
+          </p:cxnSp>
+          <p:cxnSp>
+            <p:nvCxnSpPr>
+              <p:cNvPr id="185" name="Straight Connector 184"/>
+              <p:cNvCxnSpPr>
+                <a:cxnSpLocks/>
+                <a:stCxn id="190" idx="2"/>
+              </p:cNvCxnSpPr>
+              <p:nvPr/>
+            </p:nvCxnSpPr>
+            <p:spPr>
+              <a:xfrm>
+                <a:off x="4040094" y="2590800"/>
+                <a:ext cx="150906" cy="3176"/>
+              </a:xfrm>
+              <a:prstGeom prst="line">
+                <a:avLst/>
+              </a:prstGeom>
+              <a:ln w="12700">
+                <a:solidFill>
+                  <a:schemeClr val="tx1"/>
+                </a:solidFill>
+              </a:ln>
+            </p:spPr>
+            <p:style>
+              <a:lnRef idx="1">
+                <a:schemeClr val="accent1"/>
+              </a:lnRef>
+              <a:fillRef idx="0">
+                <a:schemeClr val="accent1"/>
+              </a:fillRef>
+              <a:effectRef idx="0">
+                <a:schemeClr val="accent1"/>
+              </a:effectRef>
+              <a:fontRef idx="minor">
+                <a:schemeClr val="tx1"/>
+              </a:fontRef>
+            </p:style>
+          </p:cxnSp>
+          <p:grpSp>
+            <p:nvGrpSpPr>
+              <p:cNvPr id="186" name="Group 55"/>
+              <p:cNvGrpSpPr>
+                <a:grpSpLocks/>
+              </p:cNvGrpSpPr>
+              <p:nvPr/>
+            </p:nvGrpSpPr>
+            <p:grpSpPr bwMode="auto">
+              <a:xfrm>
+                <a:off x="3124200" y="2438400"/>
+                <a:ext cx="228600" cy="304800"/>
+                <a:chOff x="2971800" y="533400"/>
+                <a:chExt cx="228600" cy="304800"/>
+              </a:xfrm>
+            </p:grpSpPr>
+            <p:sp>
+              <p:nvSpPr>
+                <p:cNvPr id="196" name="Arc 195"/>
+                <p:cNvSpPr/>
+                <p:nvPr/>
+              </p:nvSpPr>
+              <p:spPr>
+                <a:xfrm>
+                  <a:off x="2970312" y="533400"/>
+                  <a:ext cx="230339" cy="304800"/>
+                </a:xfrm>
+                <a:prstGeom prst="arc">
+                  <a:avLst/>
+                </a:prstGeom>
+                <a:ln w="12700">
+                  <a:solidFill>
+                    <a:schemeClr val="tx1"/>
+                  </a:solidFill>
+                </a:ln>
+              </p:spPr>
+              <p:style>
+                <a:lnRef idx="1">
+                  <a:schemeClr val="accent1"/>
+                </a:lnRef>
+                <a:fillRef idx="0">
+                  <a:schemeClr val="accent1"/>
+                </a:fillRef>
+                <a:effectRef idx="0">
+                  <a:schemeClr val="accent1"/>
+                </a:effectRef>
+                <a:fontRef idx="minor">
+                  <a:schemeClr val="tx1"/>
+                </a:fontRef>
+              </p:style>
+              <p:txBody>
+                <a:bodyPr anchor="ctr"/>
+                <a:lstStyle/>
+                <a:p>
+                  <a:pPr algn="ctr">
+                    <a:defRPr/>
+                  </a:pPr>
+                  <a:endParaRPr lang="en-US"/>
+                </a:p>
+              </p:txBody>
+            </p:sp>
+            <p:sp>
+              <p:nvSpPr>
+                <p:cNvPr id="197" name="Arc 196"/>
+                <p:cNvSpPr/>
+                <p:nvPr/>
+              </p:nvSpPr>
+              <p:spPr>
+                <a:xfrm flipH="1">
+                  <a:off x="2970312" y="533400"/>
+                  <a:ext cx="230339" cy="304800"/>
+                </a:xfrm>
+                <a:prstGeom prst="arc">
+                  <a:avLst/>
+                </a:prstGeom>
+                <a:ln w="12700">
+                  <a:solidFill>
+                    <a:schemeClr val="tx1"/>
+                  </a:solidFill>
+                </a:ln>
+              </p:spPr>
+              <p:style>
+                <a:lnRef idx="1">
+                  <a:schemeClr val="accent1"/>
+                </a:lnRef>
+                <a:fillRef idx="0">
+                  <a:schemeClr val="accent1"/>
+                </a:fillRef>
+                <a:effectRef idx="0">
+                  <a:schemeClr val="accent1"/>
+                </a:effectRef>
+                <a:fontRef idx="minor">
+                  <a:schemeClr val="tx1"/>
+                </a:fontRef>
+              </p:style>
+              <p:txBody>
+                <a:bodyPr anchor="ctr"/>
+                <a:lstStyle/>
+                <a:p>
+                  <a:pPr algn="ctr">
+                    <a:defRPr/>
+                  </a:pPr>
+                  <a:endParaRPr lang="en-US"/>
+                </a:p>
+              </p:txBody>
+            </p:sp>
+          </p:grpSp>
+          <p:grpSp>
+            <p:nvGrpSpPr>
+              <p:cNvPr id="187" name="Group 56"/>
+              <p:cNvGrpSpPr>
+                <a:grpSpLocks/>
+              </p:cNvGrpSpPr>
+              <p:nvPr/>
+            </p:nvGrpSpPr>
+            <p:grpSpPr bwMode="auto">
+              <a:xfrm>
+                <a:off x="3352800" y="2438400"/>
+                <a:ext cx="228600" cy="304800"/>
+                <a:chOff x="2971800" y="533400"/>
+                <a:chExt cx="228600" cy="304800"/>
+              </a:xfrm>
+            </p:grpSpPr>
+            <p:sp>
+              <p:nvSpPr>
+                <p:cNvPr id="194" name="Arc 193"/>
+                <p:cNvSpPr/>
+                <p:nvPr/>
+              </p:nvSpPr>
+              <p:spPr>
+                <a:xfrm>
+                  <a:off x="2972048" y="533400"/>
+                  <a:ext cx="234309" cy="304800"/>
+                </a:xfrm>
+                <a:prstGeom prst="arc">
+                  <a:avLst/>
+                </a:prstGeom>
+                <a:ln w="12700">
+                  <a:solidFill>
+                    <a:schemeClr val="tx1"/>
+                  </a:solidFill>
+                </a:ln>
+              </p:spPr>
+              <p:style>
+                <a:lnRef idx="1">
+                  <a:schemeClr val="accent1"/>
+                </a:lnRef>
+                <a:fillRef idx="0">
+                  <a:schemeClr val="accent1"/>
+                </a:fillRef>
+                <a:effectRef idx="0">
+                  <a:schemeClr val="accent1"/>
+                </a:effectRef>
+                <a:fontRef idx="minor">
+                  <a:schemeClr val="tx1"/>
+                </a:fontRef>
+              </p:style>
+              <p:txBody>
+                <a:bodyPr anchor="ctr"/>
+                <a:lstStyle/>
+                <a:p>
+                  <a:pPr algn="ctr">
+                    <a:defRPr/>
+                  </a:pPr>
+                  <a:endParaRPr lang="en-US"/>
+                </a:p>
+              </p:txBody>
+            </p:sp>
+            <p:sp>
+              <p:nvSpPr>
+                <p:cNvPr id="195" name="Arc 194"/>
+                <p:cNvSpPr/>
+                <p:nvPr/>
+              </p:nvSpPr>
+              <p:spPr>
+                <a:xfrm flipH="1">
+                  <a:off x="2972048" y="533400"/>
+                  <a:ext cx="234309" cy="304800"/>
+                </a:xfrm>
+                <a:prstGeom prst="arc">
+                  <a:avLst/>
+                </a:prstGeom>
+                <a:ln w="12700">
+                  <a:solidFill>
+                    <a:schemeClr val="tx1"/>
+                  </a:solidFill>
+                </a:ln>
+              </p:spPr>
+              <p:style>
+                <a:lnRef idx="1">
+                  <a:schemeClr val="accent1"/>
+                </a:lnRef>
+                <a:fillRef idx="0">
+                  <a:schemeClr val="accent1"/>
+                </a:fillRef>
+                <a:effectRef idx="0">
+                  <a:schemeClr val="accent1"/>
+                </a:effectRef>
+                <a:fontRef idx="minor">
+                  <a:schemeClr val="tx1"/>
+                </a:fontRef>
+              </p:style>
+              <p:txBody>
+                <a:bodyPr anchor="ctr"/>
+                <a:lstStyle/>
+                <a:p>
+                  <a:pPr algn="ctr">
+                    <a:defRPr/>
+                  </a:pPr>
+                  <a:endParaRPr lang="en-US"/>
+                </a:p>
+              </p:txBody>
+            </p:sp>
+          </p:grpSp>
+          <p:grpSp>
+            <p:nvGrpSpPr>
+              <p:cNvPr id="188" name="Group 59"/>
+              <p:cNvGrpSpPr>
+                <a:grpSpLocks/>
+              </p:cNvGrpSpPr>
+              <p:nvPr/>
+            </p:nvGrpSpPr>
+            <p:grpSpPr bwMode="auto">
+              <a:xfrm>
+                <a:off x="3581400" y="2438400"/>
+                <a:ext cx="228600" cy="304800"/>
+                <a:chOff x="2971800" y="533400"/>
+                <a:chExt cx="228600" cy="304800"/>
+              </a:xfrm>
+            </p:grpSpPr>
+            <p:sp>
+              <p:nvSpPr>
+                <p:cNvPr id="192" name="Arc 191"/>
+                <p:cNvSpPr/>
+                <p:nvPr/>
+              </p:nvSpPr>
+              <p:spPr>
+                <a:xfrm>
+                  <a:off x="2973786" y="533400"/>
+                  <a:ext cx="226366" cy="304800"/>
+                </a:xfrm>
+                <a:prstGeom prst="arc">
+                  <a:avLst/>
+                </a:prstGeom>
+                <a:ln w="12700">
+                  <a:solidFill>
+                    <a:schemeClr val="tx1"/>
+                  </a:solidFill>
+                </a:ln>
+              </p:spPr>
+              <p:style>
+                <a:lnRef idx="1">
+                  <a:schemeClr val="accent1"/>
+                </a:lnRef>
+                <a:fillRef idx="0">
+                  <a:schemeClr val="accent1"/>
+                </a:fillRef>
+                <a:effectRef idx="0">
+                  <a:schemeClr val="accent1"/>
+                </a:effectRef>
+                <a:fontRef idx="minor">
+                  <a:schemeClr val="tx1"/>
+                </a:fontRef>
+              </p:style>
+              <p:txBody>
+                <a:bodyPr anchor="ctr"/>
+                <a:lstStyle/>
+                <a:p>
+                  <a:pPr algn="ctr">
+                    <a:defRPr/>
+                  </a:pPr>
+                  <a:endParaRPr lang="en-US"/>
+                </a:p>
+              </p:txBody>
+            </p:sp>
+            <p:sp>
+              <p:nvSpPr>
+                <p:cNvPr id="193" name="Arc 192"/>
+                <p:cNvSpPr/>
+                <p:nvPr/>
+              </p:nvSpPr>
+              <p:spPr>
+                <a:xfrm flipH="1">
+                  <a:off x="2973786" y="533400"/>
+                  <a:ext cx="226366" cy="304800"/>
+                </a:xfrm>
+                <a:prstGeom prst="arc">
+                  <a:avLst/>
+                </a:prstGeom>
+                <a:ln w="12700">
+                  <a:solidFill>
+                    <a:schemeClr val="tx1"/>
+                  </a:solidFill>
+                </a:ln>
+              </p:spPr>
+              <p:style>
+                <a:lnRef idx="1">
+                  <a:schemeClr val="accent1"/>
+                </a:lnRef>
+                <a:fillRef idx="0">
+                  <a:schemeClr val="accent1"/>
+                </a:fillRef>
+                <a:effectRef idx="0">
+                  <a:schemeClr val="accent1"/>
+                </a:effectRef>
+                <a:fontRef idx="minor">
+                  <a:schemeClr val="tx1"/>
+                </a:fontRef>
+              </p:style>
+              <p:txBody>
+                <a:bodyPr anchor="ctr"/>
+                <a:lstStyle/>
+                <a:p>
+                  <a:pPr algn="ctr">
+                    <a:defRPr/>
+                  </a:pPr>
+                  <a:endParaRPr lang="en-US"/>
+                </a:p>
+              </p:txBody>
+            </p:sp>
+          </p:grpSp>
+          <p:grpSp>
+            <p:nvGrpSpPr>
+              <p:cNvPr id="189" name="Group 59"/>
+              <p:cNvGrpSpPr>
+                <a:grpSpLocks/>
+              </p:cNvGrpSpPr>
+              <p:nvPr/>
+            </p:nvGrpSpPr>
+            <p:grpSpPr bwMode="auto">
+              <a:xfrm>
+                <a:off x="3810000" y="2438400"/>
+                <a:ext cx="228600" cy="304800"/>
+                <a:chOff x="2971800" y="533400"/>
+                <a:chExt cx="228600" cy="304800"/>
+              </a:xfrm>
+            </p:grpSpPr>
+            <p:sp>
+              <p:nvSpPr>
+                <p:cNvPr id="190" name="Arc 189"/>
+                <p:cNvSpPr/>
+                <p:nvPr/>
+              </p:nvSpPr>
+              <p:spPr>
+                <a:xfrm>
+                  <a:off x="2971552" y="533400"/>
+                  <a:ext cx="230339" cy="304800"/>
+                </a:xfrm>
+                <a:prstGeom prst="arc">
+                  <a:avLst/>
+                </a:prstGeom>
+                <a:ln w="12700">
+                  <a:solidFill>
+                    <a:schemeClr val="tx1"/>
+                  </a:solidFill>
+                </a:ln>
+              </p:spPr>
+              <p:style>
+                <a:lnRef idx="1">
+                  <a:schemeClr val="accent1"/>
+                </a:lnRef>
+                <a:fillRef idx="0">
+                  <a:schemeClr val="accent1"/>
+                </a:fillRef>
+                <a:effectRef idx="0">
+                  <a:schemeClr val="accent1"/>
+                </a:effectRef>
+                <a:fontRef idx="minor">
+                  <a:schemeClr val="tx1"/>
+                </a:fontRef>
+              </p:style>
+              <p:txBody>
+                <a:bodyPr anchor="ctr"/>
+                <a:lstStyle/>
+                <a:p>
+                  <a:pPr algn="ctr">
+                    <a:defRPr/>
+                  </a:pPr>
+                  <a:endParaRPr lang="en-US"/>
+                </a:p>
+              </p:txBody>
+            </p:sp>
+            <p:sp>
+              <p:nvSpPr>
+                <p:cNvPr id="191" name="Arc 190"/>
+                <p:cNvSpPr/>
+                <p:nvPr/>
+              </p:nvSpPr>
+              <p:spPr>
+                <a:xfrm flipH="1">
+                  <a:off x="2971552" y="533400"/>
+                  <a:ext cx="230339" cy="304800"/>
+                </a:xfrm>
+                <a:prstGeom prst="arc">
+                  <a:avLst/>
+                </a:prstGeom>
+                <a:ln w="12700">
+                  <a:solidFill>
+                    <a:schemeClr val="tx1"/>
+                  </a:solidFill>
+                </a:ln>
+              </p:spPr>
+              <p:style>
+                <a:lnRef idx="1">
+                  <a:schemeClr val="accent1"/>
+                </a:lnRef>
+                <a:fillRef idx="0">
+                  <a:schemeClr val="accent1"/>
+                </a:fillRef>
+                <a:effectRef idx="0">
+                  <a:schemeClr val="accent1"/>
+                </a:effectRef>
+                <a:fontRef idx="minor">
+                  <a:schemeClr val="tx1"/>
+                </a:fontRef>
+              </p:style>
+              <p:txBody>
+                <a:bodyPr anchor="ctr"/>
+                <a:lstStyle/>
+                <a:p>
+                  <a:pPr algn="ctr">
+                    <a:defRPr/>
+                  </a:pPr>
+                  <a:endParaRPr lang="en-US"/>
+                </a:p>
+              </p:txBody>
+            </p:sp>
+          </p:grpSp>
+        </p:grpSp>
+        <p:cxnSp>
+          <p:nvCxnSpPr>
+            <p:cNvPr id="200" name="Straight Connector 199"/>
+            <p:cNvCxnSpPr>
+              <a:cxnSpLocks/>
+            </p:cNvCxnSpPr>
+            <p:nvPr/>
+          </p:nvCxnSpPr>
+          <p:spPr>
+            <a:xfrm flipV="1">
+              <a:off x="2899589" y="3159788"/>
+              <a:ext cx="0" cy="113219"/>
+            </a:xfrm>
+            <a:prstGeom prst="line">
+              <a:avLst/>
+            </a:prstGeom>
+            <a:ln w="12700">
+              <a:solidFill>
+                <a:schemeClr val="tx1"/>
+              </a:solidFill>
+            </a:ln>
+          </p:spPr>
+          <p:style>
+            <a:lnRef idx="1">
+              <a:schemeClr val="accent1"/>
+            </a:lnRef>
+            <a:fillRef idx="0">
+              <a:schemeClr val="accent1"/>
+            </a:fillRef>
+            <a:effectRef idx="0">
+              <a:schemeClr val="accent1"/>
+            </a:effectRef>
+            <a:fontRef idx="minor">
+              <a:schemeClr val="tx1"/>
+            </a:fontRef>
+          </p:style>
+        </p:cxnSp>
+        <p:cxnSp>
+          <p:nvCxnSpPr>
+            <p:cNvPr id="204" name="Straight Connector 203"/>
+            <p:cNvCxnSpPr>
+              <a:cxnSpLocks/>
+            </p:cNvCxnSpPr>
+            <p:nvPr/>
+          </p:nvCxnSpPr>
+          <p:spPr>
+            <a:xfrm>
+              <a:off x="2899589" y="3159788"/>
+              <a:ext cx="199924" cy="0"/>
+            </a:xfrm>
+            <a:prstGeom prst="line">
+              <a:avLst/>
+            </a:prstGeom>
+            <a:ln w="12700">
+              <a:solidFill>
+                <a:schemeClr val="tx1"/>
+              </a:solidFill>
+            </a:ln>
+          </p:spPr>
+          <p:style>
+            <a:lnRef idx="1">
+              <a:schemeClr val="accent1"/>
+            </a:lnRef>
+            <a:fillRef idx="0">
+              <a:schemeClr val="accent1"/>
+            </a:fillRef>
+            <a:effectRef idx="0">
+              <a:schemeClr val="accent1"/>
+            </a:effectRef>
+            <a:fontRef idx="minor">
+              <a:schemeClr val="tx1"/>
+            </a:fontRef>
+          </p:style>
+        </p:cxnSp>
+        <p:cxnSp>
+          <p:nvCxnSpPr>
+            <p:cNvPr id="207" name="Straight Connector 206"/>
+            <p:cNvCxnSpPr>
+              <a:cxnSpLocks/>
+            </p:cNvCxnSpPr>
+            <p:nvPr/>
+          </p:nvCxnSpPr>
+          <p:spPr>
+            <a:xfrm flipV="1">
+              <a:off x="3099513" y="3035578"/>
+              <a:ext cx="0" cy="124210"/>
+            </a:xfrm>
+            <a:prstGeom prst="line">
+              <a:avLst/>
+            </a:prstGeom>
+            <a:ln w="12700">
+              <a:solidFill>
+                <a:schemeClr val="tx1"/>
+              </a:solidFill>
+            </a:ln>
+          </p:spPr>
+          <p:style>
+            <a:lnRef idx="1">
+              <a:schemeClr val="accent1"/>
+            </a:lnRef>
+            <a:fillRef idx="0">
+              <a:schemeClr val="accent1"/>
+            </a:fillRef>
+            <a:effectRef idx="0">
+              <a:schemeClr val="accent1"/>
+            </a:effectRef>
+            <a:fontRef idx="minor">
+              <a:schemeClr val="tx1"/>
+            </a:fontRef>
+          </p:style>
+        </p:cxnSp>
+        <p:cxnSp>
+          <p:nvCxnSpPr>
+            <p:cNvPr id="210" name="Straight Connector 209"/>
+            <p:cNvCxnSpPr>
+              <a:cxnSpLocks/>
+            </p:cNvCxnSpPr>
+            <p:nvPr/>
+          </p:nvCxnSpPr>
+          <p:spPr>
+            <a:xfrm flipH="1">
+              <a:off x="3099513" y="3040408"/>
+              <a:ext cx="109728" cy="1"/>
+            </a:xfrm>
+            <a:prstGeom prst="line">
+              <a:avLst/>
+            </a:prstGeom>
+            <a:ln w="12700">
+              <a:solidFill>
+                <a:schemeClr val="tx1"/>
+              </a:solidFill>
+            </a:ln>
+          </p:spPr>
+          <p:style>
+            <a:lnRef idx="1">
+              <a:schemeClr val="accent1"/>
+            </a:lnRef>
+            <a:fillRef idx="0">
+              <a:schemeClr val="accent1"/>
+            </a:fillRef>
+            <a:effectRef idx="0">
+              <a:schemeClr val="accent1"/>
+            </a:effectRef>
+            <a:fontRef idx="minor">
+              <a:schemeClr val="tx1"/>
+            </a:fontRef>
+          </p:style>
+        </p:cxnSp>
+        <p:sp>
+          <p:nvSpPr>
+            <p:cNvPr id="214" name="TextBox 213"/>
+            <p:cNvSpPr txBox="1"/>
+            <p:nvPr/>
+          </p:nvSpPr>
+          <p:spPr>
+            <a:xfrm>
+              <a:off x="3135107" y="2958150"/>
+              <a:ext cx="395386" cy="169277"/>
+            </a:xfrm>
+            <a:prstGeom prst="rect">
+              <a:avLst/>
+            </a:prstGeom>
+            <a:noFill/>
+          </p:spPr>
+          <p:txBody>
+            <a:bodyPr wrap="square" rtlCol="0">
+              <a:spAutoFit/>
+            </a:bodyPr>
+            <a:lstStyle/>
+            <a:p>
+              <a:r>
+                <a:rPr lang="en-US" sz="500" dirty="0"/>
+                <a:t>S3 Veto </a:t>
+              </a:r>
+            </a:p>
+          </p:txBody>
+        </p:sp>
+        <p:grpSp>
+          <p:nvGrpSpPr>
+            <p:cNvPr id="333" name="Group 332"/>
+            <p:cNvGrpSpPr/>
+            <p:nvPr/>
+          </p:nvGrpSpPr>
+          <p:grpSpPr>
+            <a:xfrm>
+              <a:off x="3212231" y="2820359"/>
+              <a:ext cx="625214" cy="273050"/>
+              <a:chOff x="2508523" y="6588643"/>
+              <a:chExt cx="625214" cy="273050"/>
+            </a:xfrm>
+          </p:grpSpPr>
+          <p:sp>
+            <p:nvSpPr>
+              <p:cNvPr id="40" name="Flowchart: Delay 39"/>
+              <p:cNvSpPr/>
+              <p:nvPr/>
+            </p:nvSpPr>
+            <p:spPr>
+              <a:xfrm>
+                <a:off x="2508523" y="6588643"/>
+                <a:ext cx="529930" cy="273050"/>
+              </a:xfrm>
+              <a:prstGeom prst="flowChartDelay">
+                <a:avLst/>
+              </a:prstGeom>
+              <a:noFill/>
+              <a:ln>
+                <a:solidFill>
+                  <a:schemeClr val="tx1"/>
+                </a:solidFill>
+              </a:ln>
+            </p:spPr>
+            <p:style>
+              <a:lnRef idx="2">
+                <a:schemeClr val="accent1">
+                  <a:shade val="50000"/>
+                </a:schemeClr>
+              </a:lnRef>
+              <a:fillRef idx="1">
+                <a:schemeClr val="accent1"/>
+              </a:fillRef>
+              <a:effectRef idx="0">
+                <a:schemeClr val="accent1"/>
+              </a:effectRef>
+              <a:fontRef idx="minor">
+                <a:schemeClr val="lt1"/>
+              </a:fontRef>
+            </p:style>
+            <p:txBody>
+              <a:bodyPr rtlCol="0" anchor="ctr"/>
+              <a:lstStyle/>
+              <a:p>
+                <a:pPr algn="ctr"/>
+                <a:endParaRPr lang="en-US"/>
+              </a:p>
+            </p:txBody>
+          </p:sp>
+          <p:sp>
+            <p:nvSpPr>
+              <p:cNvPr id="215" name="TextBox 214"/>
+              <p:cNvSpPr txBox="1"/>
+              <p:nvPr/>
+            </p:nvSpPr>
+            <p:spPr>
+              <a:xfrm>
+                <a:off x="2709760" y="6605183"/>
+                <a:ext cx="423977" cy="246221"/>
+              </a:xfrm>
+              <a:prstGeom prst="rect">
+                <a:avLst/>
+              </a:prstGeom>
+              <a:noFill/>
+            </p:spPr>
+            <p:txBody>
+              <a:bodyPr wrap="square" rtlCol="0">
+                <a:spAutoFit/>
+              </a:bodyPr>
+              <a:lstStyle/>
+              <a:p>
+                <a:r>
+                  <a:rPr lang="en-US" sz="500" dirty="0"/>
+                  <a:t>AND Gate</a:t>
+                </a:r>
+              </a:p>
+            </p:txBody>
+          </p:sp>
+        </p:grpSp>
+        <p:cxnSp>
+          <p:nvCxnSpPr>
+            <p:cNvPr id="232" name="Straight Connector 231"/>
+            <p:cNvCxnSpPr>
+              <a:cxnSpLocks/>
+            </p:cNvCxnSpPr>
+            <p:nvPr/>
+          </p:nvCxnSpPr>
+          <p:spPr>
+            <a:xfrm>
+              <a:off x="2654484" y="2836899"/>
+              <a:ext cx="34680" cy="0"/>
+            </a:xfrm>
+            <a:prstGeom prst="line">
+              <a:avLst/>
+            </a:prstGeom>
+            <a:ln w="12700">
+              <a:solidFill>
+                <a:schemeClr val="tx1"/>
+              </a:solidFill>
+            </a:ln>
+          </p:spPr>
+          <p:style>
+            <a:lnRef idx="1">
+              <a:schemeClr val="accent1"/>
+            </a:lnRef>
+            <a:fillRef idx="0">
+              <a:schemeClr val="accent1"/>
+            </a:fillRef>
+            <a:effectRef idx="0">
+              <a:schemeClr val="accent1"/>
+            </a:effectRef>
+            <a:fontRef idx="minor">
+              <a:schemeClr val="tx1"/>
+            </a:fontRef>
+          </p:style>
+        </p:cxnSp>
+        <p:grpSp>
+          <p:nvGrpSpPr>
+            <p:cNvPr id="251" name="Group 250"/>
+            <p:cNvGrpSpPr/>
+            <p:nvPr/>
+          </p:nvGrpSpPr>
+          <p:grpSpPr>
+            <a:xfrm rot="5400000">
+              <a:off x="2584719" y="3074653"/>
+              <a:ext cx="254610" cy="45719"/>
+              <a:chOff x="4000500" y="5800725"/>
+              <a:chExt cx="254610" cy="75320"/>
+            </a:xfrm>
+          </p:grpSpPr>
+          <p:cxnSp>
+            <p:nvCxnSpPr>
+              <p:cNvPr id="231" name="Straight Connector 230"/>
+              <p:cNvCxnSpPr>
+                <a:cxnSpLocks/>
+              </p:cNvCxnSpPr>
+              <p:nvPr/>
+            </p:nvCxnSpPr>
+            <p:spPr>
+              <a:xfrm flipH="1">
+                <a:off x="4000500" y="5876042"/>
+                <a:ext cx="66676" cy="0"/>
+              </a:xfrm>
+              <a:prstGeom prst="line">
+                <a:avLst/>
+              </a:prstGeom>
+              <a:ln w="12700">
+                <a:solidFill>
+                  <a:schemeClr val="tx1"/>
+                </a:solidFill>
+              </a:ln>
+            </p:spPr>
+            <p:style>
+              <a:lnRef idx="1">
+                <a:schemeClr val="accent1"/>
+              </a:lnRef>
+              <a:fillRef idx="0">
+                <a:schemeClr val="accent1"/>
+              </a:fillRef>
+              <a:effectRef idx="0">
+                <a:schemeClr val="accent1"/>
+              </a:effectRef>
+              <a:fontRef idx="minor">
+                <a:schemeClr val="tx1"/>
+              </a:fontRef>
+            </p:style>
+          </p:cxnSp>
+          <p:cxnSp>
+            <p:nvCxnSpPr>
+              <p:cNvPr id="239" name="Straight Connector 238"/>
+              <p:cNvCxnSpPr>
+                <a:cxnSpLocks/>
+              </p:cNvCxnSpPr>
+              <p:nvPr/>
+            </p:nvCxnSpPr>
+            <p:spPr>
+              <a:xfrm>
+                <a:off x="4067176" y="5800725"/>
+                <a:ext cx="0" cy="75317"/>
+              </a:xfrm>
+              <a:prstGeom prst="line">
+                <a:avLst/>
+              </a:prstGeom>
+              <a:ln w="12700">
+                <a:solidFill>
+                  <a:schemeClr val="tx1"/>
+                </a:solidFill>
+              </a:ln>
+            </p:spPr>
+            <p:style>
+              <a:lnRef idx="1">
+                <a:schemeClr val="accent1"/>
+              </a:lnRef>
+              <a:fillRef idx="0">
+                <a:schemeClr val="accent1"/>
+              </a:fillRef>
+              <a:effectRef idx="0">
+                <a:schemeClr val="accent1"/>
+              </a:effectRef>
+              <a:fontRef idx="minor">
+                <a:schemeClr val="tx1"/>
+              </a:fontRef>
+            </p:style>
+          </p:cxnSp>
+          <p:cxnSp>
+            <p:nvCxnSpPr>
+              <p:cNvPr id="243" name="Straight Connector 242"/>
+              <p:cNvCxnSpPr>
+                <a:cxnSpLocks/>
+              </p:cNvCxnSpPr>
+              <p:nvPr/>
+            </p:nvCxnSpPr>
+            <p:spPr>
+              <a:xfrm flipH="1">
+                <a:off x="4067175" y="5800725"/>
+                <a:ext cx="69056" cy="0"/>
+              </a:xfrm>
+              <a:prstGeom prst="line">
+                <a:avLst/>
+              </a:prstGeom>
+              <a:ln w="12700">
+                <a:solidFill>
+                  <a:schemeClr val="tx1"/>
+                </a:solidFill>
+              </a:ln>
+            </p:spPr>
+            <p:style>
+              <a:lnRef idx="1">
+                <a:schemeClr val="accent1"/>
+              </a:lnRef>
+              <a:fillRef idx="0">
+                <a:schemeClr val="accent1"/>
+              </a:fillRef>
+              <a:effectRef idx="0">
+                <a:schemeClr val="accent1"/>
+              </a:effectRef>
+              <a:fontRef idx="minor">
+                <a:schemeClr val="tx1"/>
+              </a:fontRef>
+            </p:style>
+          </p:cxnSp>
+          <p:cxnSp>
+            <p:nvCxnSpPr>
+              <p:cNvPr id="245" name="Straight Connector 244"/>
+              <p:cNvCxnSpPr>
+                <a:cxnSpLocks/>
+              </p:cNvCxnSpPr>
+              <p:nvPr/>
+            </p:nvCxnSpPr>
+            <p:spPr>
+              <a:xfrm flipV="1">
+                <a:off x="4136231" y="5800725"/>
+                <a:ext cx="0" cy="75317"/>
+              </a:xfrm>
+              <a:prstGeom prst="line">
+                <a:avLst/>
+              </a:prstGeom>
+              <a:ln w="12700">
+                <a:solidFill>
+                  <a:schemeClr val="tx1"/>
+                </a:solidFill>
+              </a:ln>
+            </p:spPr>
+            <p:style>
+              <a:lnRef idx="1">
+                <a:schemeClr val="accent1"/>
+              </a:lnRef>
+              <a:fillRef idx="0">
+                <a:schemeClr val="accent1"/>
+              </a:fillRef>
+              <a:effectRef idx="0">
+                <a:schemeClr val="accent1"/>
+              </a:effectRef>
+              <a:fontRef idx="minor">
+                <a:schemeClr val="tx1"/>
+              </a:fontRef>
+            </p:style>
+          </p:cxnSp>
+          <p:cxnSp>
+            <p:nvCxnSpPr>
+              <p:cNvPr id="247" name="Straight Connector 246"/>
+              <p:cNvCxnSpPr>
+                <a:cxnSpLocks/>
+              </p:cNvCxnSpPr>
+              <p:nvPr/>
+            </p:nvCxnSpPr>
+            <p:spPr>
+              <a:xfrm rot="16200000" flipV="1">
+                <a:off x="4195674" y="5816609"/>
+                <a:ext cx="0" cy="118872"/>
+              </a:xfrm>
+              <a:prstGeom prst="line">
+                <a:avLst/>
+              </a:prstGeom>
+              <a:ln w="12700">
+                <a:solidFill>
+                  <a:schemeClr val="tx1"/>
+                </a:solidFill>
+              </a:ln>
+            </p:spPr>
+            <p:style>
+              <a:lnRef idx="1">
+                <a:schemeClr val="accent1"/>
+              </a:lnRef>
+              <a:fillRef idx="0">
+                <a:schemeClr val="accent1"/>
+              </a:fillRef>
+              <a:effectRef idx="0">
+                <a:schemeClr val="accent1"/>
+              </a:effectRef>
+              <a:fontRef idx="minor">
+                <a:schemeClr val="tx1"/>
+              </a:fontRef>
+            </p:style>
+          </p:cxnSp>
+        </p:grpSp>
+        <p:cxnSp>
+          <p:nvCxnSpPr>
+            <p:cNvPr id="253" name="Straight Connector 252"/>
+            <p:cNvCxnSpPr>
+              <a:cxnSpLocks/>
+            </p:cNvCxnSpPr>
+            <p:nvPr/>
+          </p:nvCxnSpPr>
+          <p:spPr>
+            <a:xfrm>
+              <a:off x="2689164" y="2836896"/>
+              <a:ext cx="0" cy="137444"/>
+            </a:xfrm>
+            <a:prstGeom prst="line">
+              <a:avLst/>
+            </a:prstGeom>
+            <a:ln w="12700">
+              <a:solidFill>
+                <a:schemeClr val="tx1"/>
+              </a:solidFill>
+            </a:ln>
+          </p:spPr>
+          <p:style>
+            <a:lnRef idx="1">
+              <a:schemeClr val="accent1"/>
+            </a:lnRef>
+            <a:fillRef idx="0">
+              <a:schemeClr val="accent1"/>
+            </a:fillRef>
+            <a:effectRef idx="0">
+              <a:schemeClr val="accent1"/>
+            </a:effectRef>
+            <a:fontRef idx="minor">
+              <a:schemeClr val="tx1"/>
+            </a:fontRef>
+          </p:style>
+        </p:cxnSp>
+        <p:cxnSp>
+          <p:nvCxnSpPr>
+            <p:cNvPr id="256" name="Straight Connector 255"/>
+            <p:cNvCxnSpPr>
+              <a:cxnSpLocks/>
+            </p:cNvCxnSpPr>
+            <p:nvPr/>
+          </p:nvCxnSpPr>
+          <p:spPr>
+            <a:xfrm flipV="1">
+              <a:off x="2654484" y="3726032"/>
+              <a:ext cx="475294" cy="1817"/>
+            </a:xfrm>
+            <a:prstGeom prst="line">
+              <a:avLst/>
+            </a:prstGeom>
+            <a:ln w="12700">
+              <a:solidFill>
+                <a:schemeClr val="tx1"/>
+              </a:solidFill>
+            </a:ln>
+          </p:spPr>
+          <p:style>
+            <a:lnRef idx="1">
+              <a:schemeClr val="accent1"/>
+            </a:lnRef>
+            <a:fillRef idx="0">
+              <a:schemeClr val="accent1"/>
+            </a:fillRef>
+            <a:effectRef idx="0">
+              <a:schemeClr val="accent1"/>
+            </a:effectRef>
+            <a:fontRef idx="minor">
+              <a:schemeClr val="tx1"/>
+            </a:fontRef>
+          </p:style>
+        </p:cxnSp>
+        <p:cxnSp>
+          <p:nvCxnSpPr>
+            <p:cNvPr id="257" name="Straight Connector 256"/>
+            <p:cNvCxnSpPr>
+              <a:cxnSpLocks/>
+              <a:endCxn id="215" idx="3"/>
+            </p:cNvCxnSpPr>
+            <p:nvPr/>
+          </p:nvCxnSpPr>
+          <p:spPr>
+            <a:xfrm flipV="1">
+              <a:off x="3742161" y="2960010"/>
+              <a:ext cx="95284" cy="786"/>
+            </a:xfrm>
+            <a:prstGeom prst="line">
+              <a:avLst/>
+            </a:prstGeom>
+            <a:ln w="12700">
+              <a:solidFill>
+                <a:schemeClr val="tx1"/>
+              </a:solidFill>
+            </a:ln>
+          </p:spPr>
+          <p:style>
+            <a:lnRef idx="1">
+              <a:schemeClr val="accent1"/>
+            </a:lnRef>
+            <a:fillRef idx="0">
+              <a:schemeClr val="accent1"/>
+            </a:fillRef>
+            <a:effectRef idx="0">
+              <a:schemeClr val="accent1"/>
+            </a:effectRef>
+            <a:fontRef idx="minor">
+              <a:schemeClr val="tx1"/>
+            </a:fontRef>
+          </p:style>
+        </p:cxnSp>
+        <p:cxnSp>
+          <p:nvCxnSpPr>
+            <p:cNvPr id="258" name="Straight Connector 257"/>
+            <p:cNvCxnSpPr>
+              <a:cxnSpLocks/>
+            </p:cNvCxnSpPr>
+            <p:nvPr/>
+          </p:nvCxnSpPr>
+          <p:spPr>
+            <a:xfrm flipH="1" flipV="1">
+              <a:off x="3833338" y="3300400"/>
+              <a:ext cx="1" cy="108915"/>
+            </a:xfrm>
+            <a:prstGeom prst="line">
+              <a:avLst/>
+            </a:prstGeom>
+            <a:ln w="12700">
+              <a:solidFill>
+                <a:schemeClr val="tx1"/>
+              </a:solidFill>
+            </a:ln>
+          </p:spPr>
+          <p:style>
+            <a:lnRef idx="1">
+              <a:schemeClr val="accent1"/>
+            </a:lnRef>
+            <a:fillRef idx="0">
+              <a:schemeClr val="accent1"/>
+            </a:fillRef>
+            <a:effectRef idx="0">
+              <a:schemeClr val="accent1"/>
+            </a:effectRef>
+            <a:fontRef idx="minor">
+              <a:schemeClr val="tx1"/>
+            </a:fontRef>
+          </p:style>
+        </p:cxnSp>
+        <p:grpSp>
+          <p:nvGrpSpPr>
+            <p:cNvPr id="262" name="Group 261"/>
+            <p:cNvGrpSpPr/>
+            <p:nvPr/>
+          </p:nvGrpSpPr>
+          <p:grpSpPr>
+            <a:xfrm>
+              <a:off x="2688301" y="3178659"/>
+              <a:ext cx="479212" cy="45719"/>
+              <a:chOff x="3895296" y="5800725"/>
+              <a:chExt cx="479212" cy="75318"/>
+            </a:xfrm>
+          </p:grpSpPr>
+          <p:cxnSp>
+            <p:nvCxnSpPr>
+              <p:cNvPr id="263" name="Straight Connector 262"/>
+              <p:cNvCxnSpPr>
+                <a:cxnSpLocks/>
+              </p:cNvCxnSpPr>
+              <p:nvPr/>
+            </p:nvCxnSpPr>
+            <p:spPr>
+              <a:xfrm flipH="1" flipV="1">
+                <a:off x="3895296" y="5874572"/>
+                <a:ext cx="173736" cy="1470"/>
+              </a:xfrm>
+              <a:prstGeom prst="line">
+                <a:avLst/>
+              </a:prstGeom>
+              <a:ln w="12700">
+                <a:solidFill>
+                  <a:schemeClr val="tx1"/>
+                </a:solidFill>
+              </a:ln>
+            </p:spPr>
+            <p:style>
+              <a:lnRef idx="1">
+                <a:schemeClr val="accent1"/>
+              </a:lnRef>
+              <a:fillRef idx="0">
+                <a:schemeClr val="accent1"/>
+              </a:fillRef>
+              <a:effectRef idx="0">
+                <a:schemeClr val="accent1"/>
+              </a:effectRef>
+              <a:fontRef idx="minor">
+                <a:schemeClr val="tx1"/>
+              </a:fontRef>
+            </p:style>
+          </p:cxnSp>
+          <p:cxnSp>
+            <p:nvCxnSpPr>
+              <p:cNvPr id="264" name="Straight Connector 263"/>
+              <p:cNvCxnSpPr>
+                <a:cxnSpLocks/>
+              </p:cNvCxnSpPr>
+              <p:nvPr/>
+            </p:nvCxnSpPr>
+            <p:spPr>
+              <a:xfrm>
+                <a:off x="4067176" y="5800725"/>
+                <a:ext cx="0" cy="75317"/>
+              </a:xfrm>
+              <a:prstGeom prst="line">
+                <a:avLst/>
+              </a:prstGeom>
+              <a:ln w="12700">
+                <a:solidFill>
+                  <a:schemeClr val="tx1"/>
+                </a:solidFill>
+              </a:ln>
+            </p:spPr>
+            <p:style>
+              <a:lnRef idx="1">
+                <a:schemeClr val="accent1"/>
+              </a:lnRef>
+              <a:fillRef idx="0">
+                <a:schemeClr val="accent1"/>
+              </a:fillRef>
+              <a:effectRef idx="0">
+                <a:schemeClr val="accent1"/>
+              </a:effectRef>
+              <a:fontRef idx="minor">
+                <a:schemeClr val="tx1"/>
+              </a:fontRef>
+            </p:style>
+          </p:cxnSp>
+          <p:cxnSp>
+            <p:nvCxnSpPr>
+              <p:cNvPr id="265" name="Straight Connector 264"/>
+              <p:cNvCxnSpPr>
+                <a:cxnSpLocks/>
+              </p:cNvCxnSpPr>
+              <p:nvPr/>
+            </p:nvCxnSpPr>
+            <p:spPr>
+              <a:xfrm flipH="1">
+                <a:off x="4067175" y="5800725"/>
+                <a:ext cx="69056" cy="0"/>
+              </a:xfrm>
+              <a:prstGeom prst="line">
+                <a:avLst/>
+              </a:prstGeom>
+              <a:ln w="12700">
+                <a:solidFill>
+                  <a:schemeClr val="tx1"/>
+                </a:solidFill>
+              </a:ln>
+            </p:spPr>
+            <p:style>
+              <a:lnRef idx="1">
+                <a:schemeClr val="accent1"/>
+              </a:lnRef>
+              <a:fillRef idx="0">
+                <a:schemeClr val="accent1"/>
+              </a:fillRef>
+              <a:effectRef idx="0">
+                <a:schemeClr val="accent1"/>
+              </a:effectRef>
+              <a:fontRef idx="minor">
+                <a:schemeClr val="tx1"/>
+              </a:fontRef>
+            </p:style>
+          </p:cxnSp>
+          <p:cxnSp>
+            <p:nvCxnSpPr>
+              <p:cNvPr id="266" name="Straight Connector 265"/>
+              <p:cNvCxnSpPr>
+                <a:cxnSpLocks/>
+              </p:cNvCxnSpPr>
+              <p:nvPr/>
+            </p:nvCxnSpPr>
+            <p:spPr>
+              <a:xfrm flipV="1">
+                <a:off x="4136231" y="5800725"/>
+                <a:ext cx="0" cy="75317"/>
+              </a:xfrm>
+              <a:prstGeom prst="line">
+                <a:avLst/>
+              </a:prstGeom>
+              <a:ln w="12700">
+                <a:solidFill>
+                  <a:schemeClr val="tx1"/>
+                </a:solidFill>
+              </a:ln>
+            </p:spPr>
+            <p:style>
+              <a:lnRef idx="1">
+                <a:schemeClr val="accent1"/>
+              </a:lnRef>
+              <a:fillRef idx="0">
+                <a:schemeClr val="accent1"/>
+              </a:fillRef>
+              <a:effectRef idx="0">
+                <a:schemeClr val="accent1"/>
+              </a:effectRef>
+              <a:fontRef idx="minor">
+                <a:schemeClr val="tx1"/>
+              </a:fontRef>
+            </p:style>
+          </p:cxnSp>
+          <p:cxnSp>
+            <p:nvCxnSpPr>
+              <p:cNvPr id="267" name="Straight Connector 266"/>
+              <p:cNvCxnSpPr>
+                <a:cxnSpLocks/>
+              </p:cNvCxnSpPr>
+              <p:nvPr/>
+            </p:nvCxnSpPr>
+            <p:spPr>
+              <a:xfrm flipH="1">
+                <a:off x="4136232" y="5874572"/>
+                <a:ext cx="238276" cy="1471"/>
+              </a:xfrm>
+              <a:prstGeom prst="line">
+                <a:avLst/>
+              </a:prstGeom>
+              <a:ln w="12700">
+                <a:solidFill>
+                  <a:schemeClr val="tx1"/>
+                </a:solidFill>
+              </a:ln>
+            </p:spPr>
+            <p:style>
+              <a:lnRef idx="1">
+                <a:schemeClr val="accent1"/>
+              </a:lnRef>
+              <a:fillRef idx="0">
+                <a:schemeClr val="accent1"/>
+              </a:fillRef>
+              <a:effectRef idx="0">
+                <a:schemeClr val="accent1"/>
+              </a:effectRef>
+              <a:fontRef idx="minor">
+                <a:schemeClr val="tx1"/>
+              </a:fontRef>
+            </p:style>
+          </p:cxnSp>
+        </p:grpSp>
+        <p:grpSp>
+          <p:nvGrpSpPr>
+            <p:cNvPr id="285" name="Group 284"/>
+            <p:cNvGrpSpPr/>
+            <p:nvPr/>
+          </p:nvGrpSpPr>
+          <p:grpSpPr>
+            <a:xfrm>
+              <a:off x="2658085" y="3241405"/>
+              <a:ext cx="471693" cy="60170"/>
+              <a:chOff x="3895296" y="5800725"/>
+              <a:chExt cx="401913" cy="75318"/>
+            </a:xfrm>
+          </p:grpSpPr>
+          <p:cxnSp>
+            <p:nvCxnSpPr>
+              <p:cNvPr id="286" name="Straight Connector 285"/>
+              <p:cNvCxnSpPr>
+                <a:cxnSpLocks/>
+              </p:cNvCxnSpPr>
+              <p:nvPr/>
+            </p:nvCxnSpPr>
+            <p:spPr>
+              <a:xfrm flipH="1">
+                <a:off x="3895296" y="5874572"/>
+                <a:ext cx="115226" cy="0"/>
+              </a:xfrm>
+              <a:prstGeom prst="line">
+                <a:avLst/>
+              </a:prstGeom>
+              <a:ln w="12700">
+                <a:solidFill>
+                  <a:schemeClr val="tx1"/>
+                </a:solidFill>
+              </a:ln>
+            </p:spPr>
+            <p:style>
+              <a:lnRef idx="1">
+                <a:schemeClr val="accent1"/>
+              </a:lnRef>
+              <a:fillRef idx="0">
+                <a:schemeClr val="accent1"/>
+              </a:fillRef>
+              <a:effectRef idx="0">
+                <a:schemeClr val="accent1"/>
+              </a:effectRef>
+              <a:fontRef idx="minor">
+                <a:schemeClr val="tx1"/>
+              </a:fontRef>
+            </p:style>
+          </p:cxnSp>
+          <p:cxnSp>
+            <p:nvCxnSpPr>
+              <p:cNvPr id="287" name="Straight Connector 286"/>
+              <p:cNvCxnSpPr>
+                <a:cxnSpLocks/>
+              </p:cNvCxnSpPr>
+              <p:nvPr/>
+            </p:nvCxnSpPr>
+            <p:spPr>
+              <a:xfrm flipH="1">
+                <a:off x="4008287" y="5803031"/>
+                <a:ext cx="75117" cy="71888"/>
+              </a:xfrm>
+              <a:prstGeom prst="line">
+                <a:avLst/>
+              </a:prstGeom>
+              <a:ln w="12700">
+                <a:solidFill>
+                  <a:schemeClr val="tx1"/>
+                </a:solidFill>
+                <a:round/>
+              </a:ln>
+            </p:spPr>
+            <p:style>
+              <a:lnRef idx="1">
+                <a:schemeClr val="accent1"/>
+              </a:lnRef>
+              <a:fillRef idx="0">
+                <a:schemeClr val="accent1"/>
+              </a:fillRef>
+              <a:effectRef idx="0">
+                <a:schemeClr val="accent1"/>
+              </a:effectRef>
+              <a:fontRef idx="minor">
+                <a:schemeClr val="tx1"/>
+              </a:fontRef>
+            </p:style>
+          </p:cxnSp>
+          <p:cxnSp>
+            <p:nvCxnSpPr>
+              <p:cNvPr id="288" name="Straight Connector 287"/>
+              <p:cNvCxnSpPr>
+                <a:cxnSpLocks/>
+              </p:cNvCxnSpPr>
+              <p:nvPr/>
+            </p:nvCxnSpPr>
+            <p:spPr>
+              <a:xfrm flipH="1">
+                <a:off x="4074276" y="5800725"/>
+                <a:ext cx="67922" cy="0"/>
+              </a:xfrm>
+              <a:prstGeom prst="line">
+                <a:avLst/>
+              </a:prstGeom>
+              <a:ln w="12700">
+                <a:solidFill>
+                  <a:schemeClr val="tx1"/>
+                </a:solidFill>
+              </a:ln>
+            </p:spPr>
+            <p:style>
+              <a:lnRef idx="1">
+                <a:schemeClr val="accent1"/>
+              </a:lnRef>
+              <a:fillRef idx="0">
+                <a:schemeClr val="accent1"/>
+              </a:fillRef>
+              <a:effectRef idx="0">
+                <a:schemeClr val="accent1"/>
+              </a:effectRef>
+              <a:fontRef idx="minor">
+                <a:schemeClr val="tx1"/>
+              </a:fontRef>
+            </p:style>
+          </p:cxnSp>
+          <p:cxnSp>
+            <p:nvCxnSpPr>
+              <p:cNvPr id="289" name="Straight Connector 288"/>
+              <p:cNvCxnSpPr>
+                <a:cxnSpLocks/>
+              </p:cNvCxnSpPr>
+              <p:nvPr/>
+            </p:nvCxnSpPr>
+            <p:spPr>
+              <a:xfrm flipH="1" flipV="1">
+                <a:off x="4142198" y="5800725"/>
+                <a:ext cx="56932" cy="75318"/>
+              </a:xfrm>
+              <a:prstGeom prst="line">
+                <a:avLst/>
+              </a:prstGeom>
+              <a:ln w="12700">
+                <a:solidFill>
+                  <a:schemeClr val="tx1"/>
+                </a:solidFill>
+              </a:ln>
+            </p:spPr>
+            <p:style>
+              <a:lnRef idx="1">
+                <a:schemeClr val="accent1"/>
+              </a:lnRef>
+              <a:fillRef idx="0">
+                <a:schemeClr val="accent1"/>
+              </a:fillRef>
+              <a:effectRef idx="0">
+                <a:schemeClr val="accent1"/>
+              </a:effectRef>
+              <a:fontRef idx="minor">
+                <a:schemeClr val="tx1"/>
+              </a:fontRef>
+            </p:style>
+          </p:cxnSp>
+          <p:cxnSp>
+            <p:nvCxnSpPr>
+              <p:cNvPr id="290" name="Straight Connector 289"/>
+              <p:cNvCxnSpPr>
+                <a:cxnSpLocks/>
+              </p:cNvCxnSpPr>
+              <p:nvPr/>
+            </p:nvCxnSpPr>
+            <p:spPr>
+              <a:xfrm flipH="1">
+                <a:off x="4191602" y="5874572"/>
+                <a:ext cx="105607" cy="0"/>
+              </a:xfrm>
+              <a:prstGeom prst="line">
+                <a:avLst/>
+              </a:prstGeom>
+              <a:ln w="12700">
+                <a:solidFill>
+                  <a:schemeClr val="tx1"/>
+                </a:solidFill>
+              </a:ln>
+            </p:spPr>
+            <p:style>
+              <a:lnRef idx="1">
+                <a:schemeClr val="accent1"/>
+              </a:lnRef>
+              <a:fillRef idx="0">
+                <a:schemeClr val="accent1"/>
+              </a:fillRef>
+              <a:effectRef idx="0">
+                <a:schemeClr val="accent1"/>
+              </a:effectRef>
+              <a:fontRef idx="minor">
+                <a:schemeClr val="tx1"/>
+              </a:fontRef>
+            </p:style>
+          </p:cxnSp>
+        </p:grpSp>
+        <p:cxnSp>
+          <p:nvCxnSpPr>
+            <p:cNvPr id="305" name="Straight Connector 304"/>
+            <p:cNvCxnSpPr>
+              <a:cxnSpLocks/>
+            </p:cNvCxnSpPr>
+            <p:nvPr/>
+          </p:nvCxnSpPr>
+          <p:spPr>
+            <a:xfrm flipV="1">
+              <a:off x="3129777" y="3300402"/>
+              <a:ext cx="2" cy="108911"/>
+            </a:xfrm>
+            <a:prstGeom prst="line">
+              <a:avLst/>
+            </a:prstGeom>
+            <a:ln w="12700">
+              <a:solidFill>
+                <a:schemeClr val="tx1"/>
+              </a:solidFill>
+            </a:ln>
+          </p:spPr>
+          <p:style>
+            <a:lnRef idx="1">
+              <a:schemeClr val="accent1"/>
+            </a:lnRef>
+            <a:fillRef idx="0">
+              <a:schemeClr val="accent1"/>
+            </a:fillRef>
+            <a:effectRef idx="0">
+              <a:schemeClr val="accent1"/>
+            </a:effectRef>
+            <a:fontRef idx="minor">
+              <a:schemeClr val="tx1"/>
+            </a:fontRef>
+          </p:style>
+        </p:cxnSp>
+        <p:cxnSp>
+          <p:nvCxnSpPr>
+            <p:cNvPr id="308" name="Straight Connector 307"/>
+            <p:cNvCxnSpPr>
+              <a:cxnSpLocks/>
+              <a:stCxn id="89" idx="1"/>
+            </p:cNvCxnSpPr>
+            <p:nvPr/>
+          </p:nvCxnSpPr>
+          <p:spPr>
+            <a:xfrm flipH="1" flipV="1">
+              <a:off x="3129777" y="3410626"/>
+              <a:ext cx="143249" cy="1188"/>
+            </a:xfrm>
+            <a:prstGeom prst="line">
+              <a:avLst/>
+            </a:prstGeom>
+            <a:ln w="12700">
+              <a:solidFill>
+                <a:schemeClr val="tx1"/>
+              </a:solidFill>
+            </a:ln>
+          </p:spPr>
+          <p:style>
+            <a:lnRef idx="1">
+              <a:schemeClr val="accent1"/>
+            </a:lnRef>
+            <a:fillRef idx="0">
+              <a:schemeClr val="accent1"/>
+            </a:fillRef>
+            <a:effectRef idx="0">
+              <a:schemeClr val="accent1"/>
+            </a:effectRef>
+            <a:fontRef idx="minor">
+              <a:schemeClr val="tx1"/>
+            </a:fontRef>
+          </p:style>
+        </p:cxnSp>
+        <p:cxnSp>
+          <p:nvCxnSpPr>
+            <p:cNvPr id="314" name="Straight Connector 313"/>
+            <p:cNvCxnSpPr>
+              <a:cxnSpLocks/>
+            </p:cNvCxnSpPr>
+            <p:nvPr/>
+          </p:nvCxnSpPr>
+          <p:spPr>
+            <a:xfrm flipV="1">
+              <a:off x="3129778" y="3490775"/>
+              <a:ext cx="0" cy="235761"/>
+            </a:xfrm>
+            <a:prstGeom prst="line">
+              <a:avLst/>
+            </a:prstGeom>
+            <a:ln w="12700">
+              <a:solidFill>
+                <a:schemeClr val="tx1"/>
+              </a:solidFill>
+            </a:ln>
+          </p:spPr>
+          <p:style>
+            <a:lnRef idx="1">
+              <a:schemeClr val="accent1"/>
+            </a:lnRef>
+            <a:fillRef idx="0">
+              <a:schemeClr val="accent1"/>
+            </a:fillRef>
+            <a:effectRef idx="0">
+              <a:schemeClr val="accent1"/>
+            </a:effectRef>
+            <a:fontRef idx="minor">
+              <a:schemeClr val="tx1"/>
+            </a:fontRef>
+          </p:style>
+        </p:cxnSp>
+        <p:cxnSp>
+          <p:nvCxnSpPr>
+            <p:cNvPr id="317" name="Straight Connector 316"/>
+            <p:cNvCxnSpPr>
+              <a:cxnSpLocks/>
+            </p:cNvCxnSpPr>
+            <p:nvPr/>
+          </p:nvCxnSpPr>
+          <p:spPr>
+            <a:xfrm flipH="1">
+              <a:off x="3129777" y="3490775"/>
+              <a:ext cx="128016" cy="0"/>
+            </a:xfrm>
+            <a:prstGeom prst="line">
+              <a:avLst/>
+            </a:prstGeom>
+            <a:ln w="12700">
+              <a:solidFill>
+                <a:schemeClr val="tx1"/>
+              </a:solidFill>
+            </a:ln>
+          </p:spPr>
+          <p:style>
+            <a:lnRef idx="1">
+              <a:schemeClr val="accent1"/>
+            </a:lnRef>
+            <a:fillRef idx="0">
+              <a:schemeClr val="accent1"/>
+            </a:fillRef>
+            <a:effectRef idx="0">
+              <a:schemeClr val="accent1"/>
+            </a:effectRef>
+            <a:fontRef idx="minor">
+              <a:schemeClr val="tx1"/>
+            </a:fontRef>
+          </p:style>
+        </p:cxnSp>
+        <p:grpSp>
+          <p:nvGrpSpPr>
+            <p:cNvPr id="334" name="Group 333"/>
+            <p:cNvGrpSpPr/>
+            <p:nvPr/>
+          </p:nvGrpSpPr>
+          <p:grpSpPr>
+            <a:xfrm>
+              <a:off x="3168663" y="3222905"/>
+              <a:ext cx="578258" cy="349319"/>
+              <a:chOff x="2464955" y="6991189"/>
+              <a:chExt cx="578258" cy="349319"/>
+            </a:xfrm>
+          </p:grpSpPr>
+          <p:grpSp>
+            <p:nvGrpSpPr>
+              <p:cNvPr id="87" name="Group 86"/>
+              <p:cNvGrpSpPr/>
+              <p:nvPr/>
+            </p:nvGrpSpPr>
+            <p:grpSpPr>
+              <a:xfrm>
+                <a:off x="2513283" y="7043965"/>
+                <a:ext cx="529930" cy="269890"/>
+                <a:chOff x="3990333" y="3048834"/>
+                <a:chExt cx="1016928" cy="723601"/>
+              </a:xfrm>
+            </p:grpSpPr>
+            <p:sp>
+              <p:nvSpPr>
+                <p:cNvPr id="88" name="Stored Data 71"/>
+                <p:cNvSpPr/>
+                <p:nvPr/>
+              </p:nvSpPr>
+              <p:spPr>
+                <a:xfrm rot="10800000">
+                  <a:off x="3997592" y="3048854"/>
+                  <a:ext cx="1009669" cy="723580"/>
+                </a:xfrm>
+                <a:custGeom>
+                  <a:avLst/>
+                  <a:gdLst>
+                    <a:gd name="connsiteX0" fmla="*/ 1667 w 10000"/>
+                    <a:gd name="connsiteY0" fmla="*/ 0 h 10000"/>
+                    <a:gd name="connsiteX1" fmla="*/ 10000 w 10000"/>
+                    <a:gd name="connsiteY1" fmla="*/ 0 h 10000"/>
+                    <a:gd name="connsiteX2" fmla="*/ 8333 w 10000"/>
+                    <a:gd name="connsiteY2" fmla="*/ 5000 h 10000"/>
+                    <a:gd name="connsiteX3" fmla="*/ 10000 w 10000"/>
+                    <a:gd name="connsiteY3" fmla="*/ 10000 h 10000"/>
+                    <a:gd name="connsiteX4" fmla="*/ 1667 w 10000"/>
+                    <a:gd name="connsiteY4" fmla="*/ 10000 h 10000"/>
+                    <a:gd name="connsiteX5" fmla="*/ 0 w 10000"/>
+                    <a:gd name="connsiteY5" fmla="*/ 5000 h 10000"/>
+                    <a:gd name="connsiteX6" fmla="*/ 1667 w 10000"/>
+                    <a:gd name="connsiteY6" fmla="*/ 0 h 10000"/>
+                    <a:gd name="connsiteX0" fmla="*/ 4932 w 13265"/>
+                    <a:gd name="connsiteY0" fmla="*/ 0 h 10000"/>
+                    <a:gd name="connsiteX1" fmla="*/ 13265 w 13265"/>
+                    <a:gd name="connsiteY1" fmla="*/ 0 h 10000"/>
+                    <a:gd name="connsiteX2" fmla="*/ 11598 w 13265"/>
+                    <a:gd name="connsiteY2" fmla="*/ 5000 h 10000"/>
+                    <a:gd name="connsiteX3" fmla="*/ 13265 w 13265"/>
+                    <a:gd name="connsiteY3" fmla="*/ 10000 h 10000"/>
+                    <a:gd name="connsiteX4" fmla="*/ 4932 w 13265"/>
+                    <a:gd name="connsiteY4" fmla="*/ 10000 h 10000"/>
+                    <a:gd name="connsiteX5" fmla="*/ 0 w 13265"/>
+                    <a:gd name="connsiteY5" fmla="*/ 5084 h 10000"/>
+                    <a:gd name="connsiteX6" fmla="*/ 4932 w 13265"/>
+                    <a:gd name="connsiteY6" fmla="*/ 0 h 10000"/>
+                    <a:gd name="connsiteX0" fmla="*/ 5226 w 13559"/>
+                    <a:gd name="connsiteY0" fmla="*/ 0 h 10000"/>
+                    <a:gd name="connsiteX1" fmla="*/ 13559 w 13559"/>
+                    <a:gd name="connsiteY1" fmla="*/ 0 h 10000"/>
+                    <a:gd name="connsiteX2" fmla="*/ 11892 w 13559"/>
+                    <a:gd name="connsiteY2" fmla="*/ 5000 h 10000"/>
+                    <a:gd name="connsiteX3" fmla="*/ 13559 w 13559"/>
+                    <a:gd name="connsiteY3" fmla="*/ 10000 h 10000"/>
+                    <a:gd name="connsiteX4" fmla="*/ 5226 w 13559"/>
+                    <a:gd name="connsiteY4" fmla="*/ 10000 h 10000"/>
+                    <a:gd name="connsiteX5" fmla="*/ 294 w 13559"/>
+                    <a:gd name="connsiteY5" fmla="*/ 5084 h 10000"/>
+                    <a:gd name="connsiteX6" fmla="*/ 5226 w 13559"/>
+                    <a:gd name="connsiteY6" fmla="*/ 0 h 10000"/>
+                    <a:gd name="connsiteX0" fmla="*/ 4933 w 13266"/>
+                    <a:gd name="connsiteY0" fmla="*/ 0 h 10000"/>
+                    <a:gd name="connsiteX1" fmla="*/ 13266 w 13266"/>
+                    <a:gd name="connsiteY1" fmla="*/ 0 h 10000"/>
+                    <a:gd name="connsiteX2" fmla="*/ 11599 w 13266"/>
+                    <a:gd name="connsiteY2" fmla="*/ 5000 h 10000"/>
+                    <a:gd name="connsiteX3" fmla="*/ 13266 w 13266"/>
+                    <a:gd name="connsiteY3" fmla="*/ 10000 h 10000"/>
+                    <a:gd name="connsiteX4" fmla="*/ 4933 w 13266"/>
+                    <a:gd name="connsiteY4" fmla="*/ 10000 h 10000"/>
+                    <a:gd name="connsiteX5" fmla="*/ 1 w 13266"/>
+                    <a:gd name="connsiteY5" fmla="*/ 5084 h 10000"/>
+                    <a:gd name="connsiteX6" fmla="*/ 4933 w 13266"/>
+                    <a:gd name="connsiteY6" fmla="*/ 0 h 10000"/>
+                    <a:gd name="connsiteX0" fmla="*/ 4933 w 13266"/>
+                    <a:gd name="connsiteY0" fmla="*/ 0 h 10000"/>
+                    <a:gd name="connsiteX1" fmla="*/ 13266 w 13266"/>
+                    <a:gd name="connsiteY1" fmla="*/ 0 h 10000"/>
+                    <a:gd name="connsiteX2" fmla="*/ 11599 w 13266"/>
+                    <a:gd name="connsiteY2" fmla="*/ 5000 h 10000"/>
+                    <a:gd name="connsiteX3" fmla="*/ 13266 w 13266"/>
+                    <a:gd name="connsiteY3" fmla="*/ 10000 h 10000"/>
+                    <a:gd name="connsiteX4" fmla="*/ 4933 w 13266"/>
+                    <a:gd name="connsiteY4" fmla="*/ 10000 h 10000"/>
+                    <a:gd name="connsiteX5" fmla="*/ 1 w 13266"/>
+                    <a:gd name="connsiteY5" fmla="*/ 5084 h 10000"/>
+                    <a:gd name="connsiteX6" fmla="*/ 4933 w 13266"/>
+                    <a:gd name="connsiteY6" fmla="*/ 0 h 10000"/>
+                    <a:gd name="connsiteX0" fmla="*/ 4966 w 13299"/>
+                    <a:gd name="connsiteY0" fmla="*/ 0 h 10000"/>
+                    <a:gd name="connsiteX1" fmla="*/ 13299 w 13299"/>
+                    <a:gd name="connsiteY1" fmla="*/ 0 h 10000"/>
+                    <a:gd name="connsiteX2" fmla="*/ 11632 w 13299"/>
+                    <a:gd name="connsiteY2" fmla="*/ 5000 h 10000"/>
+                    <a:gd name="connsiteX3" fmla="*/ 13299 w 13299"/>
+                    <a:gd name="connsiteY3" fmla="*/ 10000 h 10000"/>
+                    <a:gd name="connsiteX4" fmla="*/ 7782 w 13299"/>
+                    <a:gd name="connsiteY4" fmla="*/ 10000 h 10000"/>
+                    <a:gd name="connsiteX5" fmla="*/ 34 w 13299"/>
+                    <a:gd name="connsiteY5" fmla="*/ 5084 h 10000"/>
+                    <a:gd name="connsiteX6" fmla="*/ 4966 w 13299"/>
+                    <a:gd name="connsiteY6" fmla="*/ 0 h 10000"/>
+                    <a:gd name="connsiteX0" fmla="*/ 4947 w 13280"/>
+                    <a:gd name="connsiteY0" fmla="*/ 0 h 10000"/>
+                    <a:gd name="connsiteX1" fmla="*/ 13280 w 13280"/>
+                    <a:gd name="connsiteY1" fmla="*/ 0 h 10000"/>
+                    <a:gd name="connsiteX2" fmla="*/ 11613 w 13280"/>
+                    <a:gd name="connsiteY2" fmla="*/ 5000 h 10000"/>
+                    <a:gd name="connsiteX3" fmla="*/ 13280 w 13280"/>
+                    <a:gd name="connsiteY3" fmla="*/ 10000 h 10000"/>
+                    <a:gd name="connsiteX4" fmla="*/ 6702 w 13280"/>
+                    <a:gd name="connsiteY4" fmla="*/ 9832 h 10000"/>
+                    <a:gd name="connsiteX5" fmla="*/ 15 w 13280"/>
+                    <a:gd name="connsiteY5" fmla="*/ 5084 h 10000"/>
+                    <a:gd name="connsiteX6" fmla="*/ 4947 w 13280"/>
+                    <a:gd name="connsiteY6" fmla="*/ 0 h 10000"/>
+                    <a:gd name="connsiteX0" fmla="*/ 4933 w 13266"/>
+                    <a:gd name="connsiteY0" fmla="*/ 0 h 10000"/>
+                    <a:gd name="connsiteX1" fmla="*/ 13266 w 13266"/>
+                    <a:gd name="connsiteY1" fmla="*/ 0 h 10000"/>
+                    <a:gd name="connsiteX2" fmla="*/ 11599 w 13266"/>
+                    <a:gd name="connsiteY2" fmla="*/ 5000 h 10000"/>
+                    <a:gd name="connsiteX3" fmla="*/ 13266 w 13266"/>
+                    <a:gd name="connsiteY3" fmla="*/ 10000 h 10000"/>
+                    <a:gd name="connsiteX4" fmla="*/ 6688 w 13266"/>
+                    <a:gd name="connsiteY4" fmla="*/ 9832 h 10000"/>
+                    <a:gd name="connsiteX5" fmla="*/ 1 w 13266"/>
+                    <a:gd name="connsiteY5" fmla="*/ 5084 h 10000"/>
+                    <a:gd name="connsiteX6" fmla="*/ 4933 w 13266"/>
+                    <a:gd name="connsiteY6" fmla="*/ 0 h 10000"/>
+                    <a:gd name="connsiteX0" fmla="*/ 5711 w 13268"/>
+                    <a:gd name="connsiteY0" fmla="*/ 126 h 10000"/>
+                    <a:gd name="connsiteX1" fmla="*/ 13268 w 13268"/>
+                    <a:gd name="connsiteY1" fmla="*/ 0 h 10000"/>
+                    <a:gd name="connsiteX2" fmla="*/ 11601 w 13268"/>
+                    <a:gd name="connsiteY2" fmla="*/ 5000 h 10000"/>
+                    <a:gd name="connsiteX3" fmla="*/ 13268 w 13268"/>
+                    <a:gd name="connsiteY3" fmla="*/ 10000 h 10000"/>
+                    <a:gd name="connsiteX4" fmla="*/ 6690 w 13268"/>
+                    <a:gd name="connsiteY4" fmla="*/ 9832 h 10000"/>
+                    <a:gd name="connsiteX5" fmla="*/ 3 w 13268"/>
+                    <a:gd name="connsiteY5" fmla="*/ 5084 h 10000"/>
+                    <a:gd name="connsiteX6" fmla="*/ 5711 w 13268"/>
+                    <a:gd name="connsiteY6" fmla="*/ 126 h 10000"/>
+                    <a:gd name="connsiteX0" fmla="*/ 5709 w 13266"/>
+                    <a:gd name="connsiteY0" fmla="*/ 126 h 10000"/>
+                    <a:gd name="connsiteX1" fmla="*/ 13266 w 13266"/>
+                    <a:gd name="connsiteY1" fmla="*/ 0 h 10000"/>
+                    <a:gd name="connsiteX2" fmla="*/ 11599 w 13266"/>
+                    <a:gd name="connsiteY2" fmla="*/ 5000 h 10000"/>
+                    <a:gd name="connsiteX3" fmla="*/ 13266 w 13266"/>
+                    <a:gd name="connsiteY3" fmla="*/ 10000 h 10000"/>
+                    <a:gd name="connsiteX4" fmla="*/ 6688 w 13266"/>
+                    <a:gd name="connsiteY4" fmla="*/ 9832 h 10000"/>
+                    <a:gd name="connsiteX5" fmla="*/ 1 w 13266"/>
+                    <a:gd name="connsiteY5" fmla="*/ 5084 h 10000"/>
+                    <a:gd name="connsiteX6" fmla="*/ 5709 w 13266"/>
+                    <a:gd name="connsiteY6" fmla="*/ 126 h 10000"/>
+                    <a:gd name="connsiteX0" fmla="*/ 5709 w 13266"/>
+                    <a:gd name="connsiteY0" fmla="*/ 126 h 10000"/>
+                    <a:gd name="connsiteX1" fmla="*/ 13266 w 13266"/>
+                    <a:gd name="connsiteY1" fmla="*/ 0 h 10000"/>
+                    <a:gd name="connsiteX2" fmla="*/ 11599 w 13266"/>
+                    <a:gd name="connsiteY2" fmla="*/ 5000 h 10000"/>
+                    <a:gd name="connsiteX3" fmla="*/ 13266 w 13266"/>
+                    <a:gd name="connsiteY3" fmla="*/ 10000 h 10000"/>
+                    <a:gd name="connsiteX4" fmla="*/ 6688 w 13266"/>
+                    <a:gd name="connsiteY4" fmla="*/ 9832 h 10000"/>
+                    <a:gd name="connsiteX5" fmla="*/ 1 w 13266"/>
+                    <a:gd name="connsiteY5" fmla="*/ 5084 h 10000"/>
+                    <a:gd name="connsiteX6" fmla="*/ 5709 w 13266"/>
+                    <a:gd name="connsiteY6" fmla="*/ 126 h 10000"/>
+                    <a:gd name="connsiteX0" fmla="*/ 6688 w 13265"/>
+                    <a:gd name="connsiteY0" fmla="*/ 42 h 10000"/>
+                    <a:gd name="connsiteX1" fmla="*/ 13265 w 13265"/>
+                    <a:gd name="connsiteY1" fmla="*/ 0 h 10000"/>
+                    <a:gd name="connsiteX2" fmla="*/ 11598 w 13265"/>
+                    <a:gd name="connsiteY2" fmla="*/ 5000 h 10000"/>
+                    <a:gd name="connsiteX3" fmla="*/ 13265 w 13265"/>
+                    <a:gd name="connsiteY3" fmla="*/ 10000 h 10000"/>
+                    <a:gd name="connsiteX4" fmla="*/ 6687 w 13265"/>
+                    <a:gd name="connsiteY4" fmla="*/ 9832 h 10000"/>
+                    <a:gd name="connsiteX5" fmla="*/ 0 w 13265"/>
+                    <a:gd name="connsiteY5" fmla="*/ 5084 h 10000"/>
+                    <a:gd name="connsiteX6" fmla="*/ 6688 w 13265"/>
+                    <a:gd name="connsiteY6" fmla="*/ 42 h 10000"/>
+                    <a:gd name="connsiteX0" fmla="*/ 6688 w 13265"/>
+                    <a:gd name="connsiteY0" fmla="*/ 42 h 9832"/>
+                    <a:gd name="connsiteX1" fmla="*/ 13265 w 13265"/>
+                    <a:gd name="connsiteY1" fmla="*/ 0 h 9832"/>
+                    <a:gd name="connsiteX2" fmla="*/ 11598 w 13265"/>
+                    <a:gd name="connsiteY2" fmla="*/ 5000 h 9832"/>
+                    <a:gd name="connsiteX3" fmla="*/ 11387 w 13265"/>
+                    <a:gd name="connsiteY3" fmla="*/ 9790 h 9832"/>
+                    <a:gd name="connsiteX4" fmla="*/ 6687 w 13265"/>
+                    <a:gd name="connsiteY4" fmla="*/ 9832 h 9832"/>
+                    <a:gd name="connsiteX5" fmla="*/ 0 w 13265"/>
+                    <a:gd name="connsiteY5" fmla="*/ 5084 h 9832"/>
+                    <a:gd name="connsiteX6" fmla="*/ 6688 w 13265"/>
+                    <a:gd name="connsiteY6" fmla="*/ 42 h 9832"/>
+                    <a:gd name="connsiteX0" fmla="*/ 5042 w 10000"/>
+                    <a:gd name="connsiteY0" fmla="*/ 43 h 10000"/>
+                    <a:gd name="connsiteX1" fmla="*/ 10000 w 10000"/>
+                    <a:gd name="connsiteY1" fmla="*/ 0 h 10000"/>
+                    <a:gd name="connsiteX2" fmla="*/ 8743 w 10000"/>
+                    <a:gd name="connsiteY2" fmla="*/ 5085 h 10000"/>
+                    <a:gd name="connsiteX3" fmla="*/ 9692 w 10000"/>
+                    <a:gd name="connsiteY3" fmla="*/ 10000 h 10000"/>
+                    <a:gd name="connsiteX4" fmla="*/ 5041 w 10000"/>
+                    <a:gd name="connsiteY4" fmla="*/ 10000 h 10000"/>
+                    <a:gd name="connsiteX5" fmla="*/ 0 w 10000"/>
+                    <a:gd name="connsiteY5" fmla="*/ 5171 h 10000"/>
+                    <a:gd name="connsiteX6" fmla="*/ 5042 w 10000"/>
+                    <a:gd name="connsiteY6" fmla="*/ 43 h 10000"/>
+                    <a:gd name="connsiteX0" fmla="*/ 5042 w 10000"/>
+                    <a:gd name="connsiteY0" fmla="*/ 43 h 10000"/>
+                    <a:gd name="connsiteX1" fmla="*/ 10000 w 10000"/>
+                    <a:gd name="connsiteY1" fmla="*/ 0 h 10000"/>
+                    <a:gd name="connsiteX2" fmla="*/ 8743 w 10000"/>
+                    <a:gd name="connsiteY2" fmla="*/ 5085 h 10000"/>
+                    <a:gd name="connsiteX3" fmla="*/ 9784 w 10000"/>
+                    <a:gd name="connsiteY3" fmla="*/ 10000 h 10000"/>
+                    <a:gd name="connsiteX4" fmla="*/ 5041 w 10000"/>
+                    <a:gd name="connsiteY4" fmla="*/ 10000 h 10000"/>
+                    <a:gd name="connsiteX5" fmla="*/ 0 w 10000"/>
+                    <a:gd name="connsiteY5" fmla="*/ 5171 h 10000"/>
+                    <a:gd name="connsiteX6" fmla="*/ 5042 w 10000"/>
+                    <a:gd name="connsiteY6" fmla="*/ 43 h 10000"/>
+                    <a:gd name="connsiteX0" fmla="*/ 5042 w 9784"/>
+                    <a:gd name="connsiteY0" fmla="*/ 0 h 9957"/>
+                    <a:gd name="connsiteX1" fmla="*/ 9415 w 9784"/>
+                    <a:gd name="connsiteY1" fmla="*/ 171 h 9957"/>
+                    <a:gd name="connsiteX2" fmla="*/ 8743 w 9784"/>
+                    <a:gd name="connsiteY2" fmla="*/ 5042 h 9957"/>
+                    <a:gd name="connsiteX3" fmla="*/ 9784 w 9784"/>
+                    <a:gd name="connsiteY3" fmla="*/ 9957 h 9957"/>
+                    <a:gd name="connsiteX4" fmla="*/ 5041 w 9784"/>
+                    <a:gd name="connsiteY4" fmla="*/ 9957 h 9957"/>
+                    <a:gd name="connsiteX5" fmla="*/ 0 w 9784"/>
+                    <a:gd name="connsiteY5" fmla="*/ 5128 h 9957"/>
+                    <a:gd name="connsiteX6" fmla="*/ 5042 w 9784"/>
+                    <a:gd name="connsiteY6" fmla="*/ 0 h 9957"/>
+                    <a:gd name="connsiteX0" fmla="*/ 5153 w 10000"/>
+                    <a:gd name="connsiteY0" fmla="*/ 0 h 10000"/>
+                    <a:gd name="connsiteX1" fmla="*/ 9875 w 10000"/>
+                    <a:gd name="connsiteY1" fmla="*/ 172 h 10000"/>
+                    <a:gd name="connsiteX2" fmla="*/ 8936 w 10000"/>
+                    <a:gd name="connsiteY2" fmla="*/ 5064 h 10000"/>
+                    <a:gd name="connsiteX3" fmla="*/ 10000 w 10000"/>
+                    <a:gd name="connsiteY3" fmla="*/ 10000 h 10000"/>
+                    <a:gd name="connsiteX4" fmla="*/ 5152 w 10000"/>
+                    <a:gd name="connsiteY4" fmla="*/ 10000 h 10000"/>
+                    <a:gd name="connsiteX5" fmla="*/ 0 w 10000"/>
+                    <a:gd name="connsiteY5" fmla="*/ 5150 h 10000"/>
+                    <a:gd name="connsiteX6" fmla="*/ 5153 w 10000"/>
+                    <a:gd name="connsiteY6" fmla="*/ 0 h 10000"/>
+                    <a:gd name="connsiteX0" fmla="*/ 5153 w 10001"/>
+                    <a:gd name="connsiteY0" fmla="*/ 0 h 10000"/>
+                    <a:gd name="connsiteX1" fmla="*/ 10001 w 10001"/>
+                    <a:gd name="connsiteY1" fmla="*/ 215 h 10000"/>
+                    <a:gd name="connsiteX2" fmla="*/ 8936 w 10001"/>
+                    <a:gd name="connsiteY2" fmla="*/ 5064 h 10000"/>
+                    <a:gd name="connsiteX3" fmla="*/ 10000 w 10001"/>
+                    <a:gd name="connsiteY3" fmla="*/ 10000 h 10000"/>
+                    <a:gd name="connsiteX4" fmla="*/ 5152 w 10001"/>
+                    <a:gd name="connsiteY4" fmla="*/ 10000 h 10000"/>
+                    <a:gd name="connsiteX5" fmla="*/ 0 w 10001"/>
+                    <a:gd name="connsiteY5" fmla="*/ 5150 h 10000"/>
+                    <a:gd name="connsiteX6" fmla="*/ 5153 w 10001"/>
+                    <a:gd name="connsiteY6" fmla="*/ 0 h 10000"/>
+                    <a:gd name="connsiteX0" fmla="*/ 5184 w 10001"/>
+                    <a:gd name="connsiteY0" fmla="*/ 43 h 9785"/>
+                    <a:gd name="connsiteX1" fmla="*/ 10001 w 10001"/>
+                    <a:gd name="connsiteY1" fmla="*/ 0 h 9785"/>
+                    <a:gd name="connsiteX2" fmla="*/ 8936 w 10001"/>
+                    <a:gd name="connsiteY2" fmla="*/ 4849 h 9785"/>
+                    <a:gd name="connsiteX3" fmla="*/ 10000 w 10001"/>
+                    <a:gd name="connsiteY3" fmla="*/ 9785 h 9785"/>
+                    <a:gd name="connsiteX4" fmla="*/ 5152 w 10001"/>
+                    <a:gd name="connsiteY4" fmla="*/ 9785 h 9785"/>
+                    <a:gd name="connsiteX5" fmla="*/ 0 w 10001"/>
+                    <a:gd name="connsiteY5" fmla="*/ 4935 h 9785"/>
+                    <a:gd name="connsiteX6" fmla="*/ 5184 w 10001"/>
+                    <a:gd name="connsiteY6" fmla="*/ 43 h 9785"/>
+                    <a:gd name="connsiteX0" fmla="*/ 5183 w 10000"/>
+                    <a:gd name="connsiteY0" fmla="*/ 44 h 10000"/>
+                    <a:gd name="connsiteX1" fmla="*/ 10000 w 10000"/>
+                    <a:gd name="connsiteY1" fmla="*/ 0 h 10000"/>
+                    <a:gd name="connsiteX2" fmla="*/ 8935 w 10000"/>
+                    <a:gd name="connsiteY2" fmla="*/ 4956 h 10000"/>
+                    <a:gd name="connsiteX3" fmla="*/ 9999 w 10000"/>
+                    <a:gd name="connsiteY3" fmla="*/ 10000 h 10000"/>
+                    <a:gd name="connsiteX4" fmla="*/ 5151 w 10000"/>
+                    <a:gd name="connsiteY4" fmla="*/ 10000 h 10000"/>
+                    <a:gd name="connsiteX5" fmla="*/ 0 w 10000"/>
+                    <a:gd name="connsiteY5" fmla="*/ 5043 h 10000"/>
+                    <a:gd name="connsiteX6" fmla="*/ 5183 w 10000"/>
+                    <a:gd name="connsiteY6" fmla="*/ 44 h 10000"/>
+                    <a:gd name="connsiteX0" fmla="*/ 5183 w 10000"/>
+                    <a:gd name="connsiteY0" fmla="*/ 44 h 10000"/>
+                    <a:gd name="connsiteX1" fmla="*/ 10000 w 10000"/>
+                    <a:gd name="connsiteY1" fmla="*/ 0 h 10000"/>
+                    <a:gd name="connsiteX2" fmla="*/ 8935 w 10000"/>
+                    <a:gd name="connsiteY2" fmla="*/ 4956 h 10000"/>
+                    <a:gd name="connsiteX3" fmla="*/ 9999 w 10000"/>
+                    <a:gd name="connsiteY3" fmla="*/ 10000 h 10000"/>
+                    <a:gd name="connsiteX4" fmla="*/ 5151 w 10000"/>
+                    <a:gd name="connsiteY4" fmla="*/ 10000 h 10000"/>
+                    <a:gd name="connsiteX5" fmla="*/ 0 w 10000"/>
+                    <a:gd name="connsiteY5" fmla="*/ 5043 h 10000"/>
+                    <a:gd name="connsiteX6" fmla="*/ 5183 w 10000"/>
+                    <a:gd name="connsiteY6" fmla="*/ 44 h 10000"/>
+                    <a:gd name="connsiteX0" fmla="*/ 5183 w 10000"/>
+                    <a:gd name="connsiteY0" fmla="*/ 44 h 10000"/>
+                    <a:gd name="connsiteX1" fmla="*/ 10000 w 10000"/>
+                    <a:gd name="connsiteY1" fmla="*/ 0 h 10000"/>
+                    <a:gd name="connsiteX2" fmla="*/ 8935 w 10000"/>
+                    <a:gd name="connsiteY2" fmla="*/ 4956 h 10000"/>
+                    <a:gd name="connsiteX3" fmla="*/ 9999 w 10000"/>
+                    <a:gd name="connsiteY3" fmla="*/ 10000 h 10000"/>
+                    <a:gd name="connsiteX4" fmla="*/ 5151 w 10000"/>
+                    <a:gd name="connsiteY4" fmla="*/ 10000 h 10000"/>
+                    <a:gd name="connsiteX5" fmla="*/ 0 w 10000"/>
+                    <a:gd name="connsiteY5" fmla="*/ 5043 h 10000"/>
+                    <a:gd name="connsiteX6" fmla="*/ 5183 w 10000"/>
+                    <a:gd name="connsiteY6" fmla="*/ 44 h 10000"/>
+                    <a:gd name="connsiteX0" fmla="*/ 5183 w 10000"/>
+                    <a:gd name="connsiteY0" fmla="*/ 44 h 10000"/>
+                    <a:gd name="connsiteX1" fmla="*/ 10000 w 10000"/>
+                    <a:gd name="connsiteY1" fmla="*/ 0 h 10000"/>
+                    <a:gd name="connsiteX2" fmla="*/ 8935 w 10000"/>
+                    <a:gd name="connsiteY2" fmla="*/ 4956 h 10000"/>
+                    <a:gd name="connsiteX3" fmla="*/ 9999 w 10000"/>
+                    <a:gd name="connsiteY3" fmla="*/ 10000 h 10000"/>
+                    <a:gd name="connsiteX4" fmla="*/ 5151 w 10000"/>
+                    <a:gd name="connsiteY4" fmla="*/ 10000 h 10000"/>
+                    <a:gd name="connsiteX5" fmla="*/ 0 w 10000"/>
+                    <a:gd name="connsiteY5" fmla="*/ 5043 h 10000"/>
+                    <a:gd name="connsiteX6" fmla="*/ 5183 w 10000"/>
+                    <a:gd name="connsiteY6" fmla="*/ 44 h 10000"/>
+                    <a:gd name="connsiteX0" fmla="*/ 5183 w 10000"/>
+                    <a:gd name="connsiteY0" fmla="*/ 44 h 10000"/>
+                    <a:gd name="connsiteX1" fmla="*/ 10000 w 10000"/>
+                    <a:gd name="connsiteY1" fmla="*/ 0 h 10000"/>
+                    <a:gd name="connsiteX2" fmla="*/ 8935 w 10000"/>
+                    <a:gd name="connsiteY2" fmla="*/ 4956 h 10000"/>
+                    <a:gd name="connsiteX3" fmla="*/ 9999 w 10000"/>
+                    <a:gd name="connsiteY3" fmla="*/ 10000 h 10000"/>
+                    <a:gd name="connsiteX4" fmla="*/ 5151 w 10000"/>
+                    <a:gd name="connsiteY4" fmla="*/ 10000 h 10000"/>
+                    <a:gd name="connsiteX5" fmla="*/ 0 w 10000"/>
+                    <a:gd name="connsiteY5" fmla="*/ 5043 h 10000"/>
+                    <a:gd name="connsiteX6" fmla="*/ 5183 w 10000"/>
+                    <a:gd name="connsiteY6" fmla="*/ 44 h 10000"/>
+                    <a:gd name="connsiteX0" fmla="*/ 5183 w 10000"/>
+                    <a:gd name="connsiteY0" fmla="*/ 44 h 10000"/>
+                    <a:gd name="connsiteX1" fmla="*/ 10000 w 10000"/>
+                    <a:gd name="connsiteY1" fmla="*/ 0 h 10000"/>
+                    <a:gd name="connsiteX2" fmla="*/ 8935 w 10000"/>
+                    <a:gd name="connsiteY2" fmla="*/ 4956 h 10000"/>
+                    <a:gd name="connsiteX3" fmla="*/ 9999 w 10000"/>
+                    <a:gd name="connsiteY3" fmla="*/ 10000 h 10000"/>
+                    <a:gd name="connsiteX4" fmla="*/ 5340 w 10000"/>
+                    <a:gd name="connsiteY4" fmla="*/ 9956 h 10000"/>
+                    <a:gd name="connsiteX5" fmla="*/ 0 w 10000"/>
+                    <a:gd name="connsiteY5" fmla="*/ 5043 h 10000"/>
+                    <a:gd name="connsiteX6" fmla="*/ 5183 w 10000"/>
+                    <a:gd name="connsiteY6" fmla="*/ 44 h 10000"/>
+                    <a:gd name="connsiteX0" fmla="*/ 5183 w 10000"/>
+                    <a:gd name="connsiteY0" fmla="*/ 44 h 10000"/>
+                    <a:gd name="connsiteX1" fmla="*/ 10000 w 10000"/>
+                    <a:gd name="connsiteY1" fmla="*/ 0 h 10000"/>
+                    <a:gd name="connsiteX2" fmla="*/ 8935 w 10000"/>
+                    <a:gd name="connsiteY2" fmla="*/ 4956 h 10000"/>
+                    <a:gd name="connsiteX3" fmla="*/ 9999 w 10000"/>
+                    <a:gd name="connsiteY3" fmla="*/ 10000 h 10000"/>
+                    <a:gd name="connsiteX4" fmla="*/ 5340 w 10000"/>
+                    <a:gd name="connsiteY4" fmla="*/ 9956 h 10000"/>
+                    <a:gd name="connsiteX5" fmla="*/ 0 w 10000"/>
+                    <a:gd name="connsiteY5" fmla="*/ 5043 h 10000"/>
+                    <a:gd name="connsiteX6" fmla="*/ 5183 w 10000"/>
+                    <a:gd name="connsiteY6" fmla="*/ 44 h 10000"/>
+                    <a:gd name="connsiteX0" fmla="*/ 5183 w 10000"/>
+                    <a:gd name="connsiteY0" fmla="*/ 44 h 10000"/>
+                    <a:gd name="connsiteX1" fmla="*/ 10000 w 10000"/>
+                    <a:gd name="connsiteY1" fmla="*/ 0 h 10000"/>
+                    <a:gd name="connsiteX2" fmla="*/ 8935 w 10000"/>
+                    <a:gd name="connsiteY2" fmla="*/ 4956 h 10000"/>
+                    <a:gd name="connsiteX3" fmla="*/ 9999 w 10000"/>
+                    <a:gd name="connsiteY3" fmla="*/ 10000 h 10000"/>
+                    <a:gd name="connsiteX4" fmla="*/ 5183 w 10000"/>
+                    <a:gd name="connsiteY4" fmla="*/ 9912 h 10000"/>
+                    <a:gd name="connsiteX5" fmla="*/ 0 w 10000"/>
+                    <a:gd name="connsiteY5" fmla="*/ 5043 h 10000"/>
+                    <a:gd name="connsiteX6" fmla="*/ 5183 w 10000"/>
+                    <a:gd name="connsiteY6" fmla="*/ 44 h 10000"/>
+                    <a:gd name="connsiteX0" fmla="*/ 5183 w 10000"/>
+                    <a:gd name="connsiteY0" fmla="*/ 44 h 10000"/>
+                    <a:gd name="connsiteX1" fmla="*/ 10000 w 10000"/>
+                    <a:gd name="connsiteY1" fmla="*/ 0 h 10000"/>
+                    <a:gd name="connsiteX2" fmla="*/ 8935 w 10000"/>
+                    <a:gd name="connsiteY2" fmla="*/ 4956 h 10000"/>
+                    <a:gd name="connsiteX3" fmla="*/ 9999 w 10000"/>
+                    <a:gd name="connsiteY3" fmla="*/ 10000 h 10000"/>
+                    <a:gd name="connsiteX4" fmla="*/ 5183 w 10000"/>
+                    <a:gd name="connsiteY4" fmla="*/ 9912 h 10000"/>
+                    <a:gd name="connsiteX5" fmla="*/ 0 w 10000"/>
+                    <a:gd name="connsiteY5" fmla="*/ 5043 h 10000"/>
+                    <a:gd name="connsiteX6" fmla="*/ 5183 w 10000"/>
+                    <a:gd name="connsiteY6" fmla="*/ 44 h 10000"/>
+                    <a:gd name="connsiteX0" fmla="*/ 5183 w 10000"/>
+                    <a:gd name="connsiteY0" fmla="*/ 44 h 10000"/>
+                    <a:gd name="connsiteX1" fmla="*/ 10000 w 10000"/>
+                    <a:gd name="connsiteY1" fmla="*/ 0 h 10000"/>
+                    <a:gd name="connsiteX2" fmla="*/ 8935 w 10000"/>
+                    <a:gd name="connsiteY2" fmla="*/ 4956 h 10000"/>
+                    <a:gd name="connsiteX3" fmla="*/ 9999 w 10000"/>
+                    <a:gd name="connsiteY3" fmla="*/ 10000 h 10000"/>
+                    <a:gd name="connsiteX4" fmla="*/ 5183 w 10000"/>
+                    <a:gd name="connsiteY4" fmla="*/ 9912 h 10000"/>
+                    <a:gd name="connsiteX5" fmla="*/ 0 w 10000"/>
+                    <a:gd name="connsiteY5" fmla="*/ 5043 h 10000"/>
+                    <a:gd name="connsiteX6" fmla="*/ 5183 w 10000"/>
+                    <a:gd name="connsiteY6" fmla="*/ 44 h 10000"/>
+                    <a:gd name="connsiteX0" fmla="*/ 8935 w 10000"/>
+                    <a:gd name="connsiteY0" fmla="*/ 4956 h 10000"/>
+                    <a:gd name="connsiteX1" fmla="*/ 9999 w 10000"/>
+                    <a:gd name="connsiteY1" fmla="*/ 10000 h 10000"/>
+                    <a:gd name="connsiteX2" fmla="*/ 5183 w 10000"/>
+                    <a:gd name="connsiteY2" fmla="*/ 9912 h 10000"/>
+                    <a:gd name="connsiteX3" fmla="*/ 0 w 10000"/>
+                    <a:gd name="connsiteY3" fmla="*/ 5043 h 10000"/>
+                    <a:gd name="connsiteX4" fmla="*/ 5183 w 10000"/>
+                    <a:gd name="connsiteY4" fmla="*/ 44 h 10000"/>
+                    <a:gd name="connsiteX5" fmla="*/ 10000 w 10000"/>
+                    <a:gd name="connsiteY5" fmla="*/ 0 h 10000"/>
+                    <a:gd name="connsiteX6" fmla="*/ 9841 w 10000"/>
+                    <a:gd name="connsiteY6" fmla="*/ 6220 h 10000"/>
+                    <a:gd name="connsiteX0" fmla="*/ 8935 w 10000"/>
+                    <a:gd name="connsiteY0" fmla="*/ 4956 h 10000"/>
+                    <a:gd name="connsiteX1" fmla="*/ 9999 w 10000"/>
+                    <a:gd name="connsiteY1" fmla="*/ 10000 h 10000"/>
+                    <a:gd name="connsiteX2" fmla="*/ 5183 w 10000"/>
+                    <a:gd name="connsiteY2" fmla="*/ 9912 h 10000"/>
+                    <a:gd name="connsiteX3" fmla="*/ 0 w 10000"/>
+                    <a:gd name="connsiteY3" fmla="*/ 5043 h 10000"/>
+                    <a:gd name="connsiteX4" fmla="*/ 5183 w 10000"/>
+                    <a:gd name="connsiteY4" fmla="*/ 44 h 10000"/>
+                    <a:gd name="connsiteX5" fmla="*/ 10000 w 10000"/>
+                    <a:gd name="connsiteY5" fmla="*/ 0 h 10000"/>
+                    <a:gd name="connsiteX0" fmla="*/ 9999 w 10000"/>
+                    <a:gd name="connsiteY0" fmla="*/ 10000 h 10000"/>
+                    <a:gd name="connsiteX1" fmla="*/ 5183 w 10000"/>
+                    <a:gd name="connsiteY1" fmla="*/ 9912 h 10000"/>
+                    <a:gd name="connsiteX2" fmla="*/ 0 w 10000"/>
+                    <a:gd name="connsiteY2" fmla="*/ 5043 h 10000"/>
+                    <a:gd name="connsiteX3" fmla="*/ 5183 w 10000"/>
+                    <a:gd name="connsiteY3" fmla="*/ 44 h 10000"/>
+                    <a:gd name="connsiteX4" fmla="*/ 10000 w 10000"/>
+                    <a:gd name="connsiteY4" fmla="*/ 0 h 10000"/>
+                  </a:gdLst>
+                  <a:ahLst/>
+                  <a:cxnLst>
+                    <a:cxn ang="0">
+                      <a:pos x="connsiteX0" y="connsiteY0"/>
+                    </a:cxn>
+                    <a:cxn ang="0">
+                      <a:pos x="connsiteX1" y="connsiteY1"/>
+                    </a:cxn>
+                    <a:cxn ang="0">
+                      <a:pos x="connsiteX2" y="connsiteY2"/>
+                    </a:cxn>
+                    <a:cxn ang="0">
+                      <a:pos x="connsiteX3" y="connsiteY3"/>
+                    </a:cxn>
+                    <a:cxn ang="0">
+                      <a:pos x="connsiteX4" y="connsiteY4"/>
+                    </a:cxn>
+                  </a:cxnLst>
+                  <a:rect l="l" t="t" r="r" b="b"/>
+                  <a:pathLst>
+                    <a:path w="10000" h="10000">
+                      <a:moveTo>
+                        <a:pt x="9999" y="10000"/>
+                      </a:moveTo>
+                      <a:lnTo>
+                        <a:pt x="5183" y="9912"/>
+                      </a:lnTo>
+                      <a:cubicBezTo>
+                        <a:pt x="3060" y="9824"/>
+                        <a:pt x="0" y="6688"/>
+                        <a:pt x="0" y="5043"/>
+                      </a:cubicBezTo>
+                      <a:cubicBezTo>
+                        <a:pt x="0" y="3398"/>
+                        <a:pt x="2965" y="220"/>
+                        <a:pt x="5183" y="44"/>
+                      </a:cubicBezTo>
+                      <a:lnTo>
+                        <a:pt x="10000" y="0"/>
+                      </a:lnTo>
+                    </a:path>
+                  </a:pathLst>
+                </a:custGeom>
+                <a:noFill/>
+                <a:ln w="12700">
+                  <a:solidFill>
+                    <a:schemeClr val="tx1"/>
+                  </a:solidFill>
+                  <a:prstDash val="solid"/>
+                </a:ln>
+              </p:spPr>
+              <p:style>
+                <a:lnRef idx="2">
+                  <a:schemeClr val="accent1">
+                    <a:shade val="50000"/>
+                  </a:schemeClr>
+                </a:lnRef>
+                <a:fillRef idx="1">
+                  <a:schemeClr val="accent1"/>
+                </a:fillRef>
+                <a:effectRef idx="0">
+                  <a:schemeClr val="accent1"/>
+                </a:effectRef>
+                <a:fontRef idx="minor">
+                  <a:schemeClr val="lt1"/>
+                </a:fontRef>
+              </p:style>
+              <p:txBody>
+                <a:bodyPr rtlCol="0" anchor="ctr"/>
+                <a:lstStyle/>
+                <a:p>
+                  <a:pPr algn="ctr"/>
+                  <a:endParaRPr lang="en-GB"/>
+                </a:p>
+              </p:txBody>
+            </p:sp>
+            <p:sp>
+              <p:nvSpPr>
+                <p:cNvPr id="89" name="Stored Data 71"/>
+                <p:cNvSpPr/>
+                <p:nvPr/>
+              </p:nvSpPr>
+              <p:spPr>
+                <a:xfrm rot="10800000">
+                  <a:off x="3990333" y="3048834"/>
+                  <a:ext cx="107530" cy="723601"/>
+                </a:xfrm>
+                <a:custGeom>
+                  <a:avLst/>
+                  <a:gdLst>
+                    <a:gd name="connsiteX0" fmla="*/ 1667 w 10000"/>
+                    <a:gd name="connsiteY0" fmla="*/ 0 h 10000"/>
+                    <a:gd name="connsiteX1" fmla="*/ 10000 w 10000"/>
+                    <a:gd name="connsiteY1" fmla="*/ 0 h 10000"/>
+                    <a:gd name="connsiteX2" fmla="*/ 8333 w 10000"/>
+                    <a:gd name="connsiteY2" fmla="*/ 5000 h 10000"/>
+                    <a:gd name="connsiteX3" fmla="*/ 10000 w 10000"/>
+                    <a:gd name="connsiteY3" fmla="*/ 10000 h 10000"/>
+                    <a:gd name="connsiteX4" fmla="*/ 1667 w 10000"/>
+                    <a:gd name="connsiteY4" fmla="*/ 10000 h 10000"/>
+                    <a:gd name="connsiteX5" fmla="*/ 0 w 10000"/>
+                    <a:gd name="connsiteY5" fmla="*/ 5000 h 10000"/>
+                    <a:gd name="connsiteX6" fmla="*/ 1667 w 10000"/>
+                    <a:gd name="connsiteY6" fmla="*/ 0 h 10000"/>
+                    <a:gd name="connsiteX0" fmla="*/ 4932 w 13265"/>
+                    <a:gd name="connsiteY0" fmla="*/ 0 h 10000"/>
+                    <a:gd name="connsiteX1" fmla="*/ 13265 w 13265"/>
+                    <a:gd name="connsiteY1" fmla="*/ 0 h 10000"/>
+                    <a:gd name="connsiteX2" fmla="*/ 11598 w 13265"/>
+                    <a:gd name="connsiteY2" fmla="*/ 5000 h 10000"/>
+                    <a:gd name="connsiteX3" fmla="*/ 13265 w 13265"/>
+                    <a:gd name="connsiteY3" fmla="*/ 10000 h 10000"/>
+                    <a:gd name="connsiteX4" fmla="*/ 4932 w 13265"/>
+                    <a:gd name="connsiteY4" fmla="*/ 10000 h 10000"/>
+                    <a:gd name="connsiteX5" fmla="*/ 0 w 13265"/>
+                    <a:gd name="connsiteY5" fmla="*/ 5084 h 10000"/>
+                    <a:gd name="connsiteX6" fmla="*/ 4932 w 13265"/>
+                    <a:gd name="connsiteY6" fmla="*/ 0 h 10000"/>
+                    <a:gd name="connsiteX0" fmla="*/ 5226 w 13559"/>
+                    <a:gd name="connsiteY0" fmla="*/ 0 h 10000"/>
+                    <a:gd name="connsiteX1" fmla="*/ 13559 w 13559"/>
+                    <a:gd name="connsiteY1" fmla="*/ 0 h 10000"/>
+                    <a:gd name="connsiteX2" fmla="*/ 11892 w 13559"/>
+                    <a:gd name="connsiteY2" fmla="*/ 5000 h 10000"/>
+                    <a:gd name="connsiteX3" fmla="*/ 13559 w 13559"/>
+                    <a:gd name="connsiteY3" fmla="*/ 10000 h 10000"/>
+                    <a:gd name="connsiteX4" fmla="*/ 5226 w 13559"/>
+                    <a:gd name="connsiteY4" fmla="*/ 10000 h 10000"/>
+                    <a:gd name="connsiteX5" fmla="*/ 294 w 13559"/>
+                    <a:gd name="connsiteY5" fmla="*/ 5084 h 10000"/>
+                    <a:gd name="connsiteX6" fmla="*/ 5226 w 13559"/>
+                    <a:gd name="connsiteY6" fmla="*/ 0 h 10000"/>
+                    <a:gd name="connsiteX0" fmla="*/ 4933 w 13266"/>
+                    <a:gd name="connsiteY0" fmla="*/ 0 h 10000"/>
+                    <a:gd name="connsiteX1" fmla="*/ 13266 w 13266"/>
+                    <a:gd name="connsiteY1" fmla="*/ 0 h 10000"/>
+                    <a:gd name="connsiteX2" fmla="*/ 11599 w 13266"/>
+                    <a:gd name="connsiteY2" fmla="*/ 5000 h 10000"/>
+                    <a:gd name="connsiteX3" fmla="*/ 13266 w 13266"/>
+                    <a:gd name="connsiteY3" fmla="*/ 10000 h 10000"/>
+                    <a:gd name="connsiteX4" fmla="*/ 4933 w 13266"/>
+                    <a:gd name="connsiteY4" fmla="*/ 10000 h 10000"/>
+                    <a:gd name="connsiteX5" fmla="*/ 1 w 13266"/>
+                    <a:gd name="connsiteY5" fmla="*/ 5084 h 10000"/>
+                    <a:gd name="connsiteX6" fmla="*/ 4933 w 13266"/>
+                    <a:gd name="connsiteY6" fmla="*/ 0 h 10000"/>
+                    <a:gd name="connsiteX0" fmla="*/ 4933 w 13266"/>
+                    <a:gd name="connsiteY0" fmla="*/ 0 h 10000"/>
+                    <a:gd name="connsiteX1" fmla="*/ 13266 w 13266"/>
+                    <a:gd name="connsiteY1" fmla="*/ 0 h 10000"/>
+                    <a:gd name="connsiteX2" fmla="*/ 11599 w 13266"/>
+                    <a:gd name="connsiteY2" fmla="*/ 5000 h 10000"/>
+                    <a:gd name="connsiteX3" fmla="*/ 13266 w 13266"/>
+                    <a:gd name="connsiteY3" fmla="*/ 10000 h 10000"/>
+                    <a:gd name="connsiteX4" fmla="*/ 4933 w 13266"/>
+                    <a:gd name="connsiteY4" fmla="*/ 10000 h 10000"/>
+                    <a:gd name="connsiteX5" fmla="*/ 1 w 13266"/>
+                    <a:gd name="connsiteY5" fmla="*/ 5084 h 10000"/>
+                    <a:gd name="connsiteX6" fmla="*/ 4933 w 13266"/>
+                    <a:gd name="connsiteY6" fmla="*/ 0 h 10000"/>
+                    <a:gd name="connsiteX0" fmla="*/ 4966 w 13299"/>
+                    <a:gd name="connsiteY0" fmla="*/ 0 h 10000"/>
+                    <a:gd name="connsiteX1" fmla="*/ 13299 w 13299"/>
+                    <a:gd name="connsiteY1" fmla="*/ 0 h 10000"/>
+                    <a:gd name="connsiteX2" fmla="*/ 11632 w 13299"/>
+                    <a:gd name="connsiteY2" fmla="*/ 5000 h 10000"/>
+                    <a:gd name="connsiteX3" fmla="*/ 13299 w 13299"/>
+                    <a:gd name="connsiteY3" fmla="*/ 10000 h 10000"/>
+                    <a:gd name="connsiteX4" fmla="*/ 7782 w 13299"/>
+                    <a:gd name="connsiteY4" fmla="*/ 10000 h 10000"/>
+                    <a:gd name="connsiteX5" fmla="*/ 34 w 13299"/>
+                    <a:gd name="connsiteY5" fmla="*/ 5084 h 10000"/>
+                    <a:gd name="connsiteX6" fmla="*/ 4966 w 13299"/>
+                    <a:gd name="connsiteY6" fmla="*/ 0 h 10000"/>
+                    <a:gd name="connsiteX0" fmla="*/ 4947 w 13280"/>
+                    <a:gd name="connsiteY0" fmla="*/ 0 h 10000"/>
+                    <a:gd name="connsiteX1" fmla="*/ 13280 w 13280"/>
+                    <a:gd name="connsiteY1" fmla="*/ 0 h 10000"/>
+                    <a:gd name="connsiteX2" fmla="*/ 11613 w 13280"/>
+                    <a:gd name="connsiteY2" fmla="*/ 5000 h 10000"/>
+                    <a:gd name="connsiteX3" fmla="*/ 13280 w 13280"/>
+                    <a:gd name="connsiteY3" fmla="*/ 10000 h 10000"/>
+                    <a:gd name="connsiteX4" fmla="*/ 6702 w 13280"/>
+                    <a:gd name="connsiteY4" fmla="*/ 9832 h 10000"/>
+                    <a:gd name="connsiteX5" fmla="*/ 15 w 13280"/>
+                    <a:gd name="connsiteY5" fmla="*/ 5084 h 10000"/>
+                    <a:gd name="connsiteX6" fmla="*/ 4947 w 13280"/>
+                    <a:gd name="connsiteY6" fmla="*/ 0 h 10000"/>
+                    <a:gd name="connsiteX0" fmla="*/ 4933 w 13266"/>
+                    <a:gd name="connsiteY0" fmla="*/ 0 h 10000"/>
+                    <a:gd name="connsiteX1" fmla="*/ 13266 w 13266"/>
+                    <a:gd name="connsiteY1" fmla="*/ 0 h 10000"/>
+                    <a:gd name="connsiteX2" fmla="*/ 11599 w 13266"/>
+                    <a:gd name="connsiteY2" fmla="*/ 5000 h 10000"/>
+                    <a:gd name="connsiteX3" fmla="*/ 13266 w 13266"/>
+                    <a:gd name="connsiteY3" fmla="*/ 10000 h 10000"/>
+                    <a:gd name="connsiteX4" fmla="*/ 6688 w 13266"/>
+                    <a:gd name="connsiteY4" fmla="*/ 9832 h 10000"/>
+                    <a:gd name="connsiteX5" fmla="*/ 1 w 13266"/>
+                    <a:gd name="connsiteY5" fmla="*/ 5084 h 10000"/>
+                    <a:gd name="connsiteX6" fmla="*/ 4933 w 13266"/>
+                    <a:gd name="connsiteY6" fmla="*/ 0 h 10000"/>
+                    <a:gd name="connsiteX0" fmla="*/ 5711 w 13268"/>
+                    <a:gd name="connsiteY0" fmla="*/ 126 h 10000"/>
+                    <a:gd name="connsiteX1" fmla="*/ 13268 w 13268"/>
+                    <a:gd name="connsiteY1" fmla="*/ 0 h 10000"/>
+                    <a:gd name="connsiteX2" fmla="*/ 11601 w 13268"/>
+                    <a:gd name="connsiteY2" fmla="*/ 5000 h 10000"/>
+                    <a:gd name="connsiteX3" fmla="*/ 13268 w 13268"/>
+                    <a:gd name="connsiteY3" fmla="*/ 10000 h 10000"/>
+                    <a:gd name="connsiteX4" fmla="*/ 6690 w 13268"/>
+                    <a:gd name="connsiteY4" fmla="*/ 9832 h 10000"/>
+                    <a:gd name="connsiteX5" fmla="*/ 3 w 13268"/>
+                    <a:gd name="connsiteY5" fmla="*/ 5084 h 10000"/>
+                    <a:gd name="connsiteX6" fmla="*/ 5711 w 13268"/>
+                    <a:gd name="connsiteY6" fmla="*/ 126 h 10000"/>
+                    <a:gd name="connsiteX0" fmla="*/ 5709 w 13266"/>
+                    <a:gd name="connsiteY0" fmla="*/ 126 h 10000"/>
+                    <a:gd name="connsiteX1" fmla="*/ 13266 w 13266"/>
+                    <a:gd name="connsiteY1" fmla="*/ 0 h 10000"/>
+                    <a:gd name="connsiteX2" fmla="*/ 11599 w 13266"/>
+                    <a:gd name="connsiteY2" fmla="*/ 5000 h 10000"/>
+                    <a:gd name="connsiteX3" fmla="*/ 13266 w 13266"/>
+                    <a:gd name="connsiteY3" fmla="*/ 10000 h 10000"/>
+                    <a:gd name="connsiteX4" fmla="*/ 6688 w 13266"/>
+                    <a:gd name="connsiteY4" fmla="*/ 9832 h 10000"/>
+                    <a:gd name="connsiteX5" fmla="*/ 1 w 13266"/>
+                    <a:gd name="connsiteY5" fmla="*/ 5084 h 10000"/>
+                    <a:gd name="connsiteX6" fmla="*/ 5709 w 13266"/>
+                    <a:gd name="connsiteY6" fmla="*/ 126 h 10000"/>
+                    <a:gd name="connsiteX0" fmla="*/ 5709 w 13266"/>
+                    <a:gd name="connsiteY0" fmla="*/ 126 h 10000"/>
+                    <a:gd name="connsiteX1" fmla="*/ 13266 w 13266"/>
+                    <a:gd name="connsiteY1" fmla="*/ 0 h 10000"/>
+                    <a:gd name="connsiteX2" fmla="*/ 11599 w 13266"/>
+                    <a:gd name="connsiteY2" fmla="*/ 5000 h 10000"/>
+                    <a:gd name="connsiteX3" fmla="*/ 13266 w 13266"/>
+                    <a:gd name="connsiteY3" fmla="*/ 10000 h 10000"/>
+                    <a:gd name="connsiteX4" fmla="*/ 6688 w 13266"/>
+                    <a:gd name="connsiteY4" fmla="*/ 9832 h 10000"/>
+                    <a:gd name="connsiteX5" fmla="*/ 1 w 13266"/>
+                    <a:gd name="connsiteY5" fmla="*/ 5084 h 10000"/>
+                    <a:gd name="connsiteX6" fmla="*/ 5709 w 13266"/>
+                    <a:gd name="connsiteY6" fmla="*/ 126 h 10000"/>
+                    <a:gd name="connsiteX0" fmla="*/ 6688 w 13265"/>
+                    <a:gd name="connsiteY0" fmla="*/ 42 h 10000"/>
+                    <a:gd name="connsiteX1" fmla="*/ 13265 w 13265"/>
+                    <a:gd name="connsiteY1" fmla="*/ 0 h 10000"/>
+                    <a:gd name="connsiteX2" fmla="*/ 11598 w 13265"/>
+                    <a:gd name="connsiteY2" fmla="*/ 5000 h 10000"/>
+                    <a:gd name="connsiteX3" fmla="*/ 13265 w 13265"/>
+                    <a:gd name="connsiteY3" fmla="*/ 10000 h 10000"/>
+                    <a:gd name="connsiteX4" fmla="*/ 6687 w 13265"/>
+                    <a:gd name="connsiteY4" fmla="*/ 9832 h 10000"/>
+                    <a:gd name="connsiteX5" fmla="*/ 0 w 13265"/>
+                    <a:gd name="connsiteY5" fmla="*/ 5084 h 10000"/>
+                    <a:gd name="connsiteX6" fmla="*/ 6688 w 13265"/>
+                    <a:gd name="connsiteY6" fmla="*/ 42 h 10000"/>
+                    <a:gd name="connsiteX0" fmla="*/ 6688 w 13265"/>
+                    <a:gd name="connsiteY0" fmla="*/ 42 h 9832"/>
+                    <a:gd name="connsiteX1" fmla="*/ 13265 w 13265"/>
+                    <a:gd name="connsiteY1" fmla="*/ 0 h 9832"/>
+                    <a:gd name="connsiteX2" fmla="*/ 11598 w 13265"/>
+                    <a:gd name="connsiteY2" fmla="*/ 5000 h 9832"/>
+                    <a:gd name="connsiteX3" fmla="*/ 11387 w 13265"/>
+                    <a:gd name="connsiteY3" fmla="*/ 9790 h 9832"/>
+                    <a:gd name="connsiteX4" fmla="*/ 6687 w 13265"/>
+                    <a:gd name="connsiteY4" fmla="*/ 9832 h 9832"/>
+                    <a:gd name="connsiteX5" fmla="*/ 0 w 13265"/>
+                    <a:gd name="connsiteY5" fmla="*/ 5084 h 9832"/>
+                    <a:gd name="connsiteX6" fmla="*/ 6688 w 13265"/>
+                    <a:gd name="connsiteY6" fmla="*/ 42 h 9832"/>
+                    <a:gd name="connsiteX0" fmla="*/ 5042 w 10000"/>
+                    <a:gd name="connsiteY0" fmla="*/ 43 h 10000"/>
+                    <a:gd name="connsiteX1" fmla="*/ 10000 w 10000"/>
+                    <a:gd name="connsiteY1" fmla="*/ 0 h 10000"/>
+                    <a:gd name="connsiteX2" fmla="*/ 8743 w 10000"/>
+                    <a:gd name="connsiteY2" fmla="*/ 5085 h 10000"/>
+                    <a:gd name="connsiteX3" fmla="*/ 9692 w 10000"/>
+                    <a:gd name="connsiteY3" fmla="*/ 10000 h 10000"/>
+                    <a:gd name="connsiteX4" fmla="*/ 5041 w 10000"/>
+                    <a:gd name="connsiteY4" fmla="*/ 10000 h 10000"/>
+                    <a:gd name="connsiteX5" fmla="*/ 0 w 10000"/>
+                    <a:gd name="connsiteY5" fmla="*/ 5171 h 10000"/>
+                    <a:gd name="connsiteX6" fmla="*/ 5042 w 10000"/>
+                    <a:gd name="connsiteY6" fmla="*/ 43 h 10000"/>
+                    <a:gd name="connsiteX0" fmla="*/ 5042 w 10000"/>
+                    <a:gd name="connsiteY0" fmla="*/ 43 h 10000"/>
+                    <a:gd name="connsiteX1" fmla="*/ 10000 w 10000"/>
+                    <a:gd name="connsiteY1" fmla="*/ 0 h 10000"/>
+                    <a:gd name="connsiteX2" fmla="*/ 8743 w 10000"/>
+                    <a:gd name="connsiteY2" fmla="*/ 5085 h 10000"/>
+                    <a:gd name="connsiteX3" fmla="*/ 9784 w 10000"/>
+                    <a:gd name="connsiteY3" fmla="*/ 10000 h 10000"/>
+                    <a:gd name="connsiteX4" fmla="*/ 5041 w 10000"/>
+                    <a:gd name="connsiteY4" fmla="*/ 10000 h 10000"/>
+                    <a:gd name="connsiteX5" fmla="*/ 0 w 10000"/>
+                    <a:gd name="connsiteY5" fmla="*/ 5171 h 10000"/>
+                    <a:gd name="connsiteX6" fmla="*/ 5042 w 10000"/>
+                    <a:gd name="connsiteY6" fmla="*/ 43 h 10000"/>
+                    <a:gd name="connsiteX0" fmla="*/ 5042 w 9784"/>
+                    <a:gd name="connsiteY0" fmla="*/ 0 h 9957"/>
+                    <a:gd name="connsiteX1" fmla="*/ 9415 w 9784"/>
+                    <a:gd name="connsiteY1" fmla="*/ 171 h 9957"/>
+                    <a:gd name="connsiteX2" fmla="*/ 8743 w 9784"/>
+                    <a:gd name="connsiteY2" fmla="*/ 5042 h 9957"/>
+                    <a:gd name="connsiteX3" fmla="*/ 9784 w 9784"/>
+                    <a:gd name="connsiteY3" fmla="*/ 9957 h 9957"/>
+                    <a:gd name="connsiteX4" fmla="*/ 5041 w 9784"/>
+                    <a:gd name="connsiteY4" fmla="*/ 9957 h 9957"/>
+                    <a:gd name="connsiteX5" fmla="*/ 0 w 9784"/>
+                    <a:gd name="connsiteY5" fmla="*/ 5128 h 9957"/>
+                    <a:gd name="connsiteX6" fmla="*/ 5042 w 9784"/>
+                    <a:gd name="connsiteY6" fmla="*/ 0 h 9957"/>
+                    <a:gd name="connsiteX0" fmla="*/ 5153 w 10000"/>
+                    <a:gd name="connsiteY0" fmla="*/ 0 h 10000"/>
+                    <a:gd name="connsiteX1" fmla="*/ 9875 w 10000"/>
+                    <a:gd name="connsiteY1" fmla="*/ 172 h 10000"/>
+                    <a:gd name="connsiteX2" fmla="*/ 8936 w 10000"/>
+                    <a:gd name="connsiteY2" fmla="*/ 5064 h 10000"/>
+                    <a:gd name="connsiteX3" fmla="*/ 10000 w 10000"/>
+                    <a:gd name="connsiteY3" fmla="*/ 10000 h 10000"/>
+                    <a:gd name="connsiteX4" fmla="*/ 5152 w 10000"/>
+                    <a:gd name="connsiteY4" fmla="*/ 10000 h 10000"/>
+                    <a:gd name="connsiteX5" fmla="*/ 0 w 10000"/>
+                    <a:gd name="connsiteY5" fmla="*/ 5150 h 10000"/>
+                    <a:gd name="connsiteX6" fmla="*/ 5153 w 10000"/>
+                    <a:gd name="connsiteY6" fmla="*/ 0 h 10000"/>
+                    <a:gd name="connsiteX0" fmla="*/ 5153 w 10001"/>
+                    <a:gd name="connsiteY0" fmla="*/ 0 h 10000"/>
+                    <a:gd name="connsiteX1" fmla="*/ 10001 w 10001"/>
+                    <a:gd name="connsiteY1" fmla="*/ 215 h 10000"/>
+                    <a:gd name="connsiteX2" fmla="*/ 8936 w 10001"/>
+                    <a:gd name="connsiteY2" fmla="*/ 5064 h 10000"/>
+                    <a:gd name="connsiteX3" fmla="*/ 10000 w 10001"/>
+                    <a:gd name="connsiteY3" fmla="*/ 10000 h 10000"/>
+                    <a:gd name="connsiteX4" fmla="*/ 5152 w 10001"/>
+                    <a:gd name="connsiteY4" fmla="*/ 10000 h 10000"/>
+                    <a:gd name="connsiteX5" fmla="*/ 0 w 10001"/>
+                    <a:gd name="connsiteY5" fmla="*/ 5150 h 10000"/>
+                    <a:gd name="connsiteX6" fmla="*/ 5153 w 10001"/>
+                    <a:gd name="connsiteY6" fmla="*/ 0 h 10000"/>
+                    <a:gd name="connsiteX0" fmla="*/ 5184 w 10001"/>
+                    <a:gd name="connsiteY0" fmla="*/ 43 h 9785"/>
+                    <a:gd name="connsiteX1" fmla="*/ 10001 w 10001"/>
+                    <a:gd name="connsiteY1" fmla="*/ 0 h 9785"/>
+                    <a:gd name="connsiteX2" fmla="*/ 8936 w 10001"/>
+                    <a:gd name="connsiteY2" fmla="*/ 4849 h 9785"/>
+                    <a:gd name="connsiteX3" fmla="*/ 10000 w 10001"/>
+                    <a:gd name="connsiteY3" fmla="*/ 9785 h 9785"/>
+                    <a:gd name="connsiteX4" fmla="*/ 5152 w 10001"/>
+                    <a:gd name="connsiteY4" fmla="*/ 9785 h 9785"/>
+                    <a:gd name="connsiteX5" fmla="*/ 0 w 10001"/>
+                    <a:gd name="connsiteY5" fmla="*/ 4935 h 9785"/>
+                    <a:gd name="connsiteX6" fmla="*/ 5184 w 10001"/>
+                    <a:gd name="connsiteY6" fmla="*/ 43 h 9785"/>
+                    <a:gd name="connsiteX0" fmla="*/ 5183 w 10000"/>
+                    <a:gd name="connsiteY0" fmla="*/ 44 h 10000"/>
+                    <a:gd name="connsiteX1" fmla="*/ 10000 w 10000"/>
+                    <a:gd name="connsiteY1" fmla="*/ 0 h 10000"/>
+                    <a:gd name="connsiteX2" fmla="*/ 8935 w 10000"/>
+                    <a:gd name="connsiteY2" fmla="*/ 4956 h 10000"/>
+                    <a:gd name="connsiteX3" fmla="*/ 9999 w 10000"/>
+                    <a:gd name="connsiteY3" fmla="*/ 10000 h 10000"/>
+                    <a:gd name="connsiteX4" fmla="*/ 5151 w 10000"/>
+                    <a:gd name="connsiteY4" fmla="*/ 10000 h 10000"/>
+                    <a:gd name="connsiteX5" fmla="*/ 0 w 10000"/>
+                    <a:gd name="connsiteY5" fmla="*/ 5043 h 10000"/>
+                    <a:gd name="connsiteX6" fmla="*/ 5183 w 10000"/>
+                    <a:gd name="connsiteY6" fmla="*/ 44 h 10000"/>
+                    <a:gd name="connsiteX0" fmla="*/ 5183 w 10000"/>
+                    <a:gd name="connsiteY0" fmla="*/ 44 h 10000"/>
+                    <a:gd name="connsiteX1" fmla="*/ 10000 w 10000"/>
+                    <a:gd name="connsiteY1" fmla="*/ 0 h 10000"/>
+                    <a:gd name="connsiteX2" fmla="*/ 8935 w 10000"/>
+                    <a:gd name="connsiteY2" fmla="*/ 4956 h 10000"/>
+                    <a:gd name="connsiteX3" fmla="*/ 9999 w 10000"/>
+                    <a:gd name="connsiteY3" fmla="*/ 10000 h 10000"/>
+                    <a:gd name="connsiteX4" fmla="*/ 5151 w 10000"/>
+                    <a:gd name="connsiteY4" fmla="*/ 10000 h 10000"/>
+                    <a:gd name="connsiteX5" fmla="*/ 0 w 10000"/>
+                    <a:gd name="connsiteY5" fmla="*/ 5043 h 10000"/>
+                    <a:gd name="connsiteX6" fmla="*/ 5183 w 10000"/>
+                    <a:gd name="connsiteY6" fmla="*/ 44 h 10000"/>
+                    <a:gd name="connsiteX0" fmla="*/ 5183 w 10000"/>
+                    <a:gd name="connsiteY0" fmla="*/ 44 h 10000"/>
+                    <a:gd name="connsiteX1" fmla="*/ 10000 w 10000"/>
+                    <a:gd name="connsiteY1" fmla="*/ 0 h 10000"/>
+                    <a:gd name="connsiteX2" fmla="*/ 8935 w 10000"/>
+                    <a:gd name="connsiteY2" fmla="*/ 4956 h 10000"/>
+                    <a:gd name="connsiteX3" fmla="*/ 9999 w 10000"/>
+                    <a:gd name="connsiteY3" fmla="*/ 10000 h 10000"/>
+                    <a:gd name="connsiteX4" fmla="*/ 5151 w 10000"/>
+                    <a:gd name="connsiteY4" fmla="*/ 10000 h 10000"/>
+                    <a:gd name="connsiteX5" fmla="*/ 0 w 10000"/>
+                    <a:gd name="connsiteY5" fmla="*/ 5043 h 10000"/>
+                    <a:gd name="connsiteX6" fmla="*/ 5183 w 10000"/>
+                    <a:gd name="connsiteY6" fmla="*/ 44 h 10000"/>
+                    <a:gd name="connsiteX0" fmla="*/ 5183 w 10000"/>
+                    <a:gd name="connsiteY0" fmla="*/ 44 h 10000"/>
+                    <a:gd name="connsiteX1" fmla="*/ 10000 w 10000"/>
+                    <a:gd name="connsiteY1" fmla="*/ 0 h 10000"/>
+                    <a:gd name="connsiteX2" fmla="*/ 8935 w 10000"/>
+                    <a:gd name="connsiteY2" fmla="*/ 4956 h 10000"/>
+                    <a:gd name="connsiteX3" fmla="*/ 9999 w 10000"/>
+                    <a:gd name="connsiteY3" fmla="*/ 10000 h 10000"/>
+                    <a:gd name="connsiteX4" fmla="*/ 5151 w 10000"/>
+                    <a:gd name="connsiteY4" fmla="*/ 10000 h 10000"/>
+                    <a:gd name="connsiteX5" fmla="*/ 0 w 10000"/>
+                    <a:gd name="connsiteY5" fmla="*/ 5043 h 10000"/>
+                    <a:gd name="connsiteX6" fmla="*/ 5183 w 10000"/>
+                    <a:gd name="connsiteY6" fmla="*/ 44 h 10000"/>
+                    <a:gd name="connsiteX0" fmla="*/ 5183 w 10000"/>
+                    <a:gd name="connsiteY0" fmla="*/ 44 h 10000"/>
+                    <a:gd name="connsiteX1" fmla="*/ 10000 w 10000"/>
+                    <a:gd name="connsiteY1" fmla="*/ 0 h 10000"/>
+                    <a:gd name="connsiteX2" fmla="*/ 8935 w 10000"/>
+                    <a:gd name="connsiteY2" fmla="*/ 4956 h 10000"/>
+                    <a:gd name="connsiteX3" fmla="*/ 9999 w 10000"/>
+                    <a:gd name="connsiteY3" fmla="*/ 10000 h 10000"/>
+                    <a:gd name="connsiteX4" fmla="*/ 5151 w 10000"/>
+                    <a:gd name="connsiteY4" fmla="*/ 10000 h 10000"/>
+                    <a:gd name="connsiteX5" fmla="*/ 0 w 10000"/>
+                    <a:gd name="connsiteY5" fmla="*/ 5043 h 10000"/>
+                    <a:gd name="connsiteX6" fmla="*/ 5183 w 10000"/>
+                    <a:gd name="connsiteY6" fmla="*/ 44 h 10000"/>
+                    <a:gd name="connsiteX0" fmla="*/ 5183 w 10000"/>
+                    <a:gd name="connsiteY0" fmla="*/ 44 h 10000"/>
+                    <a:gd name="connsiteX1" fmla="*/ 10000 w 10000"/>
+                    <a:gd name="connsiteY1" fmla="*/ 0 h 10000"/>
+                    <a:gd name="connsiteX2" fmla="*/ 8935 w 10000"/>
+                    <a:gd name="connsiteY2" fmla="*/ 4956 h 10000"/>
+                    <a:gd name="connsiteX3" fmla="*/ 9999 w 10000"/>
+                    <a:gd name="connsiteY3" fmla="*/ 10000 h 10000"/>
+                    <a:gd name="connsiteX4" fmla="*/ 5340 w 10000"/>
+                    <a:gd name="connsiteY4" fmla="*/ 9956 h 10000"/>
+                    <a:gd name="connsiteX5" fmla="*/ 0 w 10000"/>
+                    <a:gd name="connsiteY5" fmla="*/ 5043 h 10000"/>
+                    <a:gd name="connsiteX6" fmla="*/ 5183 w 10000"/>
+                    <a:gd name="connsiteY6" fmla="*/ 44 h 10000"/>
+                    <a:gd name="connsiteX0" fmla="*/ 5183 w 10000"/>
+                    <a:gd name="connsiteY0" fmla="*/ 44 h 10000"/>
+                    <a:gd name="connsiteX1" fmla="*/ 10000 w 10000"/>
+                    <a:gd name="connsiteY1" fmla="*/ 0 h 10000"/>
+                    <a:gd name="connsiteX2" fmla="*/ 8935 w 10000"/>
+                    <a:gd name="connsiteY2" fmla="*/ 4956 h 10000"/>
+                    <a:gd name="connsiteX3" fmla="*/ 9999 w 10000"/>
+                    <a:gd name="connsiteY3" fmla="*/ 10000 h 10000"/>
+                    <a:gd name="connsiteX4" fmla="*/ 5340 w 10000"/>
+                    <a:gd name="connsiteY4" fmla="*/ 9956 h 10000"/>
+                    <a:gd name="connsiteX5" fmla="*/ 0 w 10000"/>
+                    <a:gd name="connsiteY5" fmla="*/ 5043 h 10000"/>
+                    <a:gd name="connsiteX6" fmla="*/ 5183 w 10000"/>
+                    <a:gd name="connsiteY6" fmla="*/ 44 h 10000"/>
+                    <a:gd name="connsiteX0" fmla="*/ 5183 w 10000"/>
+                    <a:gd name="connsiteY0" fmla="*/ 44 h 10000"/>
+                    <a:gd name="connsiteX1" fmla="*/ 10000 w 10000"/>
+                    <a:gd name="connsiteY1" fmla="*/ 0 h 10000"/>
+                    <a:gd name="connsiteX2" fmla="*/ 8935 w 10000"/>
+                    <a:gd name="connsiteY2" fmla="*/ 4956 h 10000"/>
+                    <a:gd name="connsiteX3" fmla="*/ 9999 w 10000"/>
+                    <a:gd name="connsiteY3" fmla="*/ 10000 h 10000"/>
+                    <a:gd name="connsiteX4" fmla="*/ 5183 w 10000"/>
+                    <a:gd name="connsiteY4" fmla="*/ 9912 h 10000"/>
+                    <a:gd name="connsiteX5" fmla="*/ 0 w 10000"/>
+                    <a:gd name="connsiteY5" fmla="*/ 5043 h 10000"/>
+                    <a:gd name="connsiteX6" fmla="*/ 5183 w 10000"/>
+                    <a:gd name="connsiteY6" fmla="*/ 44 h 10000"/>
+                    <a:gd name="connsiteX0" fmla="*/ 603 w 5420"/>
+                    <a:gd name="connsiteY0" fmla="*/ 44 h 10000"/>
+                    <a:gd name="connsiteX1" fmla="*/ 5420 w 5420"/>
+                    <a:gd name="connsiteY1" fmla="*/ 0 h 10000"/>
+                    <a:gd name="connsiteX2" fmla="*/ 4355 w 5420"/>
+                    <a:gd name="connsiteY2" fmla="*/ 4956 h 10000"/>
+                    <a:gd name="connsiteX3" fmla="*/ 5419 w 5420"/>
+                    <a:gd name="connsiteY3" fmla="*/ 10000 h 10000"/>
+                    <a:gd name="connsiteX4" fmla="*/ 603 w 5420"/>
+                    <a:gd name="connsiteY4" fmla="*/ 9912 h 10000"/>
+                    <a:gd name="connsiteX5" fmla="*/ 603 w 5420"/>
+                    <a:gd name="connsiteY5" fmla="*/ 44 h 10000"/>
+                    <a:gd name="connsiteX0" fmla="*/ 1112 w 9999"/>
+                    <a:gd name="connsiteY0" fmla="*/ 9912 h 11176"/>
+                    <a:gd name="connsiteX1" fmla="*/ 1112 w 9999"/>
+                    <a:gd name="connsiteY1" fmla="*/ 44 h 11176"/>
+                    <a:gd name="connsiteX2" fmla="*/ 9999 w 9999"/>
+                    <a:gd name="connsiteY2" fmla="*/ 0 h 11176"/>
+                    <a:gd name="connsiteX3" fmla="*/ 8034 w 9999"/>
+                    <a:gd name="connsiteY3" fmla="*/ 4956 h 11176"/>
+                    <a:gd name="connsiteX4" fmla="*/ 9997 w 9999"/>
+                    <a:gd name="connsiteY4" fmla="*/ 10000 h 11176"/>
+                    <a:gd name="connsiteX5" fmla="*/ 2783 w 9999"/>
+                    <a:gd name="connsiteY5" fmla="*/ 11176 h 11176"/>
+                    <a:gd name="connsiteX0" fmla="*/ 1112 w 10000"/>
+                    <a:gd name="connsiteY0" fmla="*/ 8869 h 8948"/>
+                    <a:gd name="connsiteX1" fmla="*/ 1112 w 10000"/>
+                    <a:gd name="connsiteY1" fmla="*/ 39 h 8948"/>
+                    <a:gd name="connsiteX2" fmla="*/ 10000 w 10000"/>
+                    <a:gd name="connsiteY2" fmla="*/ 0 h 8948"/>
+                    <a:gd name="connsiteX3" fmla="*/ 8035 w 10000"/>
+                    <a:gd name="connsiteY3" fmla="*/ 4435 h 8948"/>
+                    <a:gd name="connsiteX4" fmla="*/ 9998 w 10000"/>
+                    <a:gd name="connsiteY4" fmla="*/ 8948 h 8948"/>
+                    <a:gd name="connsiteX0" fmla="*/ 0 w 8888"/>
+                    <a:gd name="connsiteY0" fmla="*/ 44 h 10000"/>
+                    <a:gd name="connsiteX1" fmla="*/ 8888 w 8888"/>
+                    <a:gd name="connsiteY1" fmla="*/ 0 h 10000"/>
+                    <a:gd name="connsiteX2" fmla="*/ 6923 w 8888"/>
+                    <a:gd name="connsiteY2" fmla="*/ 4956 h 10000"/>
+                    <a:gd name="connsiteX3" fmla="*/ 8886 w 8888"/>
+                    <a:gd name="connsiteY3" fmla="*/ 10000 h 10000"/>
+                    <a:gd name="connsiteX0" fmla="*/ 2211 w 2211"/>
+                    <a:gd name="connsiteY0" fmla="*/ 0 h 10000"/>
+                    <a:gd name="connsiteX1" fmla="*/ 0 w 2211"/>
+                    <a:gd name="connsiteY1" fmla="*/ 4956 h 10000"/>
+                    <a:gd name="connsiteX2" fmla="*/ 2209 w 2211"/>
+                    <a:gd name="connsiteY2" fmla="*/ 10000 h 10000"/>
+                  </a:gdLst>
+                  <a:ahLst/>
+                  <a:cxnLst>
+                    <a:cxn ang="0">
+                      <a:pos x="connsiteX0" y="connsiteY0"/>
+                    </a:cxn>
+                    <a:cxn ang="0">
+                      <a:pos x="connsiteX1" y="connsiteY1"/>
+                    </a:cxn>
+                    <a:cxn ang="0">
+                      <a:pos x="connsiteX2" y="connsiteY2"/>
+                    </a:cxn>
+                  </a:cxnLst>
+                  <a:rect l="l" t="t" r="r" b="b"/>
+                  <a:pathLst>
+                    <a:path w="2211" h="10000">
+                      <a:moveTo>
+                        <a:pt x="2211" y="0"/>
+                      </a:moveTo>
+                      <a:cubicBezTo>
+                        <a:pt x="739" y="0"/>
+                        <a:pt x="0" y="3289"/>
+                        <a:pt x="0" y="4956"/>
+                      </a:cubicBezTo>
+                      <a:cubicBezTo>
+                        <a:pt x="0" y="6622"/>
+                        <a:pt x="737" y="10000"/>
+                        <a:pt x="2209" y="10000"/>
+                      </a:cubicBezTo>
+                    </a:path>
+                  </a:pathLst>
+                </a:custGeom>
+                <a:noFill/>
+                <a:ln w="12700">
+                  <a:solidFill>
+                    <a:schemeClr val="tx1"/>
+                  </a:solidFill>
+                  <a:prstDash val="solid"/>
+                </a:ln>
+              </p:spPr>
+              <p:style>
+                <a:lnRef idx="2">
+                  <a:schemeClr val="accent1">
+                    <a:shade val="50000"/>
+                  </a:schemeClr>
+                </a:lnRef>
+                <a:fillRef idx="1">
+                  <a:schemeClr val="accent1"/>
+                </a:fillRef>
+                <a:effectRef idx="0">
+                  <a:schemeClr val="accent1"/>
+                </a:effectRef>
+                <a:fontRef idx="minor">
+                  <a:schemeClr val="lt1"/>
+                </a:fontRef>
+              </p:style>
+              <p:txBody>
+                <a:bodyPr rtlCol="0" anchor="ctr"/>
+                <a:lstStyle/>
+                <a:p>
+                  <a:pPr algn="ctr"/>
+                  <a:endParaRPr lang="en-GB"/>
+                </a:p>
+              </p:txBody>
+            </p:sp>
+          </p:grpSp>
+          <p:sp>
+            <p:nvSpPr>
+              <p:cNvPr id="218" name="TextBox 217"/>
+              <p:cNvSpPr txBox="1"/>
+              <p:nvPr/>
+            </p:nvSpPr>
+            <p:spPr>
+              <a:xfrm>
+                <a:off x="2709760" y="7054261"/>
+                <a:ext cx="328693" cy="246221"/>
+              </a:xfrm>
+              <a:prstGeom prst="rect">
+                <a:avLst/>
+              </a:prstGeom>
+              <a:noFill/>
+            </p:spPr>
+            <p:txBody>
+              <a:bodyPr wrap="square" rtlCol="0">
+                <a:spAutoFit/>
+              </a:bodyPr>
+              <a:lstStyle/>
+              <a:p>
+                <a:pPr algn="ctr"/>
+                <a:r>
+                  <a:rPr lang="en-US" sz="500" dirty="0"/>
+                  <a:t>OR</a:t>
+                </a:r>
+              </a:p>
+              <a:p>
+                <a:pPr algn="ctr"/>
+                <a:r>
+                  <a:rPr lang="en-US" sz="500" dirty="0"/>
+                  <a:t> Gate</a:t>
+                </a:r>
+              </a:p>
+            </p:txBody>
+          </p:sp>
+          <p:cxnSp>
+            <p:nvCxnSpPr>
+              <p:cNvPr id="272" name="Straight Connector 271"/>
+              <p:cNvCxnSpPr>
+                <a:cxnSpLocks/>
+              </p:cNvCxnSpPr>
+              <p:nvPr/>
+            </p:nvCxnSpPr>
+            <p:spPr>
+              <a:xfrm flipV="1">
+                <a:off x="2464957" y="6991189"/>
+                <a:ext cx="0" cy="122942"/>
+              </a:xfrm>
+              <a:prstGeom prst="line">
+                <a:avLst/>
+              </a:prstGeom>
+              <a:ln w="12700">
+                <a:solidFill>
+                  <a:schemeClr val="tx1"/>
+                </a:solidFill>
+              </a:ln>
+            </p:spPr>
+            <p:style>
+              <a:lnRef idx="1">
+                <a:schemeClr val="accent1"/>
+              </a:lnRef>
+              <a:fillRef idx="0">
+                <a:schemeClr val="accent1"/>
+              </a:fillRef>
+              <a:effectRef idx="0">
+                <a:schemeClr val="accent1"/>
+              </a:effectRef>
+              <a:fontRef idx="minor">
+                <a:schemeClr val="tx1"/>
+              </a:fontRef>
+            </p:style>
+          </p:cxnSp>
+          <p:cxnSp>
+            <p:nvCxnSpPr>
+              <p:cNvPr id="275" name="Straight Connector 274"/>
+              <p:cNvCxnSpPr>
+                <a:cxnSpLocks/>
+              </p:cNvCxnSpPr>
+              <p:nvPr/>
+            </p:nvCxnSpPr>
+            <p:spPr>
+              <a:xfrm flipH="1">
+                <a:off x="2464955" y="7114131"/>
+                <a:ext cx="91440" cy="1"/>
+              </a:xfrm>
+              <a:prstGeom prst="line">
+                <a:avLst/>
+              </a:prstGeom>
+              <a:ln w="12700">
+                <a:solidFill>
+                  <a:schemeClr val="tx1"/>
+                </a:solidFill>
+              </a:ln>
+            </p:spPr>
+            <p:style>
+              <a:lnRef idx="1">
+                <a:schemeClr val="accent1"/>
+              </a:lnRef>
+              <a:fillRef idx="0">
+                <a:schemeClr val="accent1"/>
+              </a:fillRef>
+              <a:effectRef idx="0">
+                <a:schemeClr val="accent1"/>
+              </a:effectRef>
+              <a:fontRef idx="minor">
+                <a:schemeClr val="tx1"/>
+              </a:fontRef>
+            </p:style>
+          </p:cxnSp>
+          <p:sp>
+            <p:nvSpPr>
+              <p:cNvPr id="330" name="TextBox 329"/>
+              <p:cNvSpPr txBox="1"/>
+              <p:nvPr/>
+            </p:nvSpPr>
+            <p:spPr>
+              <a:xfrm>
+                <a:off x="2484365" y="7023803"/>
+                <a:ext cx="261831" cy="169277"/>
+              </a:xfrm>
+              <a:prstGeom prst="rect">
+                <a:avLst/>
+              </a:prstGeom>
+              <a:noFill/>
+            </p:spPr>
+            <p:txBody>
+              <a:bodyPr wrap="square" rtlCol="0">
+                <a:spAutoFit/>
+              </a:bodyPr>
+              <a:lstStyle/>
+              <a:p>
+                <a:r>
+                  <a:rPr lang="en-US" sz="500" dirty="0"/>
+                  <a:t>S1</a:t>
+                </a:r>
+              </a:p>
+            </p:txBody>
+          </p:sp>
+          <p:sp>
+            <p:nvSpPr>
+              <p:cNvPr id="331" name="TextBox 330"/>
+              <p:cNvSpPr txBox="1"/>
+              <p:nvPr/>
+            </p:nvSpPr>
+            <p:spPr>
+              <a:xfrm>
+                <a:off x="2495624" y="7094287"/>
+                <a:ext cx="261831" cy="169277"/>
+              </a:xfrm>
+              <a:prstGeom prst="rect">
+                <a:avLst/>
+              </a:prstGeom>
+              <a:noFill/>
+            </p:spPr>
+            <p:txBody>
+              <a:bodyPr wrap="square" rtlCol="0">
+                <a:spAutoFit/>
+              </a:bodyPr>
+              <a:lstStyle/>
+              <a:p>
+                <a:r>
+                  <a:rPr lang="en-US" sz="500" dirty="0"/>
+                  <a:t>S2</a:t>
+                </a:r>
+              </a:p>
+            </p:txBody>
+          </p:sp>
+          <p:sp>
+            <p:nvSpPr>
+              <p:cNvPr id="332" name="TextBox 331"/>
+              <p:cNvSpPr txBox="1"/>
+              <p:nvPr/>
+            </p:nvSpPr>
+            <p:spPr>
+              <a:xfrm>
+                <a:off x="2481463" y="7171231"/>
+                <a:ext cx="261831" cy="169277"/>
+              </a:xfrm>
+              <a:prstGeom prst="rect">
+                <a:avLst/>
+              </a:prstGeom>
+              <a:noFill/>
+            </p:spPr>
+            <p:txBody>
+              <a:bodyPr wrap="square" rtlCol="0">
+                <a:spAutoFit/>
+              </a:bodyPr>
+              <a:lstStyle/>
+              <a:p>
+                <a:r>
+                  <a:rPr lang="en-US" sz="500" dirty="0"/>
+                  <a:t>S3</a:t>
+                </a:r>
+              </a:p>
+            </p:txBody>
+          </p:sp>
+        </p:grpSp>
+        <p:cxnSp>
+          <p:nvCxnSpPr>
+            <p:cNvPr id="336" name="Straight Connector 335"/>
+            <p:cNvCxnSpPr>
+              <a:cxnSpLocks/>
+              <a:stCxn id="88" idx="2"/>
+            </p:cNvCxnSpPr>
+            <p:nvPr/>
+          </p:nvCxnSpPr>
+          <p:spPr>
+            <a:xfrm>
+              <a:off x="3746921" y="3409469"/>
+              <a:ext cx="90524" cy="0"/>
+            </a:xfrm>
+            <a:prstGeom prst="line">
+              <a:avLst/>
+            </a:prstGeom>
+            <a:ln w="12700">
+              <a:solidFill>
+                <a:schemeClr val="tx1"/>
+              </a:solidFill>
+            </a:ln>
+          </p:spPr>
+          <p:style>
+            <a:lnRef idx="1">
+              <a:schemeClr val="accent1"/>
+            </a:lnRef>
+            <a:fillRef idx="0">
+              <a:schemeClr val="accent1"/>
+            </a:fillRef>
+            <a:effectRef idx="0">
+              <a:schemeClr val="accent1"/>
+            </a:effectRef>
+            <a:fontRef idx="minor">
+              <a:schemeClr val="tx1"/>
+            </a:fontRef>
+          </p:style>
+        </p:cxnSp>
+        <p:grpSp>
+          <p:nvGrpSpPr>
+            <p:cNvPr id="339" name="Group 95"/>
+            <p:cNvGrpSpPr>
+              <a:grpSpLocks/>
+            </p:cNvGrpSpPr>
+            <p:nvPr/>
+          </p:nvGrpSpPr>
+          <p:grpSpPr bwMode="auto">
+            <a:xfrm rot="5400000">
+              <a:off x="3758512" y="2953323"/>
+              <a:ext cx="152830" cy="152400"/>
+              <a:chOff x="2971800" y="2438400"/>
+              <a:chExt cx="1219200" cy="304800"/>
+            </a:xfrm>
+          </p:grpSpPr>
+          <p:cxnSp>
+            <p:nvCxnSpPr>
+              <p:cNvPr id="340" name="Straight Connector 339"/>
+              <p:cNvCxnSpPr>
+                <a:cxnSpLocks/>
+              </p:cNvCxnSpPr>
+              <p:nvPr/>
+            </p:nvCxnSpPr>
+            <p:spPr>
+              <a:xfrm>
+                <a:off x="2971800" y="2590800"/>
+                <a:ext cx="150911" cy="3176"/>
+              </a:xfrm>
+              <a:prstGeom prst="line">
+                <a:avLst/>
+              </a:prstGeom>
+              <a:ln w="12700">
+                <a:solidFill>
+                  <a:schemeClr val="tx1"/>
+                </a:solidFill>
+              </a:ln>
+            </p:spPr>
+            <p:style>
+              <a:lnRef idx="1">
+                <a:schemeClr val="accent1"/>
+              </a:lnRef>
+              <a:fillRef idx="0">
+                <a:schemeClr val="accent1"/>
+              </a:fillRef>
+              <a:effectRef idx="0">
+                <a:schemeClr val="accent1"/>
+              </a:effectRef>
+              <a:fontRef idx="minor">
+                <a:schemeClr val="tx1"/>
+              </a:fontRef>
+            </p:style>
+          </p:cxnSp>
+          <p:cxnSp>
+            <p:nvCxnSpPr>
+              <p:cNvPr id="341" name="Straight Connector 340"/>
+              <p:cNvCxnSpPr>
+                <a:cxnSpLocks/>
+                <a:stCxn id="346" idx="2"/>
+              </p:cNvCxnSpPr>
+              <p:nvPr/>
+            </p:nvCxnSpPr>
+            <p:spPr>
+              <a:xfrm>
+                <a:off x="4040094" y="2590800"/>
+                <a:ext cx="150906" cy="3176"/>
+              </a:xfrm>
+              <a:prstGeom prst="line">
+                <a:avLst/>
+              </a:prstGeom>
+              <a:ln w="12700">
+                <a:solidFill>
+                  <a:schemeClr val="tx1"/>
+                </a:solidFill>
+              </a:ln>
+            </p:spPr>
+            <p:style>
+              <a:lnRef idx="1">
+                <a:schemeClr val="accent1"/>
+              </a:lnRef>
+              <a:fillRef idx="0">
+                <a:schemeClr val="accent1"/>
+              </a:fillRef>
+              <a:effectRef idx="0">
+                <a:schemeClr val="accent1"/>
+              </a:effectRef>
+              <a:fontRef idx="minor">
+                <a:schemeClr val="tx1"/>
+              </a:fontRef>
+            </p:style>
+          </p:cxnSp>
+          <p:grpSp>
+            <p:nvGrpSpPr>
+              <p:cNvPr id="342" name="Group 55"/>
+              <p:cNvGrpSpPr>
+                <a:grpSpLocks/>
+              </p:cNvGrpSpPr>
+              <p:nvPr/>
+            </p:nvGrpSpPr>
+            <p:grpSpPr bwMode="auto">
+              <a:xfrm>
+                <a:off x="3124200" y="2438400"/>
+                <a:ext cx="228600" cy="304800"/>
+                <a:chOff x="2971800" y="533400"/>
+                <a:chExt cx="228600" cy="304800"/>
+              </a:xfrm>
+            </p:grpSpPr>
+            <p:sp>
+              <p:nvSpPr>
+                <p:cNvPr id="352" name="Arc 351"/>
+                <p:cNvSpPr/>
+                <p:nvPr/>
+              </p:nvSpPr>
+              <p:spPr>
+                <a:xfrm>
+                  <a:off x="2970312" y="533400"/>
+                  <a:ext cx="230339" cy="304800"/>
+                </a:xfrm>
+                <a:prstGeom prst="arc">
+                  <a:avLst/>
+                </a:prstGeom>
+                <a:ln w="12700">
+                  <a:solidFill>
+                    <a:schemeClr val="tx1"/>
+                  </a:solidFill>
+                </a:ln>
+              </p:spPr>
+              <p:style>
+                <a:lnRef idx="1">
+                  <a:schemeClr val="accent1"/>
+                </a:lnRef>
+                <a:fillRef idx="0">
+                  <a:schemeClr val="accent1"/>
+                </a:fillRef>
+                <a:effectRef idx="0">
+                  <a:schemeClr val="accent1"/>
+                </a:effectRef>
+                <a:fontRef idx="minor">
+                  <a:schemeClr val="tx1"/>
+                </a:fontRef>
+              </p:style>
+              <p:txBody>
+                <a:bodyPr anchor="ctr"/>
+                <a:lstStyle/>
+                <a:p>
+                  <a:pPr algn="ctr">
+                    <a:defRPr/>
+                  </a:pPr>
+                  <a:endParaRPr lang="en-US"/>
+                </a:p>
+              </p:txBody>
+            </p:sp>
+            <p:sp>
+              <p:nvSpPr>
+                <p:cNvPr id="353" name="Arc 352"/>
+                <p:cNvSpPr/>
+                <p:nvPr/>
+              </p:nvSpPr>
+              <p:spPr>
+                <a:xfrm flipH="1">
+                  <a:off x="2970312" y="533400"/>
+                  <a:ext cx="230339" cy="304800"/>
+                </a:xfrm>
+                <a:prstGeom prst="arc">
+                  <a:avLst/>
+                </a:prstGeom>
+                <a:ln w="12700">
+                  <a:solidFill>
+                    <a:schemeClr val="tx1"/>
+                  </a:solidFill>
+                </a:ln>
+              </p:spPr>
+              <p:style>
+                <a:lnRef idx="1">
+                  <a:schemeClr val="accent1"/>
+                </a:lnRef>
+                <a:fillRef idx="0">
+                  <a:schemeClr val="accent1"/>
+                </a:fillRef>
+                <a:effectRef idx="0">
+                  <a:schemeClr val="accent1"/>
+                </a:effectRef>
+                <a:fontRef idx="minor">
+                  <a:schemeClr val="tx1"/>
+                </a:fontRef>
+              </p:style>
+              <p:txBody>
+                <a:bodyPr anchor="ctr"/>
+                <a:lstStyle/>
+                <a:p>
+                  <a:pPr algn="ctr">
+                    <a:defRPr/>
+                  </a:pPr>
+                  <a:endParaRPr lang="en-US"/>
+                </a:p>
+              </p:txBody>
+            </p:sp>
+          </p:grpSp>
+          <p:grpSp>
+            <p:nvGrpSpPr>
+              <p:cNvPr id="343" name="Group 56"/>
+              <p:cNvGrpSpPr>
+                <a:grpSpLocks/>
+              </p:cNvGrpSpPr>
+              <p:nvPr/>
+            </p:nvGrpSpPr>
+            <p:grpSpPr bwMode="auto">
+              <a:xfrm>
+                <a:off x="3352800" y="2438400"/>
+                <a:ext cx="228600" cy="304800"/>
+                <a:chOff x="2971800" y="533400"/>
+                <a:chExt cx="228600" cy="304800"/>
+              </a:xfrm>
+            </p:grpSpPr>
+            <p:sp>
+              <p:nvSpPr>
+                <p:cNvPr id="350" name="Arc 349"/>
+                <p:cNvSpPr/>
+                <p:nvPr/>
+              </p:nvSpPr>
+              <p:spPr>
+                <a:xfrm>
+                  <a:off x="2972048" y="533400"/>
+                  <a:ext cx="234309" cy="304800"/>
+                </a:xfrm>
+                <a:prstGeom prst="arc">
+                  <a:avLst/>
+                </a:prstGeom>
+                <a:ln w="12700">
+                  <a:solidFill>
+                    <a:schemeClr val="tx1"/>
+                  </a:solidFill>
+                </a:ln>
+              </p:spPr>
+              <p:style>
+                <a:lnRef idx="1">
+                  <a:schemeClr val="accent1"/>
+                </a:lnRef>
+                <a:fillRef idx="0">
+                  <a:schemeClr val="accent1"/>
+                </a:fillRef>
+                <a:effectRef idx="0">
+                  <a:schemeClr val="accent1"/>
+                </a:effectRef>
+                <a:fontRef idx="minor">
+                  <a:schemeClr val="tx1"/>
+                </a:fontRef>
+              </p:style>
+              <p:txBody>
+                <a:bodyPr anchor="ctr"/>
+                <a:lstStyle/>
+                <a:p>
+                  <a:pPr algn="ctr">
+                    <a:defRPr/>
+                  </a:pPr>
+                  <a:endParaRPr lang="en-US"/>
+                </a:p>
+              </p:txBody>
+            </p:sp>
+            <p:sp>
+              <p:nvSpPr>
+                <p:cNvPr id="351" name="Arc 350"/>
+                <p:cNvSpPr/>
+                <p:nvPr/>
+              </p:nvSpPr>
+              <p:spPr>
+                <a:xfrm flipH="1">
+                  <a:off x="2972048" y="533400"/>
+                  <a:ext cx="234309" cy="304800"/>
+                </a:xfrm>
+                <a:prstGeom prst="arc">
+                  <a:avLst/>
+                </a:prstGeom>
+                <a:ln w="12700">
+                  <a:solidFill>
+                    <a:schemeClr val="tx1"/>
+                  </a:solidFill>
+                </a:ln>
+              </p:spPr>
+              <p:style>
+                <a:lnRef idx="1">
+                  <a:schemeClr val="accent1"/>
+                </a:lnRef>
+                <a:fillRef idx="0">
+                  <a:schemeClr val="accent1"/>
+                </a:fillRef>
+                <a:effectRef idx="0">
+                  <a:schemeClr val="accent1"/>
+                </a:effectRef>
+                <a:fontRef idx="minor">
+                  <a:schemeClr val="tx1"/>
+                </a:fontRef>
+              </p:style>
+              <p:txBody>
+                <a:bodyPr anchor="ctr"/>
+                <a:lstStyle/>
+                <a:p>
+                  <a:pPr algn="ctr">
+                    <a:defRPr/>
+                  </a:pPr>
+                  <a:endParaRPr lang="en-US"/>
+                </a:p>
+              </p:txBody>
+            </p:sp>
+          </p:grpSp>
+          <p:grpSp>
+            <p:nvGrpSpPr>
+              <p:cNvPr id="344" name="Group 59"/>
+              <p:cNvGrpSpPr>
+                <a:grpSpLocks/>
+              </p:cNvGrpSpPr>
+              <p:nvPr/>
+            </p:nvGrpSpPr>
+            <p:grpSpPr bwMode="auto">
+              <a:xfrm>
+                <a:off x="3581400" y="2438400"/>
+                <a:ext cx="228600" cy="304800"/>
+                <a:chOff x="2971800" y="533400"/>
+                <a:chExt cx="228600" cy="304800"/>
+              </a:xfrm>
+            </p:grpSpPr>
+            <p:sp>
+              <p:nvSpPr>
+                <p:cNvPr id="348" name="Arc 347"/>
+                <p:cNvSpPr/>
+                <p:nvPr/>
+              </p:nvSpPr>
+              <p:spPr>
+                <a:xfrm>
+                  <a:off x="2973786" y="533400"/>
+                  <a:ext cx="226366" cy="304800"/>
+                </a:xfrm>
+                <a:prstGeom prst="arc">
+                  <a:avLst/>
+                </a:prstGeom>
+                <a:ln w="12700">
+                  <a:solidFill>
+                    <a:schemeClr val="tx1"/>
+                  </a:solidFill>
+                </a:ln>
+              </p:spPr>
+              <p:style>
+                <a:lnRef idx="1">
+                  <a:schemeClr val="accent1"/>
+                </a:lnRef>
+                <a:fillRef idx="0">
+                  <a:schemeClr val="accent1"/>
+                </a:fillRef>
+                <a:effectRef idx="0">
+                  <a:schemeClr val="accent1"/>
+                </a:effectRef>
+                <a:fontRef idx="minor">
+                  <a:schemeClr val="tx1"/>
+                </a:fontRef>
+              </p:style>
+              <p:txBody>
+                <a:bodyPr anchor="ctr"/>
+                <a:lstStyle/>
+                <a:p>
+                  <a:pPr algn="ctr">
+                    <a:defRPr/>
+                  </a:pPr>
+                  <a:endParaRPr lang="en-US"/>
+                </a:p>
+              </p:txBody>
+            </p:sp>
+            <p:sp>
+              <p:nvSpPr>
+                <p:cNvPr id="349" name="Arc 348"/>
+                <p:cNvSpPr/>
+                <p:nvPr/>
+              </p:nvSpPr>
+              <p:spPr>
+                <a:xfrm flipH="1">
+                  <a:off x="2973786" y="533400"/>
+                  <a:ext cx="226366" cy="304800"/>
+                </a:xfrm>
+                <a:prstGeom prst="arc">
+                  <a:avLst/>
+                </a:prstGeom>
+                <a:ln w="12700">
+                  <a:solidFill>
+                    <a:schemeClr val="tx1"/>
+                  </a:solidFill>
+                </a:ln>
+              </p:spPr>
+              <p:style>
+                <a:lnRef idx="1">
+                  <a:schemeClr val="accent1"/>
+                </a:lnRef>
+                <a:fillRef idx="0">
+                  <a:schemeClr val="accent1"/>
+                </a:fillRef>
+                <a:effectRef idx="0">
+                  <a:schemeClr val="accent1"/>
+                </a:effectRef>
+                <a:fontRef idx="minor">
+                  <a:schemeClr val="tx1"/>
+                </a:fontRef>
+              </p:style>
+              <p:txBody>
+                <a:bodyPr anchor="ctr"/>
+                <a:lstStyle/>
+                <a:p>
+                  <a:pPr algn="ctr">
+                    <a:defRPr/>
+                  </a:pPr>
+                  <a:endParaRPr lang="en-US"/>
+                </a:p>
+              </p:txBody>
+            </p:sp>
+          </p:grpSp>
+          <p:grpSp>
+            <p:nvGrpSpPr>
+              <p:cNvPr id="345" name="Group 59"/>
+              <p:cNvGrpSpPr>
+                <a:grpSpLocks/>
+              </p:cNvGrpSpPr>
+              <p:nvPr/>
+            </p:nvGrpSpPr>
+            <p:grpSpPr bwMode="auto">
+              <a:xfrm>
+                <a:off x="3810000" y="2438400"/>
+                <a:ext cx="228600" cy="304800"/>
+                <a:chOff x="2971800" y="533400"/>
+                <a:chExt cx="228600" cy="304800"/>
+              </a:xfrm>
+            </p:grpSpPr>
+            <p:sp>
+              <p:nvSpPr>
+                <p:cNvPr id="346" name="Arc 345"/>
+                <p:cNvSpPr/>
+                <p:nvPr/>
+              </p:nvSpPr>
+              <p:spPr>
+                <a:xfrm>
+                  <a:off x="2971552" y="533400"/>
+                  <a:ext cx="230339" cy="304800"/>
+                </a:xfrm>
+                <a:prstGeom prst="arc">
+                  <a:avLst/>
+                </a:prstGeom>
+                <a:ln w="12700">
+                  <a:solidFill>
+                    <a:schemeClr val="tx1"/>
+                  </a:solidFill>
+                </a:ln>
+              </p:spPr>
+              <p:style>
+                <a:lnRef idx="1">
+                  <a:schemeClr val="accent1"/>
+                </a:lnRef>
+                <a:fillRef idx="0">
+                  <a:schemeClr val="accent1"/>
+                </a:fillRef>
+                <a:effectRef idx="0">
+                  <a:schemeClr val="accent1"/>
+                </a:effectRef>
+                <a:fontRef idx="minor">
+                  <a:schemeClr val="tx1"/>
+                </a:fontRef>
+              </p:style>
+              <p:txBody>
+                <a:bodyPr anchor="ctr"/>
+                <a:lstStyle/>
+                <a:p>
+                  <a:pPr algn="ctr">
+                    <a:defRPr/>
+                  </a:pPr>
+                  <a:endParaRPr lang="en-US"/>
+                </a:p>
+              </p:txBody>
+            </p:sp>
+            <p:sp>
+              <p:nvSpPr>
+                <p:cNvPr id="347" name="Arc 346"/>
+                <p:cNvSpPr/>
+                <p:nvPr/>
+              </p:nvSpPr>
+              <p:spPr>
+                <a:xfrm flipH="1">
+                  <a:off x="2971552" y="533400"/>
+                  <a:ext cx="230339" cy="304800"/>
+                </a:xfrm>
+                <a:prstGeom prst="arc">
+                  <a:avLst/>
+                </a:prstGeom>
+                <a:ln w="12700">
+                  <a:solidFill>
+                    <a:schemeClr val="tx1"/>
+                  </a:solidFill>
+                </a:ln>
+              </p:spPr>
+              <p:style>
+                <a:lnRef idx="1">
+                  <a:schemeClr val="accent1"/>
+                </a:lnRef>
+                <a:fillRef idx="0">
+                  <a:schemeClr val="accent1"/>
+                </a:fillRef>
+                <a:effectRef idx="0">
+                  <a:schemeClr val="accent1"/>
+                </a:effectRef>
+                <a:fontRef idx="minor">
+                  <a:schemeClr val="tx1"/>
+                </a:fontRef>
+              </p:style>
+              <p:txBody>
+                <a:bodyPr anchor="ctr"/>
+                <a:lstStyle/>
+                <a:p>
+                  <a:pPr algn="ctr">
+                    <a:defRPr/>
+                  </a:pPr>
+                  <a:endParaRPr lang="en-US"/>
+                </a:p>
+              </p:txBody>
+            </p:sp>
+          </p:grpSp>
+        </p:grpSp>
+        <p:sp>
+          <p:nvSpPr>
+            <p:cNvPr id="358" name="Rectangle 357"/>
+            <p:cNvSpPr/>
+            <p:nvPr/>
+          </p:nvSpPr>
+          <p:spPr>
+            <a:xfrm>
+              <a:off x="3740785" y="3106194"/>
+              <a:ext cx="222251" cy="206991"/>
+            </a:xfrm>
+            <a:prstGeom prst="rect">
+              <a:avLst/>
+            </a:prstGeom>
+            <a:solidFill>
+              <a:schemeClr val="bg1"/>
+            </a:solidFill>
+            <a:ln>
+              <a:solidFill>
+                <a:schemeClr val="tx1"/>
+              </a:solidFill>
+            </a:ln>
+          </p:spPr>
+          <p:style>
+            <a:lnRef idx="2">
+              <a:schemeClr val="accent1">
+                <a:shade val="50000"/>
+              </a:schemeClr>
+            </a:lnRef>
+            <a:fillRef idx="1">
+              <a:schemeClr val="accent1"/>
+            </a:fillRef>
+            <a:effectRef idx="0">
+              <a:schemeClr val="accent1"/>
+            </a:effectRef>
+            <a:fontRef idx="minor">
+              <a:schemeClr val="lt1"/>
+            </a:fontRef>
+          </p:style>
+          <p:txBody>
+            <a:bodyPr rtlCol="0" anchor="ctr"/>
+            <a:lstStyle/>
+            <a:p>
+              <a:pPr algn="ctr"/>
+              <a:endParaRPr lang="en-US"/>
+            </a:p>
+          </p:txBody>
+        </p:sp>
+        <p:cxnSp>
+          <p:nvCxnSpPr>
+            <p:cNvPr id="362" name="Straight Arrow Connector 361"/>
+            <p:cNvCxnSpPr>
+              <a:cxnSpLocks/>
+              <a:stCxn id="358" idx="3"/>
+            </p:cNvCxnSpPr>
+            <p:nvPr/>
+          </p:nvCxnSpPr>
+          <p:spPr>
+            <a:xfrm>
+              <a:off x="3963036" y="3209690"/>
+              <a:ext cx="139699" cy="0"/>
+            </a:xfrm>
+            <a:prstGeom prst="straightConnector1">
+              <a:avLst/>
+            </a:prstGeom>
+            <a:ln>
+              <a:solidFill>
+                <a:schemeClr val="tx1"/>
+              </a:solidFill>
+              <a:tailEnd type="triangle"/>
+            </a:ln>
+          </p:spPr>
+          <p:style>
+            <a:lnRef idx="1">
+              <a:schemeClr val="accent1"/>
+            </a:lnRef>
+            <a:fillRef idx="0">
+              <a:schemeClr val="accent1"/>
+            </a:fillRef>
+            <a:effectRef idx="0">
+              <a:schemeClr val="accent1"/>
+            </a:effectRef>
+            <a:fontRef idx="minor">
+              <a:schemeClr val="tx1"/>
+            </a:fontRef>
+          </p:style>
+        </p:cxnSp>
+        <p:sp>
+          <p:nvSpPr>
+            <p:cNvPr id="366" name="TextBox 365"/>
+            <p:cNvSpPr txBox="1"/>
+            <p:nvPr/>
+          </p:nvSpPr>
+          <p:spPr>
+            <a:xfrm>
+              <a:off x="3681953" y="3061824"/>
+              <a:ext cx="361950" cy="169277"/>
+            </a:xfrm>
+            <a:prstGeom prst="rect">
+              <a:avLst/>
+            </a:prstGeom>
+            <a:noFill/>
+          </p:spPr>
+          <p:txBody>
+            <a:bodyPr wrap="square" rtlCol="0">
+              <a:spAutoFit/>
+            </a:bodyPr>
+            <a:lstStyle/>
+            <a:p>
+              <a:r>
+                <a:rPr lang="en-US" sz="500" dirty="0"/>
+                <a:t>START</a:t>
+              </a:r>
+            </a:p>
+          </p:txBody>
+        </p:sp>
+        <p:sp>
+          <p:nvSpPr>
+            <p:cNvPr id="368" name="TextBox 367"/>
+            <p:cNvSpPr txBox="1"/>
+            <p:nvPr/>
+          </p:nvSpPr>
+          <p:spPr>
+            <a:xfrm>
+              <a:off x="4014724" y="3101967"/>
+              <a:ext cx="369094" cy="215444"/>
+            </a:xfrm>
+            <a:prstGeom prst="rect">
+              <a:avLst/>
+            </a:prstGeom>
+            <a:noFill/>
+          </p:spPr>
+          <p:txBody>
+            <a:bodyPr wrap="square" rtlCol="0">
+              <a:spAutoFit/>
+            </a:bodyPr>
+            <a:lstStyle/>
+            <a:p>
+              <a:r>
+                <a:rPr lang="en-US" sz="800" dirty="0"/>
+                <a:t>PHA</a:t>
+              </a:r>
+            </a:p>
+          </p:txBody>
+        </p:sp>
+        <p:cxnSp>
+          <p:nvCxnSpPr>
+            <p:cNvPr id="371" name="Straight Arrow Connector 370"/>
+            <p:cNvCxnSpPr>
+              <a:cxnSpLocks/>
+            </p:cNvCxnSpPr>
+            <p:nvPr/>
+          </p:nvCxnSpPr>
+          <p:spPr>
+            <a:xfrm>
+              <a:off x="3802773" y="2746234"/>
+              <a:ext cx="62920" cy="195446"/>
+            </a:xfrm>
+            <a:prstGeom prst="straightConnector1">
+              <a:avLst/>
+            </a:prstGeom>
+            <a:ln>
+              <a:solidFill>
+                <a:schemeClr val="tx1"/>
+              </a:solidFill>
+              <a:tailEnd type="triangle"/>
+            </a:ln>
+          </p:spPr>
+          <p:style>
+            <a:lnRef idx="1">
+              <a:schemeClr val="accent1"/>
+            </a:lnRef>
+            <a:fillRef idx="0">
+              <a:schemeClr val="accent1"/>
+            </a:fillRef>
+            <a:effectRef idx="0">
+              <a:schemeClr val="accent1"/>
+            </a:effectRef>
+            <a:fontRef idx="minor">
+              <a:schemeClr val="tx1"/>
+            </a:fontRef>
+          </p:style>
+        </p:cxnSp>
+        <p:sp>
+          <p:nvSpPr>
+            <p:cNvPr id="373" name="TextBox 372"/>
+            <p:cNvSpPr txBox="1"/>
+            <p:nvPr/>
+          </p:nvSpPr>
+          <p:spPr>
+            <a:xfrm>
+              <a:off x="3586698" y="2478354"/>
+              <a:ext cx="432150" cy="338554"/>
+            </a:xfrm>
+            <a:prstGeom prst="rect">
+              <a:avLst/>
+            </a:prstGeom>
+            <a:noFill/>
+          </p:spPr>
+          <p:txBody>
+            <a:bodyPr wrap="square" rtlCol="0">
+              <a:spAutoFit/>
+            </a:bodyPr>
+            <a:lstStyle/>
+            <a:p>
+              <a:pPr algn="ctr"/>
+              <a:r>
+                <a:rPr lang="en-US" sz="800" dirty="0"/>
+                <a:t>Time </a:t>
+              </a:r>
+            </a:p>
+            <a:p>
+              <a:pPr algn="ctr"/>
+              <a:r>
+                <a:rPr lang="en-US" sz="800" dirty="0"/>
+                <a:t>Delay</a:t>
+              </a:r>
+            </a:p>
+          </p:txBody>
+        </p:sp>
+        <p:sp>
+          <p:nvSpPr>
+            <p:cNvPr id="376" name="TextBox 375"/>
+            <p:cNvSpPr txBox="1"/>
+            <p:nvPr/>
+          </p:nvSpPr>
+          <p:spPr>
+            <a:xfrm>
+              <a:off x="3690348" y="3192504"/>
+              <a:ext cx="361950" cy="169277"/>
+            </a:xfrm>
+            <a:prstGeom prst="rect">
+              <a:avLst/>
+            </a:prstGeom>
+            <a:noFill/>
+          </p:spPr>
+          <p:txBody>
+            <a:bodyPr wrap="square" rtlCol="0">
+              <a:spAutoFit/>
+            </a:bodyPr>
+            <a:lstStyle/>
+            <a:p>
+              <a:r>
+                <a:rPr lang="en-US" sz="500" dirty="0"/>
+                <a:t>STOP</a:t>
+              </a:r>
+            </a:p>
+          </p:txBody>
+        </p:sp>
+        <mc:AlternateContent xmlns:mc="http://schemas.openxmlformats.org/markup-compatibility/2006">
+          <mc:Choice xmlns:a14="http://schemas.microsoft.com/office/drawing/2010/main" Requires="a14">
+            <p:sp>
+              <p:nvSpPr>
+                <p:cNvPr id="377" name="TextBox 376"/>
+                <p:cNvSpPr txBox="1"/>
+                <p:nvPr/>
+              </p:nvSpPr>
+              <p:spPr>
+                <a:xfrm>
+                  <a:off x="3672186" y="3125743"/>
+                  <a:ext cx="361950" cy="176010"/>
+                </a:xfrm>
+                <a:prstGeom prst="rect">
+                  <a:avLst/>
+                </a:prstGeom>
+                <a:noFill/>
+              </p:spPr>
+              <p:txBody>
+                <a:bodyPr wrap="square" rtlCol="0">
+                  <a:spAutoFit/>
+                </a:bodyPr>
+                <a:lstStyle/>
+                <a:p>
+                  <a14:m>
+                    <m:oMathPara xmlns:m="http://schemas.openxmlformats.org/officeDocument/2006/math">
+                      <m:oMathParaPr>
+                        <m:jc m:val="centerGroup"/>
+                      </m:oMathParaPr>
+                      <m:oMath xmlns:m="http://schemas.openxmlformats.org/officeDocument/2006/math">
+                        <m:acc>
+                          <m:accPr>
+                            <m:chr m:val="̅"/>
+                            <m:ctrlPr>
+                              <a:rPr lang="en-US" sz="500" b="1" i="1" u="sng" smtClean="0">
+                                <a:latin typeface="Cambria Math" panose="02040503050406030204" pitchFamily="18" charset="0"/>
+                              </a:rPr>
+                            </m:ctrlPr>
+                          </m:accPr>
+                          <m:e>
+                            <m:r>
+                              <a:rPr lang="en-US" sz="500" b="1" i="1" u="sng" smtClean="0">
+                                <a:latin typeface="Cambria Math" panose="02040503050406030204" pitchFamily="18" charset="0"/>
+                              </a:rPr>
+                              <m:t>𝑻𝑨𝑪</m:t>
+                            </m:r>
+                          </m:e>
+                        </m:acc>
+                      </m:oMath>
+                    </m:oMathPara>
+                  </a14:m>
+                  <a:endParaRPr lang="en-US" sz="500" b="1" u="sng" dirty="0"/>
+                </a:p>
+              </p:txBody>
+            </p:sp>
+          </mc:Choice>
+          <mc:Fallback>
+            <p:sp>
+              <p:nvSpPr>
+                <p:cNvPr id="377" name="TextBox 376"/>
+                <p:cNvSpPr txBox="1">
+                  <a:spLocks noRot="1" noChangeAspect="1" noMove="1" noResize="1" noEditPoints="1" noAdjustHandles="1" noChangeArrowheads="1" noChangeShapeType="1" noTextEdit="1"/>
+                </p:cNvSpPr>
+                <p:nvPr/>
+              </p:nvSpPr>
+              <p:spPr>
+                <a:xfrm>
+                  <a:off x="3672186" y="3125743"/>
+                  <a:ext cx="361950" cy="176010"/>
+                </a:xfrm>
+                <a:prstGeom prst="rect">
+                  <a:avLst/>
+                </a:prstGeom>
+                <a:blipFill>
+                  <a:blip r:embed="rId16"/>
+                  <a:stretch>
+                    <a:fillRect/>
+                  </a:stretch>
+                </a:blipFill>
+              </p:spPr>
+              <p:txBody>
+                <a:bodyPr/>
+                <a:lstStyle/>
+                <a:p>
+                  <a:r>
+                    <a:rPr lang="en-US">
+                      <a:noFill/>
+                    </a:rPr>
+                    <a:t> </a:t>
+                  </a:r>
+                </a:p>
+              </p:txBody>
+            </p:sp>
+          </mc:Fallback>
+        </mc:AlternateContent>
+        <p:cxnSp>
+          <p:nvCxnSpPr>
+            <p:cNvPr id="382" name="Straight Connector 381"/>
+            <p:cNvCxnSpPr/>
+            <p:nvPr/>
+          </p:nvCxnSpPr>
+          <p:spPr>
+            <a:xfrm>
+              <a:off x="1116458" y="3814409"/>
+              <a:ext cx="3200400" cy="0"/>
+            </a:xfrm>
+            <a:prstGeom prst="line">
+              <a:avLst/>
+            </a:prstGeom>
+            <a:ln w="12700">
+              <a:solidFill>
+                <a:schemeClr val="tx1"/>
+              </a:solidFill>
+            </a:ln>
+          </p:spPr>
+          <p:style>
+            <a:lnRef idx="1">
+              <a:schemeClr val="accent1"/>
+            </a:lnRef>
+            <a:fillRef idx="0">
+              <a:schemeClr val="accent1"/>
+            </a:fillRef>
+            <a:effectRef idx="0">
+              <a:schemeClr val="accent1"/>
+            </a:effectRef>
+            <a:fontRef idx="minor">
+              <a:schemeClr val="tx1"/>
+            </a:fontRef>
+          </p:style>
+        </p:cxnSp>
+        <p:sp>
+          <p:nvSpPr>
+            <p:cNvPr id="383" name="TextBox 382"/>
+            <p:cNvSpPr txBox="1"/>
+            <p:nvPr/>
+          </p:nvSpPr>
+          <p:spPr>
+            <a:xfrm>
+              <a:off x="1049498" y="3771205"/>
+              <a:ext cx="3267360" cy="338554"/>
+            </a:xfrm>
+            <a:prstGeom prst="rect">
+              <a:avLst/>
+            </a:prstGeom>
+            <a:noFill/>
+          </p:spPr>
+          <p:txBody>
+            <a:bodyPr wrap="square" rtlCol="0">
+              <a:spAutoFit/>
+            </a:bodyPr>
+            <a:lstStyle/>
+            <a:p>
+              <a:r>
+                <a:rPr lang="en-US" sz="800" dirty="0">
+                  <a:latin typeface="Times New Roman" panose="02020603050405020304" pitchFamily="18" charset="0"/>
+                  <a:cs typeface="Times New Roman" panose="02020603050405020304" pitchFamily="18" charset="0"/>
+                </a:rPr>
+                <a:t>Figure 3. Electronic logic and counting circuit used in the experiment. TAC is short for time-to-amplitude converter.</a:t>
+              </a:r>
+            </a:p>
+          </p:txBody>
+        </p:sp>
+      </p:grpSp>
+      <p:grpSp>
+        <p:nvGrpSpPr>
+          <p:cNvPr id="391" name="Group 390"/>
+          <p:cNvGrpSpPr/>
+          <p:nvPr/>
+        </p:nvGrpSpPr>
+        <p:grpSpPr>
+          <a:xfrm>
+            <a:off x="4361416" y="3174073"/>
+            <a:ext cx="3046024" cy="3152187"/>
+            <a:chOff x="4095078" y="4293489"/>
+            <a:chExt cx="3046024" cy="3152187"/>
+          </a:xfrm>
+        </p:grpSpPr>
+        <p:pic>
+          <p:nvPicPr>
+            <p:cNvPr id="386" name="Graphic 385"/>
+            <p:cNvPicPr>
+              <a:picLocks noChangeAspect="1"/>
+            </p:cNvPicPr>
+            <p:nvPr/>
+          </p:nvPicPr>
+          <p:blipFill>
+            <a:blip r:embed="rId17">
+              <a:extLst>
+                <a:ext uri="{28A0092B-C50C-407E-A947-70E740481C1C}">
+                  <a14:useLocalDpi xmlns:a14="http://schemas.microsoft.com/office/drawing/2010/main" val="0"/>
+                </a:ext>
+                <a:ext uri="{96DAC541-7B7A-43D3-8B79-37D633B846F1}">
+                  <asvg:svgBlip xmlns:asvg="http://schemas.microsoft.com/office/drawing/2016/SVG/main" r:embed="rId18"/>
+                </a:ext>
+              </a:extLst>
+            </a:blip>
+            <a:stretch>
+              <a:fillRect/>
+            </a:stretch>
+          </p:blipFill>
+          <p:spPr>
+            <a:xfrm>
+              <a:off x="4095078" y="4293489"/>
+              <a:ext cx="3046024" cy="2352906"/>
+            </a:xfrm>
+            <a:prstGeom prst="rect">
+              <a:avLst/>
+            </a:prstGeom>
+          </p:spPr>
+        </p:pic>
+        <p:sp>
+          <p:nvSpPr>
+            <p:cNvPr id="387" name="Flowchart: Process 386"/>
+            <p:cNvSpPr/>
+            <p:nvPr/>
+          </p:nvSpPr>
+          <p:spPr>
+            <a:xfrm>
+              <a:off x="4235450" y="4422517"/>
+              <a:ext cx="2667000" cy="2975233"/>
+            </a:xfrm>
+            <a:prstGeom prst="flowChartProcess">
+              <a:avLst/>
+            </a:prstGeom>
+            <a:noFill/>
+            <a:ln>
+              <a:solidFill>
+                <a:schemeClr val="tx1"/>
+              </a:solidFill>
+            </a:ln>
+          </p:spPr>
+          <p:style>
+            <a:lnRef idx="2">
+              <a:schemeClr val="accent1">
+                <a:shade val="50000"/>
+              </a:schemeClr>
+            </a:lnRef>
+            <a:fillRef idx="1">
+              <a:schemeClr val="accent1"/>
+            </a:fillRef>
+            <a:effectRef idx="0">
+              <a:schemeClr val="accent1"/>
+            </a:effectRef>
+            <a:fontRef idx="minor">
+              <a:schemeClr val="lt1"/>
+            </a:fontRef>
+          </p:style>
+          <p:txBody>
+            <a:bodyPr rtlCol="0" anchor="ctr"/>
+            <a:lstStyle/>
+            <a:p>
+              <a:pPr algn="ctr"/>
+              <a:endParaRPr lang="en-US"/>
+            </a:p>
+          </p:txBody>
+        </p:sp>
+        <p:cxnSp>
+          <p:nvCxnSpPr>
+            <p:cNvPr id="389" name="Straight Connector 388"/>
+            <p:cNvCxnSpPr/>
+            <p:nvPr/>
+          </p:nvCxnSpPr>
+          <p:spPr>
+            <a:xfrm>
+              <a:off x="4235450" y="6620931"/>
+              <a:ext cx="2667000" cy="0"/>
+            </a:xfrm>
+            <a:prstGeom prst="line">
+              <a:avLst/>
+            </a:prstGeom>
+            <a:ln w="12700">
+              <a:solidFill>
+                <a:schemeClr val="tx1"/>
+              </a:solidFill>
+            </a:ln>
+          </p:spPr>
+          <p:style>
+            <a:lnRef idx="1">
+              <a:schemeClr val="accent1"/>
+            </a:lnRef>
+            <a:fillRef idx="0">
+              <a:schemeClr val="accent1"/>
+            </a:fillRef>
+            <a:effectRef idx="0">
+              <a:schemeClr val="accent1"/>
+            </a:effectRef>
+            <a:fontRef idx="minor">
+              <a:schemeClr val="tx1"/>
+            </a:fontRef>
+          </p:style>
+        </p:cxnSp>
+        <p:sp>
+          <p:nvSpPr>
+            <p:cNvPr id="390" name="TextBox 389"/>
+            <p:cNvSpPr txBox="1"/>
+            <p:nvPr/>
+          </p:nvSpPr>
+          <p:spPr>
+            <a:xfrm>
+              <a:off x="4229421" y="6583902"/>
+              <a:ext cx="2742879" cy="861774"/>
+            </a:xfrm>
+            <a:prstGeom prst="rect">
+              <a:avLst/>
+            </a:prstGeom>
+            <a:noFill/>
+          </p:spPr>
+          <p:txBody>
+            <a:bodyPr wrap="square" rtlCol="0">
+              <a:spAutoFit/>
+            </a:bodyPr>
+            <a:lstStyle/>
+            <a:p>
+              <a:pPr algn="just"/>
+              <a:r>
+                <a:rPr lang="en-US" sz="1000" dirty="0">
+                  <a:latin typeface="Times New Roman" panose="02020603050405020304" pitchFamily="18" charset="0"/>
+                  <a:cs typeface="Times New Roman" panose="02020603050405020304" pitchFamily="18" charset="0"/>
+                </a:rPr>
+                <a:t>Figure 5. Determination of plateau voltage for the top-most PMT. A voltage of 1.251 kV was selected because it yielded the maximum number of counts and was almost immediately before the sharp increase.</a:t>
+              </a:r>
+            </a:p>
+          </p:txBody>
+        </p:sp>
+      </p:grpSp>
+      <p:grpSp>
+        <p:nvGrpSpPr>
+          <p:cNvPr id="400" name="Group 399"/>
+          <p:cNvGrpSpPr/>
+          <p:nvPr/>
+        </p:nvGrpSpPr>
+        <p:grpSpPr>
+          <a:xfrm>
+            <a:off x="3773785" y="6558763"/>
+            <a:ext cx="3079950" cy="2650289"/>
+            <a:chOff x="3783311" y="6558763"/>
+            <a:chExt cx="3079950" cy="2650289"/>
+          </a:xfrm>
+        </p:grpSpPr>
+        <p:sp>
+          <p:nvSpPr>
+            <p:cNvPr id="394" name="Rectangle 393"/>
+            <p:cNvSpPr/>
+            <p:nvPr/>
+          </p:nvSpPr>
+          <p:spPr>
+            <a:xfrm>
+              <a:off x="3829440" y="6558763"/>
+              <a:ext cx="3033821" cy="2650289"/>
+            </a:xfrm>
+            <a:prstGeom prst="rect">
+              <a:avLst/>
+            </a:prstGeom>
+            <a:noFill/>
+            <a:ln>
+              <a:solidFill>
+                <a:schemeClr val="tx1"/>
+              </a:solidFill>
+            </a:ln>
+          </p:spPr>
+          <p:style>
+            <a:lnRef idx="2">
+              <a:schemeClr val="accent1">
+                <a:shade val="50000"/>
+              </a:schemeClr>
+            </a:lnRef>
+            <a:fillRef idx="1">
+              <a:schemeClr val="accent1"/>
+            </a:fillRef>
+            <a:effectRef idx="0">
+              <a:schemeClr val="accent1"/>
+            </a:effectRef>
+            <a:fontRef idx="minor">
+              <a:schemeClr val="lt1"/>
+            </a:fontRef>
+          </p:style>
+          <p:txBody>
+            <a:bodyPr rtlCol="0" anchor="ctr"/>
+            <a:lstStyle/>
+            <a:p>
+              <a:pPr algn="ctr"/>
+              <a:endParaRPr lang="en-US"/>
+            </a:p>
+          </p:txBody>
+        </p:sp>
+        <p:cxnSp>
+          <p:nvCxnSpPr>
+            <p:cNvPr id="396" name="Straight Connector 395"/>
+            <p:cNvCxnSpPr/>
+            <p:nvPr/>
+          </p:nvCxnSpPr>
+          <p:spPr>
+            <a:xfrm>
+              <a:off x="3829440" y="8679431"/>
+              <a:ext cx="3033821" cy="0"/>
+            </a:xfrm>
+            <a:prstGeom prst="line">
+              <a:avLst/>
+            </a:prstGeom>
+            <a:ln w="12700">
+              <a:solidFill>
+                <a:schemeClr val="tx1"/>
+              </a:solidFill>
+            </a:ln>
+          </p:spPr>
+          <p:style>
+            <a:lnRef idx="1">
+              <a:schemeClr val="accent1"/>
+            </a:lnRef>
+            <a:fillRef idx="0">
+              <a:schemeClr val="accent1"/>
+            </a:fillRef>
+            <a:effectRef idx="0">
+              <a:schemeClr val="accent1"/>
+            </a:effectRef>
+            <a:fontRef idx="minor">
+              <a:schemeClr val="tx1"/>
+            </a:fontRef>
+          </p:style>
+        </p:cxnSp>
+        <mc:AlternateContent xmlns:mc="http://schemas.openxmlformats.org/markup-compatibility/2006">
+          <mc:Choice xmlns:a14="http://schemas.microsoft.com/office/drawing/2010/main" Requires="a14">
+            <p:sp>
+              <p:nvSpPr>
+                <p:cNvPr id="397" name="TextBox 396"/>
+                <p:cNvSpPr txBox="1"/>
+                <p:nvPr/>
+              </p:nvSpPr>
+              <p:spPr>
+                <a:xfrm>
+                  <a:off x="3783311" y="8655054"/>
+                  <a:ext cx="3079950" cy="553998"/>
+                </a:xfrm>
+                <a:prstGeom prst="rect">
+                  <a:avLst/>
+                </a:prstGeom>
+                <a:noFill/>
+              </p:spPr>
+              <p:txBody>
+                <a:bodyPr wrap="square" rtlCol="0">
+                  <a:spAutoFit/>
+                </a:bodyPr>
+                <a:lstStyle/>
+                <a:p>
+                  <a:pPr algn="just"/>
+                  <a:r>
+                    <a:rPr lang="en-US" sz="1000" dirty="0">
+                      <a:latin typeface="Times New Roman" panose="02020603050405020304" pitchFamily="18" charset="0"/>
+                      <a:cs typeface="Times New Roman" panose="02020603050405020304" pitchFamily="18" charset="0"/>
+                    </a:rPr>
+                    <a:t>Figure 6. Plot of delay calibration between the first and third discriminator. A value of 8 on the x-axis indicates that </a:t>
+                  </a:r>
+                  <a14:m>
+                    <m:oMath xmlns:m="http://schemas.openxmlformats.org/officeDocument/2006/math">
+                      <m:sSub>
+                        <m:sSubPr>
+                          <m:ctrlPr>
+                            <a:rPr lang="en-US" sz="1000" b="0" i="1" smtClean="0">
+                              <a:latin typeface="Cambria Math" panose="02040503050406030204" pitchFamily="18" charset="0"/>
+                              <a:cs typeface="Times New Roman" panose="02020603050405020304" pitchFamily="18" charset="0"/>
+                            </a:rPr>
+                          </m:ctrlPr>
+                        </m:sSubPr>
+                        <m:e>
+                          <m:r>
+                            <a:rPr lang="en-US" sz="1000" b="0" i="1" smtClean="0">
+                              <a:latin typeface="Cambria Math" panose="02040503050406030204" pitchFamily="18" charset="0"/>
+                              <a:cs typeface="Times New Roman" panose="02020603050405020304" pitchFamily="18" charset="0"/>
+                            </a:rPr>
+                            <m:t>𝑆</m:t>
+                          </m:r>
+                        </m:e>
+                        <m:sub>
+                          <m:r>
+                            <a:rPr lang="en-US" sz="1000" b="0" i="1" smtClean="0">
+                              <a:latin typeface="Cambria Math" panose="02040503050406030204" pitchFamily="18" charset="0"/>
+                              <a:cs typeface="Times New Roman" panose="02020603050405020304" pitchFamily="18" charset="0"/>
+                            </a:rPr>
+                            <m:t>3</m:t>
+                          </m:r>
+                        </m:sub>
+                      </m:sSub>
+                    </m:oMath>
+                  </a14:m>
+                  <a:r>
+                    <a:rPr lang="en-US" sz="1000" dirty="0">
+                      <a:latin typeface="Times New Roman" panose="02020603050405020304" pitchFamily="18" charset="0"/>
+                      <a:cs typeface="Times New Roman" panose="02020603050405020304" pitchFamily="18" charset="0"/>
+                    </a:rPr>
+                    <a:t> takes 8 ns longer than </a:t>
+                  </a:r>
+                  <a14:m>
+                    <m:oMath xmlns:m="http://schemas.openxmlformats.org/officeDocument/2006/math">
+                      <m:sSub>
+                        <m:sSubPr>
+                          <m:ctrlPr>
+                            <a:rPr lang="en-US" sz="1000" b="0" i="1" smtClean="0">
+                              <a:latin typeface="Cambria Math" panose="02040503050406030204" pitchFamily="18" charset="0"/>
+                              <a:cs typeface="Times New Roman" panose="02020603050405020304" pitchFamily="18" charset="0"/>
+                            </a:rPr>
+                          </m:ctrlPr>
+                        </m:sSubPr>
+                        <m:e>
+                          <m:r>
+                            <a:rPr lang="en-US" sz="1000" b="0" i="1" smtClean="0">
+                              <a:latin typeface="Cambria Math" panose="02040503050406030204" pitchFamily="18" charset="0"/>
+                              <a:cs typeface="Times New Roman" panose="02020603050405020304" pitchFamily="18" charset="0"/>
+                            </a:rPr>
+                            <m:t>𝑆</m:t>
+                          </m:r>
+                        </m:e>
+                        <m:sub>
+                          <m:r>
+                            <a:rPr lang="en-US" sz="1000" b="0" i="1" smtClean="0">
+                              <a:latin typeface="Cambria Math" panose="02040503050406030204" pitchFamily="18" charset="0"/>
+                              <a:cs typeface="Times New Roman" panose="02020603050405020304" pitchFamily="18" charset="0"/>
+                            </a:rPr>
+                            <m:t>1</m:t>
+                          </m:r>
+                        </m:sub>
+                      </m:sSub>
+                    </m:oMath>
+                  </a14:m>
+                  <a:r>
+                    <a:rPr lang="en-US" sz="1000" dirty="0">
+                      <a:latin typeface="Times New Roman" panose="02020603050405020304" pitchFamily="18" charset="0"/>
+                      <a:cs typeface="Times New Roman" panose="02020603050405020304" pitchFamily="18" charset="0"/>
+                    </a:rPr>
+                    <a:t> to reach the TAC.</a:t>
+                  </a:r>
+                </a:p>
+              </p:txBody>
+            </p:sp>
+          </mc:Choice>
+          <mc:Fallback>
+            <p:sp>
+              <p:nvSpPr>
+                <p:cNvPr id="397" name="TextBox 396"/>
+                <p:cNvSpPr txBox="1">
+                  <a:spLocks noRot="1" noChangeAspect="1" noMove="1" noResize="1" noEditPoints="1" noAdjustHandles="1" noChangeArrowheads="1" noChangeShapeType="1" noTextEdit="1"/>
+                </p:cNvSpPr>
+                <p:nvPr/>
+              </p:nvSpPr>
+              <p:spPr>
+                <a:xfrm>
+                  <a:off x="3783311" y="8655054"/>
+                  <a:ext cx="3079950" cy="553998"/>
+                </a:xfrm>
+                <a:prstGeom prst="rect">
+                  <a:avLst/>
+                </a:prstGeom>
+                <a:blipFill>
+                  <a:blip r:embed="rId19"/>
+                  <a:stretch>
+                    <a:fillRect b="-4396"/>
+                  </a:stretch>
+                </a:blipFill>
+              </p:spPr>
+              <p:txBody>
+                <a:bodyPr/>
+                <a:lstStyle/>
+                <a:p>
+                  <a:r>
+                    <a:rPr lang="en-US">
+                      <a:noFill/>
+                    </a:rPr>
+                    <a:t> </a:t>
+                  </a:r>
+                </a:p>
+              </p:txBody>
+            </p:sp>
+          </mc:Fallback>
+        </mc:AlternateContent>
+        <p:pic>
+          <p:nvPicPr>
+            <p:cNvPr id="399" name="Graphic 398"/>
+            <p:cNvPicPr>
+              <a:picLocks noChangeAspect="1"/>
+            </p:cNvPicPr>
+            <p:nvPr/>
+          </p:nvPicPr>
+          <p:blipFill>
+            <a:blip r:embed="rId20">
+              <a:extLst>
+                <a:ext uri="{28A0092B-C50C-407E-A947-70E740481C1C}">
+                  <a14:useLocalDpi xmlns:a14="http://schemas.microsoft.com/office/drawing/2010/main" val="0"/>
+                </a:ext>
+                <a:ext uri="{96DAC541-7B7A-43D3-8B79-37D633B846F1}">
+                  <asvg:svgBlip xmlns:asvg="http://schemas.microsoft.com/office/drawing/2016/SVG/main" r:embed="rId21"/>
+                </a:ext>
+              </a:extLst>
+            </a:blip>
+            <a:stretch>
+              <a:fillRect/>
+            </a:stretch>
+          </p:blipFill>
+          <p:spPr>
+            <a:xfrm>
+              <a:off x="3896838" y="6597057"/>
+              <a:ext cx="2897999" cy="2052426"/>
+            </a:xfrm>
+            <a:prstGeom prst="rect">
+              <a:avLst/>
+            </a:prstGeom>
+          </p:spPr>
+        </p:pic>
       </p:grpSp>
     </p:spTree>
     <p:extLst>
